--- a/Segurança da Informação/Aula-04-ISO27001-Estrutura-e-escopo.pptx
+++ b/Segurança da Informação/Aula-04-ISO27001-Estrutura-e-escopo.pptx
@@ -16,25 +16,27 @@
     <p:sldId id="261" r:id="rId10"/>
     <p:sldId id="262" r:id="rId11"/>
     <p:sldId id="284" r:id="rId12"/>
-    <p:sldId id="263" r:id="rId13"/>
-    <p:sldId id="264" r:id="rId14"/>
-    <p:sldId id="265" r:id="rId15"/>
-    <p:sldId id="266" r:id="rId16"/>
-    <p:sldId id="267" r:id="rId17"/>
-    <p:sldId id="285" r:id="rId18"/>
-    <p:sldId id="286" r:id="rId19"/>
-    <p:sldId id="268" r:id="rId20"/>
-    <p:sldId id="269" r:id="rId21"/>
-    <p:sldId id="271" r:id="rId22"/>
-    <p:sldId id="272" r:id="rId23"/>
-    <p:sldId id="273" r:id="rId24"/>
-    <p:sldId id="274" r:id="rId25"/>
-    <p:sldId id="275" r:id="rId26"/>
-    <p:sldId id="276" r:id="rId27"/>
-    <p:sldId id="277" r:id="rId28"/>
-    <p:sldId id="278" r:id="rId29"/>
-    <p:sldId id="279" r:id="rId30"/>
-    <p:sldId id="280" r:id="rId31"/>
+    <p:sldId id="288" r:id="rId13"/>
+    <p:sldId id="263" r:id="rId14"/>
+    <p:sldId id="264" r:id="rId15"/>
+    <p:sldId id="265" r:id="rId16"/>
+    <p:sldId id="266" r:id="rId17"/>
+    <p:sldId id="267" r:id="rId18"/>
+    <p:sldId id="285" r:id="rId19"/>
+    <p:sldId id="286" r:id="rId20"/>
+    <p:sldId id="268" r:id="rId21"/>
+    <p:sldId id="269" r:id="rId22"/>
+    <p:sldId id="271" r:id="rId23"/>
+    <p:sldId id="272" r:id="rId24"/>
+    <p:sldId id="273" r:id="rId25"/>
+    <p:sldId id="274" r:id="rId26"/>
+    <p:sldId id="275" r:id="rId27"/>
+    <p:sldId id="287" r:id="rId28"/>
+    <p:sldId id="276" r:id="rId29"/>
+    <p:sldId id="277" r:id="rId30"/>
+    <p:sldId id="278" r:id="rId31"/>
+    <p:sldId id="279" r:id="rId32"/>
+    <p:sldId id="280" r:id="rId33"/>
   </p:sldIdLst>
   <p:sldSz cx="9144000" cy="6858000" type="screen4x3"/>
   <p:notesSz cx="6985000" cy="9283700"/>
@@ -1819,6 +1821,753 @@
 </file>
 
 <file path=ppt/diagrams/colors3.xml><?xml version="1.0" encoding="utf-8"?>
+<dgm:colorsDef xmlns:dgm="http://schemas.openxmlformats.org/drawingml/2006/diagram" xmlns:a="http://schemas.openxmlformats.org/drawingml/2006/main" uniqueId="urn:microsoft.com/office/officeart/2005/8/colors/accent1_2">
+  <dgm:title val=""/>
+  <dgm:desc val=""/>
+  <dgm:catLst>
+    <dgm:cat type="accent1" pri="11200"/>
+  </dgm:catLst>
+  <dgm:styleLbl name="node0">
+    <dgm:fillClrLst meth="repeat">
+      <a:schemeClr val="accent1"/>
+    </dgm:fillClrLst>
+    <dgm:linClrLst meth="repeat">
+      <a:schemeClr val="lt1"/>
+    </dgm:linClrLst>
+    <dgm:effectClrLst/>
+    <dgm:txLinClrLst/>
+    <dgm:txFillClrLst/>
+    <dgm:txEffectClrLst/>
+  </dgm:styleLbl>
+  <dgm:styleLbl name="alignNode1">
+    <dgm:fillClrLst meth="repeat">
+      <a:schemeClr val="accent1"/>
+    </dgm:fillClrLst>
+    <dgm:linClrLst meth="repeat">
+      <a:schemeClr val="accent1"/>
+    </dgm:linClrLst>
+    <dgm:effectClrLst/>
+    <dgm:txLinClrLst/>
+    <dgm:txFillClrLst/>
+    <dgm:txEffectClrLst/>
+  </dgm:styleLbl>
+  <dgm:styleLbl name="node1">
+    <dgm:fillClrLst meth="repeat">
+      <a:schemeClr val="accent1"/>
+    </dgm:fillClrLst>
+    <dgm:linClrLst meth="repeat">
+      <a:schemeClr val="lt1"/>
+    </dgm:linClrLst>
+    <dgm:effectClrLst/>
+    <dgm:txLinClrLst/>
+    <dgm:txFillClrLst/>
+    <dgm:txEffectClrLst/>
+  </dgm:styleLbl>
+  <dgm:styleLbl name="lnNode1">
+    <dgm:fillClrLst meth="repeat">
+      <a:schemeClr val="accent1"/>
+    </dgm:fillClrLst>
+    <dgm:linClrLst meth="repeat">
+      <a:schemeClr val="lt1"/>
+    </dgm:linClrLst>
+    <dgm:effectClrLst/>
+    <dgm:txLinClrLst/>
+    <dgm:txFillClrLst/>
+    <dgm:txEffectClrLst/>
+  </dgm:styleLbl>
+  <dgm:styleLbl name="vennNode1">
+    <dgm:fillClrLst meth="repeat">
+      <a:schemeClr val="accent1">
+        <a:alpha val="50000"/>
+      </a:schemeClr>
+    </dgm:fillClrLst>
+    <dgm:linClrLst meth="repeat">
+      <a:schemeClr val="lt1"/>
+    </dgm:linClrLst>
+    <dgm:effectClrLst/>
+    <dgm:txLinClrLst/>
+    <dgm:txFillClrLst/>
+    <dgm:txEffectClrLst/>
+  </dgm:styleLbl>
+  <dgm:styleLbl name="node2">
+    <dgm:fillClrLst meth="repeat">
+      <a:schemeClr val="accent1"/>
+    </dgm:fillClrLst>
+    <dgm:linClrLst meth="repeat">
+      <a:schemeClr val="lt1"/>
+    </dgm:linClrLst>
+    <dgm:effectClrLst/>
+    <dgm:txLinClrLst/>
+    <dgm:txFillClrLst/>
+    <dgm:txEffectClrLst/>
+  </dgm:styleLbl>
+  <dgm:styleLbl name="node3">
+    <dgm:fillClrLst meth="repeat">
+      <a:schemeClr val="accent1"/>
+    </dgm:fillClrLst>
+    <dgm:linClrLst meth="repeat">
+      <a:schemeClr val="lt1"/>
+    </dgm:linClrLst>
+    <dgm:effectClrLst/>
+    <dgm:txLinClrLst/>
+    <dgm:txFillClrLst/>
+    <dgm:txEffectClrLst/>
+  </dgm:styleLbl>
+  <dgm:styleLbl name="node4">
+    <dgm:fillClrLst meth="repeat">
+      <a:schemeClr val="accent1"/>
+    </dgm:fillClrLst>
+    <dgm:linClrLst meth="repeat">
+      <a:schemeClr val="lt1"/>
+    </dgm:linClrLst>
+    <dgm:effectClrLst/>
+    <dgm:txLinClrLst/>
+    <dgm:txFillClrLst/>
+    <dgm:txEffectClrLst/>
+  </dgm:styleLbl>
+  <dgm:styleLbl name="fgImgPlace1">
+    <dgm:fillClrLst meth="repeat">
+      <a:schemeClr val="accent1">
+        <a:tint val="50000"/>
+      </a:schemeClr>
+    </dgm:fillClrLst>
+    <dgm:linClrLst meth="repeat">
+      <a:schemeClr val="lt1"/>
+    </dgm:linClrLst>
+    <dgm:effectClrLst/>
+    <dgm:txLinClrLst/>
+    <dgm:txFillClrLst meth="repeat">
+      <a:schemeClr val="lt1"/>
+    </dgm:txFillClrLst>
+    <dgm:txEffectClrLst/>
+  </dgm:styleLbl>
+  <dgm:styleLbl name="alignImgPlace1">
+    <dgm:fillClrLst meth="repeat">
+      <a:schemeClr val="accent1">
+        <a:tint val="50000"/>
+      </a:schemeClr>
+    </dgm:fillClrLst>
+    <dgm:linClrLst meth="repeat">
+      <a:schemeClr val="lt1"/>
+    </dgm:linClrLst>
+    <dgm:effectClrLst/>
+    <dgm:txLinClrLst/>
+    <dgm:txFillClrLst meth="repeat">
+      <a:schemeClr val="lt1"/>
+    </dgm:txFillClrLst>
+    <dgm:txEffectClrLst/>
+  </dgm:styleLbl>
+  <dgm:styleLbl name="bgImgPlace1">
+    <dgm:fillClrLst meth="repeat">
+      <a:schemeClr val="accent1">
+        <a:tint val="50000"/>
+      </a:schemeClr>
+    </dgm:fillClrLst>
+    <dgm:linClrLst meth="repeat">
+      <a:schemeClr val="lt1"/>
+    </dgm:linClrLst>
+    <dgm:effectClrLst/>
+    <dgm:txLinClrLst/>
+    <dgm:txFillClrLst meth="repeat">
+      <a:schemeClr val="lt1"/>
+    </dgm:txFillClrLst>
+    <dgm:txEffectClrLst/>
+  </dgm:styleLbl>
+  <dgm:styleLbl name="sibTrans2D1">
+    <dgm:fillClrLst meth="repeat">
+      <a:schemeClr val="accent1">
+        <a:tint val="60000"/>
+      </a:schemeClr>
+    </dgm:fillClrLst>
+    <dgm:linClrLst meth="repeat">
+      <a:schemeClr val="accent1">
+        <a:tint val="60000"/>
+      </a:schemeClr>
+    </dgm:linClrLst>
+    <dgm:effectClrLst/>
+    <dgm:txLinClrLst/>
+    <dgm:txFillClrLst/>
+    <dgm:txEffectClrLst/>
+  </dgm:styleLbl>
+  <dgm:styleLbl name="fgSibTrans2D1">
+    <dgm:fillClrLst meth="repeat">
+      <a:schemeClr val="accent1">
+        <a:tint val="60000"/>
+      </a:schemeClr>
+    </dgm:fillClrLst>
+    <dgm:linClrLst meth="repeat">
+      <a:schemeClr val="accent1">
+        <a:tint val="60000"/>
+      </a:schemeClr>
+    </dgm:linClrLst>
+    <dgm:effectClrLst/>
+    <dgm:txLinClrLst/>
+    <dgm:txFillClrLst/>
+    <dgm:txEffectClrLst/>
+  </dgm:styleLbl>
+  <dgm:styleLbl name="bgSibTrans2D1">
+    <dgm:fillClrLst meth="repeat">
+      <a:schemeClr val="accent1">
+        <a:tint val="60000"/>
+      </a:schemeClr>
+    </dgm:fillClrLst>
+    <dgm:linClrLst meth="repeat">
+      <a:schemeClr val="accent1">
+        <a:tint val="60000"/>
+      </a:schemeClr>
+    </dgm:linClrLst>
+    <dgm:effectClrLst/>
+    <dgm:txLinClrLst/>
+    <dgm:txFillClrLst/>
+    <dgm:txEffectClrLst/>
+  </dgm:styleLbl>
+  <dgm:styleLbl name="sibTrans1D1">
+    <dgm:fillClrLst meth="repeat">
+      <a:schemeClr val="accent1"/>
+    </dgm:fillClrLst>
+    <dgm:linClrLst meth="repeat">
+      <a:schemeClr val="accent1"/>
+    </dgm:linClrLst>
+    <dgm:effectClrLst/>
+    <dgm:txLinClrLst/>
+    <dgm:txFillClrLst meth="repeat">
+      <a:schemeClr val="tx1"/>
+    </dgm:txFillClrLst>
+    <dgm:txEffectClrLst/>
+  </dgm:styleLbl>
+  <dgm:styleLbl name="callout">
+    <dgm:fillClrLst meth="repeat">
+      <a:schemeClr val="accent1"/>
+    </dgm:fillClrLst>
+    <dgm:linClrLst meth="repeat">
+      <a:schemeClr val="accent1">
+        <a:tint val="50000"/>
+      </a:schemeClr>
+    </dgm:linClrLst>
+    <dgm:effectClrLst/>
+    <dgm:txLinClrLst/>
+    <dgm:txFillClrLst meth="repeat">
+      <a:schemeClr val="tx1"/>
+    </dgm:txFillClrLst>
+    <dgm:txEffectClrLst/>
+  </dgm:styleLbl>
+  <dgm:styleLbl name="asst0">
+    <dgm:fillClrLst meth="repeat">
+      <a:schemeClr val="accent1"/>
+    </dgm:fillClrLst>
+    <dgm:linClrLst meth="repeat">
+      <a:schemeClr val="lt1"/>
+    </dgm:linClrLst>
+    <dgm:effectClrLst/>
+    <dgm:txLinClrLst/>
+    <dgm:txFillClrLst/>
+    <dgm:txEffectClrLst/>
+  </dgm:styleLbl>
+  <dgm:styleLbl name="asst1">
+    <dgm:fillClrLst meth="repeat">
+      <a:schemeClr val="accent1"/>
+    </dgm:fillClrLst>
+    <dgm:linClrLst meth="repeat">
+      <a:schemeClr val="lt1"/>
+    </dgm:linClrLst>
+    <dgm:effectClrLst/>
+    <dgm:txLinClrLst/>
+    <dgm:txFillClrLst/>
+    <dgm:txEffectClrLst/>
+  </dgm:styleLbl>
+  <dgm:styleLbl name="asst2">
+    <dgm:fillClrLst meth="repeat">
+      <a:schemeClr val="accent1"/>
+    </dgm:fillClrLst>
+    <dgm:linClrLst meth="repeat">
+      <a:schemeClr val="lt1"/>
+    </dgm:linClrLst>
+    <dgm:effectClrLst/>
+    <dgm:txLinClrLst/>
+    <dgm:txFillClrLst/>
+    <dgm:txEffectClrLst/>
+  </dgm:styleLbl>
+  <dgm:styleLbl name="asst3">
+    <dgm:fillClrLst meth="repeat">
+      <a:schemeClr val="accent1"/>
+    </dgm:fillClrLst>
+    <dgm:linClrLst meth="repeat">
+      <a:schemeClr val="lt1"/>
+    </dgm:linClrLst>
+    <dgm:effectClrLst/>
+    <dgm:txLinClrLst/>
+    <dgm:txFillClrLst/>
+    <dgm:txEffectClrLst/>
+  </dgm:styleLbl>
+  <dgm:styleLbl name="asst4">
+    <dgm:fillClrLst meth="repeat">
+      <a:schemeClr val="accent1"/>
+    </dgm:fillClrLst>
+    <dgm:linClrLst meth="repeat">
+      <a:schemeClr val="lt1"/>
+    </dgm:linClrLst>
+    <dgm:effectClrLst/>
+    <dgm:txLinClrLst/>
+    <dgm:txFillClrLst/>
+    <dgm:txEffectClrLst/>
+  </dgm:styleLbl>
+  <dgm:styleLbl name="parChTrans2D1">
+    <dgm:fillClrLst meth="repeat">
+      <a:schemeClr val="accent1">
+        <a:tint val="60000"/>
+      </a:schemeClr>
+    </dgm:fillClrLst>
+    <dgm:linClrLst meth="repeat">
+      <a:schemeClr val="accent1">
+        <a:tint val="60000"/>
+      </a:schemeClr>
+    </dgm:linClrLst>
+    <dgm:effectClrLst/>
+    <dgm:txLinClrLst/>
+    <dgm:txFillClrLst meth="repeat">
+      <a:schemeClr val="lt1"/>
+    </dgm:txFillClrLst>
+    <dgm:txEffectClrLst/>
+  </dgm:styleLbl>
+  <dgm:styleLbl name="parChTrans2D2">
+    <dgm:fillClrLst meth="repeat">
+      <a:schemeClr val="accent1"/>
+    </dgm:fillClrLst>
+    <dgm:linClrLst meth="repeat">
+      <a:schemeClr val="accent1"/>
+    </dgm:linClrLst>
+    <dgm:effectClrLst/>
+    <dgm:txLinClrLst/>
+    <dgm:txFillClrLst meth="repeat">
+      <a:schemeClr val="lt1"/>
+    </dgm:txFillClrLst>
+    <dgm:txEffectClrLst/>
+  </dgm:styleLbl>
+  <dgm:styleLbl name="parChTrans2D3">
+    <dgm:fillClrLst meth="repeat">
+      <a:schemeClr val="accent1"/>
+    </dgm:fillClrLst>
+    <dgm:linClrLst meth="repeat">
+      <a:schemeClr val="accent1"/>
+    </dgm:linClrLst>
+    <dgm:effectClrLst/>
+    <dgm:txLinClrLst/>
+    <dgm:txFillClrLst meth="repeat">
+      <a:schemeClr val="lt1"/>
+    </dgm:txFillClrLst>
+    <dgm:txEffectClrLst/>
+  </dgm:styleLbl>
+  <dgm:styleLbl name="parChTrans2D4">
+    <dgm:fillClrLst meth="repeat">
+      <a:schemeClr val="accent1"/>
+    </dgm:fillClrLst>
+    <dgm:linClrLst meth="repeat">
+      <a:schemeClr val="accent1"/>
+    </dgm:linClrLst>
+    <dgm:effectClrLst/>
+    <dgm:txLinClrLst/>
+    <dgm:txFillClrLst meth="repeat">
+      <a:schemeClr val="lt1"/>
+    </dgm:txFillClrLst>
+    <dgm:txEffectClrLst/>
+  </dgm:styleLbl>
+  <dgm:styleLbl name="parChTrans1D1">
+    <dgm:fillClrLst meth="repeat">
+      <a:schemeClr val="accent1"/>
+    </dgm:fillClrLst>
+    <dgm:linClrLst meth="repeat">
+      <a:schemeClr val="accent1">
+        <a:shade val="60000"/>
+      </a:schemeClr>
+    </dgm:linClrLst>
+    <dgm:effectClrLst/>
+    <dgm:txLinClrLst/>
+    <dgm:txFillClrLst meth="repeat">
+      <a:schemeClr val="tx1"/>
+    </dgm:txFillClrLst>
+    <dgm:txEffectClrLst/>
+  </dgm:styleLbl>
+  <dgm:styleLbl name="parChTrans1D2">
+    <dgm:fillClrLst meth="repeat">
+      <a:schemeClr val="accent1"/>
+    </dgm:fillClrLst>
+    <dgm:linClrLst meth="repeat">
+      <a:schemeClr val="accent1">
+        <a:shade val="60000"/>
+      </a:schemeClr>
+    </dgm:linClrLst>
+    <dgm:effectClrLst/>
+    <dgm:txLinClrLst/>
+    <dgm:txFillClrLst meth="repeat">
+      <a:schemeClr val="tx1"/>
+    </dgm:txFillClrLst>
+    <dgm:txEffectClrLst/>
+  </dgm:styleLbl>
+  <dgm:styleLbl name="parChTrans1D3">
+    <dgm:fillClrLst meth="repeat">
+      <a:schemeClr val="accent1"/>
+    </dgm:fillClrLst>
+    <dgm:linClrLst meth="repeat">
+      <a:schemeClr val="accent1">
+        <a:shade val="80000"/>
+      </a:schemeClr>
+    </dgm:linClrLst>
+    <dgm:effectClrLst/>
+    <dgm:txLinClrLst/>
+    <dgm:txFillClrLst meth="repeat">
+      <a:schemeClr val="tx1"/>
+    </dgm:txFillClrLst>
+    <dgm:txEffectClrLst/>
+  </dgm:styleLbl>
+  <dgm:styleLbl name="parChTrans1D4">
+    <dgm:fillClrLst meth="repeat">
+      <a:schemeClr val="accent1"/>
+    </dgm:fillClrLst>
+    <dgm:linClrLst meth="repeat">
+      <a:schemeClr val="accent1">
+        <a:shade val="80000"/>
+      </a:schemeClr>
+    </dgm:linClrLst>
+    <dgm:effectClrLst/>
+    <dgm:txLinClrLst/>
+    <dgm:txFillClrLst meth="repeat">
+      <a:schemeClr val="tx1"/>
+    </dgm:txFillClrLst>
+    <dgm:txEffectClrLst/>
+  </dgm:styleLbl>
+  <dgm:styleLbl name="fgAcc1">
+    <dgm:fillClrLst meth="repeat">
+      <a:schemeClr val="lt1">
+        <a:alpha val="90000"/>
+      </a:schemeClr>
+    </dgm:fillClrLst>
+    <dgm:linClrLst meth="repeat">
+      <a:schemeClr val="accent1"/>
+    </dgm:linClrLst>
+    <dgm:effectClrLst/>
+    <dgm:txLinClrLst/>
+    <dgm:txFillClrLst meth="repeat">
+      <a:schemeClr val="dk1"/>
+    </dgm:txFillClrLst>
+    <dgm:txEffectClrLst/>
+  </dgm:styleLbl>
+  <dgm:styleLbl name="conFgAcc1">
+    <dgm:fillClrLst meth="repeat">
+      <a:schemeClr val="lt1">
+        <a:alpha val="90000"/>
+      </a:schemeClr>
+    </dgm:fillClrLst>
+    <dgm:linClrLst meth="repeat">
+      <a:schemeClr val="accent1"/>
+    </dgm:linClrLst>
+    <dgm:effectClrLst/>
+    <dgm:txLinClrLst/>
+    <dgm:txFillClrLst meth="repeat">
+      <a:schemeClr val="dk1"/>
+    </dgm:txFillClrLst>
+    <dgm:txEffectClrLst/>
+  </dgm:styleLbl>
+  <dgm:styleLbl name="alignAcc1">
+    <dgm:fillClrLst meth="repeat">
+      <a:schemeClr val="lt1">
+        <a:alpha val="90000"/>
+      </a:schemeClr>
+    </dgm:fillClrLst>
+    <dgm:linClrLst meth="repeat">
+      <a:schemeClr val="accent1"/>
+    </dgm:linClrLst>
+    <dgm:effectClrLst/>
+    <dgm:txLinClrLst/>
+    <dgm:txFillClrLst meth="repeat">
+      <a:schemeClr val="dk1"/>
+    </dgm:txFillClrLst>
+    <dgm:txEffectClrLst/>
+  </dgm:styleLbl>
+  <dgm:styleLbl name="trAlignAcc1">
+    <dgm:fillClrLst meth="repeat">
+      <a:schemeClr val="lt1">
+        <a:alpha val="40000"/>
+      </a:schemeClr>
+    </dgm:fillClrLst>
+    <dgm:linClrLst meth="repeat">
+      <a:schemeClr val="accent1"/>
+    </dgm:linClrLst>
+    <dgm:effectClrLst/>
+    <dgm:txLinClrLst/>
+    <dgm:txFillClrLst meth="repeat">
+      <a:schemeClr val="dk1"/>
+    </dgm:txFillClrLst>
+    <dgm:txEffectClrLst/>
+  </dgm:styleLbl>
+  <dgm:styleLbl name="bgAcc1">
+    <dgm:fillClrLst meth="repeat">
+      <a:schemeClr val="lt1">
+        <a:alpha val="90000"/>
+      </a:schemeClr>
+    </dgm:fillClrLst>
+    <dgm:linClrLst meth="repeat">
+      <a:schemeClr val="accent1"/>
+    </dgm:linClrLst>
+    <dgm:effectClrLst/>
+    <dgm:txLinClrLst/>
+    <dgm:txFillClrLst meth="repeat">
+      <a:schemeClr val="dk1"/>
+    </dgm:txFillClrLst>
+    <dgm:txEffectClrLst/>
+  </dgm:styleLbl>
+  <dgm:styleLbl name="solidFgAcc1">
+    <dgm:fillClrLst meth="repeat">
+      <a:schemeClr val="lt1"/>
+    </dgm:fillClrLst>
+    <dgm:linClrLst meth="repeat">
+      <a:schemeClr val="accent1"/>
+    </dgm:linClrLst>
+    <dgm:effectClrLst/>
+    <dgm:txLinClrLst/>
+    <dgm:txFillClrLst meth="repeat">
+      <a:schemeClr val="dk1"/>
+    </dgm:txFillClrLst>
+    <dgm:txEffectClrLst/>
+  </dgm:styleLbl>
+  <dgm:styleLbl name="solidAlignAcc1">
+    <dgm:fillClrLst meth="repeat">
+      <a:schemeClr val="lt1"/>
+    </dgm:fillClrLst>
+    <dgm:linClrLst meth="repeat">
+      <a:schemeClr val="accent1"/>
+    </dgm:linClrLst>
+    <dgm:effectClrLst/>
+    <dgm:txLinClrLst/>
+    <dgm:txFillClrLst meth="repeat">
+      <a:schemeClr val="dk1"/>
+    </dgm:txFillClrLst>
+    <dgm:txEffectClrLst/>
+  </dgm:styleLbl>
+  <dgm:styleLbl name="solidBgAcc1">
+    <dgm:fillClrLst meth="repeat">
+      <a:schemeClr val="lt1"/>
+    </dgm:fillClrLst>
+    <dgm:linClrLst meth="repeat">
+      <a:schemeClr val="accent1"/>
+    </dgm:linClrLst>
+    <dgm:effectClrLst/>
+    <dgm:txLinClrLst/>
+    <dgm:txFillClrLst meth="repeat">
+      <a:schemeClr val="dk1"/>
+    </dgm:txFillClrLst>
+    <dgm:txEffectClrLst/>
+  </dgm:styleLbl>
+  <dgm:styleLbl name="fgAccFollowNode1">
+    <dgm:fillClrLst meth="repeat">
+      <a:schemeClr val="accent1">
+        <a:alpha val="90000"/>
+        <a:tint val="40000"/>
+      </a:schemeClr>
+    </dgm:fillClrLst>
+    <dgm:linClrLst meth="repeat">
+      <a:schemeClr val="accent1">
+        <a:alpha val="90000"/>
+        <a:tint val="40000"/>
+      </a:schemeClr>
+    </dgm:linClrLst>
+    <dgm:effectClrLst/>
+    <dgm:txLinClrLst/>
+    <dgm:txFillClrLst meth="repeat">
+      <a:schemeClr val="dk1"/>
+    </dgm:txFillClrLst>
+    <dgm:txEffectClrLst/>
+  </dgm:styleLbl>
+  <dgm:styleLbl name="alignAccFollowNode1">
+    <dgm:fillClrLst meth="repeat">
+      <a:schemeClr val="accent1">
+        <a:alpha val="90000"/>
+        <a:tint val="40000"/>
+      </a:schemeClr>
+    </dgm:fillClrLst>
+    <dgm:linClrLst meth="repeat">
+      <a:schemeClr val="accent1">
+        <a:alpha val="90000"/>
+        <a:tint val="40000"/>
+      </a:schemeClr>
+    </dgm:linClrLst>
+    <dgm:effectClrLst/>
+    <dgm:txLinClrLst/>
+    <dgm:txFillClrLst meth="repeat">
+      <a:schemeClr val="dk1"/>
+    </dgm:txFillClrLst>
+    <dgm:txEffectClrLst/>
+  </dgm:styleLbl>
+  <dgm:styleLbl name="bgAccFollowNode1">
+    <dgm:fillClrLst meth="repeat">
+      <a:schemeClr val="accent1">
+        <a:alpha val="90000"/>
+        <a:tint val="40000"/>
+      </a:schemeClr>
+    </dgm:fillClrLst>
+    <dgm:linClrLst meth="repeat">
+      <a:schemeClr val="accent1">
+        <a:alpha val="90000"/>
+        <a:tint val="40000"/>
+      </a:schemeClr>
+    </dgm:linClrLst>
+    <dgm:effectClrLst/>
+    <dgm:txLinClrLst/>
+    <dgm:txFillClrLst meth="repeat">
+      <a:schemeClr val="dk1"/>
+    </dgm:txFillClrLst>
+    <dgm:txEffectClrLst/>
+  </dgm:styleLbl>
+  <dgm:styleLbl name="fgAcc0">
+    <dgm:fillClrLst meth="repeat">
+      <a:schemeClr val="lt1">
+        <a:alpha val="90000"/>
+      </a:schemeClr>
+    </dgm:fillClrLst>
+    <dgm:linClrLst meth="repeat">
+      <a:schemeClr val="accent1"/>
+    </dgm:linClrLst>
+    <dgm:effectClrLst/>
+    <dgm:txLinClrLst/>
+    <dgm:txFillClrLst meth="repeat">
+      <a:schemeClr val="dk1"/>
+    </dgm:txFillClrLst>
+    <dgm:txEffectClrLst/>
+  </dgm:styleLbl>
+  <dgm:styleLbl name="fgAcc2">
+    <dgm:fillClrLst meth="repeat">
+      <a:schemeClr val="lt1">
+        <a:alpha val="90000"/>
+      </a:schemeClr>
+    </dgm:fillClrLst>
+    <dgm:linClrLst meth="repeat">
+      <a:schemeClr val="accent1"/>
+    </dgm:linClrLst>
+    <dgm:effectClrLst/>
+    <dgm:txLinClrLst/>
+    <dgm:txFillClrLst meth="repeat">
+      <a:schemeClr val="dk1"/>
+    </dgm:txFillClrLst>
+    <dgm:txEffectClrLst/>
+  </dgm:styleLbl>
+  <dgm:styleLbl name="fgAcc3">
+    <dgm:fillClrLst meth="repeat">
+      <a:schemeClr val="lt1">
+        <a:alpha val="90000"/>
+      </a:schemeClr>
+    </dgm:fillClrLst>
+    <dgm:linClrLst meth="repeat">
+      <a:schemeClr val="accent1"/>
+    </dgm:linClrLst>
+    <dgm:effectClrLst/>
+    <dgm:txLinClrLst/>
+    <dgm:txFillClrLst meth="repeat">
+      <a:schemeClr val="dk1"/>
+    </dgm:txFillClrLst>
+    <dgm:txEffectClrLst/>
+  </dgm:styleLbl>
+  <dgm:styleLbl name="fgAcc4">
+    <dgm:fillClrLst meth="repeat">
+      <a:schemeClr val="lt1">
+        <a:alpha val="90000"/>
+      </a:schemeClr>
+    </dgm:fillClrLst>
+    <dgm:linClrLst meth="repeat">
+      <a:schemeClr val="accent1"/>
+    </dgm:linClrLst>
+    <dgm:effectClrLst/>
+    <dgm:txLinClrLst/>
+    <dgm:txFillClrLst meth="repeat">
+      <a:schemeClr val="dk1"/>
+    </dgm:txFillClrLst>
+    <dgm:txEffectClrLst/>
+  </dgm:styleLbl>
+  <dgm:styleLbl name="bgShp">
+    <dgm:fillClrLst meth="repeat">
+      <a:schemeClr val="accent1">
+        <a:tint val="40000"/>
+      </a:schemeClr>
+    </dgm:fillClrLst>
+    <dgm:linClrLst meth="repeat">
+      <a:schemeClr val="accent1"/>
+    </dgm:linClrLst>
+    <dgm:effectClrLst/>
+    <dgm:txLinClrLst/>
+    <dgm:txFillClrLst meth="repeat">
+      <a:schemeClr val="dk1"/>
+    </dgm:txFillClrLst>
+    <dgm:txEffectClrLst/>
+  </dgm:styleLbl>
+  <dgm:styleLbl name="dkBgShp">
+    <dgm:fillClrLst meth="repeat">
+      <a:schemeClr val="accent1">
+        <a:shade val="80000"/>
+      </a:schemeClr>
+    </dgm:fillClrLst>
+    <dgm:linClrLst meth="repeat">
+      <a:schemeClr val="accent1"/>
+    </dgm:linClrLst>
+    <dgm:effectClrLst/>
+    <dgm:txLinClrLst/>
+    <dgm:txFillClrLst meth="repeat">
+      <a:schemeClr val="lt1"/>
+    </dgm:txFillClrLst>
+    <dgm:txEffectClrLst/>
+  </dgm:styleLbl>
+  <dgm:styleLbl name="trBgShp">
+    <dgm:fillClrLst meth="repeat">
+      <a:schemeClr val="accent1">
+        <a:tint val="50000"/>
+        <a:alpha val="40000"/>
+      </a:schemeClr>
+    </dgm:fillClrLst>
+    <dgm:linClrLst meth="repeat">
+      <a:schemeClr val="accent1"/>
+    </dgm:linClrLst>
+    <dgm:effectClrLst/>
+    <dgm:txLinClrLst/>
+    <dgm:txFillClrLst meth="repeat">
+      <a:schemeClr val="lt1"/>
+    </dgm:txFillClrLst>
+    <dgm:txEffectClrLst/>
+  </dgm:styleLbl>
+  <dgm:styleLbl name="fgShp">
+    <dgm:fillClrLst meth="repeat">
+      <a:schemeClr val="accent1">
+        <a:tint val="60000"/>
+      </a:schemeClr>
+    </dgm:fillClrLst>
+    <dgm:linClrLst meth="repeat">
+      <a:schemeClr val="lt1"/>
+    </dgm:linClrLst>
+    <dgm:effectClrLst/>
+    <dgm:txLinClrLst/>
+    <dgm:txFillClrLst meth="repeat">
+      <a:schemeClr val="dk1"/>
+    </dgm:txFillClrLst>
+    <dgm:txEffectClrLst/>
+  </dgm:styleLbl>
+  <dgm:styleLbl name="revTx">
+    <dgm:fillClrLst meth="repeat">
+      <a:schemeClr val="lt1">
+        <a:alpha val="0"/>
+      </a:schemeClr>
+    </dgm:fillClrLst>
+    <dgm:linClrLst meth="repeat">
+      <a:schemeClr val="dk1">
+        <a:alpha val="0"/>
+      </a:schemeClr>
+    </dgm:linClrLst>
+    <dgm:effectClrLst/>
+    <dgm:txLinClrLst/>
+    <dgm:txFillClrLst meth="repeat">
+      <a:schemeClr val="tx1"/>
+    </dgm:txFillClrLst>
+    <dgm:txEffectClrLst/>
+  </dgm:styleLbl>
+</dgm:colorsDef>
+</file>
+
+<file path=ppt/diagrams/colors4.xml><?xml version="1.0" encoding="utf-8"?>
 <dgm:colorsDef xmlns:dgm="http://schemas.openxmlformats.org/drawingml/2006/diagram" xmlns:a="http://schemas.openxmlformats.org/drawingml/2006/main" uniqueId="urn:microsoft.com/office/officeart/2005/8/colors/accent1_2">
   <dgm:title val=""/>
   <dgm:desc val=""/>
@@ -3571,7 +4320,7 @@
 <dgm:dataModel xmlns:dgm="http://schemas.openxmlformats.org/drawingml/2006/diagram" xmlns:a="http://schemas.openxmlformats.org/drawingml/2006/main">
   <dgm:ptLst>
     <dgm:pt modelId="{36B6B4C7-8A9B-46B0-93C1-96E4A6112F95}" type="doc">
-      <dgm:prSet loTypeId="urn:microsoft.com/office/officeart/2005/8/layout/list1" loCatId="list" qsTypeId="urn:microsoft.com/office/officeart/2005/8/quickstyle/simple1" qsCatId="simple" csTypeId="urn:microsoft.com/office/officeart/2005/8/colors/accent1_2" csCatId="accent1"/>
+      <dgm:prSet loTypeId="urn:microsoft.com/office/officeart/2005/8/layout/list1" loCatId="list" qsTypeId="urn:microsoft.com/office/officeart/2005/8/quickstyle/simple1" qsCatId="simple" csTypeId="urn:microsoft.com/office/officeart/2005/8/colors/accent1_2" csCatId="accent1" phldr="1"/>
       <dgm:spPr/>
       <dgm:t>
         <a:bodyPr/>
@@ -3805,8 +4554,44 @@
         <a:lstStyle/>
         <a:p>
           <a:r>
-            <a:rPr lang="en-US"/>
-            <a:t>Implementar os controles e processos planejados.</a:t>
+            <a:rPr lang="en-US" dirty="0" err="1"/>
+            <a:t>Implementar</a:t>
+          </a:r>
+          <a:r>
+            <a:rPr lang="en-US" dirty="0"/>
+            <a:t> </a:t>
+          </a:r>
+          <a:r>
+            <a:rPr lang="en-US" dirty="0" err="1"/>
+            <a:t>os</a:t>
+          </a:r>
+          <a:r>
+            <a:rPr lang="en-US" dirty="0"/>
+            <a:t> </a:t>
+          </a:r>
+          <a:r>
+            <a:rPr lang="en-US" dirty="0" err="1"/>
+            <a:t>controles</a:t>
+          </a:r>
+          <a:r>
+            <a:rPr lang="en-US" dirty="0"/>
+            <a:t> e </a:t>
+          </a:r>
+          <a:r>
+            <a:rPr lang="en-US" dirty="0" err="1"/>
+            <a:t>processos</a:t>
+          </a:r>
+          <a:r>
+            <a:rPr lang="en-US" dirty="0"/>
+            <a:t> </a:t>
+          </a:r>
+          <a:r>
+            <a:rPr lang="en-US" dirty="0" err="1"/>
+            <a:t>planejados</a:t>
+          </a:r>
+          <a:r>
+            <a:rPr lang="en-US" dirty="0"/>
+            <a:t>.</a:t>
           </a:r>
         </a:p>
       </dgm:t>
@@ -3896,6 +4681,137 @@
     </dgm:pt>
     <dgm:pt modelId="{6DEB70B5-CAB8-4DD8-A6DA-E43C942600E6}" type="sibTrans" cxnId="{E033687D-D40F-4064-AD1F-1E73CB94A2E8}">
       <dgm:prSet/>
+      <dgm:spPr/>
+      <dgm:t>
+        <a:bodyPr/>
+        <a:lstStyle/>
+        <a:p>
+          <a:endParaRPr lang="en-US"/>
+        </a:p>
+      </dgm:t>
+    </dgm:pt>
+    <dgm:pt modelId="{7C290D97-1710-441E-A2E6-D3A8A8F18D22}" type="pres">
+      <dgm:prSet presAssocID="{36B6B4C7-8A9B-46B0-93C1-96E4A6112F95}" presName="linear" presStyleCnt="0">
+        <dgm:presLayoutVars>
+          <dgm:dir/>
+          <dgm:animLvl val="lvl"/>
+          <dgm:resizeHandles val="exact"/>
+        </dgm:presLayoutVars>
+      </dgm:prSet>
+      <dgm:spPr/>
+    </dgm:pt>
+    <dgm:pt modelId="{3D80AEEC-0DC0-47C7-BDAF-DC734200E360}" type="pres">
+      <dgm:prSet presAssocID="{E438CC26-6401-42EB-9670-92EB5096EC78}" presName="parentLin" presStyleCnt="0"/>
+      <dgm:spPr/>
+    </dgm:pt>
+    <dgm:pt modelId="{F2BAC7DA-3A62-41CF-B3B3-B4E0181DA642}" type="pres">
+      <dgm:prSet presAssocID="{E438CC26-6401-42EB-9670-92EB5096EC78}" presName="parentLeftMargin" presStyleLbl="node1" presStyleIdx="0" presStyleCnt="2"/>
+      <dgm:spPr/>
+    </dgm:pt>
+    <dgm:pt modelId="{E995355C-9360-4D9F-9145-F464815F43CB}" type="pres">
+      <dgm:prSet presAssocID="{E438CC26-6401-42EB-9670-92EB5096EC78}" presName="parentText" presStyleLbl="node1" presStyleIdx="0" presStyleCnt="2">
+        <dgm:presLayoutVars>
+          <dgm:chMax val="0"/>
+          <dgm:bulletEnabled val="1"/>
+        </dgm:presLayoutVars>
+      </dgm:prSet>
+      <dgm:spPr/>
+    </dgm:pt>
+    <dgm:pt modelId="{ED60AFFA-7CAD-4676-874E-5E6E91F82C42}" type="pres">
+      <dgm:prSet presAssocID="{E438CC26-6401-42EB-9670-92EB5096EC78}" presName="negativeSpace" presStyleCnt="0"/>
+      <dgm:spPr/>
+    </dgm:pt>
+    <dgm:pt modelId="{B357BF9A-1944-48C7-A78B-4318E186CA0A}" type="pres">
+      <dgm:prSet presAssocID="{E438CC26-6401-42EB-9670-92EB5096EC78}" presName="childText" presStyleLbl="conFgAcc1" presStyleIdx="0" presStyleCnt="2">
+        <dgm:presLayoutVars>
+          <dgm:bulletEnabled val="1"/>
+        </dgm:presLayoutVars>
+      </dgm:prSet>
+      <dgm:spPr/>
+    </dgm:pt>
+    <dgm:pt modelId="{F16C06D0-E2C7-40C2-963B-A691C3246D8A}" type="pres">
+      <dgm:prSet presAssocID="{C779E926-00EB-459B-8197-F89C4EC8BD7E}" presName="spaceBetweenRectangles" presStyleCnt="0"/>
+      <dgm:spPr/>
+    </dgm:pt>
+    <dgm:pt modelId="{9CE6B265-85A9-4A5F-AC6D-F175769ED44E}" type="pres">
+      <dgm:prSet presAssocID="{A7E23D4E-2622-4147-AFDF-4CE9B6545169}" presName="parentLin" presStyleCnt="0"/>
+      <dgm:spPr/>
+    </dgm:pt>
+    <dgm:pt modelId="{A186F614-6044-472B-BF8A-9D1CD86B2F8D}" type="pres">
+      <dgm:prSet presAssocID="{A7E23D4E-2622-4147-AFDF-4CE9B6545169}" presName="parentLeftMargin" presStyleLbl="node1" presStyleIdx="0" presStyleCnt="2"/>
+      <dgm:spPr/>
+    </dgm:pt>
+    <dgm:pt modelId="{A4DCB22F-00E0-458F-B634-9E102D893DCF}" type="pres">
+      <dgm:prSet presAssocID="{A7E23D4E-2622-4147-AFDF-4CE9B6545169}" presName="parentText" presStyleLbl="node1" presStyleIdx="1" presStyleCnt="2">
+        <dgm:presLayoutVars>
+          <dgm:chMax val="0"/>
+          <dgm:bulletEnabled val="1"/>
+        </dgm:presLayoutVars>
+      </dgm:prSet>
+      <dgm:spPr/>
+    </dgm:pt>
+    <dgm:pt modelId="{6CFCF9FE-28C5-4D02-8B90-67BC514C6733}" type="pres">
+      <dgm:prSet presAssocID="{A7E23D4E-2622-4147-AFDF-4CE9B6545169}" presName="negativeSpace" presStyleCnt="0"/>
+      <dgm:spPr/>
+    </dgm:pt>
+    <dgm:pt modelId="{76742F9C-3667-4350-8711-97805E0AE70B}" type="pres">
+      <dgm:prSet presAssocID="{A7E23D4E-2622-4147-AFDF-4CE9B6545169}" presName="childText" presStyleLbl="conFgAcc1" presStyleIdx="1" presStyleCnt="2">
+        <dgm:presLayoutVars>
+          <dgm:bulletEnabled val="1"/>
+        </dgm:presLayoutVars>
+      </dgm:prSet>
+      <dgm:spPr/>
+    </dgm:pt>
+  </dgm:ptLst>
+  <dgm:cxnLst>
+    <dgm:cxn modelId="{DEE28000-BDC3-449F-90AC-869FE23F5F40}" type="presOf" srcId="{A7E23D4E-2622-4147-AFDF-4CE9B6545169}" destId="{A186F614-6044-472B-BF8A-9D1CD86B2F8D}" srcOrd="0" destOrd="0" presId="urn:microsoft.com/office/officeart/2005/8/layout/list1"/>
+    <dgm:cxn modelId="{9DB7DF06-3DE2-4B64-92D4-6E21357D3A9C}" type="presOf" srcId="{88D8049E-922F-4E62-8639-3333D8FF6BF2}" destId="{B357BF9A-1944-48C7-A78B-4318E186CA0A}" srcOrd="0" destOrd="0" presId="urn:microsoft.com/office/officeart/2005/8/layout/list1"/>
+    <dgm:cxn modelId="{059EE413-D42E-40F9-B6AD-0A51C2A9E6EA}" type="presOf" srcId="{36B6B4C7-8A9B-46B0-93C1-96E4A6112F95}" destId="{7C290D97-1710-441E-A2E6-D3A8A8F18D22}" srcOrd="0" destOrd="0" presId="urn:microsoft.com/office/officeart/2005/8/layout/list1"/>
+    <dgm:cxn modelId="{FBCF7A2F-CB65-4E52-B72C-5800521D8494}" type="presOf" srcId="{AF6C2084-F793-48AD-BBE6-6AC187123D1A}" destId="{76742F9C-3667-4350-8711-97805E0AE70B}" srcOrd="0" destOrd="2" presId="urn:microsoft.com/office/officeart/2005/8/layout/list1"/>
+    <dgm:cxn modelId="{DD34AD45-1912-4378-AAE5-3F0F0772B6B2}" srcId="{E438CC26-6401-42EB-9670-92EB5096EC78}" destId="{41FE0E83-B78F-4312-8A8E-19F4326E135E}" srcOrd="3" destOrd="0" parTransId="{A4080608-11D3-48E1-860E-DDA039CAB142}" sibTransId="{AAD8B5EB-FB12-4441-A48C-A7E156E9CE81}"/>
+    <dgm:cxn modelId="{330E8167-B7B0-4672-B911-E5EAA7B1963D}" srcId="{E438CC26-6401-42EB-9670-92EB5096EC78}" destId="{F2DC2CAF-8483-438C-B3C9-777054FF2059}" srcOrd="1" destOrd="0" parTransId="{A0D36805-2EE6-43E6-B581-B957A7F65BC6}" sibTransId="{2B3CCE31-C646-408A-B433-668F55F2E0BC}"/>
+    <dgm:cxn modelId="{A1FB2B6A-4012-4519-BC3D-77F1E715AC1A}" srcId="{A7E23D4E-2622-4147-AFDF-4CE9B6545169}" destId="{7AE3F1EE-FA78-4257-ADCB-FDF8CC33D913}" srcOrd="0" destOrd="0" parTransId="{1F929E00-49D3-4397-A7D8-37E308DE975E}" sibTransId="{46DF309C-73D5-41F7-902E-BC79654F753B}"/>
+    <dgm:cxn modelId="{08F57D6E-AFBC-48FC-B03D-4C1F886A5F6A}" type="presOf" srcId="{E438CC26-6401-42EB-9670-92EB5096EC78}" destId="{F2BAC7DA-3A62-41CF-B3B3-B4E0181DA642}" srcOrd="0" destOrd="0" presId="urn:microsoft.com/office/officeart/2005/8/layout/list1"/>
+    <dgm:cxn modelId="{98A1CB77-0C58-438A-B4F7-C6F2AE7943C6}" type="presOf" srcId="{7AE3F1EE-FA78-4257-ADCB-FDF8CC33D913}" destId="{76742F9C-3667-4350-8711-97805E0AE70B}" srcOrd="0" destOrd="0" presId="urn:microsoft.com/office/officeart/2005/8/layout/list1"/>
+    <dgm:cxn modelId="{2A1DF978-DE5B-412D-970E-E2C4407791EF}" srcId="{E438CC26-6401-42EB-9670-92EB5096EC78}" destId="{88D8049E-922F-4E62-8639-3333D8FF6BF2}" srcOrd="0" destOrd="0" parTransId="{C51ADCDC-6C46-4189-83B3-FCDEACB3F33E}" sibTransId="{391DD8AB-5387-41F4-961B-FD993D8A1E00}"/>
+    <dgm:cxn modelId="{E033687D-D40F-4064-AD1F-1E73CB94A2E8}" srcId="{A7E23D4E-2622-4147-AFDF-4CE9B6545169}" destId="{AF6C2084-F793-48AD-BBE6-6AC187123D1A}" srcOrd="2" destOrd="0" parTransId="{DB02D437-C895-42FA-B8B8-AAB7A38B0317}" sibTransId="{6DEB70B5-CAB8-4DD8-A6DA-E43C942600E6}"/>
+    <dgm:cxn modelId="{1EA0887F-E0C6-4B15-9EEC-CCAFC62C134E}" type="presOf" srcId="{A7E23D4E-2622-4147-AFDF-4CE9B6545169}" destId="{A4DCB22F-00E0-458F-B634-9E102D893DCF}" srcOrd="1" destOrd="0" presId="urn:microsoft.com/office/officeart/2005/8/layout/list1"/>
+    <dgm:cxn modelId="{F9879286-A09D-4891-B4AE-99D78BB63DA7}" srcId="{36B6B4C7-8A9B-46B0-93C1-96E4A6112F95}" destId="{A7E23D4E-2622-4147-AFDF-4CE9B6545169}" srcOrd="1" destOrd="0" parTransId="{D229EAC0-2FDB-4538-8912-DC522C247BCE}" sibTransId="{15AC479B-0C88-4464-8DCE-3712743FADFE}"/>
+    <dgm:cxn modelId="{E2B9178E-0D09-40D4-904C-42F9FD14DD03}" type="presOf" srcId="{F2DC2CAF-8483-438C-B3C9-777054FF2059}" destId="{B357BF9A-1944-48C7-A78B-4318E186CA0A}" srcOrd="0" destOrd="1" presId="urn:microsoft.com/office/officeart/2005/8/layout/list1"/>
+    <dgm:cxn modelId="{D8EC018F-35B6-418F-A128-E6813C1695F5}" type="presOf" srcId="{BF08E65C-419C-41BF-8FFA-A83BCD767E8D}" destId="{B357BF9A-1944-48C7-A78B-4318E186CA0A}" srcOrd="0" destOrd="2" presId="urn:microsoft.com/office/officeart/2005/8/layout/list1"/>
+    <dgm:cxn modelId="{5776F7BB-8C51-4610-9ECB-F17A0010025C}" type="presOf" srcId="{E438CC26-6401-42EB-9670-92EB5096EC78}" destId="{E995355C-9360-4D9F-9145-F464815F43CB}" srcOrd="1" destOrd="0" presId="urn:microsoft.com/office/officeart/2005/8/layout/list1"/>
+    <dgm:cxn modelId="{A106FEBC-E6CF-47CC-BDEB-DF16888892F2}" type="presOf" srcId="{9DBCDECA-DF0F-4B06-BB2F-CF763978B183}" destId="{76742F9C-3667-4350-8711-97805E0AE70B}" srcOrd="0" destOrd="1" presId="urn:microsoft.com/office/officeart/2005/8/layout/list1"/>
+    <dgm:cxn modelId="{097DBCC2-486E-467E-956D-4D583CCD3F04}" srcId="{36B6B4C7-8A9B-46B0-93C1-96E4A6112F95}" destId="{E438CC26-6401-42EB-9670-92EB5096EC78}" srcOrd="0" destOrd="0" parTransId="{E65754FD-4DB1-4C9B-954B-E0685C01A097}" sibTransId="{C779E926-00EB-459B-8197-F89C4EC8BD7E}"/>
+    <dgm:cxn modelId="{1C8CF9CE-470F-4AEA-8938-A224BE6F7BBF}" srcId="{E438CC26-6401-42EB-9670-92EB5096EC78}" destId="{BF08E65C-419C-41BF-8FFA-A83BCD767E8D}" srcOrd="2" destOrd="0" parTransId="{4DBCB25B-9640-46DA-8028-ECD494635764}" sibTransId="{015F9581-2240-4A07-BACA-A21910E91A4A}"/>
+    <dgm:cxn modelId="{7480B1F5-F18E-42D5-9708-111749451AEB}" srcId="{A7E23D4E-2622-4147-AFDF-4CE9B6545169}" destId="{9DBCDECA-DF0F-4B06-BB2F-CF763978B183}" srcOrd="1" destOrd="0" parTransId="{B453DAB4-2696-4A6D-A044-83172B7F6123}" sibTransId="{346D3B8B-0AB2-4446-B68A-FFB27D07613F}"/>
+    <dgm:cxn modelId="{7B376AF8-2D72-45B5-9C29-CA103B7440A0}" type="presOf" srcId="{41FE0E83-B78F-4312-8A8E-19F4326E135E}" destId="{B357BF9A-1944-48C7-A78B-4318E186CA0A}" srcOrd="0" destOrd="3" presId="urn:microsoft.com/office/officeart/2005/8/layout/list1"/>
+    <dgm:cxn modelId="{9E07D78A-9D14-440C-BA0A-1AFCDDD0F6A9}" type="presParOf" srcId="{7C290D97-1710-441E-A2E6-D3A8A8F18D22}" destId="{3D80AEEC-0DC0-47C7-BDAF-DC734200E360}" srcOrd="0" destOrd="0" presId="urn:microsoft.com/office/officeart/2005/8/layout/list1"/>
+    <dgm:cxn modelId="{5C6CEF50-54E9-445E-A008-D4EDDB7CA0DE}" type="presParOf" srcId="{3D80AEEC-0DC0-47C7-BDAF-DC734200E360}" destId="{F2BAC7DA-3A62-41CF-B3B3-B4E0181DA642}" srcOrd="0" destOrd="0" presId="urn:microsoft.com/office/officeart/2005/8/layout/list1"/>
+    <dgm:cxn modelId="{67E64748-A1AD-43ED-921A-078FD939D643}" type="presParOf" srcId="{3D80AEEC-0DC0-47C7-BDAF-DC734200E360}" destId="{E995355C-9360-4D9F-9145-F464815F43CB}" srcOrd="1" destOrd="0" presId="urn:microsoft.com/office/officeart/2005/8/layout/list1"/>
+    <dgm:cxn modelId="{4593E0C4-2047-4AF5-8CEB-39C79E830D2C}" type="presParOf" srcId="{7C290D97-1710-441E-A2E6-D3A8A8F18D22}" destId="{ED60AFFA-7CAD-4676-874E-5E6E91F82C42}" srcOrd="1" destOrd="0" presId="urn:microsoft.com/office/officeart/2005/8/layout/list1"/>
+    <dgm:cxn modelId="{FE648F99-B76E-4449-A8B7-00900A745F62}" type="presParOf" srcId="{7C290D97-1710-441E-A2E6-D3A8A8F18D22}" destId="{B357BF9A-1944-48C7-A78B-4318E186CA0A}" srcOrd="2" destOrd="0" presId="urn:microsoft.com/office/officeart/2005/8/layout/list1"/>
+    <dgm:cxn modelId="{F0761A89-3935-45C4-A176-A27526008AB5}" type="presParOf" srcId="{7C290D97-1710-441E-A2E6-D3A8A8F18D22}" destId="{F16C06D0-E2C7-40C2-963B-A691C3246D8A}" srcOrd="3" destOrd="0" presId="urn:microsoft.com/office/officeart/2005/8/layout/list1"/>
+    <dgm:cxn modelId="{C073ADE5-FAF9-4605-B944-E40363E53804}" type="presParOf" srcId="{7C290D97-1710-441E-A2E6-D3A8A8F18D22}" destId="{9CE6B265-85A9-4A5F-AC6D-F175769ED44E}" srcOrd="4" destOrd="0" presId="urn:microsoft.com/office/officeart/2005/8/layout/list1"/>
+    <dgm:cxn modelId="{8E5509B7-4265-421D-BC7C-D25A9524FCAD}" type="presParOf" srcId="{9CE6B265-85A9-4A5F-AC6D-F175769ED44E}" destId="{A186F614-6044-472B-BF8A-9D1CD86B2F8D}" srcOrd="0" destOrd="0" presId="urn:microsoft.com/office/officeart/2005/8/layout/list1"/>
+    <dgm:cxn modelId="{A925C64C-C725-42AA-908E-F4FC8CBCD048}" type="presParOf" srcId="{9CE6B265-85A9-4A5F-AC6D-F175769ED44E}" destId="{A4DCB22F-00E0-458F-B634-9E102D893DCF}" srcOrd="1" destOrd="0" presId="urn:microsoft.com/office/officeart/2005/8/layout/list1"/>
+    <dgm:cxn modelId="{C9FA5EAF-10AB-4158-98E3-E38A34A11A0A}" type="presParOf" srcId="{7C290D97-1710-441E-A2E6-D3A8A8F18D22}" destId="{6CFCF9FE-28C5-4D02-8B90-67BC514C6733}" srcOrd="5" destOrd="0" presId="urn:microsoft.com/office/officeart/2005/8/layout/list1"/>
+    <dgm:cxn modelId="{E8115C98-D3E9-44C2-96FE-087CD2D96295}" type="presParOf" srcId="{7C290D97-1710-441E-A2E6-D3A8A8F18D22}" destId="{76742F9C-3667-4350-8711-97805E0AE70B}" srcOrd="6" destOrd="0" presId="urn:microsoft.com/office/officeart/2005/8/layout/list1"/>
+  </dgm:cxnLst>
+  <dgm:bg/>
+  <dgm:whole/>
+  <dgm:extLst>
+    <a:ext uri="http://schemas.microsoft.com/office/drawing/2008/diagram">
+      <dsp:dataModelExt xmlns:dsp="http://schemas.microsoft.com/office/drawing/2008/diagram" relId="rId6" minVer="http://schemas.openxmlformats.org/drawingml/2006/diagram"/>
+    </a:ext>
+  </dgm:extLst>
+</dgm:dataModel>
+</file>
+
+<file path=ppt/diagrams/data4.xml><?xml version="1.0" encoding="utf-8"?>
+<dgm:dataModel xmlns:dgm="http://schemas.openxmlformats.org/drawingml/2006/diagram" xmlns:a="http://schemas.openxmlformats.org/drawingml/2006/main">
+  <dgm:ptLst>
+    <dgm:pt modelId="{36B6B4C7-8A9B-46B0-93C1-96E4A6112F95}" type="doc">
+      <dgm:prSet loTypeId="urn:microsoft.com/office/officeart/2005/8/layout/list1" loCatId="list" qsTypeId="urn:microsoft.com/office/officeart/2005/8/quickstyle/simple1" qsCatId="simple" csTypeId="urn:microsoft.com/office/officeart/2005/8/colors/accent1_2" csCatId="accent1" phldr="1"/>
       <dgm:spPr/>
       <dgm:t>
         <a:bodyPr/>
@@ -4203,82 +5119,16 @@
       </dgm:prSet>
       <dgm:spPr/>
     </dgm:pt>
-    <dgm:pt modelId="{3D80AEEC-0DC0-47C7-BDAF-DC734200E360}" type="pres">
-      <dgm:prSet presAssocID="{E438CC26-6401-42EB-9670-92EB5096EC78}" presName="parentLin" presStyleCnt="0"/>
-      <dgm:spPr/>
-    </dgm:pt>
-    <dgm:pt modelId="{F2BAC7DA-3A62-41CF-B3B3-B4E0181DA642}" type="pres">
-      <dgm:prSet presAssocID="{E438CC26-6401-42EB-9670-92EB5096EC78}" presName="parentLeftMargin" presStyleLbl="node1" presStyleIdx="0" presStyleCnt="4"/>
-      <dgm:spPr/>
-    </dgm:pt>
-    <dgm:pt modelId="{E995355C-9360-4D9F-9145-F464815F43CB}" type="pres">
-      <dgm:prSet presAssocID="{E438CC26-6401-42EB-9670-92EB5096EC78}" presName="parentText" presStyleLbl="node1" presStyleIdx="0" presStyleCnt="4">
-        <dgm:presLayoutVars>
-          <dgm:chMax val="0"/>
-          <dgm:bulletEnabled val="1"/>
-        </dgm:presLayoutVars>
-      </dgm:prSet>
-      <dgm:spPr/>
-    </dgm:pt>
-    <dgm:pt modelId="{ED60AFFA-7CAD-4676-874E-5E6E91F82C42}" type="pres">
-      <dgm:prSet presAssocID="{E438CC26-6401-42EB-9670-92EB5096EC78}" presName="negativeSpace" presStyleCnt="0"/>
-      <dgm:spPr/>
-    </dgm:pt>
-    <dgm:pt modelId="{B357BF9A-1944-48C7-A78B-4318E186CA0A}" type="pres">
-      <dgm:prSet presAssocID="{E438CC26-6401-42EB-9670-92EB5096EC78}" presName="childText" presStyleLbl="conFgAcc1" presStyleIdx="0" presStyleCnt="4">
-        <dgm:presLayoutVars>
-          <dgm:bulletEnabled val="1"/>
-        </dgm:presLayoutVars>
-      </dgm:prSet>
-      <dgm:spPr/>
-    </dgm:pt>
-    <dgm:pt modelId="{F16C06D0-E2C7-40C2-963B-A691C3246D8A}" type="pres">
-      <dgm:prSet presAssocID="{C779E926-00EB-459B-8197-F89C4EC8BD7E}" presName="spaceBetweenRectangles" presStyleCnt="0"/>
-      <dgm:spPr/>
-    </dgm:pt>
-    <dgm:pt modelId="{9CE6B265-85A9-4A5F-AC6D-F175769ED44E}" type="pres">
-      <dgm:prSet presAssocID="{A7E23D4E-2622-4147-AFDF-4CE9B6545169}" presName="parentLin" presStyleCnt="0"/>
-      <dgm:spPr/>
-    </dgm:pt>
-    <dgm:pt modelId="{A186F614-6044-472B-BF8A-9D1CD86B2F8D}" type="pres">
-      <dgm:prSet presAssocID="{A7E23D4E-2622-4147-AFDF-4CE9B6545169}" presName="parentLeftMargin" presStyleLbl="node1" presStyleIdx="0" presStyleCnt="4"/>
-      <dgm:spPr/>
-    </dgm:pt>
-    <dgm:pt modelId="{A4DCB22F-00E0-458F-B634-9E102D893DCF}" type="pres">
-      <dgm:prSet presAssocID="{A7E23D4E-2622-4147-AFDF-4CE9B6545169}" presName="parentText" presStyleLbl="node1" presStyleIdx="1" presStyleCnt="4">
-        <dgm:presLayoutVars>
-          <dgm:chMax val="0"/>
-          <dgm:bulletEnabled val="1"/>
-        </dgm:presLayoutVars>
-      </dgm:prSet>
-      <dgm:spPr/>
-    </dgm:pt>
-    <dgm:pt modelId="{6CFCF9FE-28C5-4D02-8B90-67BC514C6733}" type="pres">
-      <dgm:prSet presAssocID="{A7E23D4E-2622-4147-AFDF-4CE9B6545169}" presName="negativeSpace" presStyleCnt="0"/>
-      <dgm:spPr/>
-    </dgm:pt>
-    <dgm:pt modelId="{76742F9C-3667-4350-8711-97805E0AE70B}" type="pres">
-      <dgm:prSet presAssocID="{A7E23D4E-2622-4147-AFDF-4CE9B6545169}" presName="childText" presStyleLbl="conFgAcc1" presStyleIdx="1" presStyleCnt="4">
-        <dgm:presLayoutVars>
-          <dgm:bulletEnabled val="1"/>
-        </dgm:presLayoutVars>
-      </dgm:prSet>
-      <dgm:spPr/>
-    </dgm:pt>
-    <dgm:pt modelId="{CB17C8D1-8705-4833-B5D5-78A066F7CDA8}" type="pres">
-      <dgm:prSet presAssocID="{15AC479B-0C88-4464-8DCE-3712743FADFE}" presName="spaceBetweenRectangles" presStyleCnt="0"/>
-      <dgm:spPr/>
-    </dgm:pt>
     <dgm:pt modelId="{7E12E347-B844-48FA-8C35-1487A810D7A7}" type="pres">
       <dgm:prSet presAssocID="{33A1E287-854F-4A4E-816D-7CD0900A5F45}" presName="parentLin" presStyleCnt="0"/>
       <dgm:spPr/>
     </dgm:pt>
     <dgm:pt modelId="{B8118199-4594-4754-9AA6-9BE0257E1C55}" type="pres">
-      <dgm:prSet presAssocID="{33A1E287-854F-4A4E-816D-7CD0900A5F45}" presName="parentLeftMargin" presStyleLbl="node1" presStyleIdx="1" presStyleCnt="4"/>
+      <dgm:prSet presAssocID="{33A1E287-854F-4A4E-816D-7CD0900A5F45}" presName="parentLeftMargin" presStyleLbl="node1" presStyleIdx="0" presStyleCnt="2"/>
       <dgm:spPr/>
     </dgm:pt>
     <dgm:pt modelId="{1C50BC9D-32D2-4CB4-82BA-6C2D0E4DBED9}" type="pres">
-      <dgm:prSet presAssocID="{33A1E287-854F-4A4E-816D-7CD0900A5F45}" presName="parentText" presStyleLbl="node1" presStyleIdx="2" presStyleCnt="4">
+      <dgm:prSet presAssocID="{33A1E287-854F-4A4E-816D-7CD0900A5F45}" presName="parentText" presStyleLbl="node1" presStyleIdx="0" presStyleCnt="2">
         <dgm:presLayoutVars>
           <dgm:chMax val="0"/>
           <dgm:bulletEnabled val="1"/>
@@ -4291,7 +5141,7 @@
       <dgm:spPr/>
     </dgm:pt>
     <dgm:pt modelId="{35C1B59F-A51F-4A81-A7B5-9460C6CCF79C}" type="pres">
-      <dgm:prSet presAssocID="{33A1E287-854F-4A4E-816D-7CD0900A5F45}" presName="childText" presStyleLbl="conFgAcc1" presStyleIdx="2" presStyleCnt="4">
+      <dgm:prSet presAssocID="{33A1E287-854F-4A4E-816D-7CD0900A5F45}" presName="childText" presStyleLbl="conFgAcc1" presStyleIdx="0" presStyleCnt="2">
         <dgm:presLayoutVars>
           <dgm:bulletEnabled val="1"/>
         </dgm:presLayoutVars>
@@ -4307,11 +5157,11 @@
       <dgm:spPr/>
     </dgm:pt>
     <dgm:pt modelId="{A60FE8C2-A79A-4F34-8268-462236446CD3}" type="pres">
-      <dgm:prSet presAssocID="{B1895F2C-5018-4B1C-A87A-3B2415E7BB52}" presName="parentLeftMargin" presStyleLbl="node1" presStyleIdx="2" presStyleCnt="4"/>
+      <dgm:prSet presAssocID="{B1895F2C-5018-4B1C-A87A-3B2415E7BB52}" presName="parentLeftMargin" presStyleLbl="node1" presStyleIdx="0" presStyleCnt="2"/>
       <dgm:spPr/>
     </dgm:pt>
     <dgm:pt modelId="{B27AAB1B-4DAC-40F0-8F4A-388C6C3FC180}" type="pres">
-      <dgm:prSet presAssocID="{B1895F2C-5018-4B1C-A87A-3B2415E7BB52}" presName="parentText" presStyleLbl="node1" presStyleIdx="3" presStyleCnt="4">
+      <dgm:prSet presAssocID="{B1895F2C-5018-4B1C-A87A-3B2415E7BB52}" presName="parentText" presStyleLbl="node1" presStyleIdx="1" presStyleCnt="2">
         <dgm:presLayoutVars>
           <dgm:chMax val="0"/>
           <dgm:bulletEnabled val="1"/>
@@ -4324,7 +5174,7 @@
       <dgm:spPr/>
     </dgm:pt>
     <dgm:pt modelId="{CE2C7407-6876-4E06-9AD8-9266EBB9BE48}" type="pres">
-      <dgm:prSet presAssocID="{B1895F2C-5018-4B1C-A87A-3B2415E7BB52}" presName="childText" presStyleLbl="conFgAcc1" presStyleIdx="3" presStyleCnt="4">
+      <dgm:prSet presAssocID="{B1895F2C-5018-4B1C-A87A-3B2415E7BB52}" presName="childText" presStyleLbl="conFgAcc1" presStyleIdx="1" presStyleCnt="2">
         <dgm:presLayoutVars>
           <dgm:bulletEnabled val="1"/>
         </dgm:presLayoutVars>
@@ -4336,65 +5186,33 @@
     <dgm:cxn modelId="{90D0DD02-97ED-412A-AD67-18A40DF77EB0}" type="presOf" srcId="{B1895F2C-5018-4B1C-A87A-3B2415E7BB52}" destId="{A60FE8C2-A79A-4F34-8268-462236446CD3}" srcOrd="0" destOrd="0" presId="urn:microsoft.com/office/officeart/2005/8/layout/list1"/>
     <dgm:cxn modelId="{06F66B03-1471-4D2A-85FB-37931CA97371}" type="presOf" srcId="{0DCE1524-C218-4939-AC80-B640074E56B0}" destId="{CE2C7407-6876-4E06-9AD8-9266EBB9BE48}" srcOrd="0" destOrd="0" presId="urn:microsoft.com/office/officeart/2005/8/layout/list1"/>
     <dgm:cxn modelId="{A30B9407-37F3-4D6C-B011-BCB660F0C38F}" type="presOf" srcId="{EAE32D4D-5BCE-4E4A-A340-E1EC20C9652B}" destId="{35C1B59F-A51F-4A81-A7B5-9460C6CCF79C}" srcOrd="0" destOrd="1" presId="urn:microsoft.com/office/officeart/2005/8/layout/list1"/>
-    <dgm:cxn modelId="{57499D0D-0C98-4FE0-A15F-2DE9FBA4D8EF}" type="presOf" srcId="{9DBCDECA-DF0F-4B06-BB2F-CF763978B183}" destId="{76742F9C-3667-4350-8711-97805E0AE70B}" srcOrd="0" destOrd="1" presId="urn:microsoft.com/office/officeart/2005/8/layout/list1"/>
     <dgm:cxn modelId="{059EE413-D42E-40F9-B6AD-0A51C2A9E6EA}" type="presOf" srcId="{36B6B4C7-8A9B-46B0-93C1-96E4A6112F95}" destId="{7C290D97-1710-441E-A2E6-D3A8A8F18D22}" srcOrd="0" destOrd="0" presId="urn:microsoft.com/office/officeart/2005/8/layout/list1"/>
     <dgm:cxn modelId="{E2A8611D-176D-4241-8049-2B308B956870}" type="presOf" srcId="{29AA3568-0BE0-492D-957B-5DC61C3A30CB}" destId="{35C1B59F-A51F-4A81-A7B5-9460C6CCF79C}" srcOrd="0" destOrd="0" presId="urn:microsoft.com/office/officeart/2005/8/layout/list1"/>
-    <dgm:cxn modelId="{D39C5727-B401-402E-82A5-8216F218C7F1}" type="presOf" srcId="{A7E23D4E-2622-4147-AFDF-4CE9B6545169}" destId="{A186F614-6044-472B-BF8A-9D1CD86B2F8D}" srcOrd="0" destOrd="0" presId="urn:microsoft.com/office/officeart/2005/8/layout/list1"/>
-    <dgm:cxn modelId="{8FF3CB2A-159A-4610-8C64-EDE600B0D536}" srcId="{36B6B4C7-8A9B-46B0-93C1-96E4A6112F95}" destId="{B1895F2C-5018-4B1C-A87A-3B2415E7BB52}" srcOrd="3" destOrd="0" parTransId="{0CA999C2-1DA5-45FF-9A46-3423C295988E}" sibTransId="{14AB1464-DD1F-409C-B283-4A8E0D974734}"/>
+    <dgm:cxn modelId="{8FF3CB2A-159A-4610-8C64-EDE600B0D536}" srcId="{36B6B4C7-8A9B-46B0-93C1-96E4A6112F95}" destId="{B1895F2C-5018-4B1C-A87A-3B2415E7BB52}" srcOrd="1" destOrd="0" parTransId="{0CA999C2-1DA5-45FF-9A46-3423C295988E}" sibTransId="{14AB1464-DD1F-409C-B283-4A8E0D974734}"/>
     <dgm:cxn modelId="{84F78230-5105-47CA-B123-C6EFDA405320}" srcId="{B1895F2C-5018-4B1C-A87A-3B2415E7BB52}" destId="{0DCE1524-C218-4939-AC80-B640074E56B0}" srcOrd="0" destOrd="0" parTransId="{C27ECB2C-D95D-43A9-9C96-8D4CB3C09B95}" sibTransId="{CE3ED13F-A290-4C20-8B26-A625C37096AB}"/>
-    <dgm:cxn modelId="{5F5DDA5B-D1B1-4814-B6A0-C3360BCB4D99}" type="presOf" srcId="{F2DC2CAF-8483-438C-B3C9-777054FF2059}" destId="{B357BF9A-1944-48C7-A78B-4318E186CA0A}" srcOrd="0" destOrd="1" presId="urn:microsoft.com/office/officeart/2005/8/layout/list1"/>
     <dgm:cxn modelId="{8D506060-DCB3-4650-A4D3-6E56D44BF8D3}" srcId="{B1895F2C-5018-4B1C-A87A-3B2415E7BB52}" destId="{55D10A3B-DB19-4AB3-98AA-CDDE0CCC1B9E}" srcOrd="1" destOrd="0" parTransId="{69C6FC30-18B3-4E6D-96F6-E4DFD3D40A2D}" sibTransId="{BD66D08A-A683-4900-9F21-47479E991C35}"/>
-    <dgm:cxn modelId="{A9F79A65-8E7B-4815-9C58-25C5160D37FD}" type="presOf" srcId="{E438CC26-6401-42EB-9670-92EB5096EC78}" destId="{E995355C-9360-4D9F-9145-F464815F43CB}" srcOrd="1" destOrd="0" presId="urn:microsoft.com/office/officeart/2005/8/layout/list1"/>
-    <dgm:cxn modelId="{DD34AD45-1912-4378-AAE5-3F0F0772B6B2}" srcId="{E438CC26-6401-42EB-9670-92EB5096EC78}" destId="{41FE0E83-B78F-4312-8A8E-19F4326E135E}" srcOrd="3" destOrd="0" parTransId="{A4080608-11D3-48E1-860E-DDA039CAB142}" sibTransId="{AAD8B5EB-FB12-4441-A48C-A7E156E9CE81}"/>
-    <dgm:cxn modelId="{330E8167-B7B0-4672-B911-E5EAA7B1963D}" srcId="{E438CC26-6401-42EB-9670-92EB5096EC78}" destId="{F2DC2CAF-8483-438C-B3C9-777054FF2059}" srcOrd="1" destOrd="0" parTransId="{A0D36805-2EE6-43E6-B581-B957A7F65BC6}" sibTransId="{2B3CCE31-C646-408A-B433-668F55F2E0BC}"/>
     <dgm:cxn modelId="{03ED9F49-E7B8-4F4E-A25B-E172A3E11785}" srcId="{B1895F2C-5018-4B1C-A87A-3B2415E7BB52}" destId="{B298B0FF-AB5A-4B6D-81A4-ABB2BCAA4AD1}" srcOrd="2" destOrd="0" parTransId="{106A29EE-035A-49CC-B56D-ACF0A1EEFF76}" sibTransId="{1C454948-139D-4BA3-9EFF-A6D6E1CF7CC8}"/>
     <dgm:cxn modelId="{FF00AE69-2726-4E7C-89E6-7DF738D131EE}" srcId="{33A1E287-854F-4A4E-816D-7CD0900A5F45}" destId="{2AE2853A-A8A2-4830-9B04-73D9E2C157A2}" srcOrd="2" destOrd="0" parTransId="{55430AC6-87D8-4933-B7B9-B1ABCC00F8FC}" sibTransId="{D31BE1D0-2C58-4388-9D09-B4FE077F6A34}"/>
-    <dgm:cxn modelId="{A1FB2B6A-4012-4519-BC3D-77F1E715AC1A}" srcId="{A7E23D4E-2622-4147-AFDF-4CE9B6545169}" destId="{7AE3F1EE-FA78-4257-ADCB-FDF8CC33D913}" srcOrd="0" destOrd="0" parTransId="{1F929E00-49D3-4397-A7D8-37E308DE975E}" sibTransId="{46DF309C-73D5-41F7-902E-BC79654F753B}"/>
-    <dgm:cxn modelId="{F0C55952-3169-4A18-9B18-8F24F91DA58F}" type="presOf" srcId="{88D8049E-922F-4E62-8639-3333D8FF6BF2}" destId="{B357BF9A-1944-48C7-A78B-4318E186CA0A}" srcOrd="0" destOrd="0" presId="urn:microsoft.com/office/officeart/2005/8/layout/list1"/>
-    <dgm:cxn modelId="{2A1DF978-DE5B-412D-970E-E2C4407791EF}" srcId="{E438CC26-6401-42EB-9670-92EB5096EC78}" destId="{88D8049E-922F-4E62-8639-3333D8FF6BF2}" srcOrd="0" destOrd="0" parTransId="{C51ADCDC-6C46-4189-83B3-FCDEACB3F33E}" sibTransId="{391DD8AB-5387-41F4-961B-FD993D8A1E00}"/>
-    <dgm:cxn modelId="{E033687D-D40F-4064-AD1F-1E73CB94A2E8}" srcId="{A7E23D4E-2622-4147-AFDF-4CE9B6545169}" destId="{AF6C2084-F793-48AD-BBE6-6AC187123D1A}" srcOrd="2" destOrd="0" parTransId="{DB02D437-C895-42FA-B8B8-AAB7A38B0317}" sibTransId="{6DEB70B5-CAB8-4DD8-A6DA-E43C942600E6}"/>
     <dgm:cxn modelId="{9D96EF7D-D155-4150-BC99-8A43899442BF}" type="presOf" srcId="{B298B0FF-AB5A-4B6D-81A4-ABB2BCAA4AD1}" destId="{CE2C7407-6876-4E06-9AD8-9266EBB9BE48}" srcOrd="0" destOrd="2" presId="urn:microsoft.com/office/officeart/2005/8/layout/list1"/>
-    <dgm:cxn modelId="{F9879286-A09D-4891-B4AE-99D78BB63DA7}" srcId="{36B6B4C7-8A9B-46B0-93C1-96E4A6112F95}" destId="{A7E23D4E-2622-4147-AFDF-4CE9B6545169}" srcOrd="1" destOrd="0" parTransId="{D229EAC0-2FDB-4538-8912-DC522C247BCE}" sibTransId="{15AC479B-0C88-4464-8DCE-3712743FADFE}"/>
     <dgm:cxn modelId="{7971BF8C-AD95-4A1D-B717-F63F0BD204DD}" type="presOf" srcId="{55D10A3B-DB19-4AB3-98AA-CDDE0CCC1B9E}" destId="{CE2C7407-6876-4E06-9AD8-9266EBB9BE48}" srcOrd="0" destOrd="1" presId="urn:microsoft.com/office/officeart/2005/8/layout/list1"/>
     <dgm:cxn modelId="{C362FA92-56C2-423B-ADBA-7E2129EAA813}" type="presOf" srcId="{33A1E287-854F-4A4E-816D-7CD0900A5F45}" destId="{1C50BC9D-32D2-4CB4-82BA-6C2D0E4DBED9}" srcOrd="1" destOrd="0" presId="urn:microsoft.com/office/officeart/2005/8/layout/list1"/>
-    <dgm:cxn modelId="{D3A62D95-B474-4EEB-B3A7-CB701E0CB0C8}" type="presOf" srcId="{E438CC26-6401-42EB-9670-92EB5096EC78}" destId="{F2BAC7DA-3A62-41CF-B3B3-B4E0181DA642}" srcOrd="0" destOrd="0" presId="urn:microsoft.com/office/officeart/2005/8/layout/list1"/>
-    <dgm:cxn modelId="{C70B649B-26F3-4E1A-AE92-74DCD70F127E}" type="presOf" srcId="{AF6C2084-F793-48AD-BBE6-6AC187123D1A}" destId="{76742F9C-3667-4350-8711-97805E0AE70B}" srcOrd="0" destOrd="2" presId="urn:microsoft.com/office/officeart/2005/8/layout/list1"/>
-    <dgm:cxn modelId="{A6000AA2-D50C-4356-A6E1-6E794BA5309A}" srcId="{36B6B4C7-8A9B-46B0-93C1-96E4A6112F95}" destId="{33A1E287-854F-4A4E-816D-7CD0900A5F45}" srcOrd="2" destOrd="0" parTransId="{61C1D549-A087-49A1-BDB7-47F9E5BC1140}" sibTransId="{AB285791-D612-436C-A33D-35272FCFF27B}"/>
+    <dgm:cxn modelId="{A6000AA2-D50C-4356-A6E1-6E794BA5309A}" srcId="{36B6B4C7-8A9B-46B0-93C1-96E4A6112F95}" destId="{33A1E287-854F-4A4E-816D-7CD0900A5F45}" srcOrd="0" destOrd="0" parTransId="{61C1D549-A087-49A1-BDB7-47F9E5BC1140}" sibTransId="{AB285791-D612-436C-A33D-35272FCFF27B}"/>
     <dgm:cxn modelId="{9B31C9A6-3D60-42E9-A639-2EB553E63B73}" srcId="{33A1E287-854F-4A4E-816D-7CD0900A5F45}" destId="{29AA3568-0BE0-492D-957B-5DC61C3A30CB}" srcOrd="0" destOrd="0" parTransId="{81B332DD-3077-4305-9B62-36F93B1B62B4}" sibTransId="{353F4F70-1188-4DDD-A8B7-77501117194E}"/>
-    <dgm:cxn modelId="{69BCB8B6-CAC0-4E3B-9A1D-20F6BB749E38}" type="presOf" srcId="{BF08E65C-419C-41BF-8FFA-A83BCD767E8D}" destId="{B357BF9A-1944-48C7-A78B-4318E186CA0A}" srcOrd="0" destOrd="2" presId="urn:microsoft.com/office/officeart/2005/8/layout/list1"/>
     <dgm:cxn modelId="{91704DBC-A8E4-4251-AB37-CA8959D8832F}" type="presOf" srcId="{B1895F2C-5018-4B1C-A87A-3B2415E7BB52}" destId="{B27AAB1B-4DAC-40F0-8F4A-388C6C3FC180}" srcOrd="1" destOrd="0" presId="urn:microsoft.com/office/officeart/2005/8/layout/list1"/>
-    <dgm:cxn modelId="{3C4B2DBE-EC7E-4142-B6B0-5A898DB1B888}" type="presOf" srcId="{41FE0E83-B78F-4312-8A8E-19F4326E135E}" destId="{B357BF9A-1944-48C7-A78B-4318E186CA0A}" srcOrd="0" destOrd="3" presId="urn:microsoft.com/office/officeart/2005/8/layout/list1"/>
-    <dgm:cxn modelId="{097DBCC2-486E-467E-956D-4D583CCD3F04}" srcId="{36B6B4C7-8A9B-46B0-93C1-96E4A6112F95}" destId="{E438CC26-6401-42EB-9670-92EB5096EC78}" srcOrd="0" destOrd="0" parTransId="{E65754FD-4DB1-4C9B-954B-E0685C01A097}" sibTransId="{C779E926-00EB-459B-8197-F89C4EC8BD7E}"/>
-    <dgm:cxn modelId="{B6E58AC7-61C7-41C4-8789-AD5D9872873E}" type="presOf" srcId="{7AE3F1EE-FA78-4257-ADCB-FDF8CC33D913}" destId="{76742F9C-3667-4350-8711-97805E0AE70B}" srcOrd="0" destOrd="0" presId="urn:microsoft.com/office/officeart/2005/8/layout/list1"/>
-    <dgm:cxn modelId="{1C8CF9CE-470F-4AEA-8938-A224BE6F7BBF}" srcId="{E438CC26-6401-42EB-9670-92EB5096EC78}" destId="{BF08E65C-419C-41BF-8FFA-A83BCD767E8D}" srcOrd="2" destOrd="0" parTransId="{4DBCB25B-9640-46DA-8028-ECD494635764}" sibTransId="{015F9581-2240-4A07-BACA-A21910E91A4A}"/>
-    <dgm:cxn modelId="{1AF8FDE9-29D9-47A9-890B-4AD794702AA5}" type="presOf" srcId="{A7E23D4E-2622-4147-AFDF-4CE9B6545169}" destId="{A4DCB22F-00E0-458F-B634-9E102D893DCF}" srcOrd="1" destOrd="0" presId="urn:microsoft.com/office/officeart/2005/8/layout/list1"/>
     <dgm:cxn modelId="{8A2068F3-2518-4614-B0D4-B3056260081A}" type="presOf" srcId="{2AE2853A-A8A2-4830-9B04-73D9E2C157A2}" destId="{35C1B59F-A51F-4A81-A7B5-9460C6CCF79C}" srcOrd="0" destOrd="2" presId="urn:microsoft.com/office/officeart/2005/8/layout/list1"/>
     <dgm:cxn modelId="{F196E5F3-9E33-4C1C-9F8E-A667C200D3C3}" srcId="{33A1E287-854F-4A4E-816D-7CD0900A5F45}" destId="{EAE32D4D-5BCE-4E4A-A340-E1EC20C9652B}" srcOrd="1" destOrd="0" parTransId="{F9FFA392-E89D-4E0C-B595-B6E21FD3A5B9}" sibTransId="{A28D642B-87C5-4065-96F4-539E965BF896}"/>
-    <dgm:cxn modelId="{7480B1F5-F18E-42D5-9708-111749451AEB}" srcId="{A7E23D4E-2622-4147-AFDF-4CE9B6545169}" destId="{9DBCDECA-DF0F-4B06-BB2F-CF763978B183}" srcOrd="1" destOrd="0" parTransId="{B453DAB4-2696-4A6D-A044-83172B7F6123}" sibTransId="{346D3B8B-0AB2-4446-B68A-FFB27D07613F}"/>
     <dgm:cxn modelId="{EB39F6FB-00D9-441F-B214-5DC49BC9B457}" type="presOf" srcId="{33A1E287-854F-4A4E-816D-7CD0900A5F45}" destId="{B8118199-4594-4754-9AA6-9BE0257E1C55}" srcOrd="0" destOrd="0" presId="urn:microsoft.com/office/officeart/2005/8/layout/list1"/>
-    <dgm:cxn modelId="{84E27587-0D96-482C-BC23-CF877A4FAED3}" type="presParOf" srcId="{7C290D97-1710-441E-A2E6-D3A8A8F18D22}" destId="{3D80AEEC-0DC0-47C7-BDAF-DC734200E360}" srcOrd="0" destOrd="0" presId="urn:microsoft.com/office/officeart/2005/8/layout/list1"/>
-    <dgm:cxn modelId="{6AA95194-3A62-4643-9FBF-B1761CA419A2}" type="presParOf" srcId="{3D80AEEC-0DC0-47C7-BDAF-DC734200E360}" destId="{F2BAC7DA-3A62-41CF-B3B3-B4E0181DA642}" srcOrd="0" destOrd="0" presId="urn:microsoft.com/office/officeart/2005/8/layout/list1"/>
-    <dgm:cxn modelId="{9AD7C28F-AC74-4B52-A084-F89CF08F9104}" type="presParOf" srcId="{3D80AEEC-0DC0-47C7-BDAF-DC734200E360}" destId="{E995355C-9360-4D9F-9145-F464815F43CB}" srcOrd="1" destOrd="0" presId="urn:microsoft.com/office/officeart/2005/8/layout/list1"/>
-    <dgm:cxn modelId="{ADCA5ABD-C179-4A3C-BA33-0171C0CE5D52}" type="presParOf" srcId="{7C290D97-1710-441E-A2E6-D3A8A8F18D22}" destId="{ED60AFFA-7CAD-4676-874E-5E6E91F82C42}" srcOrd="1" destOrd="0" presId="urn:microsoft.com/office/officeart/2005/8/layout/list1"/>
-    <dgm:cxn modelId="{DC53C1BD-13CE-4584-9592-65F42F65840D}" type="presParOf" srcId="{7C290D97-1710-441E-A2E6-D3A8A8F18D22}" destId="{B357BF9A-1944-48C7-A78B-4318E186CA0A}" srcOrd="2" destOrd="0" presId="urn:microsoft.com/office/officeart/2005/8/layout/list1"/>
-    <dgm:cxn modelId="{632659BF-A01B-4D82-85BA-9036EB5C0539}" type="presParOf" srcId="{7C290D97-1710-441E-A2E6-D3A8A8F18D22}" destId="{F16C06D0-E2C7-40C2-963B-A691C3246D8A}" srcOrd="3" destOrd="0" presId="urn:microsoft.com/office/officeart/2005/8/layout/list1"/>
-    <dgm:cxn modelId="{40B82A0E-03D6-4DD9-A05F-28D81B08CDB4}" type="presParOf" srcId="{7C290D97-1710-441E-A2E6-D3A8A8F18D22}" destId="{9CE6B265-85A9-4A5F-AC6D-F175769ED44E}" srcOrd="4" destOrd="0" presId="urn:microsoft.com/office/officeart/2005/8/layout/list1"/>
-    <dgm:cxn modelId="{787224D3-A165-4530-AEF1-DD8426617890}" type="presParOf" srcId="{9CE6B265-85A9-4A5F-AC6D-F175769ED44E}" destId="{A186F614-6044-472B-BF8A-9D1CD86B2F8D}" srcOrd="0" destOrd="0" presId="urn:microsoft.com/office/officeart/2005/8/layout/list1"/>
-    <dgm:cxn modelId="{0D590969-DF68-408E-9B05-5D2383653148}" type="presParOf" srcId="{9CE6B265-85A9-4A5F-AC6D-F175769ED44E}" destId="{A4DCB22F-00E0-458F-B634-9E102D893DCF}" srcOrd="1" destOrd="0" presId="urn:microsoft.com/office/officeart/2005/8/layout/list1"/>
-    <dgm:cxn modelId="{42F6CCF7-ED43-44AA-ABD9-5989ACA0F14B}" type="presParOf" srcId="{7C290D97-1710-441E-A2E6-D3A8A8F18D22}" destId="{6CFCF9FE-28C5-4D02-8B90-67BC514C6733}" srcOrd="5" destOrd="0" presId="urn:microsoft.com/office/officeart/2005/8/layout/list1"/>
-    <dgm:cxn modelId="{38E76A5E-7030-479B-9511-89D66D9077E0}" type="presParOf" srcId="{7C290D97-1710-441E-A2E6-D3A8A8F18D22}" destId="{76742F9C-3667-4350-8711-97805E0AE70B}" srcOrd="6" destOrd="0" presId="urn:microsoft.com/office/officeart/2005/8/layout/list1"/>
-    <dgm:cxn modelId="{955E45B5-E329-4AD2-9A53-CA5570E16CED}" type="presParOf" srcId="{7C290D97-1710-441E-A2E6-D3A8A8F18D22}" destId="{CB17C8D1-8705-4833-B5D5-78A066F7CDA8}" srcOrd="7" destOrd="0" presId="urn:microsoft.com/office/officeart/2005/8/layout/list1"/>
-    <dgm:cxn modelId="{D07792A6-6A11-4673-AA5A-1585A319E26B}" type="presParOf" srcId="{7C290D97-1710-441E-A2E6-D3A8A8F18D22}" destId="{7E12E347-B844-48FA-8C35-1487A810D7A7}" srcOrd="8" destOrd="0" presId="urn:microsoft.com/office/officeart/2005/8/layout/list1"/>
+    <dgm:cxn modelId="{D07792A6-6A11-4673-AA5A-1585A319E26B}" type="presParOf" srcId="{7C290D97-1710-441E-A2E6-D3A8A8F18D22}" destId="{7E12E347-B844-48FA-8C35-1487A810D7A7}" srcOrd="0" destOrd="0" presId="urn:microsoft.com/office/officeart/2005/8/layout/list1"/>
     <dgm:cxn modelId="{E9A58FF9-9BFA-4AD8-80CD-9C790FB4C314}" type="presParOf" srcId="{7E12E347-B844-48FA-8C35-1487A810D7A7}" destId="{B8118199-4594-4754-9AA6-9BE0257E1C55}" srcOrd="0" destOrd="0" presId="urn:microsoft.com/office/officeart/2005/8/layout/list1"/>
     <dgm:cxn modelId="{14186BD9-C9D8-494C-8118-5F6775608371}" type="presParOf" srcId="{7E12E347-B844-48FA-8C35-1487A810D7A7}" destId="{1C50BC9D-32D2-4CB4-82BA-6C2D0E4DBED9}" srcOrd="1" destOrd="0" presId="urn:microsoft.com/office/officeart/2005/8/layout/list1"/>
-    <dgm:cxn modelId="{149CE389-51B4-4F5C-B761-AB26E2672FF7}" type="presParOf" srcId="{7C290D97-1710-441E-A2E6-D3A8A8F18D22}" destId="{EEA0BB3A-2D88-49E3-894D-FFB559470E9E}" srcOrd="9" destOrd="0" presId="urn:microsoft.com/office/officeart/2005/8/layout/list1"/>
-    <dgm:cxn modelId="{A22EB547-7FC4-4A5A-A569-83B01788E841}" type="presParOf" srcId="{7C290D97-1710-441E-A2E6-D3A8A8F18D22}" destId="{35C1B59F-A51F-4A81-A7B5-9460C6CCF79C}" srcOrd="10" destOrd="0" presId="urn:microsoft.com/office/officeart/2005/8/layout/list1"/>
-    <dgm:cxn modelId="{8688D9D6-3426-4B91-815F-77D15C6E463B}" type="presParOf" srcId="{7C290D97-1710-441E-A2E6-D3A8A8F18D22}" destId="{8D8AFD22-FEB7-4A6E-A3CA-251C2945B960}" srcOrd="11" destOrd="0" presId="urn:microsoft.com/office/officeart/2005/8/layout/list1"/>
-    <dgm:cxn modelId="{53D20D86-740C-4FA3-8493-18447FF0AE9A}" type="presParOf" srcId="{7C290D97-1710-441E-A2E6-D3A8A8F18D22}" destId="{B4AA5DEE-C53B-4A79-A852-EEC3BE1B7444}" srcOrd="12" destOrd="0" presId="urn:microsoft.com/office/officeart/2005/8/layout/list1"/>
+    <dgm:cxn modelId="{149CE389-51B4-4F5C-B761-AB26E2672FF7}" type="presParOf" srcId="{7C290D97-1710-441E-A2E6-D3A8A8F18D22}" destId="{EEA0BB3A-2D88-49E3-894D-FFB559470E9E}" srcOrd="1" destOrd="0" presId="urn:microsoft.com/office/officeart/2005/8/layout/list1"/>
+    <dgm:cxn modelId="{A22EB547-7FC4-4A5A-A569-83B01788E841}" type="presParOf" srcId="{7C290D97-1710-441E-A2E6-D3A8A8F18D22}" destId="{35C1B59F-A51F-4A81-A7B5-9460C6CCF79C}" srcOrd="2" destOrd="0" presId="urn:microsoft.com/office/officeart/2005/8/layout/list1"/>
+    <dgm:cxn modelId="{8688D9D6-3426-4B91-815F-77D15C6E463B}" type="presParOf" srcId="{7C290D97-1710-441E-A2E6-D3A8A8F18D22}" destId="{8D8AFD22-FEB7-4A6E-A3CA-251C2945B960}" srcOrd="3" destOrd="0" presId="urn:microsoft.com/office/officeart/2005/8/layout/list1"/>
+    <dgm:cxn modelId="{53D20D86-740C-4FA3-8493-18447FF0AE9A}" type="presParOf" srcId="{7C290D97-1710-441E-A2E6-D3A8A8F18D22}" destId="{B4AA5DEE-C53B-4A79-A852-EEC3BE1B7444}" srcOrd="4" destOrd="0" presId="urn:microsoft.com/office/officeart/2005/8/layout/list1"/>
     <dgm:cxn modelId="{6FD0F28A-DCCB-4587-8552-F80854DC94BE}" type="presParOf" srcId="{B4AA5DEE-C53B-4A79-A852-EEC3BE1B7444}" destId="{A60FE8C2-A79A-4F34-8268-462236446CD3}" srcOrd="0" destOrd="0" presId="urn:microsoft.com/office/officeart/2005/8/layout/list1"/>
     <dgm:cxn modelId="{140019EE-AC4F-4294-A799-8056E97A5FEB}" type="presParOf" srcId="{B4AA5DEE-C53B-4A79-A852-EEC3BE1B7444}" destId="{B27AAB1B-4DAC-40F0-8F4A-388C6C3FC180}" srcOrd="1" destOrd="0" presId="urn:microsoft.com/office/officeart/2005/8/layout/list1"/>
-    <dgm:cxn modelId="{6FBA369D-A5A5-4593-B558-A0496338D1C2}" type="presParOf" srcId="{7C290D97-1710-441E-A2E6-D3A8A8F18D22}" destId="{0E4085AF-AD32-4BE1-BAD8-96E6A3D49DF7}" srcOrd="13" destOrd="0" presId="urn:microsoft.com/office/officeart/2005/8/layout/list1"/>
-    <dgm:cxn modelId="{825934C6-AFBF-4984-9B06-8FEBE2F59766}" type="presParOf" srcId="{7C290D97-1710-441E-A2E6-D3A8A8F18D22}" destId="{CE2C7407-6876-4E06-9AD8-9266EBB9BE48}" srcOrd="14" destOrd="0" presId="urn:microsoft.com/office/officeart/2005/8/layout/list1"/>
+    <dgm:cxn modelId="{6FBA369D-A5A5-4593-B558-A0496338D1C2}" type="presParOf" srcId="{7C290D97-1710-441E-A2E6-D3A8A8F18D22}" destId="{0E4085AF-AD32-4BE1-BAD8-96E6A3D49DF7}" srcOrd="5" destOrd="0" presId="urn:microsoft.com/office/officeart/2005/8/layout/list1"/>
+    <dgm:cxn modelId="{825934C6-AFBF-4984-9B06-8FEBE2F59766}" type="presParOf" srcId="{7C290D97-1710-441E-A2E6-D3A8A8F18D22}" destId="{CE2C7407-6876-4E06-9AD8-9266EBB9BE48}" srcOrd="6" destOrd="0" presId="urn:microsoft.com/office/officeart/2005/8/layout/list1"/>
   </dgm:cxnLst>
   <dgm:bg/>
   <dgm:whole/>
@@ -5659,8 +6477,8 @@
       </dsp:nvSpPr>
       <dsp:spPr>
         <a:xfrm>
-          <a:off x="0" y="425196"/>
-          <a:ext cx="5098256" cy="1178100"/>
+          <a:off x="0" y="529956"/>
+          <a:ext cx="5098256" cy="2516849"/>
         </a:xfrm>
         <a:prstGeom prst="rect">
           <a:avLst/>
@@ -5700,12 +6518,12 @@
         <a:fontRef idx="minor"/>
       </dsp:style>
       <dsp:txBody>
-        <a:bodyPr spcFirstLastPara="0" vert="horz" wrap="square" lIns="395681" tIns="229108" rIns="395681" bIns="78232" numCol="1" spcCol="1270" anchor="t" anchorCtr="0">
+        <a:bodyPr spcFirstLastPara="0" vert="horz" wrap="square" lIns="395681" tIns="354076" rIns="395681" bIns="120904" numCol="1" spcCol="1270" anchor="t" anchorCtr="0">
           <a:noAutofit/>
         </a:bodyPr>
         <a:lstStyle/>
         <a:p>
-          <a:pPr marL="57150" lvl="1" indent="-57150" algn="l" defTabSz="488950">
+          <a:pPr marL="171450" lvl="1" indent="-171450" algn="l" defTabSz="755650">
             <a:lnSpc>
               <a:spcPct val="90000"/>
             </a:lnSpc>
@@ -5718,12 +6536,12 @@
             <a:buChar char="•"/>
           </a:pPr>
           <a:r>
-            <a:rPr lang="en-US" sz="1100" kern="1200"/>
+            <a:rPr lang="en-US" sz="1700" kern="1200"/>
             <a:t>Definir o escopo do SGSI e as necessidades de segurança da organização.</a:t>
           </a:r>
         </a:p>
         <a:p>
-          <a:pPr marL="57150" lvl="1" indent="-57150" algn="l" defTabSz="488950">
+          <a:pPr marL="171450" lvl="1" indent="-171450" algn="l" defTabSz="755650">
             <a:lnSpc>
               <a:spcPct val="90000"/>
             </a:lnSpc>
@@ -5736,12 +6554,12 @@
             <a:buChar char="•"/>
           </a:pPr>
           <a:r>
-            <a:rPr lang="en-US" sz="1100" kern="1200"/>
+            <a:rPr lang="en-US" sz="1700" kern="1200"/>
             <a:t>Estabelecer a política de segurança da informação.</a:t>
           </a:r>
         </a:p>
         <a:p>
-          <a:pPr marL="57150" lvl="1" indent="-57150" algn="l" defTabSz="488950">
+          <a:pPr marL="171450" lvl="1" indent="-171450" algn="l" defTabSz="755650">
             <a:lnSpc>
               <a:spcPct val="90000"/>
             </a:lnSpc>
@@ -5754,12 +6572,12 @@
             <a:buChar char="•"/>
           </a:pPr>
           <a:r>
-            <a:rPr lang="en-US" sz="1100" kern="1200"/>
+            <a:rPr lang="en-US" sz="1700" kern="1200"/>
             <a:t>Identificar ativos, ameaças, vulnerabilidades e riscos associados.</a:t>
           </a:r>
         </a:p>
         <a:p>
-          <a:pPr marL="57150" lvl="1" indent="-57150" algn="l" defTabSz="488950">
+          <a:pPr marL="171450" lvl="1" indent="-171450" algn="l" defTabSz="755650">
             <a:lnSpc>
               <a:spcPct val="90000"/>
             </a:lnSpc>
@@ -5772,14 +6590,14 @@
             <a:buChar char="•"/>
           </a:pPr>
           <a:r>
-            <a:rPr lang="en-US" sz="1100" kern="1200"/>
+            <a:rPr lang="en-US" sz="1700" kern="1200"/>
             <a:t>Determinar os controles a serem implementados e os objetivos de segurança.</a:t>
           </a:r>
         </a:p>
       </dsp:txBody>
       <dsp:txXfrm>
-        <a:off x="0" y="425196"/>
-        <a:ext cx="5098256" cy="1178100"/>
+        <a:off x="0" y="529956"/>
+        <a:ext cx="5098256" cy="2516849"/>
       </dsp:txXfrm>
     </dsp:sp>
     <dsp:sp modelId="{E995355C-9360-4D9F-9145-F464815F43CB}">
@@ -5789,8 +6607,8 @@
       </dsp:nvSpPr>
       <dsp:spPr>
         <a:xfrm>
-          <a:off x="254912" y="262836"/>
-          <a:ext cx="3568779" cy="324720"/>
+          <a:off x="254912" y="279036"/>
+          <a:ext cx="3568779" cy="501840"/>
         </a:xfrm>
         <a:prstGeom prst="roundRect">
           <a:avLst/>
@@ -5836,7 +6654,7 @@
         </a:bodyPr>
         <a:lstStyle/>
         <a:p>
-          <a:pPr marL="0" lvl="0" indent="0" algn="l" defTabSz="488950">
+          <a:pPr marL="0" lvl="0" indent="0" algn="l" defTabSz="755650">
             <a:lnSpc>
               <a:spcPct val="90000"/>
             </a:lnSpc>
@@ -5849,14 +6667,14 @@
             <a:buNone/>
           </a:pPr>
           <a:r>
-            <a:rPr lang="en-US" sz="1100" kern="1200"/>
+            <a:rPr lang="en-US" sz="1700" kern="1200"/>
             <a:t>Plan (Planejar)</a:t>
           </a:r>
         </a:p>
       </dsp:txBody>
       <dsp:txXfrm>
-        <a:off x="270764" y="278688"/>
-        <a:ext cx="3537075" cy="293016"/>
+        <a:off x="279410" y="303534"/>
+        <a:ext cx="3519783" cy="452844"/>
       </dsp:txXfrm>
     </dsp:sp>
     <dsp:sp modelId="{76742F9C-3667-4350-8711-97805E0AE70B}">
@@ -5866,8 +6684,8 @@
       </dsp:nvSpPr>
       <dsp:spPr>
         <a:xfrm>
-          <a:off x="0" y="1825056"/>
-          <a:ext cx="5098256" cy="1143450"/>
+          <a:off x="0" y="3389526"/>
+          <a:ext cx="5098256" cy="1981350"/>
         </a:xfrm>
         <a:prstGeom prst="rect">
           <a:avLst/>
@@ -5907,12 +6725,12 @@
         <a:fontRef idx="minor"/>
       </dsp:style>
       <dsp:txBody>
-        <a:bodyPr spcFirstLastPara="0" vert="horz" wrap="square" lIns="395681" tIns="229108" rIns="395681" bIns="78232" numCol="1" spcCol="1270" anchor="t" anchorCtr="0">
+        <a:bodyPr spcFirstLastPara="0" vert="horz" wrap="square" lIns="395681" tIns="354076" rIns="395681" bIns="120904" numCol="1" spcCol="1270" anchor="t" anchorCtr="0">
           <a:noAutofit/>
         </a:bodyPr>
         <a:lstStyle/>
         <a:p>
-          <a:pPr marL="57150" lvl="1" indent="-57150" algn="l" defTabSz="488950">
+          <a:pPr marL="171450" lvl="1" indent="-171450" algn="l" defTabSz="755650">
             <a:lnSpc>
               <a:spcPct val="90000"/>
             </a:lnSpc>
@@ -5925,12 +6743,48 @@
             <a:buChar char="•"/>
           </a:pPr>
           <a:r>
-            <a:rPr lang="en-US" sz="1100" kern="1200"/>
-            <a:t>Implementar os controles e processos planejados.</a:t>
+            <a:rPr lang="en-US" sz="1700" kern="1200" dirty="0" err="1"/>
+            <a:t>Implementar</a:t>
+          </a:r>
+          <a:r>
+            <a:rPr lang="en-US" sz="1700" kern="1200" dirty="0"/>
+            <a:t> </a:t>
+          </a:r>
+          <a:r>
+            <a:rPr lang="en-US" sz="1700" kern="1200" dirty="0" err="1"/>
+            <a:t>os</a:t>
+          </a:r>
+          <a:r>
+            <a:rPr lang="en-US" sz="1700" kern="1200" dirty="0"/>
+            <a:t> </a:t>
+          </a:r>
+          <a:r>
+            <a:rPr lang="en-US" sz="1700" kern="1200" dirty="0" err="1"/>
+            <a:t>controles</a:t>
+          </a:r>
+          <a:r>
+            <a:rPr lang="en-US" sz="1700" kern="1200" dirty="0"/>
+            <a:t> e </a:t>
+          </a:r>
+          <a:r>
+            <a:rPr lang="en-US" sz="1700" kern="1200" dirty="0" err="1"/>
+            <a:t>processos</a:t>
+          </a:r>
+          <a:r>
+            <a:rPr lang="en-US" sz="1700" kern="1200" dirty="0"/>
+            <a:t> </a:t>
+          </a:r>
+          <a:r>
+            <a:rPr lang="en-US" sz="1700" kern="1200" dirty="0" err="1"/>
+            <a:t>planejados</a:t>
+          </a:r>
+          <a:r>
+            <a:rPr lang="en-US" sz="1700" kern="1200" dirty="0"/>
+            <a:t>.</a:t>
           </a:r>
         </a:p>
         <a:p>
-          <a:pPr marL="57150" lvl="1" indent="-57150" algn="l" defTabSz="488950">
+          <a:pPr marL="171450" lvl="1" indent="-171450" algn="l" defTabSz="755650">
             <a:lnSpc>
               <a:spcPct val="90000"/>
             </a:lnSpc>
@@ -5943,12 +6797,12 @@
             <a:buChar char="•"/>
           </a:pPr>
           <a:r>
-            <a:rPr lang="en-US" sz="1100" kern="1200"/>
+            <a:rPr lang="en-US" sz="1700" kern="1200"/>
             <a:t>Colocar em prática políticas, planos de resposta a incidentes e medidas de proteção.</a:t>
           </a:r>
         </a:p>
         <a:p>
-          <a:pPr marL="57150" lvl="1" indent="-57150" algn="l" defTabSz="488950">
+          <a:pPr marL="171450" lvl="1" indent="-171450" algn="l" defTabSz="755650">
             <a:lnSpc>
               <a:spcPct val="90000"/>
             </a:lnSpc>
@@ -5961,14 +6815,14 @@
             <a:buChar char="•"/>
           </a:pPr>
           <a:r>
-            <a:rPr lang="en-US" sz="1100" kern="1200"/>
+            <a:rPr lang="en-US" sz="1700" kern="1200"/>
             <a:t>Garantir que os colaboradores sejam treinados e cientes de suas responsabilidades.</a:t>
           </a:r>
         </a:p>
       </dsp:txBody>
       <dsp:txXfrm>
-        <a:off x="0" y="1825056"/>
-        <a:ext cx="5098256" cy="1143450"/>
+        <a:off x="0" y="3389526"/>
+        <a:ext cx="5098256" cy="1981350"/>
       </dsp:txXfrm>
     </dsp:sp>
     <dsp:sp modelId="{A4DCB22F-00E0-458F-B634-9E102D893DCF}">
@@ -5978,8 +6832,8 @@
       </dsp:nvSpPr>
       <dsp:spPr>
         <a:xfrm>
-          <a:off x="254912" y="1662696"/>
-          <a:ext cx="3568779" cy="324720"/>
+          <a:off x="254912" y="3138606"/>
+          <a:ext cx="3568779" cy="501840"/>
         </a:xfrm>
         <a:prstGeom prst="roundRect">
           <a:avLst/>
@@ -6025,7 +6879,7 @@
         </a:bodyPr>
         <a:lstStyle/>
         <a:p>
-          <a:pPr marL="0" lvl="0" indent="0" algn="l" defTabSz="488950">
+          <a:pPr marL="0" lvl="0" indent="0" algn="l" defTabSz="755650">
             <a:lnSpc>
               <a:spcPct val="90000"/>
             </a:lnSpc>
@@ -6038,16 +6892,28 @@
             <a:buNone/>
           </a:pPr>
           <a:r>
-            <a:rPr lang="en-US" sz="1100" kern="1200"/>
+            <a:rPr lang="en-US" sz="1700" kern="1200"/>
             <a:t>Do (Executar)</a:t>
           </a:r>
         </a:p>
       </dsp:txBody>
       <dsp:txXfrm>
-        <a:off x="270764" y="1678548"/>
-        <a:ext cx="3537075" cy="293016"/>
+        <a:off x="279410" y="3163104"/>
+        <a:ext cx="3519783" cy="452844"/>
       </dsp:txXfrm>
     </dsp:sp>
+  </dsp:spTree>
+</dsp:drawing>
+</file>
+
+<file path=ppt/diagrams/drawing4.xml><?xml version="1.0" encoding="utf-8"?>
+<dsp:drawing xmlns:dgm="http://schemas.openxmlformats.org/drawingml/2006/diagram" xmlns:dsp="http://schemas.microsoft.com/office/drawing/2008/diagram" xmlns:a="http://schemas.openxmlformats.org/drawingml/2006/main">
+  <dsp:spTree>
+    <dsp:nvGrpSpPr>
+      <dsp:cNvPr id="0" name=""/>
+      <dsp:cNvGrpSpPr/>
+    </dsp:nvGrpSpPr>
+    <dsp:grpSpPr/>
     <dsp:sp modelId="{35C1B59F-A51F-4A81-A7B5-9460C6CCF79C}">
       <dsp:nvSpPr>
         <dsp:cNvPr id="0" name=""/>
@@ -6055,8 +6921,8 @@
       </dsp:nvSpPr>
       <dsp:spPr>
         <a:xfrm>
-          <a:off x="0" y="3190266"/>
-          <a:ext cx="5098256" cy="987525"/>
+          <a:off x="0" y="394955"/>
+          <a:ext cx="5098256" cy="2381400"/>
         </a:xfrm>
         <a:prstGeom prst="rect">
           <a:avLst/>
@@ -6096,12 +6962,12 @@
         <a:fontRef idx="minor"/>
       </dsp:style>
       <dsp:txBody>
-        <a:bodyPr spcFirstLastPara="0" vert="horz" wrap="square" lIns="395681" tIns="229108" rIns="395681" bIns="78232" numCol="1" spcCol="1270" anchor="t" anchorCtr="0">
+        <a:bodyPr spcFirstLastPara="0" vert="horz" wrap="square" lIns="395681" tIns="374904" rIns="395681" bIns="128016" numCol="1" spcCol="1270" anchor="t" anchorCtr="0">
           <a:noAutofit/>
         </a:bodyPr>
         <a:lstStyle/>
         <a:p>
-          <a:pPr marL="57150" lvl="1" indent="-57150" algn="l" defTabSz="488950">
+          <a:pPr marL="171450" lvl="1" indent="-171450" algn="l" defTabSz="800100">
             <a:lnSpc>
               <a:spcPct val="90000"/>
             </a:lnSpc>
@@ -6114,12 +6980,12 @@
             <a:buChar char="•"/>
           </a:pPr>
           <a:r>
-            <a:rPr lang="en-US" sz="1100" kern="1200"/>
+            <a:rPr lang="en-US" sz="1800" kern="1200"/>
             <a:t>Monitorar e medir os resultados obtidos em relação aos objetivos de segurança definidos.</a:t>
           </a:r>
         </a:p>
         <a:p>
-          <a:pPr marL="57150" lvl="1" indent="-57150" algn="l" defTabSz="488950">
+          <a:pPr marL="171450" lvl="1" indent="-171450" algn="l" defTabSz="800100">
             <a:lnSpc>
               <a:spcPct val="90000"/>
             </a:lnSpc>
@@ -6132,12 +6998,12 @@
             <a:buChar char="•"/>
           </a:pPr>
           <a:r>
-            <a:rPr lang="en-US" sz="1100" kern="1200"/>
+            <a:rPr lang="en-US" sz="1800" kern="1200"/>
             <a:t>Realizar auditorias internas para verificar a eficácia dos controles.</a:t>
           </a:r>
         </a:p>
         <a:p>
-          <a:pPr marL="57150" lvl="1" indent="-57150" algn="l" defTabSz="488950">
+          <a:pPr marL="171450" lvl="1" indent="-171450" algn="l" defTabSz="800100">
             <a:lnSpc>
               <a:spcPct val="90000"/>
             </a:lnSpc>
@@ -6150,14 +7016,14 @@
             <a:buChar char="•"/>
           </a:pPr>
           <a:r>
-            <a:rPr lang="en-US" sz="1100" kern="1200"/>
+            <a:rPr lang="en-US" sz="1800" kern="1200"/>
             <a:t>Avaliar incidentes e não conformidades que possam ter ocorrido.</a:t>
           </a:r>
         </a:p>
       </dsp:txBody>
       <dsp:txXfrm>
-        <a:off x="0" y="3190266"/>
-        <a:ext cx="5098256" cy="987525"/>
+        <a:off x="0" y="394955"/>
+        <a:ext cx="5098256" cy="2381400"/>
       </dsp:txXfrm>
     </dsp:sp>
     <dsp:sp modelId="{1C50BC9D-32D2-4CB4-82BA-6C2D0E4DBED9}">
@@ -6167,8 +7033,8 @@
       </dsp:nvSpPr>
       <dsp:spPr>
         <a:xfrm>
-          <a:off x="254912" y="3027906"/>
-          <a:ext cx="3568779" cy="324720"/>
+          <a:off x="254912" y="129275"/>
+          <a:ext cx="3568779" cy="531360"/>
         </a:xfrm>
         <a:prstGeom prst="roundRect">
           <a:avLst/>
@@ -6214,7 +7080,7 @@
         </a:bodyPr>
         <a:lstStyle/>
         <a:p>
-          <a:pPr marL="0" lvl="0" indent="0" algn="l" defTabSz="488950">
+          <a:pPr marL="0" lvl="0" indent="0" algn="l" defTabSz="800100">
             <a:lnSpc>
               <a:spcPct val="90000"/>
             </a:lnSpc>
@@ -6227,14 +7093,14 @@
             <a:buNone/>
           </a:pPr>
           <a:r>
-            <a:rPr lang="en-US" sz="1100" kern="1200"/>
+            <a:rPr lang="en-US" sz="1800" kern="1200"/>
             <a:t>Check (Verificar)</a:t>
           </a:r>
         </a:p>
       </dsp:txBody>
       <dsp:txXfrm>
-        <a:off x="270764" y="3043758"/>
-        <a:ext cx="3537075" cy="293016"/>
+        <a:off x="280851" y="155214"/>
+        <a:ext cx="3516901" cy="479482"/>
       </dsp:txXfrm>
     </dsp:sp>
     <dsp:sp modelId="{CE2C7407-6876-4E06-9AD8-9266EBB9BE48}">
@@ -6244,8 +7110,8 @@
       </dsp:nvSpPr>
       <dsp:spPr>
         <a:xfrm>
-          <a:off x="0" y="4399551"/>
-          <a:ext cx="5098256" cy="987525"/>
+          <a:off x="0" y="3139236"/>
+          <a:ext cx="5098256" cy="2381400"/>
         </a:xfrm>
         <a:prstGeom prst="rect">
           <a:avLst/>
@@ -6285,12 +7151,12 @@
         <a:fontRef idx="minor"/>
       </dsp:style>
       <dsp:txBody>
-        <a:bodyPr spcFirstLastPara="0" vert="horz" wrap="square" lIns="395681" tIns="229108" rIns="395681" bIns="78232" numCol="1" spcCol="1270" anchor="t" anchorCtr="0">
+        <a:bodyPr spcFirstLastPara="0" vert="horz" wrap="square" lIns="395681" tIns="374904" rIns="395681" bIns="128016" numCol="1" spcCol="1270" anchor="t" anchorCtr="0">
           <a:noAutofit/>
         </a:bodyPr>
         <a:lstStyle/>
         <a:p>
-          <a:pPr marL="57150" lvl="1" indent="-57150" algn="l" defTabSz="488950">
+          <a:pPr marL="171450" lvl="1" indent="-171450" algn="l" defTabSz="800100">
             <a:lnSpc>
               <a:spcPct val="90000"/>
             </a:lnSpc>
@@ -6303,12 +7169,12 @@
             <a:buChar char="•"/>
           </a:pPr>
           <a:r>
-            <a:rPr lang="en-US" sz="1100" kern="1200"/>
+            <a:rPr lang="en-US" sz="1800" kern="1200"/>
             <a:t>Corrigir falhas identificadas no monitoramento ou nas auditorias.</a:t>
           </a:r>
         </a:p>
         <a:p>
-          <a:pPr marL="57150" lvl="1" indent="-57150" algn="l" defTabSz="488950">
+          <a:pPr marL="171450" lvl="1" indent="-171450" algn="l" defTabSz="800100">
             <a:lnSpc>
               <a:spcPct val="90000"/>
             </a:lnSpc>
@@ -6321,12 +7187,12 @@
             <a:buChar char="•"/>
           </a:pPr>
           <a:r>
-            <a:rPr lang="en-US" sz="1100" kern="1200"/>
+            <a:rPr lang="en-US" sz="1800" kern="1200"/>
             <a:t>Revisar políticas, objetivos e controles, adequando-os a novas ameaças ou mudanças no ambiente da organização.</a:t>
           </a:r>
         </a:p>
         <a:p>
-          <a:pPr marL="57150" lvl="1" indent="-57150" algn="l" defTabSz="488950">
+          <a:pPr marL="171450" lvl="1" indent="-171450" algn="l" defTabSz="800100">
             <a:lnSpc>
               <a:spcPct val="90000"/>
             </a:lnSpc>
@@ -6339,14 +7205,14 @@
             <a:buChar char="•"/>
           </a:pPr>
           <a:r>
-            <a:rPr lang="en-US" sz="1100" kern="1200"/>
+            <a:rPr lang="en-US" sz="1800" kern="1200"/>
             <a:t>Implementar ações de melhoria contínua para fortalecer o SGSI.</a:t>
           </a:r>
         </a:p>
       </dsp:txBody>
       <dsp:txXfrm>
-        <a:off x="0" y="4399551"/>
-        <a:ext cx="5098256" cy="987525"/>
+        <a:off x="0" y="3139236"/>
+        <a:ext cx="5098256" cy="2381400"/>
       </dsp:txXfrm>
     </dsp:sp>
     <dsp:sp modelId="{B27AAB1B-4DAC-40F0-8F4A-388C6C3FC180}">
@@ -6356,8 +7222,8 @@
       </dsp:nvSpPr>
       <dsp:spPr>
         <a:xfrm>
-          <a:off x="254912" y="4237191"/>
-          <a:ext cx="3568779" cy="324720"/>
+          <a:off x="254912" y="2873556"/>
+          <a:ext cx="3568779" cy="531360"/>
         </a:xfrm>
         <a:prstGeom prst="roundRect">
           <a:avLst/>
@@ -6403,7 +7269,7 @@
         </a:bodyPr>
         <a:lstStyle/>
         <a:p>
-          <a:pPr marL="0" lvl="0" indent="0" algn="l" defTabSz="488950">
+          <a:pPr marL="0" lvl="0" indent="0" algn="l" defTabSz="800100">
             <a:lnSpc>
               <a:spcPct val="90000"/>
             </a:lnSpc>
@@ -6416,14 +7282,14 @@
             <a:buNone/>
           </a:pPr>
           <a:r>
-            <a:rPr lang="en-US" sz="1100" kern="1200"/>
+            <a:rPr lang="en-US" sz="1800" kern="1200"/>
             <a:t>Act (Agir ou Melhorar)</a:t>
           </a:r>
         </a:p>
       </dsp:txBody>
       <dsp:txXfrm>
-        <a:off x="270764" y="4253043"/>
-        <a:ext cx="3537075" cy="293016"/>
+        <a:off x="280851" y="2899495"/>
+        <a:ext cx="3516901" cy="479482"/>
       </dsp:txXfrm>
     </dsp:sp>
   </dsp:spTree>
@@ -8640,6 +9506,231 @@
 </dgm:layoutDef>
 </file>
 
+<file path=ppt/diagrams/layout4.xml><?xml version="1.0" encoding="utf-8"?>
+<dgm:layoutDef xmlns:dgm="http://schemas.openxmlformats.org/drawingml/2006/diagram" xmlns:a="http://schemas.openxmlformats.org/drawingml/2006/main" uniqueId="urn:microsoft.com/office/officeart/2005/8/layout/list1">
+  <dgm:title val=""/>
+  <dgm:desc val=""/>
+  <dgm:catLst>
+    <dgm:cat type="list" pri="4000"/>
+  </dgm:catLst>
+  <dgm:sampData>
+    <dgm:dataModel>
+      <dgm:ptLst>
+        <dgm:pt modelId="0" type="doc"/>
+        <dgm:pt modelId="1">
+          <dgm:prSet phldr="1"/>
+        </dgm:pt>
+        <dgm:pt modelId="2">
+          <dgm:prSet phldr="1"/>
+        </dgm:pt>
+        <dgm:pt modelId="3">
+          <dgm:prSet phldr="1"/>
+        </dgm:pt>
+      </dgm:ptLst>
+      <dgm:cxnLst>
+        <dgm:cxn modelId="4" srcId="0" destId="1" srcOrd="0" destOrd="0"/>
+        <dgm:cxn modelId="5" srcId="0" destId="2" srcOrd="1" destOrd="0"/>
+        <dgm:cxn modelId="6" srcId="0" destId="3" srcOrd="2" destOrd="0"/>
+      </dgm:cxnLst>
+      <dgm:bg/>
+      <dgm:whole/>
+    </dgm:dataModel>
+  </dgm:sampData>
+  <dgm:styleData>
+    <dgm:dataModel>
+      <dgm:ptLst>
+        <dgm:pt modelId="0" type="doc"/>
+        <dgm:pt modelId="1"/>
+        <dgm:pt modelId="2"/>
+      </dgm:ptLst>
+      <dgm:cxnLst>
+        <dgm:cxn modelId="4" srcId="0" destId="1" srcOrd="0" destOrd="0"/>
+        <dgm:cxn modelId="5" srcId="0" destId="2" srcOrd="1" destOrd="0"/>
+      </dgm:cxnLst>
+      <dgm:bg/>
+      <dgm:whole/>
+    </dgm:dataModel>
+  </dgm:styleData>
+  <dgm:clrData>
+    <dgm:dataModel>
+      <dgm:ptLst>
+        <dgm:pt modelId="0" type="doc"/>
+        <dgm:pt modelId="1"/>
+        <dgm:pt modelId="2"/>
+        <dgm:pt modelId="3"/>
+        <dgm:pt modelId="4"/>
+      </dgm:ptLst>
+      <dgm:cxnLst>
+        <dgm:cxn modelId="5" srcId="0" destId="1" srcOrd="0" destOrd="0"/>
+        <dgm:cxn modelId="6" srcId="0" destId="2" srcOrd="1" destOrd="0"/>
+        <dgm:cxn modelId="7" srcId="0" destId="3" srcOrd="2" destOrd="0"/>
+        <dgm:cxn modelId="8" srcId="0" destId="4" srcOrd="3" destOrd="0"/>
+      </dgm:cxnLst>
+      <dgm:bg/>
+      <dgm:whole/>
+    </dgm:dataModel>
+  </dgm:clrData>
+  <dgm:layoutNode name="linear">
+    <dgm:varLst>
+      <dgm:dir/>
+      <dgm:animLvl val="lvl"/>
+      <dgm:resizeHandles val="exact"/>
+    </dgm:varLst>
+    <dgm:choose name="Name0">
+      <dgm:if name="Name1" func="var" arg="dir" op="equ" val="norm">
+        <dgm:alg type="lin">
+          <dgm:param type="linDir" val="fromT"/>
+          <dgm:param type="vertAlign" val="mid"/>
+          <dgm:param type="horzAlign" val="l"/>
+          <dgm:param type="nodeHorzAlign" val="l"/>
+        </dgm:alg>
+      </dgm:if>
+      <dgm:else name="Name2">
+        <dgm:alg type="lin">
+          <dgm:param type="linDir" val="fromT"/>
+          <dgm:param type="vertAlign" val="mid"/>
+          <dgm:param type="horzAlign" val="r"/>
+          <dgm:param type="nodeHorzAlign" val="r"/>
+        </dgm:alg>
+      </dgm:else>
+    </dgm:choose>
+    <dgm:shape xmlns:r="http://schemas.openxmlformats.org/officeDocument/2006/relationships" r:blip="">
+      <dgm:adjLst/>
+    </dgm:shape>
+    <dgm:presOf/>
+    <dgm:constrLst>
+      <dgm:constr type="w" for="ch" forName="parentLin" refType="w"/>
+      <dgm:constr type="h" for="ch" forName="parentLin" val="INF"/>
+      <dgm:constr type="w" for="des" forName="parentLeftMargin" refType="w" fact="0.05"/>
+      <dgm:constr type="w" for="des" forName="parentText" refType="w" fact="0.7"/>
+      <dgm:constr type="h" for="des" forName="parentText" refType="primFontSz" refFor="des" refForName="parentText" fact="0.82"/>
+      <dgm:constr type="h" for="ch" forName="negativeSpace" refType="primFontSz" refFor="des" refForName="parentText" fact="-0.41"/>
+      <dgm:constr type="h" for="ch" forName="negativeSpace" refType="h" refFor="des" refForName="parentText" op="lte" fact="-0.82"/>
+      <dgm:constr type="h" for="ch" forName="negativeSpace" refType="h" refFor="des" refForName="parentText" op="gte" fact="-0.82"/>
+      <dgm:constr type="w" for="ch" forName="childText" refType="w"/>
+      <dgm:constr type="h" for="ch" forName="childText" refType="primFontSz" refFor="des" refForName="parentText" fact="0.7"/>
+      <dgm:constr type="primFontSz" for="des" forName="parentText" val="65"/>
+      <dgm:constr type="primFontSz" for="ch" forName="childText" refType="primFontSz" refFor="des" refForName="parentText"/>
+      <dgm:constr type="tMarg" for="ch" forName="childText" refType="primFontSz" refFor="des" refForName="parentText" fact="1.64"/>
+      <dgm:constr type="tMarg" for="ch" forName="childText" refType="h" refFor="des" refForName="parentText" op="lte" fact="3.28"/>
+      <dgm:constr type="tMarg" for="ch" forName="childText" refType="h" refFor="des" refForName="parentText" op="gte" fact="3.28"/>
+      <dgm:constr type="lMarg" for="ch" forName="childText" refType="w" fact="0.22"/>
+      <dgm:constr type="rMarg" for="ch" forName="childText" refType="lMarg" refFor="ch" refForName="childText"/>
+      <dgm:constr type="lMarg" for="des" forName="parentText" refType="w" fact="0.075"/>
+      <dgm:constr type="rMarg" for="des" forName="parentText" refType="lMarg" refFor="des" refForName="parentText"/>
+      <dgm:constr type="h" for="ch" forName="spaceBetweenRectangles" refType="primFontSz" refFor="des" refForName="parentText" fact="0.15"/>
+    </dgm:constrLst>
+    <dgm:ruleLst>
+      <dgm:rule type="primFontSz" for="des" forName="parentText" val="5" fact="NaN" max="NaN"/>
+    </dgm:ruleLst>
+    <dgm:forEach name="Name3" axis="ch" ptType="node">
+      <dgm:layoutNode name="parentLin">
+        <dgm:choose name="Name4">
+          <dgm:if name="Name5" func="var" arg="dir" op="equ" val="norm">
+            <dgm:alg type="lin">
+              <dgm:param type="linDir" val="fromL"/>
+              <dgm:param type="horzAlign" val="l"/>
+              <dgm:param type="nodeHorzAlign" val="l"/>
+            </dgm:alg>
+          </dgm:if>
+          <dgm:else name="Name6">
+            <dgm:alg type="lin">
+              <dgm:param type="linDir" val="fromR"/>
+              <dgm:param type="horzAlign" val="r"/>
+              <dgm:param type="nodeHorzAlign" val="r"/>
+            </dgm:alg>
+          </dgm:else>
+        </dgm:choose>
+        <dgm:shape xmlns:r="http://schemas.openxmlformats.org/officeDocument/2006/relationships" r:blip="">
+          <dgm:adjLst/>
+        </dgm:shape>
+        <dgm:presOf/>
+        <dgm:constrLst/>
+        <dgm:ruleLst/>
+        <dgm:layoutNode name="parentLeftMargin">
+          <dgm:alg type="sp"/>
+          <dgm:shape xmlns:r="http://schemas.openxmlformats.org/officeDocument/2006/relationships" type="rect" r:blip="" hideGeom="1">
+            <dgm:adjLst/>
+          </dgm:shape>
+          <dgm:presOf axis="self"/>
+          <dgm:constrLst>
+            <dgm:constr type="h"/>
+          </dgm:constrLst>
+          <dgm:ruleLst/>
+        </dgm:layoutNode>
+        <dgm:layoutNode name="parentText" styleLbl="node1">
+          <dgm:varLst>
+            <dgm:chMax val="0"/>
+            <dgm:bulletEnabled val="1"/>
+          </dgm:varLst>
+          <dgm:choose name="Name7">
+            <dgm:if name="Name8" func="var" arg="dir" op="equ" val="norm">
+              <dgm:alg type="tx">
+                <dgm:param type="parTxLTRAlign" val="l"/>
+                <dgm:param type="parTxRTLAlign" val="l"/>
+              </dgm:alg>
+            </dgm:if>
+            <dgm:else name="Name9">
+              <dgm:alg type="tx">
+                <dgm:param type="parTxLTRAlign" val="r"/>
+                <dgm:param type="parTxRTLAlign" val="r"/>
+              </dgm:alg>
+            </dgm:else>
+          </dgm:choose>
+          <dgm:shape xmlns:r="http://schemas.openxmlformats.org/officeDocument/2006/relationships" type="roundRect" r:blip="">
+            <dgm:adjLst/>
+          </dgm:shape>
+          <dgm:presOf axis="self" ptType="node"/>
+          <dgm:constrLst>
+            <dgm:constr type="tMarg"/>
+            <dgm:constr type="bMarg"/>
+          </dgm:constrLst>
+          <dgm:ruleLst/>
+        </dgm:layoutNode>
+      </dgm:layoutNode>
+      <dgm:layoutNode name="negativeSpace">
+        <dgm:alg type="sp"/>
+        <dgm:shape xmlns:r="http://schemas.openxmlformats.org/officeDocument/2006/relationships" r:blip="">
+          <dgm:adjLst/>
+        </dgm:shape>
+        <dgm:presOf/>
+        <dgm:constrLst/>
+        <dgm:ruleLst/>
+      </dgm:layoutNode>
+      <dgm:layoutNode name="childText" styleLbl="conFgAcc1">
+        <dgm:varLst>
+          <dgm:bulletEnabled val="1"/>
+        </dgm:varLst>
+        <dgm:alg type="tx">
+          <dgm:param type="stBulletLvl" val="1"/>
+        </dgm:alg>
+        <dgm:shape xmlns:r="http://schemas.openxmlformats.org/officeDocument/2006/relationships" type="rect" r:blip="" zOrderOff="-2">
+          <dgm:adjLst/>
+        </dgm:shape>
+        <dgm:presOf axis="des" ptType="node"/>
+        <dgm:constrLst>
+          <dgm:constr type="secFontSz" refType="primFontSz"/>
+        </dgm:constrLst>
+        <dgm:ruleLst>
+          <dgm:rule type="h" val="INF" fact="NaN" max="NaN"/>
+        </dgm:ruleLst>
+      </dgm:layoutNode>
+      <dgm:forEach name="Name10" axis="followSib" ptType="sibTrans" cnt="1">
+        <dgm:layoutNode name="spaceBetweenRectangles">
+          <dgm:alg type="sp"/>
+          <dgm:shape xmlns:r="http://schemas.openxmlformats.org/officeDocument/2006/relationships" r:blip="">
+            <dgm:adjLst/>
+          </dgm:shape>
+          <dgm:presOf/>
+          <dgm:constrLst/>
+          <dgm:ruleLst/>
+        </dgm:layoutNode>
+      </dgm:forEach>
+    </dgm:forEach>
+  </dgm:layoutNode>
+</dgm:layoutDef>
+</file>
+
 <file path=ppt/diagrams/quickStyle1.xml><?xml version="1.0" encoding="utf-8"?>
 <dgm:styleDef xmlns:dgm="http://schemas.openxmlformats.org/drawingml/2006/diagram" xmlns:a="http://schemas.openxmlformats.org/drawingml/2006/main" uniqueId="urn:microsoft.com/office/officeart/2005/8/quickstyle/simple1">
   <dgm:title val=""/>
@@ -10709,6 +11800,1040 @@
 </file>
 
 <file path=ppt/diagrams/quickStyle3.xml><?xml version="1.0" encoding="utf-8"?>
+<dgm:styleDef xmlns:dgm="http://schemas.openxmlformats.org/drawingml/2006/diagram" xmlns:a="http://schemas.openxmlformats.org/drawingml/2006/main" uniqueId="urn:microsoft.com/office/officeart/2005/8/quickstyle/simple1">
+  <dgm:title val=""/>
+  <dgm:desc val=""/>
+  <dgm:catLst>
+    <dgm:cat type="simple" pri="10100"/>
+  </dgm:catLst>
+  <dgm:scene3d>
+    <a:camera prst="orthographicFront"/>
+    <a:lightRig rig="threePt" dir="t"/>
+  </dgm:scene3d>
+  <dgm:styleLbl name="node0">
+    <dgm:scene3d>
+      <a:camera prst="orthographicFront"/>
+      <a:lightRig rig="threePt" dir="t"/>
+    </dgm:scene3d>
+    <dgm:sp3d/>
+    <dgm:txPr/>
+    <dgm:style>
+      <a:lnRef idx="2">
+        <a:scrgbClr r="0" g="0" b="0"/>
+      </a:lnRef>
+      <a:fillRef idx="1">
+        <a:scrgbClr r="0" g="0" b="0"/>
+      </a:fillRef>
+      <a:effectRef idx="0">
+        <a:scrgbClr r="0" g="0" b="0"/>
+      </a:effectRef>
+      <a:fontRef idx="minor">
+        <a:schemeClr val="lt1"/>
+      </a:fontRef>
+    </dgm:style>
+  </dgm:styleLbl>
+  <dgm:styleLbl name="lnNode1">
+    <dgm:scene3d>
+      <a:camera prst="orthographicFront"/>
+      <a:lightRig rig="threePt" dir="t"/>
+    </dgm:scene3d>
+    <dgm:sp3d/>
+    <dgm:txPr/>
+    <dgm:style>
+      <a:lnRef idx="2">
+        <a:scrgbClr r="0" g="0" b="0"/>
+      </a:lnRef>
+      <a:fillRef idx="1">
+        <a:scrgbClr r="0" g="0" b="0"/>
+      </a:fillRef>
+      <a:effectRef idx="0">
+        <a:scrgbClr r="0" g="0" b="0"/>
+      </a:effectRef>
+      <a:fontRef idx="minor">
+        <a:schemeClr val="lt1"/>
+      </a:fontRef>
+    </dgm:style>
+  </dgm:styleLbl>
+  <dgm:styleLbl name="vennNode1">
+    <dgm:scene3d>
+      <a:camera prst="orthographicFront"/>
+      <a:lightRig rig="threePt" dir="t"/>
+    </dgm:scene3d>
+    <dgm:sp3d/>
+    <dgm:txPr/>
+    <dgm:style>
+      <a:lnRef idx="2">
+        <a:scrgbClr r="0" g="0" b="0"/>
+      </a:lnRef>
+      <a:fillRef idx="1">
+        <a:scrgbClr r="0" g="0" b="0"/>
+      </a:fillRef>
+      <a:effectRef idx="0">
+        <a:scrgbClr r="0" g="0" b="0"/>
+      </a:effectRef>
+      <a:fontRef idx="minor">
+        <a:schemeClr val="tx1"/>
+      </a:fontRef>
+    </dgm:style>
+  </dgm:styleLbl>
+  <dgm:styleLbl name="alignNode1">
+    <dgm:scene3d>
+      <a:camera prst="orthographicFront"/>
+      <a:lightRig rig="threePt" dir="t"/>
+    </dgm:scene3d>
+    <dgm:sp3d/>
+    <dgm:txPr/>
+    <dgm:style>
+      <a:lnRef idx="2">
+        <a:scrgbClr r="0" g="0" b="0"/>
+      </a:lnRef>
+      <a:fillRef idx="1">
+        <a:scrgbClr r="0" g="0" b="0"/>
+      </a:fillRef>
+      <a:effectRef idx="0">
+        <a:scrgbClr r="0" g="0" b="0"/>
+      </a:effectRef>
+      <a:fontRef idx="minor">
+        <a:schemeClr val="lt1"/>
+      </a:fontRef>
+    </dgm:style>
+  </dgm:styleLbl>
+  <dgm:styleLbl name="node1">
+    <dgm:scene3d>
+      <a:camera prst="orthographicFront"/>
+      <a:lightRig rig="threePt" dir="t"/>
+    </dgm:scene3d>
+    <dgm:sp3d/>
+    <dgm:txPr/>
+    <dgm:style>
+      <a:lnRef idx="2">
+        <a:scrgbClr r="0" g="0" b="0"/>
+      </a:lnRef>
+      <a:fillRef idx="1">
+        <a:scrgbClr r="0" g="0" b="0"/>
+      </a:fillRef>
+      <a:effectRef idx="0">
+        <a:scrgbClr r="0" g="0" b="0"/>
+      </a:effectRef>
+      <a:fontRef idx="minor">
+        <a:schemeClr val="lt1"/>
+      </a:fontRef>
+    </dgm:style>
+  </dgm:styleLbl>
+  <dgm:styleLbl name="node2">
+    <dgm:scene3d>
+      <a:camera prst="orthographicFront"/>
+      <a:lightRig rig="threePt" dir="t"/>
+    </dgm:scene3d>
+    <dgm:sp3d/>
+    <dgm:txPr/>
+    <dgm:style>
+      <a:lnRef idx="2">
+        <a:scrgbClr r="0" g="0" b="0"/>
+      </a:lnRef>
+      <a:fillRef idx="1">
+        <a:scrgbClr r="0" g="0" b="0"/>
+      </a:fillRef>
+      <a:effectRef idx="0">
+        <a:scrgbClr r="0" g="0" b="0"/>
+      </a:effectRef>
+      <a:fontRef idx="minor">
+        <a:schemeClr val="lt1"/>
+      </a:fontRef>
+    </dgm:style>
+  </dgm:styleLbl>
+  <dgm:styleLbl name="node3">
+    <dgm:scene3d>
+      <a:camera prst="orthographicFront"/>
+      <a:lightRig rig="threePt" dir="t"/>
+    </dgm:scene3d>
+    <dgm:sp3d/>
+    <dgm:txPr/>
+    <dgm:style>
+      <a:lnRef idx="2">
+        <a:scrgbClr r="0" g="0" b="0"/>
+      </a:lnRef>
+      <a:fillRef idx="1">
+        <a:scrgbClr r="0" g="0" b="0"/>
+      </a:fillRef>
+      <a:effectRef idx="0">
+        <a:scrgbClr r="0" g="0" b="0"/>
+      </a:effectRef>
+      <a:fontRef idx="minor">
+        <a:schemeClr val="lt1"/>
+      </a:fontRef>
+    </dgm:style>
+  </dgm:styleLbl>
+  <dgm:styleLbl name="node4">
+    <dgm:scene3d>
+      <a:camera prst="orthographicFront"/>
+      <a:lightRig rig="threePt" dir="t"/>
+    </dgm:scene3d>
+    <dgm:sp3d/>
+    <dgm:txPr/>
+    <dgm:style>
+      <a:lnRef idx="2">
+        <a:scrgbClr r="0" g="0" b="0"/>
+      </a:lnRef>
+      <a:fillRef idx="1">
+        <a:scrgbClr r="0" g="0" b="0"/>
+      </a:fillRef>
+      <a:effectRef idx="0">
+        <a:scrgbClr r="0" g="0" b="0"/>
+      </a:effectRef>
+      <a:fontRef idx="minor">
+        <a:schemeClr val="lt1"/>
+      </a:fontRef>
+    </dgm:style>
+  </dgm:styleLbl>
+  <dgm:styleLbl name="fgImgPlace1">
+    <dgm:scene3d>
+      <a:camera prst="orthographicFront"/>
+      <a:lightRig rig="threePt" dir="t"/>
+    </dgm:scene3d>
+    <dgm:sp3d/>
+    <dgm:txPr/>
+    <dgm:style>
+      <a:lnRef idx="2">
+        <a:scrgbClr r="0" g="0" b="0"/>
+      </a:lnRef>
+      <a:fillRef idx="1">
+        <a:scrgbClr r="0" g="0" b="0"/>
+      </a:fillRef>
+      <a:effectRef idx="0">
+        <a:scrgbClr r="0" g="0" b="0"/>
+      </a:effectRef>
+      <a:fontRef idx="minor"/>
+    </dgm:style>
+  </dgm:styleLbl>
+  <dgm:styleLbl name="alignImgPlace1">
+    <dgm:scene3d>
+      <a:camera prst="orthographicFront"/>
+      <a:lightRig rig="threePt" dir="t"/>
+    </dgm:scene3d>
+    <dgm:sp3d/>
+    <dgm:txPr/>
+    <dgm:style>
+      <a:lnRef idx="2">
+        <a:scrgbClr r="0" g="0" b="0"/>
+      </a:lnRef>
+      <a:fillRef idx="1">
+        <a:scrgbClr r="0" g="0" b="0"/>
+      </a:fillRef>
+      <a:effectRef idx="0">
+        <a:scrgbClr r="0" g="0" b="0"/>
+      </a:effectRef>
+      <a:fontRef idx="minor"/>
+    </dgm:style>
+  </dgm:styleLbl>
+  <dgm:styleLbl name="bgImgPlace1">
+    <dgm:scene3d>
+      <a:camera prst="orthographicFront"/>
+      <a:lightRig rig="threePt" dir="t"/>
+    </dgm:scene3d>
+    <dgm:sp3d/>
+    <dgm:txPr/>
+    <dgm:style>
+      <a:lnRef idx="2">
+        <a:scrgbClr r="0" g="0" b="0"/>
+      </a:lnRef>
+      <a:fillRef idx="1">
+        <a:scrgbClr r="0" g="0" b="0"/>
+      </a:fillRef>
+      <a:effectRef idx="0">
+        <a:scrgbClr r="0" g="0" b="0"/>
+      </a:effectRef>
+      <a:fontRef idx="minor"/>
+    </dgm:style>
+  </dgm:styleLbl>
+  <dgm:styleLbl name="sibTrans2D1">
+    <dgm:scene3d>
+      <a:camera prst="orthographicFront"/>
+      <a:lightRig rig="threePt" dir="t"/>
+    </dgm:scene3d>
+    <dgm:sp3d/>
+    <dgm:txPr/>
+    <dgm:style>
+      <a:lnRef idx="0">
+        <a:scrgbClr r="0" g="0" b="0"/>
+      </a:lnRef>
+      <a:fillRef idx="1">
+        <a:scrgbClr r="0" g="0" b="0"/>
+      </a:fillRef>
+      <a:effectRef idx="0">
+        <a:scrgbClr r="0" g="0" b="0"/>
+      </a:effectRef>
+      <a:fontRef idx="minor">
+        <a:schemeClr val="lt1"/>
+      </a:fontRef>
+    </dgm:style>
+  </dgm:styleLbl>
+  <dgm:styleLbl name="fgSibTrans2D1">
+    <dgm:scene3d>
+      <a:camera prst="orthographicFront"/>
+      <a:lightRig rig="threePt" dir="t"/>
+    </dgm:scene3d>
+    <dgm:sp3d/>
+    <dgm:txPr/>
+    <dgm:style>
+      <a:lnRef idx="0">
+        <a:scrgbClr r="0" g="0" b="0"/>
+      </a:lnRef>
+      <a:fillRef idx="1">
+        <a:scrgbClr r="0" g="0" b="0"/>
+      </a:fillRef>
+      <a:effectRef idx="0">
+        <a:scrgbClr r="0" g="0" b="0"/>
+      </a:effectRef>
+      <a:fontRef idx="minor">
+        <a:schemeClr val="lt1"/>
+      </a:fontRef>
+    </dgm:style>
+  </dgm:styleLbl>
+  <dgm:styleLbl name="bgSibTrans2D1">
+    <dgm:scene3d>
+      <a:camera prst="orthographicFront"/>
+      <a:lightRig rig="threePt" dir="t"/>
+    </dgm:scene3d>
+    <dgm:sp3d/>
+    <dgm:txPr/>
+    <dgm:style>
+      <a:lnRef idx="0">
+        <a:scrgbClr r="0" g="0" b="0"/>
+      </a:lnRef>
+      <a:fillRef idx="1">
+        <a:scrgbClr r="0" g="0" b="0"/>
+      </a:fillRef>
+      <a:effectRef idx="0">
+        <a:scrgbClr r="0" g="0" b="0"/>
+      </a:effectRef>
+      <a:fontRef idx="minor">
+        <a:schemeClr val="lt1"/>
+      </a:fontRef>
+    </dgm:style>
+  </dgm:styleLbl>
+  <dgm:styleLbl name="sibTrans1D1">
+    <dgm:scene3d>
+      <a:camera prst="orthographicFront"/>
+      <a:lightRig rig="threePt" dir="t"/>
+    </dgm:scene3d>
+    <dgm:sp3d/>
+    <dgm:txPr/>
+    <dgm:style>
+      <a:lnRef idx="1">
+        <a:scrgbClr r="0" g="0" b="0"/>
+      </a:lnRef>
+      <a:fillRef idx="0">
+        <a:scrgbClr r="0" g="0" b="0"/>
+      </a:fillRef>
+      <a:effectRef idx="0">
+        <a:scrgbClr r="0" g="0" b="0"/>
+      </a:effectRef>
+      <a:fontRef idx="minor"/>
+    </dgm:style>
+  </dgm:styleLbl>
+  <dgm:styleLbl name="callout">
+    <dgm:scene3d>
+      <a:camera prst="orthographicFront"/>
+      <a:lightRig rig="threePt" dir="t"/>
+    </dgm:scene3d>
+    <dgm:sp3d/>
+    <dgm:txPr/>
+    <dgm:style>
+      <a:lnRef idx="2">
+        <a:scrgbClr r="0" g="0" b="0"/>
+      </a:lnRef>
+      <a:fillRef idx="1">
+        <a:scrgbClr r="0" g="0" b="0"/>
+      </a:fillRef>
+      <a:effectRef idx="0">
+        <a:scrgbClr r="0" g="0" b="0"/>
+      </a:effectRef>
+      <a:fontRef idx="minor"/>
+    </dgm:style>
+  </dgm:styleLbl>
+  <dgm:styleLbl name="asst0">
+    <dgm:scene3d>
+      <a:camera prst="orthographicFront"/>
+      <a:lightRig rig="threePt" dir="t"/>
+    </dgm:scene3d>
+    <dgm:sp3d/>
+    <dgm:txPr/>
+    <dgm:style>
+      <a:lnRef idx="2">
+        <a:scrgbClr r="0" g="0" b="0"/>
+      </a:lnRef>
+      <a:fillRef idx="1">
+        <a:scrgbClr r="0" g="0" b="0"/>
+      </a:fillRef>
+      <a:effectRef idx="0">
+        <a:scrgbClr r="0" g="0" b="0"/>
+      </a:effectRef>
+      <a:fontRef idx="minor">
+        <a:schemeClr val="lt1"/>
+      </a:fontRef>
+    </dgm:style>
+  </dgm:styleLbl>
+  <dgm:styleLbl name="asst1">
+    <dgm:scene3d>
+      <a:camera prst="orthographicFront"/>
+      <a:lightRig rig="threePt" dir="t"/>
+    </dgm:scene3d>
+    <dgm:sp3d/>
+    <dgm:txPr/>
+    <dgm:style>
+      <a:lnRef idx="2">
+        <a:scrgbClr r="0" g="0" b="0"/>
+      </a:lnRef>
+      <a:fillRef idx="1">
+        <a:scrgbClr r="0" g="0" b="0"/>
+      </a:fillRef>
+      <a:effectRef idx="0">
+        <a:scrgbClr r="0" g="0" b="0"/>
+      </a:effectRef>
+      <a:fontRef idx="minor">
+        <a:schemeClr val="lt1"/>
+      </a:fontRef>
+    </dgm:style>
+  </dgm:styleLbl>
+  <dgm:styleLbl name="asst2">
+    <dgm:scene3d>
+      <a:camera prst="orthographicFront"/>
+      <a:lightRig rig="threePt" dir="t"/>
+    </dgm:scene3d>
+    <dgm:sp3d/>
+    <dgm:txPr/>
+    <dgm:style>
+      <a:lnRef idx="2">
+        <a:scrgbClr r="0" g="0" b="0"/>
+      </a:lnRef>
+      <a:fillRef idx="1">
+        <a:scrgbClr r="0" g="0" b="0"/>
+      </a:fillRef>
+      <a:effectRef idx="0">
+        <a:scrgbClr r="0" g="0" b="0"/>
+      </a:effectRef>
+      <a:fontRef idx="minor">
+        <a:schemeClr val="lt1"/>
+      </a:fontRef>
+    </dgm:style>
+  </dgm:styleLbl>
+  <dgm:styleLbl name="asst3">
+    <dgm:scene3d>
+      <a:camera prst="orthographicFront"/>
+      <a:lightRig rig="threePt" dir="t"/>
+    </dgm:scene3d>
+    <dgm:sp3d/>
+    <dgm:txPr/>
+    <dgm:style>
+      <a:lnRef idx="2">
+        <a:scrgbClr r="0" g="0" b="0"/>
+      </a:lnRef>
+      <a:fillRef idx="1">
+        <a:scrgbClr r="0" g="0" b="0"/>
+      </a:fillRef>
+      <a:effectRef idx="0">
+        <a:scrgbClr r="0" g="0" b="0"/>
+      </a:effectRef>
+      <a:fontRef idx="minor">
+        <a:schemeClr val="lt1"/>
+      </a:fontRef>
+    </dgm:style>
+  </dgm:styleLbl>
+  <dgm:styleLbl name="asst4">
+    <dgm:scene3d>
+      <a:camera prst="orthographicFront"/>
+      <a:lightRig rig="threePt" dir="t"/>
+    </dgm:scene3d>
+    <dgm:sp3d/>
+    <dgm:txPr/>
+    <dgm:style>
+      <a:lnRef idx="2">
+        <a:scrgbClr r="0" g="0" b="0"/>
+      </a:lnRef>
+      <a:fillRef idx="1">
+        <a:scrgbClr r="0" g="0" b="0"/>
+      </a:fillRef>
+      <a:effectRef idx="0">
+        <a:scrgbClr r="0" g="0" b="0"/>
+      </a:effectRef>
+      <a:fontRef idx="minor">
+        <a:schemeClr val="lt1"/>
+      </a:fontRef>
+    </dgm:style>
+  </dgm:styleLbl>
+  <dgm:styleLbl name="parChTrans2D1">
+    <dgm:scene3d>
+      <a:camera prst="orthographicFront"/>
+      <a:lightRig rig="threePt" dir="t"/>
+    </dgm:scene3d>
+    <dgm:sp3d/>
+    <dgm:txPr/>
+    <dgm:style>
+      <a:lnRef idx="2">
+        <a:scrgbClr r="0" g="0" b="0"/>
+      </a:lnRef>
+      <a:fillRef idx="1">
+        <a:scrgbClr r="0" g="0" b="0"/>
+      </a:fillRef>
+      <a:effectRef idx="0">
+        <a:scrgbClr r="0" g="0" b="0"/>
+      </a:effectRef>
+      <a:fontRef idx="minor">
+        <a:schemeClr val="lt1"/>
+      </a:fontRef>
+    </dgm:style>
+  </dgm:styleLbl>
+  <dgm:styleLbl name="parChTrans2D2">
+    <dgm:scene3d>
+      <a:camera prst="orthographicFront"/>
+      <a:lightRig rig="threePt" dir="t"/>
+    </dgm:scene3d>
+    <dgm:sp3d/>
+    <dgm:txPr/>
+    <dgm:style>
+      <a:lnRef idx="2">
+        <a:scrgbClr r="0" g="0" b="0"/>
+      </a:lnRef>
+      <a:fillRef idx="1">
+        <a:scrgbClr r="0" g="0" b="0"/>
+      </a:fillRef>
+      <a:effectRef idx="0">
+        <a:scrgbClr r="0" g="0" b="0"/>
+      </a:effectRef>
+      <a:fontRef idx="minor">
+        <a:schemeClr val="lt1"/>
+      </a:fontRef>
+    </dgm:style>
+  </dgm:styleLbl>
+  <dgm:styleLbl name="parChTrans2D3">
+    <dgm:scene3d>
+      <a:camera prst="orthographicFront"/>
+      <a:lightRig rig="threePt" dir="t"/>
+    </dgm:scene3d>
+    <dgm:sp3d/>
+    <dgm:txPr/>
+    <dgm:style>
+      <a:lnRef idx="2">
+        <a:scrgbClr r="0" g="0" b="0"/>
+      </a:lnRef>
+      <a:fillRef idx="1">
+        <a:scrgbClr r="0" g="0" b="0"/>
+      </a:fillRef>
+      <a:effectRef idx="0">
+        <a:scrgbClr r="0" g="0" b="0"/>
+      </a:effectRef>
+      <a:fontRef idx="minor">
+        <a:schemeClr val="lt1"/>
+      </a:fontRef>
+    </dgm:style>
+  </dgm:styleLbl>
+  <dgm:styleLbl name="parChTrans2D4">
+    <dgm:scene3d>
+      <a:camera prst="orthographicFront"/>
+      <a:lightRig rig="threePt" dir="t"/>
+    </dgm:scene3d>
+    <dgm:sp3d/>
+    <dgm:txPr/>
+    <dgm:style>
+      <a:lnRef idx="2">
+        <a:scrgbClr r="0" g="0" b="0"/>
+      </a:lnRef>
+      <a:fillRef idx="1">
+        <a:scrgbClr r="0" g="0" b="0"/>
+      </a:fillRef>
+      <a:effectRef idx="0">
+        <a:scrgbClr r="0" g="0" b="0"/>
+      </a:effectRef>
+      <a:fontRef idx="minor">
+        <a:schemeClr val="lt1"/>
+      </a:fontRef>
+    </dgm:style>
+  </dgm:styleLbl>
+  <dgm:styleLbl name="parChTrans1D1">
+    <dgm:scene3d>
+      <a:camera prst="orthographicFront"/>
+      <a:lightRig rig="threePt" dir="t"/>
+    </dgm:scene3d>
+    <dgm:sp3d/>
+    <dgm:txPr/>
+    <dgm:style>
+      <a:lnRef idx="2">
+        <a:scrgbClr r="0" g="0" b="0"/>
+      </a:lnRef>
+      <a:fillRef idx="0">
+        <a:scrgbClr r="0" g="0" b="0"/>
+      </a:fillRef>
+      <a:effectRef idx="0">
+        <a:scrgbClr r="0" g="0" b="0"/>
+      </a:effectRef>
+      <a:fontRef idx="minor"/>
+    </dgm:style>
+  </dgm:styleLbl>
+  <dgm:styleLbl name="parChTrans1D2">
+    <dgm:scene3d>
+      <a:camera prst="orthographicFront"/>
+      <a:lightRig rig="threePt" dir="t"/>
+    </dgm:scene3d>
+    <dgm:sp3d/>
+    <dgm:txPr/>
+    <dgm:style>
+      <a:lnRef idx="2">
+        <a:scrgbClr r="0" g="0" b="0"/>
+      </a:lnRef>
+      <a:fillRef idx="0">
+        <a:scrgbClr r="0" g="0" b="0"/>
+      </a:fillRef>
+      <a:effectRef idx="0">
+        <a:scrgbClr r="0" g="0" b="0"/>
+      </a:effectRef>
+      <a:fontRef idx="minor"/>
+    </dgm:style>
+  </dgm:styleLbl>
+  <dgm:styleLbl name="parChTrans1D3">
+    <dgm:scene3d>
+      <a:camera prst="orthographicFront"/>
+      <a:lightRig rig="threePt" dir="t"/>
+    </dgm:scene3d>
+    <dgm:sp3d/>
+    <dgm:txPr/>
+    <dgm:style>
+      <a:lnRef idx="2">
+        <a:scrgbClr r="0" g="0" b="0"/>
+      </a:lnRef>
+      <a:fillRef idx="0">
+        <a:scrgbClr r="0" g="0" b="0"/>
+      </a:fillRef>
+      <a:effectRef idx="0">
+        <a:scrgbClr r="0" g="0" b="0"/>
+      </a:effectRef>
+      <a:fontRef idx="minor"/>
+    </dgm:style>
+  </dgm:styleLbl>
+  <dgm:styleLbl name="parChTrans1D4">
+    <dgm:scene3d>
+      <a:camera prst="orthographicFront"/>
+      <a:lightRig rig="threePt" dir="t"/>
+    </dgm:scene3d>
+    <dgm:sp3d/>
+    <dgm:txPr/>
+    <dgm:style>
+      <a:lnRef idx="2">
+        <a:scrgbClr r="0" g="0" b="0"/>
+      </a:lnRef>
+      <a:fillRef idx="0">
+        <a:scrgbClr r="0" g="0" b="0"/>
+      </a:fillRef>
+      <a:effectRef idx="0">
+        <a:scrgbClr r="0" g="0" b="0"/>
+      </a:effectRef>
+      <a:fontRef idx="minor"/>
+    </dgm:style>
+  </dgm:styleLbl>
+  <dgm:styleLbl name="fgAcc1">
+    <dgm:scene3d>
+      <a:camera prst="orthographicFront"/>
+      <a:lightRig rig="threePt" dir="t"/>
+    </dgm:scene3d>
+    <dgm:sp3d/>
+    <dgm:txPr/>
+    <dgm:style>
+      <a:lnRef idx="2">
+        <a:scrgbClr r="0" g="0" b="0"/>
+      </a:lnRef>
+      <a:fillRef idx="1">
+        <a:scrgbClr r="0" g="0" b="0"/>
+      </a:fillRef>
+      <a:effectRef idx="0">
+        <a:scrgbClr r="0" g="0" b="0"/>
+      </a:effectRef>
+      <a:fontRef idx="minor"/>
+    </dgm:style>
+  </dgm:styleLbl>
+  <dgm:styleLbl name="conFgAcc1">
+    <dgm:scene3d>
+      <a:camera prst="orthographicFront"/>
+      <a:lightRig rig="threePt" dir="t"/>
+    </dgm:scene3d>
+    <dgm:sp3d/>
+    <dgm:txPr/>
+    <dgm:style>
+      <a:lnRef idx="2">
+        <a:scrgbClr r="0" g="0" b="0"/>
+      </a:lnRef>
+      <a:fillRef idx="1">
+        <a:scrgbClr r="0" g="0" b="0"/>
+      </a:fillRef>
+      <a:effectRef idx="0">
+        <a:scrgbClr r="0" g="0" b="0"/>
+      </a:effectRef>
+      <a:fontRef idx="minor"/>
+    </dgm:style>
+  </dgm:styleLbl>
+  <dgm:styleLbl name="alignAcc1">
+    <dgm:scene3d>
+      <a:camera prst="orthographicFront"/>
+      <a:lightRig rig="threePt" dir="t"/>
+    </dgm:scene3d>
+    <dgm:sp3d/>
+    <dgm:txPr/>
+    <dgm:style>
+      <a:lnRef idx="2">
+        <a:scrgbClr r="0" g="0" b="0"/>
+      </a:lnRef>
+      <a:fillRef idx="1">
+        <a:scrgbClr r="0" g="0" b="0"/>
+      </a:fillRef>
+      <a:effectRef idx="0">
+        <a:scrgbClr r="0" g="0" b="0"/>
+      </a:effectRef>
+      <a:fontRef idx="minor"/>
+    </dgm:style>
+  </dgm:styleLbl>
+  <dgm:styleLbl name="trAlignAcc1">
+    <dgm:scene3d>
+      <a:camera prst="orthographicFront"/>
+      <a:lightRig rig="threePt" dir="t"/>
+    </dgm:scene3d>
+    <dgm:sp3d/>
+    <dgm:txPr/>
+    <dgm:style>
+      <a:lnRef idx="1">
+        <a:scrgbClr r="0" g="0" b="0"/>
+      </a:lnRef>
+      <a:fillRef idx="1">
+        <a:scrgbClr r="0" g="0" b="0"/>
+      </a:fillRef>
+      <a:effectRef idx="0">
+        <a:scrgbClr r="0" g="0" b="0"/>
+      </a:effectRef>
+      <a:fontRef idx="minor"/>
+    </dgm:style>
+  </dgm:styleLbl>
+  <dgm:styleLbl name="bgAcc1">
+    <dgm:scene3d>
+      <a:camera prst="orthographicFront"/>
+      <a:lightRig rig="threePt" dir="t"/>
+    </dgm:scene3d>
+    <dgm:sp3d/>
+    <dgm:txPr/>
+    <dgm:style>
+      <a:lnRef idx="2">
+        <a:scrgbClr r="0" g="0" b="0"/>
+      </a:lnRef>
+      <a:fillRef idx="1">
+        <a:scrgbClr r="0" g="0" b="0"/>
+      </a:fillRef>
+      <a:effectRef idx="0">
+        <a:scrgbClr r="0" g="0" b="0"/>
+      </a:effectRef>
+      <a:fontRef idx="minor"/>
+    </dgm:style>
+  </dgm:styleLbl>
+  <dgm:styleLbl name="solidFgAcc1">
+    <dgm:scene3d>
+      <a:camera prst="orthographicFront"/>
+      <a:lightRig rig="threePt" dir="t"/>
+    </dgm:scene3d>
+    <dgm:sp3d/>
+    <dgm:txPr/>
+    <dgm:style>
+      <a:lnRef idx="2">
+        <a:scrgbClr r="0" g="0" b="0"/>
+      </a:lnRef>
+      <a:fillRef idx="1">
+        <a:scrgbClr r="0" g="0" b="0"/>
+      </a:fillRef>
+      <a:effectRef idx="0">
+        <a:scrgbClr r="0" g="0" b="0"/>
+      </a:effectRef>
+      <a:fontRef idx="minor"/>
+    </dgm:style>
+  </dgm:styleLbl>
+  <dgm:styleLbl name="solidAlignAcc1">
+    <dgm:scene3d>
+      <a:camera prst="orthographicFront"/>
+      <a:lightRig rig="threePt" dir="t"/>
+    </dgm:scene3d>
+    <dgm:sp3d/>
+    <dgm:txPr/>
+    <dgm:style>
+      <a:lnRef idx="2">
+        <a:scrgbClr r="0" g="0" b="0"/>
+      </a:lnRef>
+      <a:fillRef idx="1">
+        <a:scrgbClr r="0" g="0" b="0"/>
+      </a:fillRef>
+      <a:effectRef idx="0">
+        <a:scrgbClr r="0" g="0" b="0"/>
+      </a:effectRef>
+      <a:fontRef idx="minor"/>
+    </dgm:style>
+  </dgm:styleLbl>
+  <dgm:styleLbl name="solidBgAcc1">
+    <dgm:scene3d>
+      <a:camera prst="orthographicFront"/>
+      <a:lightRig rig="threePt" dir="t"/>
+    </dgm:scene3d>
+    <dgm:sp3d/>
+    <dgm:txPr/>
+    <dgm:style>
+      <a:lnRef idx="2">
+        <a:scrgbClr r="0" g="0" b="0"/>
+      </a:lnRef>
+      <a:fillRef idx="1">
+        <a:scrgbClr r="0" g="0" b="0"/>
+      </a:fillRef>
+      <a:effectRef idx="0">
+        <a:scrgbClr r="0" g="0" b="0"/>
+      </a:effectRef>
+      <a:fontRef idx="minor"/>
+    </dgm:style>
+  </dgm:styleLbl>
+  <dgm:styleLbl name="fgAccFollowNode1">
+    <dgm:scene3d>
+      <a:camera prst="orthographicFront"/>
+      <a:lightRig rig="threePt" dir="t"/>
+    </dgm:scene3d>
+    <dgm:sp3d/>
+    <dgm:txPr/>
+    <dgm:style>
+      <a:lnRef idx="2">
+        <a:scrgbClr r="0" g="0" b="0"/>
+      </a:lnRef>
+      <a:fillRef idx="1">
+        <a:scrgbClr r="0" g="0" b="0"/>
+      </a:fillRef>
+      <a:effectRef idx="0">
+        <a:scrgbClr r="0" g="0" b="0"/>
+      </a:effectRef>
+      <a:fontRef idx="minor"/>
+    </dgm:style>
+  </dgm:styleLbl>
+  <dgm:styleLbl name="alignAccFollowNode1">
+    <dgm:scene3d>
+      <a:camera prst="orthographicFront"/>
+      <a:lightRig rig="threePt" dir="t"/>
+    </dgm:scene3d>
+    <dgm:sp3d/>
+    <dgm:txPr/>
+    <dgm:style>
+      <a:lnRef idx="2">
+        <a:scrgbClr r="0" g="0" b="0"/>
+      </a:lnRef>
+      <a:fillRef idx="1">
+        <a:scrgbClr r="0" g="0" b="0"/>
+      </a:fillRef>
+      <a:effectRef idx="0">
+        <a:scrgbClr r="0" g="0" b="0"/>
+      </a:effectRef>
+      <a:fontRef idx="minor"/>
+    </dgm:style>
+  </dgm:styleLbl>
+  <dgm:styleLbl name="bgAccFollowNode1">
+    <dgm:scene3d>
+      <a:camera prst="orthographicFront"/>
+      <a:lightRig rig="threePt" dir="t"/>
+    </dgm:scene3d>
+    <dgm:sp3d/>
+    <dgm:txPr/>
+    <dgm:style>
+      <a:lnRef idx="2">
+        <a:scrgbClr r="0" g="0" b="0"/>
+      </a:lnRef>
+      <a:fillRef idx="1">
+        <a:scrgbClr r="0" g="0" b="0"/>
+      </a:fillRef>
+      <a:effectRef idx="0">
+        <a:scrgbClr r="0" g="0" b="0"/>
+      </a:effectRef>
+      <a:fontRef idx="minor"/>
+    </dgm:style>
+  </dgm:styleLbl>
+  <dgm:styleLbl name="fgAcc0">
+    <dgm:scene3d>
+      <a:camera prst="orthographicFront"/>
+      <a:lightRig rig="threePt" dir="t"/>
+    </dgm:scene3d>
+    <dgm:sp3d/>
+    <dgm:txPr/>
+    <dgm:style>
+      <a:lnRef idx="2">
+        <a:scrgbClr r="0" g="0" b="0"/>
+      </a:lnRef>
+      <a:fillRef idx="1">
+        <a:scrgbClr r="0" g="0" b="0"/>
+      </a:fillRef>
+      <a:effectRef idx="0">
+        <a:scrgbClr r="0" g="0" b="0"/>
+      </a:effectRef>
+      <a:fontRef idx="minor"/>
+    </dgm:style>
+  </dgm:styleLbl>
+  <dgm:styleLbl name="fgAcc2">
+    <dgm:scene3d>
+      <a:camera prst="orthographicFront"/>
+      <a:lightRig rig="threePt" dir="t"/>
+    </dgm:scene3d>
+    <dgm:sp3d/>
+    <dgm:txPr/>
+    <dgm:style>
+      <a:lnRef idx="2">
+        <a:scrgbClr r="0" g="0" b="0"/>
+      </a:lnRef>
+      <a:fillRef idx="1">
+        <a:scrgbClr r="0" g="0" b="0"/>
+      </a:fillRef>
+      <a:effectRef idx="0">
+        <a:scrgbClr r="0" g="0" b="0"/>
+      </a:effectRef>
+      <a:fontRef idx="minor"/>
+    </dgm:style>
+  </dgm:styleLbl>
+  <dgm:styleLbl name="fgAcc3">
+    <dgm:scene3d>
+      <a:camera prst="orthographicFront"/>
+      <a:lightRig rig="threePt" dir="t"/>
+    </dgm:scene3d>
+    <dgm:sp3d/>
+    <dgm:txPr/>
+    <dgm:style>
+      <a:lnRef idx="2">
+        <a:scrgbClr r="0" g="0" b="0"/>
+      </a:lnRef>
+      <a:fillRef idx="1">
+        <a:scrgbClr r="0" g="0" b="0"/>
+      </a:fillRef>
+      <a:effectRef idx="0">
+        <a:scrgbClr r="0" g="0" b="0"/>
+      </a:effectRef>
+      <a:fontRef idx="minor"/>
+    </dgm:style>
+  </dgm:styleLbl>
+  <dgm:styleLbl name="fgAcc4">
+    <dgm:scene3d>
+      <a:camera prst="orthographicFront"/>
+      <a:lightRig rig="threePt" dir="t"/>
+    </dgm:scene3d>
+    <dgm:sp3d/>
+    <dgm:txPr/>
+    <dgm:style>
+      <a:lnRef idx="2">
+        <a:scrgbClr r="0" g="0" b="0"/>
+      </a:lnRef>
+      <a:fillRef idx="1">
+        <a:scrgbClr r="0" g="0" b="0"/>
+      </a:fillRef>
+      <a:effectRef idx="0">
+        <a:scrgbClr r="0" g="0" b="0"/>
+      </a:effectRef>
+      <a:fontRef idx="minor"/>
+    </dgm:style>
+  </dgm:styleLbl>
+  <dgm:styleLbl name="bgShp">
+    <dgm:scene3d>
+      <a:camera prst="orthographicFront"/>
+      <a:lightRig rig="threePt" dir="t"/>
+    </dgm:scene3d>
+    <dgm:sp3d/>
+    <dgm:txPr/>
+    <dgm:style>
+      <a:lnRef idx="0">
+        <a:scrgbClr r="0" g="0" b="0"/>
+      </a:lnRef>
+      <a:fillRef idx="1">
+        <a:scrgbClr r="0" g="0" b="0"/>
+      </a:fillRef>
+      <a:effectRef idx="0">
+        <a:scrgbClr r="0" g="0" b="0"/>
+      </a:effectRef>
+      <a:fontRef idx="minor"/>
+    </dgm:style>
+  </dgm:styleLbl>
+  <dgm:styleLbl name="dkBgShp">
+    <dgm:scene3d>
+      <a:camera prst="orthographicFront"/>
+      <a:lightRig rig="threePt" dir="t"/>
+    </dgm:scene3d>
+    <dgm:sp3d/>
+    <dgm:txPr/>
+    <dgm:style>
+      <a:lnRef idx="0">
+        <a:scrgbClr r="0" g="0" b="0"/>
+      </a:lnRef>
+      <a:fillRef idx="1">
+        <a:scrgbClr r="0" g="0" b="0"/>
+      </a:fillRef>
+      <a:effectRef idx="0">
+        <a:scrgbClr r="0" g="0" b="0"/>
+      </a:effectRef>
+      <a:fontRef idx="minor"/>
+    </dgm:style>
+  </dgm:styleLbl>
+  <dgm:styleLbl name="trBgShp">
+    <dgm:scene3d>
+      <a:camera prst="orthographicFront"/>
+      <a:lightRig rig="threePt" dir="t"/>
+    </dgm:scene3d>
+    <dgm:sp3d/>
+    <dgm:txPr/>
+    <dgm:style>
+      <a:lnRef idx="0">
+        <a:scrgbClr r="0" g="0" b="0"/>
+      </a:lnRef>
+      <a:fillRef idx="1">
+        <a:scrgbClr r="0" g="0" b="0"/>
+      </a:fillRef>
+      <a:effectRef idx="0">
+        <a:scrgbClr r="0" g="0" b="0"/>
+      </a:effectRef>
+      <a:fontRef idx="minor"/>
+    </dgm:style>
+  </dgm:styleLbl>
+  <dgm:styleLbl name="fgShp">
+    <dgm:scene3d>
+      <a:camera prst="orthographicFront"/>
+      <a:lightRig rig="threePt" dir="t"/>
+    </dgm:scene3d>
+    <dgm:sp3d/>
+    <dgm:txPr/>
+    <dgm:style>
+      <a:lnRef idx="2">
+        <a:scrgbClr r="0" g="0" b="0"/>
+      </a:lnRef>
+      <a:fillRef idx="1">
+        <a:scrgbClr r="0" g="0" b="0"/>
+      </a:fillRef>
+      <a:effectRef idx="0">
+        <a:scrgbClr r="0" g="0" b="0"/>
+      </a:effectRef>
+      <a:fontRef idx="minor"/>
+    </dgm:style>
+  </dgm:styleLbl>
+  <dgm:styleLbl name="revTx">
+    <dgm:scene3d>
+      <a:camera prst="orthographicFront"/>
+      <a:lightRig rig="threePt" dir="t"/>
+    </dgm:scene3d>
+    <dgm:sp3d/>
+    <dgm:txPr/>
+    <dgm:style>
+      <a:lnRef idx="0">
+        <a:scrgbClr r="0" g="0" b="0"/>
+      </a:lnRef>
+      <a:fillRef idx="0">
+        <a:scrgbClr r="0" g="0" b="0"/>
+      </a:fillRef>
+      <a:effectRef idx="0">
+        <a:scrgbClr r="0" g="0" b="0"/>
+      </a:effectRef>
+      <a:fontRef idx="minor"/>
+    </dgm:style>
+  </dgm:styleLbl>
+</dgm:styleDef>
+</file>
+
+<file path=ppt/diagrams/quickStyle4.xml><?xml version="1.0" encoding="utf-8"?>
 <dgm:styleDef xmlns:dgm="http://schemas.openxmlformats.org/drawingml/2006/diagram" xmlns:a="http://schemas.openxmlformats.org/drawingml/2006/main" uniqueId="urn:microsoft.com/office/officeart/2005/8/quickstyle/simple1">
   <dgm:title val=""/>
   <dgm:desc val=""/>
@@ -11968,7 +14093,7 @@
           <a:p>
             <a:fld id="{5BCAD085-E8A6-8845-BD4E-CB4CCA059FC4}" type="datetimeFigureOut">
               <a:rPr lang="en-US" smtClean="0"/>
-              <a:t>9/1/2025</a:t>
+              <a:t>9/2/2025</a:t>
             </a:fld>
             <a:endParaRPr lang="en-US"/>
           </a:p>
@@ -12176,7 +14301,7 @@
           <a:p>
             <a:fld id="{5BCAD085-E8A6-8845-BD4E-CB4CCA059FC4}" type="datetimeFigureOut">
               <a:rPr lang="en-US" smtClean="0"/>
-              <a:t>9/1/2025</a:t>
+              <a:t>9/2/2025</a:t>
             </a:fld>
             <a:endParaRPr lang="en-US"/>
           </a:p>
@@ -12432,7 +14557,7 @@
           <a:p>
             <a:fld id="{5BCAD085-E8A6-8845-BD4E-CB4CCA059FC4}" type="datetimeFigureOut">
               <a:rPr lang="en-US" smtClean="0"/>
-              <a:t>9/1/2025</a:t>
+              <a:t>9/2/2025</a:t>
             </a:fld>
             <a:endParaRPr lang="en-US"/>
           </a:p>
@@ -12602,7 +14727,7 @@
           <a:p>
             <a:fld id="{5BCAD085-E8A6-8845-BD4E-CB4CCA059FC4}" type="datetimeFigureOut">
               <a:rPr lang="en-US" smtClean="0"/>
-              <a:t>9/1/2025</a:t>
+              <a:t>9/2/2025</a:t>
             </a:fld>
             <a:endParaRPr lang="en-US"/>
           </a:p>
@@ -12945,7 +15070,7 @@
           <a:p>
             <a:fld id="{5BCAD085-E8A6-8845-BD4E-CB4CCA059FC4}" type="datetimeFigureOut">
               <a:rPr lang="en-US" smtClean="0"/>
-              <a:t>9/1/2025</a:t>
+              <a:t>9/2/2025</a:t>
             </a:fld>
             <a:endParaRPr lang="en-US"/>
           </a:p>
@@ -13220,7 +15345,7 @@
           <a:p>
             <a:fld id="{5BCAD085-E8A6-8845-BD4E-CB4CCA059FC4}" type="datetimeFigureOut">
               <a:rPr lang="en-US" smtClean="0"/>
-              <a:t>9/1/2025</a:t>
+              <a:t>9/2/2025</a:t>
             </a:fld>
             <a:endParaRPr lang="en-US"/>
           </a:p>
@@ -13599,7 +15724,7 @@
           <a:p>
             <a:fld id="{5BCAD085-E8A6-8845-BD4E-CB4CCA059FC4}" type="datetimeFigureOut">
               <a:rPr lang="en-US" smtClean="0"/>
-              <a:t>9/1/2025</a:t>
+              <a:t>9/2/2025</a:t>
             </a:fld>
             <a:endParaRPr lang="en-US"/>
           </a:p>
@@ -13717,7 +15842,7 @@
           <a:p>
             <a:fld id="{5BCAD085-E8A6-8845-BD4E-CB4CCA059FC4}" type="datetimeFigureOut">
               <a:rPr lang="en-US" smtClean="0"/>
-              <a:t>9/1/2025</a:t>
+              <a:t>9/2/2025</a:t>
             </a:fld>
             <a:endParaRPr lang="en-US"/>
           </a:p>
@@ -13888,7 +16013,7 @@
           <a:p>
             <a:fld id="{5BCAD085-E8A6-8845-BD4E-CB4CCA059FC4}" type="datetimeFigureOut">
               <a:rPr lang="en-US" smtClean="0"/>
-              <a:t>9/1/2025</a:t>
+              <a:t>9/2/2025</a:t>
             </a:fld>
             <a:endParaRPr lang="en-US"/>
           </a:p>
@@ -14242,7 +16367,7 @@
           <a:p>
             <a:fld id="{5BCAD085-E8A6-8845-BD4E-CB4CCA059FC4}" type="datetimeFigureOut">
               <a:rPr lang="en-US" smtClean="0"/>
-              <a:t>9/1/2025</a:t>
+              <a:t>9/2/2025</a:t>
             </a:fld>
             <a:endParaRPr lang="en-US"/>
           </a:p>
@@ -14619,7 +16744,7 @@
           <a:p>
             <a:fld id="{5BCAD085-E8A6-8845-BD4E-CB4CCA059FC4}" type="datetimeFigureOut">
               <a:rPr lang="en-US" smtClean="0"/>
-              <a:t>9/1/2025</a:t>
+              <a:t>9/2/2025</a:t>
             </a:fld>
             <a:endParaRPr lang="en-US"/>
           </a:p>
@@ -14906,7 +17031,7 @@
           <a:p>
             <a:fld id="{5BCAD085-E8A6-8845-BD4E-CB4CCA059FC4}" type="datetimeFigureOut">
               <a:rPr lang="en-US" smtClean="0"/>
-              <a:t>9/1/2025</a:t>
+              <a:t>9/2/2025</a:t>
             </a:fld>
             <a:endParaRPr lang="en-US"/>
           </a:p>
@@ -16036,7 +18161,7 @@
             <p:ph idx="1"/>
             <p:extLst>
               <p:ext uri="{D42A27DB-BD31-4B8C-83A1-F6EECF244321}">
-                <p14:modId xmlns:p14="http://schemas.microsoft.com/office/powerpoint/2010/main" val="2823861079"/>
+                <p14:modId xmlns:p14="http://schemas.microsoft.com/office/powerpoint/2010/main" val="1893046152"/>
               </p:ext>
             </p:extLst>
           </p:nvPr>
@@ -16077,7 +18202,13 @@
     </p:bg>
     <p:spTree>
       <p:nvGrpSpPr>
-        <p:cNvPr id="1" name=""/>
+        <p:cNvPr id="1" name="">
+          <a:extLst>
+            <a:ext uri="{FF2B5EF4-FFF2-40B4-BE49-F238E27FC236}">
+              <a16:creationId xmlns:a16="http://schemas.microsoft.com/office/drawing/2014/main" id="{2EBD4C77-A9D2-B141-7E0C-8E51F345D4D6}"/>
+            </a:ext>
+          </a:extLst>
+        </p:cNvPr>
         <p:cNvGrpSpPr/>
         <p:nvPr/>
       </p:nvGrpSpPr>
@@ -16091,10 +18222,10 @@
       </p:grpSpPr>
       <p:sp useBgFill="1">
         <p:nvSpPr>
-          <p:cNvPr id="8" name="Rectangle 7">
+          <p:cNvPr id="9" name="Rectangle 8">
             <a:extLst>
               <a:ext uri="{FF2B5EF4-FFF2-40B4-BE49-F238E27FC236}">
-                <a16:creationId xmlns:a16="http://schemas.microsoft.com/office/drawing/2014/main" id="{3741B58E-3B65-4A01-A276-975AB2CF8A08}"/>
+                <a16:creationId xmlns:a16="http://schemas.microsoft.com/office/drawing/2014/main" id="{7FA6AEE7-CBE3-AC61-3D15-498C760310E3}"/>
               </a:ext>
               <a:ext uri="{C183D7F6-B498-43B3-948B-1728B52AA6E4}">
                 <adec:decorative xmlns:adec="http://schemas.microsoft.com/office/drawing/2017/decorative" val="1"/>
@@ -16151,10 +18282,10 @@
       </p:sp>
       <p:sp>
         <p:nvSpPr>
-          <p:cNvPr id="10" name="Rectangle 9">
+          <p:cNvPr id="11" name="Rectangle 10">
             <a:extLst>
               <a:ext uri="{FF2B5EF4-FFF2-40B4-BE49-F238E27FC236}">
-                <a16:creationId xmlns:a16="http://schemas.microsoft.com/office/drawing/2014/main" id="{7AAC67C3-831B-4AB1-A259-DFB839CAFAFC}"/>
+                <a16:creationId xmlns:a16="http://schemas.microsoft.com/office/drawing/2014/main" id="{13EDBF05-04F9-4D90-9E6F-56ECF90CCE8A}"/>
               </a:ext>
               <a:ext uri="{C183D7F6-B498-43B3-948B-1728B52AA6E4}">
                 <adec:decorative xmlns:adec="http://schemas.microsoft.com/office/drawing/2017/decorative" val="1"/>
@@ -16213,7 +18344,13 @@
       </p:sp>
       <p:sp>
         <p:nvSpPr>
-          <p:cNvPr id="2" name="Title 1"/>
+          <p:cNvPr id="2" name="Title 1">
+            <a:extLst>
+              <a:ext uri="{FF2B5EF4-FFF2-40B4-BE49-F238E27FC236}">
+                <a16:creationId xmlns:a16="http://schemas.microsoft.com/office/drawing/2014/main" id="{C055D02C-479F-CD76-5A8A-3070F248B180}"/>
+              </a:ext>
+            </a:extLst>
+          </p:cNvPr>
           <p:cNvSpPr>
             <a:spLocks noGrp="1"/>
           </p:cNvSpPr>
@@ -16223,8 +18360,8 @@
         </p:nvSpPr>
         <p:spPr>
           <a:xfrm>
-            <a:off x="369277" y="605896"/>
-            <a:ext cx="2313633" cy="5646208"/>
+            <a:off x="369277" y="516835"/>
+            <a:ext cx="2313633" cy="5772840"/>
           </a:xfrm>
         </p:spPr>
         <p:txBody>
@@ -16239,17 +18376,17 @@
                   <a:srgbClr val="FFFFFF"/>
                 </a:solidFill>
               </a:rPr>
-              <a:t>Importância do SGSI</a:t>
+              <a:t>Estrutura do SGSI</a:t>
             </a:r>
           </a:p>
         </p:txBody>
       </p:sp>
       <p:sp>
         <p:nvSpPr>
-          <p:cNvPr id="12" name="Rectangle 11">
+          <p:cNvPr id="13" name="Rectangle 12">
             <a:extLst>
               <a:ext uri="{FF2B5EF4-FFF2-40B4-BE49-F238E27FC236}">
-                <a16:creationId xmlns:a16="http://schemas.microsoft.com/office/drawing/2014/main" id="{054B3F04-9EAC-45C0-B3CE-0387EEA10A0C}"/>
+                <a16:creationId xmlns:a16="http://schemas.microsoft.com/office/drawing/2014/main" id="{45B399A6-4102-8120-3307-84A8092D9C50}"/>
               </a:ext>
               <a:ext uri="{C183D7F6-B498-43B3-948B-1728B52AA6E4}">
                 <adec:decorative xmlns:adec="http://schemas.microsoft.com/office/drawing/2017/decorative" val="1"/>
@@ -16306,50 +18443,43 @@
           </a:p>
         </p:txBody>
       </p:sp>
-      <p:sp>
-        <p:nvSpPr>
-          <p:cNvPr id="3" name="Content Placeholder 2"/>
-          <p:cNvSpPr>
-            <a:spLocks noGrp="1"/>
-          </p:cNvSpPr>
+      <p:graphicFrame>
+        <p:nvGraphicFramePr>
+          <p:cNvPr id="5" name="Content Placeholder 2">
+            <a:extLst>
+              <a:ext uri="{FF2B5EF4-FFF2-40B4-BE49-F238E27FC236}">
+                <a16:creationId xmlns:a16="http://schemas.microsoft.com/office/drawing/2014/main" id="{534C85B9-81B8-0100-3D6C-873A95685390}"/>
+              </a:ext>
+            </a:extLst>
+          </p:cNvPr>
+          <p:cNvGraphicFramePr>
+            <a:graphicFrameLocks noGrp="1"/>
+          </p:cNvGraphicFramePr>
           <p:nvPr>
             <p:ph idx="1"/>
+            <p:extLst>
+              <p:ext uri="{D42A27DB-BD31-4B8C-83A1-F6EECF244321}">
+                <p14:modId xmlns:p14="http://schemas.microsoft.com/office/powerpoint/2010/main" val="3776779687"/>
+              </p:ext>
+            </p:extLst>
           </p:nvPr>
-        </p:nvSpPr>
-        <p:spPr>
-          <a:xfrm>
-            <a:off x="3556512" y="605896"/>
-            <a:ext cx="4810247" cy="5646208"/>
-          </a:xfrm>
-        </p:spPr>
-        <p:txBody>
-          <a:bodyPr anchor="ctr">
-            <a:normAutofit/>
-          </a:bodyPr>
-          <a:lstStyle/>
-          <a:p>
-            <a:r>
-              <a:t>Permite que a organização tenha um processo estruturado de gestão de riscos.</a:t>
-            </a:r>
-          </a:p>
-          <a:p>
-            <a:r>
-              <a:t>Cria uma cultura de segurança que envolve todos os colaboradores.</a:t>
-            </a:r>
-          </a:p>
-          <a:p>
-            <a:r>
-              <a:t>Garante conformidade com requisitos legais, regulatórios e contratuais.</a:t>
-            </a:r>
-          </a:p>
-          <a:p>
-            <a:r>
-              <a:t>Reforça a confiança de clientes e parceiros, mostrando que a empresa protege adequadamente suas informações.</a:t>
-            </a:r>
-          </a:p>
-        </p:txBody>
-      </p:sp>
+        </p:nvGraphicFramePr>
+        <p:xfrm>
+          <a:off x="3556397" y="639763"/>
+          <a:ext cx="5098256" cy="5649912"/>
+        </p:xfrm>
+        <a:graphic>
+          <a:graphicData uri="http://schemas.openxmlformats.org/drawingml/2006/diagram">
+            <dgm:relIds xmlns:dgm="http://schemas.openxmlformats.org/drawingml/2006/diagram" xmlns:r="http://schemas.openxmlformats.org/officeDocument/2006/relationships" r:dm="rId2" r:lo="rId3" r:qs="rId4" r:cs="rId5"/>
+          </a:graphicData>
+        </a:graphic>
+      </p:graphicFrame>
     </p:spTree>
+    <p:extLst>
+      <p:ext uri="{BB962C8B-B14F-4D97-AF65-F5344CB8AC3E}">
+        <p14:creationId xmlns:p14="http://schemas.microsoft.com/office/powerpoint/2010/main" val="1125217953"/>
+      </p:ext>
+    </p:extLst>
   </p:cSld>
   <p:clrMapOvr>
     <a:masterClrMapping/>
@@ -16527,12 +18657,12 @@
           <a:lstStyle/>
           <a:p>
             <a:r>
-              <a:rPr lang="en-US" sz="2900">
+              <a:rPr lang="en-US" sz="3100">
                 <a:solidFill>
                   <a:srgbClr val="FFFFFF"/>
                 </a:solidFill>
               </a:rPr>
-              <a:t>Elementos Fundamentais do SGSI</a:t>
+              <a:t>Importância do SGSI</a:t>
             </a:r>
           </a:p>
         </p:txBody>
@@ -16622,435 +18752,22 @@
           <a:lstStyle/>
           <a:p>
             <a:r>
-              <a:rPr dirty="0"/>
-              <a:t>Para </a:t>
-            </a:r>
-            <a:r>
-              <a:rPr dirty="0" err="1"/>
-              <a:t>funcionar</a:t>
-            </a:r>
-            <a:r>
-              <a:rPr dirty="0"/>
-              <a:t> de forma </a:t>
-            </a:r>
-            <a:r>
-              <a:rPr dirty="0" err="1"/>
-              <a:t>eficiente</a:t>
-            </a:r>
-            <a:r>
-              <a:rPr dirty="0"/>
-              <a:t>, o SGSI </a:t>
-            </a:r>
-            <a:r>
-              <a:rPr dirty="0" err="1"/>
-              <a:t>deve</a:t>
-            </a:r>
-            <a:r>
-              <a:rPr dirty="0"/>
-              <a:t> </a:t>
-            </a:r>
-            <a:r>
-              <a:rPr dirty="0" err="1"/>
-              <a:t>contar</a:t>
-            </a:r>
-            <a:r>
-              <a:rPr dirty="0"/>
-              <a:t> com:</a:t>
+              <a:t>Permite que a organização tenha um processo estruturado de gestão de riscos.</a:t>
             </a:r>
           </a:p>
           <a:p>
-            <a:pPr lvl="1"/>
-            <a:r>
-              <a:rPr dirty="0"/>
-              <a:t>Política de </a:t>
-            </a:r>
-            <a:r>
-              <a:rPr dirty="0" err="1"/>
-              <a:t>Segurança</a:t>
-            </a:r>
-            <a:r>
-              <a:rPr dirty="0"/>
-              <a:t> da </a:t>
-            </a:r>
-            <a:r>
-              <a:rPr dirty="0" err="1"/>
-              <a:t>Informação</a:t>
-            </a:r>
-            <a:r>
-              <a:rPr dirty="0"/>
-              <a:t>: </a:t>
-            </a:r>
-            <a:r>
-              <a:rPr dirty="0" err="1"/>
-              <a:t>documento</a:t>
-            </a:r>
-            <a:r>
-              <a:rPr dirty="0"/>
-              <a:t> que </a:t>
-            </a:r>
-            <a:r>
-              <a:rPr dirty="0" err="1"/>
-              <a:t>expressa</a:t>
-            </a:r>
-            <a:r>
-              <a:rPr dirty="0"/>
-              <a:t> o </a:t>
-            </a:r>
-            <a:r>
-              <a:rPr dirty="0" err="1"/>
-              <a:t>compromisso</a:t>
-            </a:r>
-            <a:r>
-              <a:rPr dirty="0"/>
-              <a:t> da </a:t>
-            </a:r>
-            <a:r>
-              <a:rPr dirty="0" err="1"/>
-              <a:t>organização</a:t>
-            </a:r>
-            <a:r>
-              <a:rPr dirty="0"/>
-              <a:t> com a </a:t>
-            </a:r>
-            <a:r>
-              <a:rPr dirty="0" err="1"/>
-              <a:t>proteção</a:t>
-            </a:r>
-            <a:r>
-              <a:rPr dirty="0"/>
-              <a:t> da </a:t>
-            </a:r>
-            <a:r>
-              <a:rPr dirty="0" err="1"/>
-              <a:t>informação</a:t>
-            </a:r>
-            <a:r>
-              <a:rPr dirty="0"/>
-              <a:t>.</a:t>
+            <a:r>
+              <a:t>Cria uma cultura de segurança que envolve todos os colaboradores.</a:t>
             </a:r>
           </a:p>
           <a:p>
-            <a:pPr lvl="1"/>
-            <a:r>
-              <a:rPr dirty="0" err="1"/>
-              <a:t>Processos</a:t>
-            </a:r>
-            <a:r>
-              <a:rPr dirty="0"/>
-              <a:t> de </a:t>
-            </a:r>
-            <a:r>
-              <a:rPr dirty="0" err="1"/>
-              <a:t>Gestão</a:t>
-            </a:r>
-            <a:r>
-              <a:rPr dirty="0"/>
-              <a:t> de </a:t>
-            </a:r>
-            <a:r>
-              <a:rPr dirty="0" err="1"/>
-              <a:t>Riscos</a:t>
-            </a:r>
-            <a:r>
-              <a:rPr dirty="0"/>
-              <a:t>: </a:t>
-            </a:r>
-            <a:r>
-              <a:rPr dirty="0" err="1"/>
-              <a:t>identificação</a:t>
-            </a:r>
-            <a:r>
-              <a:rPr dirty="0"/>
-              <a:t>, </a:t>
-            </a:r>
-            <a:r>
-              <a:rPr dirty="0" err="1"/>
-              <a:t>análise</a:t>
-            </a:r>
-            <a:r>
-              <a:rPr dirty="0"/>
-              <a:t>, </a:t>
-            </a:r>
-            <a:r>
-              <a:rPr dirty="0" err="1"/>
-              <a:t>avaliação</a:t>
-            </a:r>
-            <a:r>
-              <a:rPr dirty="0"/>
-              <a:t> e </a:t>
-            </a:r>
-            <a:r>
-              <a:rPr dirty="0" err="1"/>
-              <a:t>tratamento</a:t>
-            </a:r>
-            <a:r>
-              <a:rPr dirty="0"/>
-              <a:t> dos </a:t>
-            </a:r>
-            <a:r>
-              <a:rPr dirty="0" err="1"/>
-              <a:t>riscos</a:t>
-            </a:r>
-            <a:r>
-              <a:rPr dirty="0"/>
-              <a:t> </a:t>
-            </a:r>
-            <a:r>
-              <a:rPr dirty="0" err="1"/>
-              <a:t>relacionados</a:t>
-            </a:r>
-            <a:r>
-              <a:rPr dirty="0"/>
-              <a:t> </a:t>
-            </a:r>
-            <a:r>
-              <a:rPr dirty="0" err="1"/>
-              <a:t>aos</a:t>
-            </a:r>
-            <a:r>
-              <a:rPr dirty="0"/>
-              <a:t> </a:t>
-            </a:r>
-            <a:r>
-              <a:rPr dirty="0" err="1"/>
-              <a:t>ativos</a:t>
-            </a:r>
-            <a:r>
-              <a:rPr dirty="0"/>
-              <a:t> de </a:t>
-            </a:r>
-            <a:r>
-              <a:rPr dirty="0" err="1"/>
-              <a:t>informação</a:t>
-            </a:r>
-            <a:r>
-              <a:rPr dirty="0"/>
-              <a:t>.</a:t>
+            <a:r>
+              <a:t>Garante conformidade com requisitos legais, regulatórios e contratuais.</a:t>
             </a:r>
           </a:p>
           <a:p>
-            <a:pPr lvl="1"/>
-            <a:r>
-              <a:rPr dirty="0" err="1"/>
-              <a:t>Controles</a:t>
-            </a:r>
-            <a:r>
-              <a:rPr dirty="0"/>
-              <a:t> de </a:t>
-            </a:r>
-            <a:r>
-              <a:rPr dirty="0" err="1"/>
-              <a:t>Segurança</a:t>
-            </a:r>
-            <a:r>
-              <a:rPr dirty="0"/>
-              <a:t>: </a:t>
-            </a:r>
-            <a:r>
-              <a:rPr dirty="0" err="1"/>
-              <a:t>medidas</a:t>
-            </a:r>
-            <a:r>
-              <a:rPr dirty="0"/>
-              <a:t> </a:t>
-            </a:r>
-            <a:r>
-              <a:rPr dirty="0" err="1"/>
-              <a:t>práticas</a:t>
-            </a:r>
-            <a:r>
-              <a:rPr dirty="0"/>
-              <a:t> para </a:t>
-            </a:r>
-            <a:r>
-              <a:rPr dirty="0" err="1"/>
-              <a:t>reduzir</a:t>
-            </a:r>
-            <a:r>
-              <a:rPr dirty="0"/>
-              <a:t> </a:t>
-            </a:r>
-            <a:r>
-              <a:rPr dirty="0" err="1"/>
-              <a:t>riscos</a:t>
-            </a:r>
-            <a:r>
-              <a:rPr dirty="0"/>
-              <a:t> (</a:t>
-            </a:r>
-            <a:r>
-              <a:rPr dirty="0" err="1"/>
-              <a:t>administrativos</a:t>
-            </a:r>
-            <a:r>
-              <a:rPr dirty="0"/>
-              <a:t>, </a:t>
-            </a:r>
-            <a:r>
-              <a:rPr dirty="0" err="1"/>
-              <a:t>técnicos</a:t>
-            </a:r>
-            <a:r>
-              <a:rPr dirty="0"/>
-              <a:t> e </a:t>
-            </a:r>
-            <a:r>
-              <a:rPr dirty="0" err="1"/>
-              <a:t>físicos</a:t>
-            </a:r>
-            <a:r>
-              <a:rPr dirty="0"/>
-              <a:t>).</a:t>
-            </a:r>
-          </a:p>
-          <a:p>
-            <a:pPr lvl="1"/>
-            <a:r>
-              <a:rPr dirty="0" err="1"/>
-              <a:t>Auditorias</a:t>
-            </a:r>
-            <a:r>
-              <a:rPr dirty="0"/>
-              <a:t> e </a:t>
-            </a:r>
-            <a:r>
-              <a:rPr dirty="0" err="1"/>
-              <a:t>Monitoramento</a:t>
-            </a:r>
-            <a:r>
-              <a:rPr dirty="0"/>
-              <a:t>: </a:t>
-            </a:r>
-            <a:r>
-              <a:rPr dirty="0" err="1"/>
-              <a:t>mecanismos</a:t>
-            </a:r>
-            <a:r>
-              <a:rPr dirty="0"/>
-              <a:t> para </a:t>
-            </a:r>
-            <a:r>
-              <a:rPr dirty="0" err="1"/>
-              <a:t>verificar</a:t>
-            </a:r>
-            <a:r>
-              <a:rPr dirty="0"/>
-              <a:t> se as </a:t>
-            </a:r>
-            <a:r>
-              <a:rPr dirty="0" err="1"/>
-              <a:t>práticas</a:t>
-            </a:r>
-            <a:r>
-              <a:rPr dirty="0"/>
-              <a:t> </a:t>
-            </a:r>
-            <a:r>
-              <a:rPr dirty="0" err="1"/>
-              <a:t>estão</a:t>
-            </a:r>
-            <a:r>
-              <a:rPr dirty="0"/>
-              <a:t> </a:t>
-            </a:r>
-            <a:r>
-              <a:rPr dirty="0" err="1"/>
-              <a:t>sendo</a:t>
-            </a:r>
-            <a:r>
-              <a:rPr dirty="0"/>
-              <a:t> </a:t>
-            </a:r>
-            <a:r>
-              <a:rPr dirty="0" err="1"/>
-              <a:t>seguidas</a:t>
-            </a:r>
-            <a:r>
-              <a:rPr dirty="0"/>
-              <a:t> e se </a:t>
-            </a:r>
-            <a:r>
-              <a:rPr dirty="0" err="1"/>
-              <a:t>continuam</a:t>
-            </a:r>
-            <a:r>
-              <a:rPr dirty="0"/>
-              <a:t> </a:t>
-            </a:r>
-            <a:r>
-              <a:rPr dirty="0" err="1"/>
-              <a:t>eficazes</a:t>
-            </a:r>
-            <a:r>
-              <a:rPr dirty="0"/>
-              <a:t>.</a:t>
-            </a:r>
-          </a:p>
-          <a:p>
-            <a:pPr lvl="1"/>
-            <a:r>
-              <a:rPr dirty="0" err="1"/>
-              <a:t>Melhoria</a:t>
-            </a:r>
-            <a:r>
-              <a:rPr dirty="0"/>
-              <a:t> </a:t>
-            </a:r>
-            <a:r>
-              <a:rPr dirty="0" err="1"/>
-              <a:t>Contínua</a:t>
-            </a:r>
-            <a:r>
-              <a:rPr dirty="0"/>
-              <a:t>: </a:t>
-            </a:r>
-            <a:r>
-              <a:rPr dirty="0" err="1"/>
-              <a:t>revisão</a:t>
-            </a:r>
-            <a:r>
-              <a:rPr dirty="0"/>
-              <a:t> </a:t>
-            </a:r>
-            <a:r>
-              <a:rPr dirty="0" err="1"/>
-              <a:t>periódica</a:t>
-            </a:r>
-            <a:r>
-              <a:rPr dirty="0"/>
-              <a:t> para </a:t>
-            </a:r>
-            <a:r>
-              <a:rPr dirty="0" err="1"/>
-              <a:t>garantir</a:t>
-            </a:r>
-            <a:r>
-              <a:rPr dirty="0"/>
-              <a:t> que o SGSI </a:t>
-            </a:r>
-            <a:r>
-              <a:rPr dirty="0" err="1"/>
-              <a:t>evolua</a:t>
-            </a:r>
-            <a:r>
-              <a:rPr dirty="0"/>
-              <a:t> junto com as </a:t>
-            </a:r>
-            <a:r>
-              <a:rPr dirty="0" err="1"/>
-              <a:t>necessidades</a:t>
-            </a:r>
-            <a:r>
-              <a:rPr dirty="0"/>
-              <a:t> da </a:t>
-            </a:r>
-            <a:r>
-              <a:rPr dirty="0" err="1"/>
-              <a:t>organização</a:t>
-            </a:r>
-            <a:r>
-              <a:rPr dirty="0"/>
-              <a:t>.</a:t>
+            <a:r>
+              <a:t>Reforça a confiança de clientes e parceiros, mostrando que a empresa protege adequadamente suas informações.</a:t>
             </a:r>
           </a:p>
         </p:txBody>
@@ -17233,12 +18950,12 @@
           <a:lstStyle/>
           <a:p>
             <a:r>
-              <a:rPr lang="pt-BR" sz="2900">
+              <a:rPr lang="en-US" sz="2900">
                 <a:solidFill>
                   <a:srgbClr val="FFFFFF"/>
                 </a:solidFill>
               </a:rPr>
-              <a:t>Benefícios de um SGSI bem implementado</a:t>
+              <a:t>Elementos Fundamentais do SGSI</a:t>
             </a:r>
           </a:p>
         </p:txBody>
@@ -17328,22 +19045,435 @@
           <a:lstStyle/>
           <a:p>
             <a:r>
-              <a:t>Garante a confidencialidade, integridade e disponibilidade das informações.</a:t>
+              <a:rPr dirty="0"/>
+              <a:t>Para </a:t>
+            </a:r>
+            <a:r>
+              <a:rPr dirty="0" err="1"/>
+              <a:t>funcionar</a:t>
+            </a:r>
+            <a:r>
+              <a:rPr dirty="0"/>
+              <a:t> de forma </a:t>
+            </a:r>
+            <a:r>
+              <a:rPr dirty="0" err="1"/>
+              <a:t>eficiente</a:t>
+            </a:r>
+            <a:r>
+              <a:rPr dirty="0"/>
+              <a:t>, o SGSI </a:t>
+            </a:r>
+            <a:r>
+              <a:rPr dirty="0" err="1"/>
+              <a:t>deve</a:t>
+            </a:r>
+            <a:r>
+              <a:rPr dirty="0"/>
+              <a:t> </a:t>
+            </a:r>
+            <a:r>
+              <a:rPr dirty="0" err="1"/>
+              <a:t>contar</a:t>
+            </a:r>
+            <a:r>
+              <a:rPr dirty="0"/>
+              <a:t> com:</a:t>
             </a:r>
           </a:p>
           <a:p>
-            <a:r>
-              <a:t>Reduz a probabilidade de incidentes e o impacto de falhas.</a:t>
+            <a:pPr lvl="1"/>
+            <a:r>
+              <a:rPr dirty="0"/>
+              <a:t>Política de </a:t>
+            </a:r>
+            <a:r>
+              <a:rPr dirty="0" err="1"/>
+              <a:t>Segurança</a:t>
+            </a:r>
+            <a:r>
+              <a:rPr dirty="0"/>
+              <a:t> da </a:t>
+            </a:r>
+            <a:r>
+              <a:rPr dirty="0" err="1"/>
+              <a:t>Informação</a:t>
+            </a:r>
+            <a:r>
+              <a:rPr dirty="0"/>
+              <a:t>: </a:t>
+            </a:r>
+            <a:r>
+              <a:rPr dirty="0" err="1"/>
+              <a:t>documento</a:t>
+            </a:r>
+            <a:r>
+              <a:rPr dirty="0"/>
+              <a:t> que </a:t>
+            </a:r>
+            <a:r>
+              <a:rPr dirty="0" err="1"/>
+              <a:t>expressa</a:t>
+            </a:r>
+            <a:r>
+              <a:rPr dirty="0"/>
+              <a:t> o </a:t>
+            </a:r>
+            <a:r>
+              <a:rPr dirty="0" err="1"/>
+              <a:t>compromisso</a:t>
+            </a:r>
+            <a:r>
+              <a:rPr dirty="0"/>
+              <a:t> da </a:t>
+            </a:r>
+            <a:r>
+              <a:rPr dirty="0" err="1"/>
+              <a:t>organização</a:t>
+            </a:r>
+            <a:r>
+              <a:rPr dirty="0"/>
+              <a:t> com a </a:t>
+            </a:r>
+            <a:r>
+              <a:rPr dirty="0" err="1"/>
+              <a:t>proteção</a:t>
+            </a:r>
+            <a:r>
+              <a:rPr dirty="0"/>
+              <a:t> da </a:t>
+            </a:r>
+            <a:r>
+              <a:rPr dirty="0" err="1"/>
+              <a:t>informação</a:t>
+            </a:r>
+            <a:r>
+              <a:rPr dirty="0"/>
+              <a:t>.</a:t>
             </a:r>
           </a:p>
           <a:p>
-            <a:r>
-              <a:t>Demonstra comprometimento com a segurança diante de clientes, parceiros e órgãos reguladores.</a:t>
+            <a:pPr lvl="1"/>
+            <a:r>
+              <a:rPr dirty="0" err="1"/>
+              <a:t>Processos</a:t>
+            </a:r>
+            <a:r>
+              <a:rPr dirty="0"/>
+              <a:t> de </a:t>
+            </a:r>
+            <a:r>
+              <a:rPr dirty="0" err="1"/>
+              <a:t>Gestão</a:t>
+            </a:r>
+            <a:r>
+              <a:rPr dirty="0"/>
+              <a:t> de </a:t>
+            </a:r>
+            <a:r>
+              <a:rPr dirty="0" err="1"/>
+              <a:t>Riscos</a:t>
+            </a:r>
+            <a:r>
+              <a:rPr dirty="0"/>
+              <a:t>: </a:t>
+            </a:r>
+            <a:r>
+              <a:rPr dirty="0" err="1"/>
+              <a:t>identificação</a:t>
+            </a:r>
+            <a:r>
+              <a:rPr dirty="0"/>
+              <a:t>, </a:t>
+            </a:r>
+            <a:r>
+              <a:rPr dirty="0" err="1"/>
+              <a:t>análise</a:t>
+            </a:r>
+            <a:r>
+              <a:rPr dirty="0"/>
+              <a:t>, </a:t>
+            </a:r>
+            <a:r>
+              <a:rPr dirty="0" err="1"/>
+              <a:t>avaliação</a:t>
+            </a:r>
+            <a:r>
+              <a:rPr dirty="0"/>
+              <a:t> e </a:t>
+            </a:r>
+            <a:r>
+              <a:rPr dirty="0" err="1"/>
+              <a:t>tratamento</a:t>
+            </a:r>
+            <a:r>
+              <a:rPr dirty="0"/>
+              <a:t> dos </a:t>
+            </a:r>
+            <a:r>
+              <a:rPr dirty="0" err="1"/>
+              <a:t>riscos</a:t>
+            </a:r>
+            <a:r>
+              <a:rPr dirty="0"/>
+              <a:t> </a:t>
+            </a:r>
+            <a:r>
+              <a:rPr dirty="0" err="1"/>
+              <a:t>relacionados</a:t>
+            </a:r>
+            <a:r>
+              <a:rPr dirty="0"/>
+              <a:t> </a:t>
+            </a:r>
+            <a:r>
+              <a:rPr dirty="0" err="1"/>
+              <a:t>aos</a:t>
+            </a:r>
+            <a:r>
+              <a:rPr dirty="0"/>
+              <a:t> </a:t>
+            </a:r>
+            <a:r>
+              <a:rPr dirty="0" err="1"/>
+              <a:t>ativos</a:t>
+            </a:r>
+            <a:r>
+              <a:rPr dirty="0"/>
+              <a:t> de </a:t>
+            </a:r>
+            <a:r>
+              <a:rPr dirty="0" err="1"/>
+              <a:t>informação</a:t>
+            </a:r>
+            <a:r>
+              <a:rPr dirty="0"/>
+              <a:t>.</a:t>
             </a:r>
           </a:p>
           <a:p>
-            <a:r>
-              <a:t>Cria uma cultura de segurança na organização, envolvendo todos os colaboradores.</a:t>
+            <a:pPr lvl="1"/>
+            <a:r>
+              <a:rPr dirty="0" err="1"/>
+              <a:t>Controles</a:t>
+            </a:r>
+            <a:r>
+              <a:rPr dirty="0"/>
+              <a:t> de </a:t>
+            </a:r>
+            <a:r>
+              <a:rPr dirty="0" err="1"/>
+              <a:t>Segurança</a:t>
+            </a:r>
+            <a:r>
+              <a:rPr dirty="0"/>
+              <a:t>: </a:t>
+            </a:r>
+            <a:r>
+              <a:rPr dirty="0" err="1"/>
+              <a:t>medidas</a:t>
+            </a:r>
+            <a:r>
+              <a:rPr dirty="0"/>
+              <a:t> </a:t>
+            </a:r>
+            <a:r>
+              <a:rPr dirty="0" err="1"/>
+              <a:t>práticas</a:t>
+            </a:r>
+            <a:r>
+              <a:rPr dirty="0"/>
+              <a:t> para </a:t>
+            </a:r>
+            <a:r>
+              <a:rPr dirty="0" err="1"/>
+              <a:t>reduzir</a:t>
+            </a:r>
+            <a:r>
+              <a:rPr dirty="0"/>
+              <a:t> </a:t>
+            </a:r>
+            <a:r>
+              <a:rPr dirty="0" err="1"/>
+              <a:t>riscos</a:t>
+            </a:r>
+            <a:r>
+              <a:rPr dirty="0"/>
+              <a:t> (</a:t>
+            </a:r>
+            <a:r>
+              <a:rPr dirty="0" err="1"/>
+              <a:t>administrativos</a:t>
+            </a:r>
+            <a:r>
+              <a:rPr dirty="0"/>
+              <a:t>, </a:t>
+            </a:r>
+            <a:r>
+              <a:rPr dirty="0" err="1"/>
+              <a:t>técnicos</a:t>
+            </a:r>
+            <a:r>
+              <a:rPr dirty="0"/>
+              <a:t> e </a:t>
+            </a:r>
+            <a:r>
+              <a:rPr dirty="0" err="1"/>
+              <a:t>físicos</a:t>
+            </a:r>
+            <a:r>
+              <a:rPr dirty="0"/>
+              <a:t>).</a:t>
+            </a:r>
+          </a:p>
+          <a:p>
+            <a:pPr lvl="1"/>
+            <a:r>
+              <a:rPr dirty="0" err="1"/>
+              <a:t>Auditorias</a:t>
+            </a:r>
+            <a:r>
+              <a:rPr dirty="0"/>
+              <a:t> e </a:t>
+            </a:r>
+            <a:r>
+              <a:rPr dirty="0" err="1"/>
+              <a:t>Monitoramento</a:t>
+            </a:r>
+            <a:r>
+              <a:rPr dirty="0"/>
+              <a:t>: </a:t>
+            </a:r>
+            <a:r>
+              <a:rPr dirty="0" err="1"/>
+              <a:t>mecanismos</a:t>
+            </a:r>
+            <a:r>
+              <a:rPr dirty="0"/>
+              <a:t> para </a:t>
+            </a:r>
+            <a:r>
+              <a:rPr dirty="0" err="1"/>
+              <a:t>verificar</a:t>
+            </a:r>
+            <a:r>
+              <a:rPr dirty="0"/>
+              <a:t> se as </a:t>
+            </a:r>
+            <a:r>
+              <a:rPr dirty="0" err="1"/>
+              <a:t>práticas</a:t>
+            </a:r>
+            <a:r>
+              <a:rPr dirty="0"/>
+              <a:t> </a:t>
+            </a:r>
+            <a:r>
+              <a:rPr dirty="0" err="1"/>
+              <a:t>estão</a:t>
+            </a:r>
+            <a:r>
+              <a:rPr dirty="0"/>
+              <a:t> </a:t>
+            </a:r>
+            <a:r>
+              <a:rPr dirty="0" err="1"/>
+              <a:t>sendo</a:t>
+            </a:r>
+            <a:r>
+              <a:rPr dirty="0"/>
+              <a:t> </a:t>
+            </a:r>
+            <a:r>
+              <a:rPr dirty="0" err="1"/>
+              <a:t>seguidas</a:t>
+            </a:r>
+            <a:r>
+              <a:rPr dirty="0"/>
+              <a:t> e se </a:t>
+            </a:r>
+            <a:r>
+              <a:rPr dirty="0" err="1"/>
+              <a:t>continuam</a:t>
+            </a:r>
+            <a:r>
+              <a:rPr dirty="0"/>
+              <a:t> </a:t>
+            </a:r>
+            <a:r>
+              <a:rPr dirty="0" err="1"/>
+              <a:t>eficazes</a:t>
+            </a:r>
+            <a:r>
+              <a:rPr dirty="0"/>
+              <a:t>.</a:t>
+            </a:r>
+          </a:p>
+          <a:p>
+            <a:pPr lvl="1"/>
+            <a:r>
+              <a:rPr dirty="0" err="1"/>
+              <a:t>Melhoria</a:t>
+            </a:r>
+            <a:r>
+              <a:rPr dirty="0"/>
+              <a:t> </a:t>
+            </a:r>
+            <a:r>
+              <a:rPr dirty="0" err="1"/>
+              <a:t>Contínua</a:t>
+            </a:r>
+            <a:r>
+              <a:rPr dirty="0"/>
+              <a:t>: </a:t>
+            </a:r>
+            <a:r>
+              <a:rPr dirty="0" err="1"/>
+              <a:t>revisão</a:t>
+            </a:r>
+            <a:r>
+              <a:rPr dirty="0"/>
+              <a:t> </a:t>
+            </a:r>
+            <a:r>
+              <a:rPr dirty="0" err="1"/>
+              <a:t>periódica</a:t>
+            </a:r>
+            <a:r>
+              <a:rPr dirty="0"/>
+              <a:t> para </a:t>
+            </a:r>
+            <a:r>
+              <a:rPr dirty="0" err="1"/>
+              <a:t>garantir</a:t>
+            </a:r>
+            <a:r>
+              <a:rPr dirty="0"/>
+              <a:t> que o SGSI </a:t>
+            </a:r>
+            <a:r>
+              <a:rPr dirty="0" err="1"/>
+              <a:t>evolua</a:t>
+            </a:r>
+            <a:r>
+              <a:rPr dirty="0"/>
+              <a:t> junto com as </a:t>
+            </a:r>
+            <a:r>
+              <a:rPr dirty="0" err="1"/>
+              <a:t>necessidades</a:t>
+            </a:r>
+            <a:r>
+              <a:rPr dirty="0"/>
+              <a:t> da </a:t>
+            </a:r>
+            <a:r>
+              <a:rPr dirty="0" err="1"/>
+              <a:t>organização</a:t>
+            </a:r>
+            <a:r>
+              <a:rPr dirty="0"/>
+              <a:t>.</a:t>
             </a:r>
           </a:p>
         </p:txBody>
@@ -17526,12 +19656,12 @@
           <a:lstStyle/>
           <a:p>
             <a:r>
-              <a:rPr lang="pt-BR" sz="3100">
+              <a:rPr lang="pt-BR" sz="2900">
                 <a:solidFill>
                   <a:srgbClr val="FFFFFF"/>
                 </a:solidFill>
               </a:rPr>
-              <a:t>4. Gestão de Recursos no SGSI</a:t>
+              <a:t>Benefícios de um SGSI bem implementado</a:t>
             </a:r>
           </a:p>
         </p:txBody>
@@ -17621,35 +19751,22 @@
           <a:lstStyle/>
           <a:p>
             <a:r>
-              <a:rPr lang="pt-BR" sz="1700" dirty="0"/>
-              <a:t>A gestão de recursos é um dos pilares para o funcionamento eficaz de um Sistema de Gestão da Segurança da Informação (SGSI). Mesmo que a organização possua políticas bem estruturadas e controles definidos, sem a alocação adequada de recursos humanos, tecnológicos e financeiros, o SGSI não alcançará seus objetivos.</a:t>
+              <a:t>Garante a confidencialidade, integridade e disponibilidade das informações.</a:t>
             </a:r>
           </a:p>
           <a:p>
             <a:r>
-              <a:rPr lang="pt-BR" sz="1700" dirty="0"/>
-              <a:t>A ISO/IEC 27001 enfatiza que a direção da organização deve garantir os recursos necessários para:</a:t>
+              <a:t>Reduz a probabilidade de incidentes e o impacto de falhas.</a:t>
             </a:r>
           </a:p>
           <a:p>
-            <a:pPr lvl="1"/>
-            <a:r>
-              <a:rPr lang="pt-BR" sz="1500" dirty="0"/>
-              <a:t>Estabelecer, implementar e manter o SGSI.</a:t>
+            <a:r>
+              <a:t>Demonstra comprometimento com a segurança diante de clientes, parceiros e órgãos reguladores.</a:t>
             </a:r>
           </a:p>
           <a:p>
-            <a:pPr lvl="1"/>
-            <a:r>
-              <a:rPr lang="pt-BR" sz="1500" dirty="0"/>
-              <a:t>Apoiar a melhoria contínua.</a:t>
-            </a:r>
-          </a:p>
-          <a:p>
-            <a:pPr lvl="1"/>
-            <a:r>
-              <a:rPr lang="pt-BR" sz="1500" dirty="0"/>
-              <a:t>Assegurar que os colaboradores compreendam suas responsabilidades na proteção da informação.</a:t>
+            <a:r>
+              <a:t>Cria uma cultura de segurança na organização, envolvendo todos os colaboradores.</a:t>
             </a:r>
           </a:p>
         </p:txBody>
@@ -17832,12 +19949,12 @@
           <a:lstStyle/>
           <a:p>
             <a:r>
-              <a:rPr lang="es-ES" sz="3100">
+              <a:rPr lang="pt-BR" sz="3100">
                 <a:solidFill>
                   <a:srgbClr val="FFFFFF"/>
                 </a:solidFill>
               </a:rPr>
-              <a:t>Tipos de Recursos no SGSI</a:t>
+              <a:t>4. Gestão de Recursos no SGSI</a:t>
             </a:r>
           </a:p>
         </p:txBody>
@@ -17927,319 +20044,35 @@
           <a:lstStyle/>
           <a:p>
             <a:r>
-              <a:rPr dirty="0"/>
-              <a:t>1. </a:t>
-            </a:r>
-            <a:r>
-              <a:rPr dirty="0" err="1"/>
-              <a:t>Recursos</a:t>
-            </a:r>
-            <a:r>
-              <a:rPr dirty="0"/>
-              <a:t> Humanos</a:t>
+              <a:rPr lang="pt-BR" sz="1700" dirty="0"/>
+              <a:t>A gestão de recursos é um dos pilares para o funcionamento eficaz de um Sistema de Gestão da Segurança da Informação (SGSI). Mesmo que a organização possua políticas bem estruturadas e controles definidos, sem a alocação adequada de recursos humanos, tecnológicos e financeiros, o SGSI não alcançará seus objetivos.</a:t>
+            </a:r>
+          </a:p>
+          <a:p>
+            <a:r>
+              <a:rPr lang="pt-BR" sz="1700" dirty="0"/>
+              <a:t>A ISO/IEC 27001 enfatiza que a direção da organização deve garantir os recursos necessários para:</a:t>
             </a:r>
           </a:p>
           <a:p>
             <a:pPr lvl="1"/>
             <a:r>
-              <a:rPr dirty="0" err="1"/>
-              <a:t>Envolvem</a:t>
-            </a:r>
-            <a:r>
-              <a:rPr dirty="0"/>
-              <a:t> </a:t>
-            </a:r>
-            <a:r>
-              <a:rPr dirty="0" err="1"/>
-              <a:t>todas</a:t>
-            </a:r>
-            <a:r>
-              <a:rPr dirty="0"/>
-              <a:t> as </a:t>
-            </a:r>
-            <a:r>
-              <a:rPr dirty="0" err="1"/>
-              <a:t>pessoas</a:t>
-            </a:r>
-            <a:r>
-              <a:rPr dirty="0"/>
-              <a:t> que </a:t>
-            </a:r>
-            <a:r>
-              <a:rPr dirty="0" err="1"/>
-              <a:t>interagem</a:t>
-            </a:r>
-            <a:r>
-              <a:rPr dirty="0"/>
-              <a:t> com </a:t>
-            </a:r>
-            <a:r>
-              <a:rPr dirty="0" err="1"/>
-              <a:t>ativos</a:t>
-            </a:r>
-            <a:r>
-              <a:rPr dirty="0"/>
-              <a:t> de </a:t>
-            </a:r>
-            <a:r>
-              <a:rPr dirty="0" err="1"/>
-              <a:t>informação</a:t>
-            </a:r>
-            <a:r>
-              <a:rPr dirty="0"/>
-              <a:t>.</a:t>
+              <a:rPr lang="pt-BR" sz="1500" dirty="0"/>
+              <a:t>Estabelecer, implementar e manter o SGSI.</a:t>
             </a:r>
           </a:p>
           <a:p>
             <a:pPr lvl="1"/>
             <a:r>
-              <a:rPr dirty="0" err="1"/>
-              <a:t>Incluem</a:t>
-            </a:r>
-            <a:r>
-              <a:rPr dirty="0"/>
-              <a:t> </a:t>
-            </a:r>
-            <a:r>
-              <a:rPr dirty="0" err="1"/>
-              <a:t>colaboradores</a:t>
-            </a:r>
-            <a:r>
-              <a:rPr dirty="0"/>
-              <a:t> </a:t>
-            </a:r>
-            <a:r>
-              <a:rPr dirty="0" err="1"/>
-              <a:t>diretos</a:t>
-            </a:r>
-            <a:r>
-              <a:rPr dirty="0"/>
-              <a:t>, </a:t>
-            </a:r>
-            <a:r>
-              <a:rPr dirty="0" err="1"/>
-              <a:t>terceirizados</a:t>
-            </a:r>
-            <a:r>
-              <a:rPr dirty="0"/>
-              <a:t> e </a:t>
-            </a:r>
-            <a:r>
-              <a:rPr dirty="0" err="1"/>
-              <a:t>prestadores</a:t>
-            </a:r>
-            <a:r>
-              <a:rPr dirty="0"/>
-              <a:t> de </a:t>
-            </a:r>
-            <a:r>
-              <a:rPr dirty="0" err="1"/>
-              <a:t>serviços</a:t>
-            </a:r>
-            <a:r>
-              <a:rPr dirty="0"/>
-              <a:t>.</a:t>
+              <a:rPr lang="pt-BR" sz="1500" dirty="0"/>
+              <a:t>Apoiar a melhoria contínua.</a:t>
             </a:r>
           </a:p>
           <a:p>
             <a:pPr lvl="1"/>
             <a:r>
-              <a:rPr dirty="0" err="1"/>
-              <a:t>Exigem</a:t>
-            </a:r>
-            <a:r>
-              <a:rPr dirty="0"/>
-              <a:t> </a:t>
-            </a:r>
-            <a:r>
-              <a:rPr dirty="0" err="1"/>
-              <a:t>definição</a:t>
-            </a:r>
-            <a:r>
-              <a:rPr dirty="0"/>
-              <a:t> </a:t>
-            </a:r>
-            <a:r>
-              <a:rPr dirty="0" err="1"/>
-              <a:t>clara</a:t>
-            </a:r>
-            <a:r>
-              <a:rPr dirty="0"/>
-              <a:t> de </a:t>
-            </a:r>
-            <a:r>
-              <a:rPr dirty="0" err="1"/>
-              <a:t>responsabilidades</a:t>
-            </a:r>
-            <a:r>
-              <a:rPr dirty="0"/>
-              <a:t> </a:t>
-            </a:r>
-            <a:r>
-              <a:rPr dirty="0" err="1"/>
-              <a:t>relacionadas</a:t>
-            </a:r>
-            <a:r>
-              <a:rPr dirty="0"/>
-              <a:t> à </a:t>
-            </a:r>
-            <a:r>
-              <a:rPr dirty="0" err="1"/>
-              <a:t>segurança</a:t>
-            </a:r>
-            <a:r>
-              <a:rPr dirty="0"/>
-              <a:t>.</a:t>
-            </a:r>
-          </a:p>
-          <a:p>
-            <a:pPr lvl="1"/>
-            <a:r>
-              <a:rPr dirty="0" err="1"/>
-              <a:t>Necessitam</a:t>
-            </a:r>
-            <a:r>
-              <a:rPr dirty="0"/>
-              <a:t> de </a:t>
-            </a:r>
-            <a:r>
-              <a:rPr dirty="0" err="1"/>
-              <a:t>treinamento</a:t>
-            </a:r>
-            <a:r>
-              <a:rPr dirty="0"/>
-              <a:t> e </a:t>
-            </a:r>
-            <a:r>
-              <a:rPr dirty="0" err="1"/>
-              <a:t>conscientização</a:t>
-            </a:r>
-            <a:r>
-              <a:rPr dirty="0"/>
-              <a:t> para </a:t>
-            </a:r>
-            <a:r>
-              <a:rPr dirty="0" err="1"/>
-              <a:t>reduzir</a:t>
-            </a:r>
-            <a:r>
-              <a:rPr dirty="0"/>
-              <a:t> </a:t>
-            </a:r>
-            <a:r>
-              <a:rPr dirty="0" err="1"/>
-              <a:t>falhas</a:t>
-            </a:r>
-            <a:r>
-              <a:rPr dirty="0"/>
-              <a:t> </a:t>
-            </a:r>
-            <a:r>
-              <a:rPr dirty="0" err="1"/>
-              <a:t>humanas</a:t>
-            </a:r>
-            <a:r>
-              <a:rPr dirty="0"/>
-              <a:t> e </a:t>
-            </a:r>
-            <a:r>
-              <a:rPr dirty="0" err="1"/>
-              <a:t>riscos</a:t>
-            </a:r>
-            <a:r>
-              <a:rPr dirty="0"/>
-              <a:t> de </a:t>
-            </a:r>
-            <a:r>
-              <a:rPr dirty="0" err="1"/>
-              <a:t>engenharia</a:t>
-            </a:r>
-            <a:r>
-              <a:rPr dirty="0"/>
-              <a:t> social.</a:t>
-            </a:r>
-          </a:p>
-          <a:p>
-            <a:pPr lvl="1"/>
-            <a:r>
-              <a:rPr dirty="0" err="1"/>
-              <a:t>Exemplo</a:t>
-            </a:r>
-            <a:r>
-              <a:rPr dirty="0"/>
-              <a:t>: </a:t>
-            </a:r>
-            <a:r>
-              <a:rPr dirty="0" err="1"/>
-              <a:t>treinamentos</a:t>
-            </a:r>
-            <a:r>
-              <a:rPr dirty="0"/>
-              <a:t> </a:t>
-            </a:r>
-            <a:r>
-              <a:rPr dirty="0" err="1"/>
-              <a:t>periódicos</a:t>
-            </a:r>
-            <a:r>
-              <a:rPr dirty="0"/>
-              <a:t> </a:t>
-            </a:r>
-            <a:r>
-              <a:rPr dirty="0" err="1"/>
-              <a:t>sobre</a:t>
-            </a:r>
-            <a:r>
-              <a:rPr dirty="0"/>
-              <a:t> phishing, boas </a:t>
-            </a:r>
-            <a:r>
-              <a:rPr dirty="0" err="1"/>
-              <a:t>práticas</a:t>
-            </a:r>
-            <a:r>
-              <a:rPr dirty="0"/>
-              <a:t> de </a:t>
-            </a:r>
-            <a:r>
-              <a:rPr dirty="0" err="1"/>
-              <a:t>senha</a:t>
-            </a:r>
-            <a:r>
-              <a:rPr dirty="0"/>
-              <a:t>, </a:t>
-            </a:r>
-            <a:r>
-              <a:rPr dirty="0" err="1"/>
-              <a:t>uso</a:t>
-            </a:r>
-            <a:r>
-              <a:rPr dirty="0"/>
-              <a:t> </a:t>
-            </a:r>
-            <a:r>
-              <a:rPr dirty="0" err="1"/>
-              <a:t>seguro</a:t>
-            </a:r>
-            <a:r>
-              <a:rPr dirty="0"/>
-              <a:t> de </a:t>
-            </a:r>
-            <a:r>
-              <a:rPr dirty="0" err="1"/>
-              <a:t>dispositivos</a:t>
-            </a:r>
-            <a:r>
-              <a:rPr dirty="0"/>
-              <a:t> </a:t>
-            </a:r>
-            <a:r>
-              <a:rPr dirty="0" err="1"/>
-              <a:t>móveis</a:t>
-            </a:r>
-            <a:r>
-              <a:rPr dirty="0"/>
-              <a:t>.</a:t>
+              <a:rPr lang="pt-BR" sz="1500" dirty="0"/>
+              <a:t>Assegurar que os colaboradores compreendam suas responsabilidades na proteção da informação.</a:t>
             </a:r>
           </a:p>
         </p:txBody>
@@ -18253,6 +20086,596 @@
 </file>
 
 <file path=ppt/slides/slide17.xml><?xml version="1.0" encoding="utf-8"?>
+<p:sld xmlns:a="http://schemas.openxmlformats.org/drawingml/2006/main" xmlns:r="http://schemas.openxmlformats.org/officeDocument/2006/relationships" xmlns:p="http://schemas.openxmlformats.org/presentationml/2006/main">
+  <p:cSld>
+    <p:bg>
+      <p:bgPr>
+        <a:solidFill>
+          <a:schemeClr val="bg1"/>
+        </a:solidFill>
+        <a:effectLst/>
+      </p:bgPr>
+    </p:bg>
+    <p:spTree>
+      <p:nvGrpSpPr>
+        <p:cNvPr id="1" name=""/>
+        <p:cNvGrpSpPr/>
+        <p:nvPr/>
+      </p:nvGrpSpPr>
+      <p:grpSpPr>
+        <a:xfrm>
+          <a:off x="0" y="0"/>
+          <a:ext cx="0" cy="0"/>
+          <a:chOff x="0" y="0"/>
+          <a:chExt cx="0" cy="0"/>
+        </a:xfrm>
+      </p:grpSpPr>
+      <p:sp useBgFill="1">
+        <p:nvSpPr>
+          <p:cNvPr id="8" name="Rectangle 7">
+            <a:extLst>
+              <a:ext uri="{FF2B5EF4-FFF2-40B4-BE49-F238E27FC236}">
+                <a16:creationId xmlns:a16="http://schemas.microsoft.com/office/drawing/2014/main" id="{3741B58E-3B65-4A01-A276-975AB2CF8A08}"/>
+              </a:ext>
+              <a:ext uri="{C183D7F6-B498-43B3-948B-1728B52AA6E4}">
+                <adec:decorative xmlns:adec="http://schemas.microsoft.com/office/drawing/2017/decorative" val="1"/>
+              </a:ext>
+            </a:extLst>
+          </p:cNvPr>
+          <p:cNvSpPr>
+            <a:spLocks noGrp="1" noRot="1" noChangeAspect="1" noMove="1" noResize="1" noEditPoints="1" noAdjustHandles="1" noChangeArrowheads="1" noChangeShapeType="1" noTextEdit="1"/>
+          </p:cNvSpPr>
+          <p:nvPr>
+            <p:extLst>
+              <p:ext uri="{386F3935-93C4-4BCD-93E2-E3B085C9AB24}">
+                <p16:designElem xmlns:p16="http://schemas.microsoft.com/office/powerpoint/2015/main" val="1"/>
+              </p:ext>
+            </p:extLst>
+          </p:nvPr>
+        </p:nvSpPr>
+        <p:spPr>
+          <a:xfrm>
+            <a:off x="0" y="0"/>
+            <a:ext cx="9139736" cy="6858000"/>
+          </a:xfrm>
+          <a:prstGeom prst="rect">
+            <a:avLst/>
+          </a:prstGeom>
+          <a:ln>
+            <a:noFill/>
+          </a:ln>
+        </p:spPr>
+        <p:style>
+          <a:lnRef idx="2">
+            <a:schemeClr val="accent6">
+              <a:shade val="50000"/>
+            </a:schemeClr>
+          </a:lnRef>
+          <a:fillRef idx="1001">
+            <a:schemeClr val="lt1"/>
+          </a:fillRef>
+          <a:effectRef idx="0">
+            <a:schemeClr val="accent6"/>
+          </a:effectRef>
+          <a:fontRef idx="minor">
+            <a:schemeClr val="lt1"/>
+          </a:fontRef>
+        </p:style>
+        <p:txBody>
+          <a:bodyPr rtlCol="0" anchor="ctr"/>
+          <a:lstStyle/>
+          <a:p>
+            <a:pPr algn="ctr"/>
+            <a:endParaRPr lang="en-US"/>
+          </a:p>
+        </p:txBody>
+      </p:sp>
+      <p:sp>
+        <p:nvSpPr>
+          <p:cNvPr id="10" name="Rectangle 9">
+            <a:extLst>
+              <a:ext uri="{FF2B5EF4-FFF2-40B4-BE49-F238E27FC236}">
+                <a16:creationId xmlns:a16="http://schemas.microsoft.com/office/drawing/2014/main" id="{7AAC67C3-831B-4AB1-A259-DFB839CAFAFC}"/>
+              </a:ext>
+              <a:ext uri="{C183D7F6-B498-43B3-948B-1728B52AA6E4}">
+                <adec:decorative xmlns:adec="http://schemas.microsoft.com/office/drawing/2017/decorative" val="1"/>
+              </a:ext>
+            </a:extLst>
+          </p:cNvPr>
+          <p:cNvSpPr>
+            <a:spLocks noGrp="1" noRot="1" noChangeAspect="1" noMove="1" noResize="1" noEditPoints="1" noAdjustHandles="1" noChangeArrowheads="1" noChangeShapeType="1" noTextEdit="1"/>
+          </p:cNvSpPr>
+          <p:nvPr>
+            <p:extLst>
+              <p:ext uri="{386F3935-93C4-4BCD-93E2-E3B085C9AB24}">
+                <p16:designElem xmlns:p16="http://schemas.microsoft.com/office/powerpoint/2015/main" val="1"/>
+              </p:ext>
+            </p:extLst>
+          </p:nvPr>
+        </p:nvSpPr>
+        <p:spPr>
+          <a:xfrm>
+            <a:off x="12" y="0"/>
+            <a:ext cx="3038093" cy="6858000"/>
+          </a:xfrm>
+          <a:prstGeom prst="rect">
+            <a:avLst/>
+          </a:prstGeom>
+          <a:solidFill>
+            <a:schemeClr val="accent2"/>
+          </a:solidFill>
+          <a:ln>
+            <a:noFill/>
+          </a:ln>
+        </p:spPr>
+        <p:style>
+          <a:lnRef idx="2">
+            <a:schemeClr val="accent1">
+              <a:shade val="50000"/>
+            </a:schemeClr>
+          </a:lnRef>
+          <a:fillRef idx="1">
+            <a:schemeClr val="accent1"/>
+          </a:fillRef>
+          <a:effectRef idx="0">
+            <a:schemeClr val="accent1"/>
+          </a:effectRef>
+          <a:fontRef idx="minor">
+            <a:schemeClr val="lt1"/>
+          </a:fontRef>
+        </p:style>
+        <p:txBody>
+          <a:bodyPr/>
+          <a:lstStyle/>
+          <a:p>
+            <a:endParaRPr lang="en-US"/>
+          </a:p>
+        </p:txBody>
+      </p:sp>
+      <p:sp>
+        <p:nvSpPr>
+          <p:cNvPr id="2" name="Title 1"/>
+          <p:cNvSpPr>
+            <a:spLocks noGrp="1"/>
+          </p:cNvSpPr>
+          <p:nvPr>
+            <p:ph type="title"/>
+          </p:nvPr>
+        </p:nvSpPr>
+        <p:spPr>
+          <a:xfrm>
+            <a:off x="369277" y="605896"/>
+            <a:ext cx="2313633" cy="5646208"/>
+          </a:xfrm>
+        </p:spPr>
+        <p:txBody>
+          <a:bodyPr anchor="ctr">
+            <a:normAutofit/>
+          </a:bodyPr>
+          <a:lstStyle/>
+          <a:p>
+            <a:r>
+              <a:rPr lang="es-ES" sz="3100">
+                <a:solidFill>
+                  <a:srgbClr val="FFFFFF"/>
+                </a:solidFill>
+              </a:rPr>
+              <a:t>Tipos de Recursos no SGSI</a:t>
+            </a:r>
+          </a:p>
+        </p:txBody>
+      </p:sp>
+      <p:sp>
+        <p:nvSpPr>
+          <p:cNvPr id="12" name="Rectangle 11">
+            <a:extLst>
+              <a:ext uri="{FF2B5EF4-FFF2-40B4-BE49-F238E27FC236}">
+                <a16:creationId xmlns:a16="http://schemas.microsoft.com/office/drawing/2014/main" id="{054B3F04-9EAC-45C0-B3CE-0387EEA10A0C}"/>
+              </a:ext>
+              <a:ext uri="{C183D7F6-B498-43B3-948B-1728B52AA6E4}">
+                <adec:decorative xmlns:adec="http://schemas.microsoft.com/office/drawing/2017/decorative" val="1"/>
+              </a:ext>
+            </a:extLst>
+          </p:cNvPr>
+          <p:cNvSpPr>
+            <a:spLocks noGrp="1" noRot="1" noChangeAspect="1" noMove="1" noResize="1" noEditPoints="1" noAdjustHandles="1" noChangeArrowheads="1" noChangeShapeType="1" noTextEdit="1"/>
+          </p:cNvSpPr>
+          <p:nvPr>
+            <p:extLst>
+              <p:ext uri="{386F3935-93C4-4BCD-93E2-E3B085C9AB24}">
+                <p16:designElem xmlns:p16="http://schemas.microsoft.com/office/powerpoint/2015/main" val="1"/>
+              </p:ext>
+            </p:extLst>
+          </p:nvPr>
+        </p:nvSpPr>
+        <p:spPr>
+          <a:xfrm>
+            <a:off x="3030053" y="0"/>
+            <a:ext cx="48006" cy="6858000"/>
+          </a:xfrm>
+          <a:prstGeom prst="rect">
+            <a:avLst/>
+          </a:prstGeom>
+          <a:solidFill>
+            <a:schemeClr val="accent1"/>
+          </a:solidFill>
+          <a:ln>
+            <a:noFill/>
+          </a:ln>
+        </p:spPr>
+        <p:style>
+          <a:lnRef idx="2">
+            <a:schemeClr val="accent1">
+              <a:shade val="50000"/>
+            </a:schemeClr>
+          </a:lnRef>
+          <a:fillRef idx="1">
+            <a:schemeClr val="accent1"/>
+          </a:fillRef>
+          <a:effectRef idx="0">
+            <a:schemeClr val="accent1"/>
+          </a:effectRef>
+          <a:fontRef idx="minor">
+            <a:schemeClr val="lt1"/>
+          </a:fontRef>
+        </p:style>
+        <p:txBody>
+          <a:bodyPr/>
+          <a:lstStyle/>
+          <a:p>
+            <a:endParaRPr lang="en-US"/>
+          </a:p>
+        </p:txBody>
+      </p:sp>
+      <p:sp>
+        <p:nvSpPr>
+          <p:cNvPr id="3" name="Content Placeholder 2"/>
+          <p:cNvSpPr>
+            <a:spLocks noGrp="1"/>
+          </p:cNvSpPr>
+          <p:nvPr>
+            <p:ph idx="1"/>
+          </p:nvPr>
+        </p:nvSpPr>
+        <p:spPr>
+          <a:xfrm>
+            <a:off x="3556512" y="605896"/>
+            <a:ext cx="4810247" cy="5646208"/>
+          </a:xfrm>
+        </p:spPr>
+        <p:txBody>
+          <a:bodyPr anchor="ctr">
+            <a:normAutofit/>
+          </a:bodyPr>
+          <a:lstStyle/>
+          <a:p>
+            <a:r>
+              <a:rPr dirty="0"/>
+              <a:t>1. </a:t>
+            </a:r>
+            <a:r>
+              <a:rPr dirty="0" err="1"/>
+              <a:t>Recursos</a:t>
+            </a:r>
+            <a:r>
+              <a:rPr dirty="0"/>
+              <a:t> Humanos</a:t>
+            </a:r>
+          </a:p>
+          <a:p>
+            <a:pPr lvl="1"/>
+            <a:r>
+              <a:rPr dirty="0" err="1"/>
+              <a:t>Envolvem</a:t>
+            </a:r>
+            <a:r>
+              <a:rPr dirty="0"/>
+              <a:t> </a:t>
+            </a:r>
+            <a:r>
+              <a:rPr dirty="0" err="1"/>
+              <a:t>todas</a:t>
+            </a:r>
+            <a:r>
+              <a:rPr dirty="0"/>
+              <a:t> as </a:t>
+            </a:r>
+            <a:r>
+              <a:rPr dirty="0" err="1"/>
+              <a:t>pessoas</a:t>
+            </a:r>
+            <a:r>
+              <a:rPr dirty="0"/>
+              <a:t> que </a:t>
+            </a:r>
+            <a:r>
+              <a:rPr dirty="0" err="1"/>
+              <a:t>interagem</a:t>
+            </a:r>
+            <a:r>
+              <a:rPr dirty="0"/>
+              <a:t> com </a:t>
+            </a:r>
+            <a:r>
+              <a:rPr dirty="0" err="1"/>
+              <a:t>ativos</a:t>
+            </a:r>
+            <a:r>
+              <a:rPr dirty="0"/>
+              <a:t> de </a:t>
+            </a:r>
+            <a:r>
+              <a:rPr dirty="0" err="1"/>
+              <a:t>informação</a:t>
+            </a:r>
+            <a:r>
+              <a:rPr dirty="0"/>
+              <a:t>.</a:t>
+            </a:r>
+          </a:p>
+          <a:p>
+            <a:pPr lvl="1"/>
+            <a:r>
+              <a:rPr dirty="0" err="1"/>
+              <a:t>Incluem</a:t>
+            </a:r>
+            <a:r>
+              <a:rPr dirty="0"/>
+              <a:t> </a:t>
+            </a:r>
+            <a:r>
+              <a:rPr dirty="0" err="1"/>
+              <a:t>colaboradores</a:t>
+            </a:r>
+            <a:r>
+              <a:rPr dirty="0"/>
+              <a:t> </a:t>
+            </a:r>
+            <a:r>
+              <a:rPr dirty="0" err="1"/>
+              <a:t>diretos</a:t>
+            </a:r>
+            <a:r>
+              <a:rPr dirty="0"/>
+              <a:t>, </a:t>
+            </a:r>
+            <a:r>
+              <a:rPr dirty="0" err="1"/>
+              <a:t>terceirizados</a:t>
+            </a:r>
+            <a:r>
+              <a:rPr dirty="0"/>
+              <a:t> e </a:t>
+            </a:r>
+            <a:r>
+              <a:rPr dirty="0" err="1"/>
+              <a:t>prestadores</a:t>
+            </a:r>
+            <a:r>
+              <a:rPr dirty="0"/>
+              <a:t> de </a:t>
+            </a:r>
+            <a:r>
+              <a:rPr dirty="0" err="1"/>
+              <a:t>serviços</a:t>
+            </a:r>
+            <a:r>
+              <a:rPr dirty="0"/>
+              <a:t>.</a:t>
+            </a:r>
+          </a:p>
+          <a:p>
+            <a:pPr lvl="1"/>
+            <a:r>
+              <a:rPr dirty="0" err="1"/>
+              <a:t>Exigem</a:t>
+            </a:r>
+            <a:r>
+              <a:rPr dirty="0"/>
+              <a:t> </a:t>
+            </a:r>
+            <a:r>
+              <a:rPr dirty="0" err="1"/>
+              <a:t>definição</a:t>
+            </a:r>
+            <a:r>
+              <a:rPr dirty="0"/>
+              <a:t> </a:t>
+            </a:r>
+            <a:r>
+              <a:rPr dirty="0" err="1"/>
+              <a:t>clara</a:t>
+            </a:r>
+            <a:r>
+              <a:rPr dirty="0"/>
+              <a:t> de </a:t>
+            </a:r>
+            <a:r>
+              <a:rPr dirty="0" err="1"/>
+              <a:t>responsabilidades</a:t>
+            </a:r>
+            <a:r>
+              <a:rPr dirty="0"/>
+              <a:t> </a:t>
+            </a:r>
+            <a:r>
+              <a:rPr dirty="0" err="1"/>
+              <a:t>relacionadas</a:t>
+            </a:r>
+            <a:r>
+              <a:rPr dirty="0"/>
+              <a:t> à </a:t>
+            </a:r>
+            <a:r>
+              <a:rPr dirty="0" err="1"/>
+              <a:t>segurança</a:t>
+            </a:r>
+            <a:r>
+              <a:rPr dirty="0"/>
+              <a:t>.</a:t>
+            </a:r>
+          </a:p>
+          <a:p>
+            <a:pPr lvl="1"/>
+            <a:r>
+              <a:rPr dirty="0" err="1"/>
+              <a:t>Necessitam</a:t>
+            </a:r>
+            <a:r>
+              <a:rPr dirty="0"/>
+              <a:t> de </a:t>
+            </a:r>
+            <a:r>
+              <a:rPr dirty="0" err="1"/>
+              <a:t>treinamento</a:t>
+            </a:r>
+            <a:r>
+              <a:rPr dirty="0"/>
+              <a:t> e </a:t>
+            </a:r>
+            <a:r>
+              <a:rPr dirty="0" err="1"/>
+              <a:t>conscientização</a:t>
+            </a:r>
+            <a:r>
+              <a:rPr dirty="0"/>
+              <a:t> para </a:t>
+            </a:r>
+            <a:r>
+              <a:rPr dirty="0" err="1"/>
+              <a:t>reduzir</a:t>
+            </a:r>
+            <a:r>
+              <a:rPr dirty="0"/>
+              <a:t> </a:t>
+            </a:r>
+            <a:r>
+              <a:rPr dirty="0" err="1"/>
+              <a:t>falhas</a:t>
+            </a:r>
+            <a:r>
+              <a:rPr dirty="0"/>
+              <a:t> </a:t>
+            </a:r>
+            <a:r>
+              <a:rPr dirty="0" err="1"/>
+              <a:t>humanas</a:t>
+            </a:r>
+            <a:r>
+              <a:rPr dirty="0"/>
+              <a:t> e </a:t>
+            </a:r>
+            <a:r>
+              <a:rPr dirty="0" err="1"/>
+              <a:t>riscos</a:t>
+            </a:r>
+            <a:r>
+              <a:rPr dirty="0"/>
+              <a:t> de </a:t>
+            </a:r>
+            <a:r>
+              <a:rPr dirty="0" err="1"/>
+              <a:t>engenharia</a:t>
+            </a:r>
+            <a:r>
+              <a:rPr dirty="0"/>
+              <a:t> social.</a:t>
+            </a:r>
+          </a:p>
+          <a:p>
+            <a:pPr lvl="1"/>
+            <a:r>
+              <a:rPr dirty="0" err="1"/>
+              <a:t>Exemplo</a:t>
+            </a:r>
+            <a:r>
+              <a:rPr dirty="0"/>
+              <a:t>: </a:t>
+            </a:r>
+            <a:r>
+              <a:rPr dirty="0" err="1"/>
+              <a:t>treinamentos</a:t>
+            </a:r>
+            <a:r>
+              <a:rPr dirty="0"/>
+              <a:t> </a:t>
+            </a:r>
+            <a:r>
+              <a:rPr dirty="0" err="1"/>
+              <a:t>periódicos</a:t>
+            </a:r>
+            <a:r>
+              <a:rPr dirty="0"/>
+              <a:t> </a:t>
+            </a:r>
+            <a:r>
+              <a:rPr dirty="0" err="1"/>
+              <a:t>sobre</a:t>
+            </a:r>
+            <a:r>
+              <a:rPr dirty="0"/>
+              <a:t> phishing, boas </a:t>
+            </a:r>
+            <a:r>
+              <a:rPr dirty="0" err="1"/>
+              <a:t>práticas</a:t>
+            </a:r>
+            <a:r>
+              <a:rPr dirty="0"/>
+              <a:t> de </a:t>
+            </a:r>
+            <a:r>
+              <a:rPr dirty="0" err="1"/>
+              <a:t>senha</a:t>
+            </a:r>
+            <a:r>
+              <a:rPr dirty="0"/>
+              <a:t>, </a:t>
+            </a:r>
+            <a:r>
+              <a:rPr dirty="0" err="1"/>
+              <a:t>uso</a:t>
+            </a:r>
+            <a:r>
+              <a:rPr dirty="0"/>
+              <a:t> </a:t>
+            </a:r>
+            <a:r>
+              <a:rPr dirty="0" err="1"/>
+              <a:t>seguro</a:t>
+            </a:r>
+            <a:r>
+              <a:rPr dirty="0"/>
+              <a:t> de </a:t>
+            </a:r>
+            <a:r>
+              <a:rPr dirty="0" err="1"/>
+              <a:t>dispositivos</a:t>
+            </a:r>
+            <a:r>
+              <a:rPr dirty="0"/>
+              <a:t> </a:t>
+            </a:r>
+            <a:r>
+              <a:rPr dirty="0" err="1"/>
+              <a:t>móveis</a:t>
+            </a:r>
+            <a:r>
+              <a:rPr dirty="0"/>
+              <a:t>.</a:t>
+            </a:r>
+          </a:p>
+        </p:txBody>
+      </p:sp>
+    </p:spTree>
+  </p:cSld>
+  <p:clrMapOvr>
+    <a:masterClrMapping/>
+  </p:clrMapOvr>
+</p:sld>
+</file>
+
+<file path=ppt/slides/slide18.xml><?xml version="1.0" encoding="utf-8"?>
 <p:sld xmlns:a="http://schemas.openxmlformats.org/drawingml/2006/main" xmlns:r="http://schemas.openxmlformats.org/officeDocument/2006/relationships" xmlns:p="http://schemas.openxmlformats.org/presentationml/2006/main">
   <p:cSld>
     <p:bg>
@@ -18767,7 +21190,7 @@
 </p:sld>
 </file>
 
-<file path=ppt/slides/slide18.xml><?xml version="1.0" encoding="utf-8"?>
+<file path=ppt/slides/slide19.xml><?xml version="1.0" encoding="utf-8"?>
 <p:sld xmlns:a="http://schemas.openxmlformats.org/drawingml/2006/main" xmlns:r="http://schemas.openxmlformats.org/officeDocument/2006/relationships" xmlns:p="http://schemas.openxmlformats.org/presentationml/2006/main">
   <p:cSld>
     <p:bg>
@@ -19370,299 +21793,6 @@
 </p:sld>
 </file>
 
-<file path=ppt/slides/slide19.xml><?xml version="1.0" encoding="utf-8"?>
-<p:sld xmlns:a="http://schemas.openxmlformats.org/drawingml/2006/main" xmlns:r="http://schemas.openxmlformats.org/officeDocument/2006/relationships" xmlns:p="http://schemas.openxmlformats.org/presentationml/2006/main">
-  <p:cSld>
-    <p:bg>
-      <p:bgPr>
-        <a:solidFill>
-          <a:schemeClr val="bg1"/>
-        </a:solidFill>
-        <a:effectLst/>
-      </p:bgPr>
-    </p:bg>
-    <p:spTree>
-      <p:nvGrpSpPr>
-        <p:cNvPr id="1" name=""/>
-        <p:cNvGrpSpPr/>
-        <p:nvPr/>
-      </p:nvGrpSpPr>
-      <p:grpSpPr>
-        <a:xfrm>
-          <a:off x="0" y="0"/>
-          <a:ext cx="0" cy="0"/>
-          <a:chOff x="0" y="0"/>
-          <a:chExt cx="0" cy="0"/>
-        </a:xfrm>
-      </p:grpSpPr>
-      <p:sp useBgFill="1">
-        <p:nvSpPr>
-          <p:cNvPr id="8" name="Rectangle 7">
-            <a:extLst>
-              <a:ext uri="{FF2B5EF4-FFF2-40B4-BE49-F238E27FC236}">
-                <a16:creationId xmlns:a16="http://schemas.microsoft.com/office/drawing/2014/main" id="{3741B58E-3B65-4A01-A276-975AB2CF8A08}"/>
-              </a:ext>
-              <a:ext uri="{C183D7F6-B498-43B3-948B-1728B52AA6E4}">
-                <adec:decorative xmlns:adec="http://schemas.microsoft.com/office/drawing/2017/decorative" val="1"/>
-              </a:ext>
-            </a:extLst>
-          </p:cNvPr>
-          <p:cNvSpPr>
-            <a:spLocks noGrp="1" noRot="1" noChangeAspect="1" noMove="1" noResize="1" noEditPoints="1" noAdjustHandles="1" noChangeArrowheads="1" noChangeShapeType="1" noTextEdit="1"/>
-          </p:cNvSpPr>
-          <p:nvPr>
-            <p:extLst>
-              <p:ext uri="{386F3935-93C4-4BCD-93E2-E3B085C9AB24}">
-                <p16:designElem xmlns:p16="http://schemas.microsoft.com/office/powerpoint/2015/main" val="1"/>
-              </p:ext>
-            </p:extLst>
-          </p:nvPr>
-        </p:nvSpPr>
-        <p:spPr>
-          <a:xfrm>
-            <a:off x="0" y="0"/>
-            <a:ext cx="9139736" cy="6858000"/>
-          </a:xfrm>
-          <a:prstGeom prst="rect">
-            <a:avLst/>
-          </a:prstGeom>
-          <a:ln>
-            <a:noFill/>
-          </a:ln>
-        </p:spPr>
-        <p:style>
-          <a:lnRef idx="2">
-            <a:schemeClr val="accent6">
-              <a:shade val="50000"/>
-            </a:schemeClr>
-          </a:lnRef>
-          <a:fillRef idx="1001">
-            <a:schemeClr val="lt1"/>
-          </a:fillRef>
-          <a:effectRef idx="0">
-            <a:schemeClr val="accent6"/>
-          </a:effectRef>
-          <a:fontRef idx="minor">
-            <a:schemeClr val="lt1"/>
-          </a:fontRef>
-        </p:style>
-        <p:txBody>
-          <a:bodyPr rtlCol="0" anchor="ctr"/>
-          <a:lstStyle/>
-          <a:p>
-            <a:pPr algn="ctr"/>
-            <a:endParaRPr lang="en-US"/>
-          </a:p>
-        </p:txBody>
-      </p:sp>
-      <p:sp>
-        <p:nvSpPr>
-          <p:cNvPr id="10" name="Rectangle 9">
-            <a:extLst>
-              <a:ext uri="{FF2B5EF4-FFF2-40B4-BE49-F238E27FC236}">
-                <a16:creationId xmlns:a16="http://schemas.microsoft.com/office/drawing/2014/main" id="{7AAC67C3-831B-4AB1-A259-DFB839CAFAFC}"/>
-              </a:ext>
-              <a:ext uri="{C183D7F6-B498-43B3-948B-1728B52AA6E4}">
-                <adec:decorative xmlns:adec="http://schemas.microsoft.com/office/drawing/2017/decorative" val="1"/>
-              </a:ext>
-            </a:extLst>
-          </p:cNvPr>
-          <p:cNvSpPr>
-            <a:spLocks noGrp="1" noRot="1" noChangeAspect="1" noMove="1" noResize="1" noEditPoints="1" noAdjustHandles="1" noChangeArrowheads="1" noChangeShapeType="1" noTextEdit="1"/>
-          </p:cNvSpPr>
-          <p:nvPr>
-            <p:extLst>
-              <p:ext uri="{386F3935-93C4-4BCD-93E2-E3B085C9AB24}">
-                <p16:designElem xmlns:p16="http://schemas.microsoft.com/office/powerpoint/2015/main" val="1"/>
-              </p:ext>
-            </p:extLst>
-          </p:nvPr>
-        </p:nvSpPr>
-        <p:spPr>
-          <a:xfrm>
-            <a:off x="12" y="0"/>
-            <a:ext cx="3038093" cy="6858000"/>
-          </a:xfrm>
-          <a:prstGeom prst="rect">
-            <a:avLst/>
-          </a:prstGeom>
-          <a:solidFill>
-            <a:schemeClr val="accent2"/>
-          </a:solidFill>
-          <a:ln>
-            <a:noFill/>
-          </a:ln>
-        </p:spPr>
-        <p:style>
-          <a:lnRef idx="2">
-            <a:schemeClr val="accent1">
-              <a:shade val="50000"/>
-            </a:schemeClr>
-          </a:lnRef>
-          <a:fillRef idx="1">
-            <a:schemeClr val="accent1"/>
-          </a:fillRef>
-          <a:effectRef idx="0">
-            <a:schemeClr val="accent1"/>
-          </a:effectRef>
-          <a:fontRef idx="minor">
-            <a:schemeClr val="lt1"/>
-          </a:fontRef>
-        </p:style>
-        <p:txBody>
-          <a:bodyPr/>
-          <a:lstStyle/>
-          <a:p>
-            <a:endParaRPr lang="en-US"/>
-          </a:p>
-        </p:txBody>
-      </p:sp>
-      <p:sp>
-        <p:nvSpPr>
-          <p:cNvPr id="2" name="Title 1"/>
-          <p:cNvSpPr>
-            <a:spLocks noGrp="1"/>
-          </p:cNvSpPr>
-          <p:nvPr>
-            <p:ph type="title"/>
-          </p:nvPr>
-        </p:nvSpPr>
-        <p:spPr>
-          <a:xfrm>
-            <a:off x="369277" y="605896"/>
-            <a:ext cx="2313633" cy="5646208"/>
-          </a:xfrm>
-        </p:spPr>
-        <p:txBody>
-          <a:bodyPr anchor="ctr">
-            <a:normAutofit/>
-          </a:bodyPr>
-          <a:lstStyle/>
-          <a:p>
-            <a:r>
-              <a:rPr lang="pt-BR" sz="3100">
-                <a:solidFill>
-                  <a:srgbClr val="FFFFFF"/>
-                </a:solidFill>
-              </a:rPr>
-              <a:t>Importância da Gestão de Recursos</a:t>
-            </a:r>
-          </a:p>
-        </p:txBody>
-      </p:sp>
-      <p:sp>
-        <p:nvSpPr>
-          <p:cNvPr id="12" name="Rectangle 11">
-            <a:extLst>
-              <a:ext uri="{FF2B5EF4-FFF2-40B4-BE49-F238E27FC236}">
-                <a16:creationId xmlns:a16="http://schemas.microsoft.com/office/drawing/2014/main" id="{054B3F04-9EAC-45C0-B3CE-0387EEA10A0C}"/>
-              </a:ext>
-              <a:ext uri="{C183D7F6-B498-43B3-948B-1728B52AA6E4}">
-                <adec:decorative xmlns:adec="http://schemas.microsoft.com/office/drawing/2017/decorative" val="1"/>
-              </a:ext>
-            </a:extLst>
-          </p:cNvPr>
-          <p:cNvSpPr>
-            <a:spLocks noGrp="1" noRot="1" noChangeAspect="1" noMove="1" noResize="1" noEditPoints="1" noAdjustHandles="1" noChangeArrowheads="1" noChangeShapeType="1" noTextEdit="1"/>
-          </p:cNvSpPr>
-          <p:nvPr>
-            <p:extLst>
-              <p:ext uri="{386F3935-93C4-4BCD-93E2-E3B085C9AB24}">
-                <p16:designElem xmlns:p16="http://schemas.microsoft.com/office/powerpoint/2015/main" val="1"/>
-              </p:ext>
-            </p:extLst>
-          </p:nvPr>
-        </p:nvSpPr>
-        <p:spPr>
-          <a:xfrm>
-            <a:off x="3030053" y="0"/>
-            <a:ext cx="48006" cy="6858000"/>
-          </a:xfrm>
-          <a:prstGeom prst="rect">
-            <a:avLst/>
-          </a:prstGeom>
-          <a:solidFill>
-            <a:schemeClr val="accent1"/>
-          </a:solidFill>
-          <a:ln>
-            <a:noFill/>
-          </a:ln>
-        </p:spPr>
-        <p:style>
-          <a:lnRef idx="2">
-            <a:schemeClr val="accent1">
-              <a:shade val="50000"/>
-            </a:schemeClr>
-          </a:lnRef>
-          <a:fillRef idx="1">
-            <a:schemeClr val="accent1"/>
-          </a:fillRef>
-          <a:effectRef idx="0">
-            <a:schemeClr val="accent1"/>
-          </a:effectRef>
-          <a:fontRef idx="minor">
-            <a:schemeClr val="lt1"/>
-          </a:fontRef>
-        </p:style>
-        <p:txBody>
-          <a:bodyPr/>
-          <a:lstStyle/>
-          <a:p>
-            <a:endParaRPr lang="en-US"/>
-          </a:p>
-        </p:txBody>
-      </p:sp>
-      <p:sp>
-        <p:nvSpPr>
-          <p:cNvPr id="3" name="Content Placeholder 2"/>
-          <p:cNvSpPr>
-            <a:spLocks noGrp="1"/>
-          </p:cNvSpPr>
-          <p:nvPr>
-            <p:ph idx="1"/>
-          </p:nvPr>
-        </p:nvSpPr>
-        <p:spPr>
-          <a:xfrm>
-            <a:off x="3556512" y="605896"/>
-            <a:ext cx="4810247" cy="5646208"/>
-          </a:xfrm>
-        </p:spPr>
-        <p:txBody>
-          <a:bodyPr anchor="ctr">
-            <a:normAutofit/>
-          </a:bodyPr>
-          <a:lstStyle/>
-          <a:p>
-            <a:r>
-              <a:t>Garante que a segurança da informação seja sustentável a longo prazo.</a:t>
-            </a:r>
-          </a:p>
-          <a:p>
-            <a:r>
-              <a:t>Evita que o SGSI se torne apenas um “documento formal” sem aplicação prática.</a:t>
-            </a:r>
-          </a:p>
-          <a:p>
-            <a:r>
-              <a:t>Permite equilibrar custos e nível de proteção, alinhando investimentos de segurança às prioridades do negócio.</a:t>
-            </a:r>
-          </a:p>
-          <a:p>
-            <a:r>
-              <a:t>Reforça a ideia de que a segurança da informação é responsabilidade de toda a organização, não apenas da área de TI.</a:t>
-            </a:r>
-          </a:p>
-        </p:txBody>
-      </p:sp>
-    </p:spTree>
-  </p:cSld>
-  <p:clrMapOvr>
-    <a:masterClrMapping/>
-  </p:clrMapOvr>
-</p:sld>
-</file>
-
 <file path=ppt/slides/slide2.xml><?xml version="1.0" encoding="utf-8"?>
 <p:sld xmlns:a="http://schemas.openxmlformats.org/drawingml/2006/main" xmlns:r="http://schemas.openxmlformats.org/officeDocument/2006/relationships" xmlns:p="http://schemas.openxmlformats.org/presentationml/2006/main">
   <p:cSld>
@@ -20331,6 +22461,299 @@
                   <a:srgbClr val="FFFFFF"/>
                 </a:solidFill>
               </a:rPr>
+              <a:t>Importância da Gestão de Recursos</a:t>
+            </a:r>
+          </a:p>
+        </p:txBody>
+      </p:sp>
+      <p:sp>
+        <p:nvSpPr>
+          <p:cNvPr id="12" name="Rectangle 11">
+            <a:extLst>
+              <a:ext uri="{FF2B5EF4-FFF2-40B4-BE49-F238E27FC236}">
+                <a16:creationId xmlns:a16="http://schemas.microsoft.com/office/drawing/2014/main" id="{054B3F04-9EAC-45C0-B3CE-0387EEA10A0C}"/>
+              </a:ext>
+              <a:ext uri="{C183D7F6-B498-43B3-948B-1728B52AA6E4}">
+                <adec:decorative xmlns:adec="http://schemas.microsoft.com/office/drawing/2017/decorative" val="1"/>
+              </a:ext>
+            </a:extLst>
+          </p:cNvPr>
+          <p:cNvSpPr>
+            <a:spLocks noGrp="1" noRot="1" noChangeAspect="1" noMove="1" noResize="1" noEditPoints="1" noAdjustHandles="1" noChangeArrowheads="1" noChangeShapeType="1" noTextEdit="1"/>
+          </p:cNvSpPr>
+          <p:nvPr>
+            <p:extLst>
+              <p:ext uri="{386F3935-93C4-4BCD-93E2-E3B085C9AB24}">
+                <p16:designElem xmlns:p16="http://schemas.microsoft.com/office/powerpoint/2015/main" val="1"/>
+              </p:ext>
+            </p:extLst>
+          </p:nvPr>
+        </p:nvSpPr>
+        <p:spPr>
+          <a:xfrm>
+            <a:off x="3030053" y="0"/>
+            <a:ext cx="48006" cy="6858000"/>
+          </a:xfrm>
+          <a:prstGeom prst="rect">
+            <a:avLst/>
+          </a:prstGeom>
+          <a:solidFill>
+            <a:schemeClr val="accent1"/>
+          </a:solidFill>
+          <a:ln>
+            <a:noFill/>
+          </a:ln>
+        </p:spPr>
+        <p:style>
+          <a:lnRef idx="2">
+            <a:schemeClr val="accent1">
+              <a:shade val="50000"/>
+            </a:schemeClr>
+          </a:lnRef>
+          <a:fillRef idx="1">
+            <a:schemeClr val="accent1"/>
+          </a:fillRef>
+          <a:effectRef idx="0">
+            <a:schemeClr val="accent1"/>
+          </a:effectRef>
+          <a:fontRef idx="minor">
+            <a:schemeClr val="lt1"/>
+          </a:fontRef>
+        </p:style>
+        <p:txBody>
+          <a:bodyPr/>
+          <a:lstStyle/>
+          <a:p>
+            <a:endParaRPr lang="en-US"/>
+          </a:p>
+        </p:txBody>
+      </p:sp>
+      <p:sp>
+        <p:nvSpPr>
+          <p:cNvPr id="3" name="Content Placeholder 2"/>
+          <p:cNvSpPr>
+            <a:spLocks noGrp="1"/>
+          </p:cNvSpPr>
+          <p:nvPr>
+            <p:ph idx="1"/>
+          </p:nvPr>
+        </p:nvSpPr>
+        <p:spPr>
+          <a:xfrm>
+            <a:off x="3556512" y="605896"/>
+            <a:ext cx="4810247" cy="5646208"/>
+          </a:xfrm>
+        </p:spPr>
+        <p:txBody>
+          <a:bodyPr anchor="ctr">
+            <a:normAutofit/>
+          </a:bodyPr>
+          <a:lstStyle/>
+          <a:p>
+            <a:r>
+              <a:t>Garante que a segurança da informação seja sustentável a longo prazo.</a:t>
+            </a:r>
+          </a:p>
+          <a:p>
+            <a:r>
+              <a:t>Evita que o SGSI se torne apenas um “documento formal” sem aplicação prática.</a:t>
+            </a:r>
+          </a:p>
+          <a:p>
+            <a:r>
+              <a:t>Permite equilibrar custos e nível de proteção, alinhando investimentos de segurança às prioridades do negócio.</a:t>
+            </a:r>
+          </a:p>
+          <a:p>
+            <a:r>
+              <a:t>Reforça a ideia de que a segurança da informação é responsabilidade de toda a organização, não apenas da área de TI.</a:t>
+            </a:r>
+          </a:p>
+        </p:txBody>
+      </p:sp>
+    </p:spTree>
+  </p:cSld>
+  <p:clrMapOvr>
+    <a:masterClrMapping/>
+  </p:clrMapOvr>
+</p:sld>
+</file>
+
+<file path=ppt/slides/slide21.xml><?xml version="1.0" encoding="utf-8"?>
+<p:sld xmlns:a="http://schemas.openxmlformats.org/drawingml/2006/main" xmlns:r="http://schemas.openxmlformats.org/officeDocument/2006/relationships" xmlns:p="http://schemas.openxmlformats.org/presentationml/2006/main">
+  <p:cSld>
+    <p:bg>
+      <p:bgPr>
+        <a:solidFill>
+          <a:schemeClr val="bg1"/>
+        </a:solidFill>
+        <a:effectLst/>
+      </p:bgPr>
+    </p:bg>
+    <p:spTree>
+      <p:nvGrpSpPr>
+        <p:cNvPr id="1" name=""/>
+        <p:cNvGrpSpPr/>
+        <p:nvPr/>
+      </p:nvGrpSpPr>
+      <p:grpSpPr>
+        <a:xfrm>
+          <a:off x="0" y="0"/>
+          <a:ext cx="0" cy="0"/>
+          <a:chOff x="0" y="0"/>
+          <a:chExt cx="0" cy="0"/>
+        </a:xfrm>
+      </p:grpSpPr>
+      <p:sp useBgFill="1">
+        <p:nvSpPr>
+          <p:cNvPr id="8" name="Rectangle 7">
+            <a:extLst>
+              <a:ext uri="{FF2B5EF4-FFF2-40B4-BE49-F238E27FC236}">
+                <a16:creationId xmlns:a16="http://schemas.microsoft.com/office/drawing/2014/main" id="{3741B58E-3B65-4A01-A276-975AB2CF8A08}"/>
+              </a:ext>
+              <a:ext uri="{C183D7F6-B498-43B3-948B-1728B52AA6E4}">
+                <adec:decorative xmlns:adec="http://schemas.microsoft.com/office/drawing/2017/decorative" val="1"/>
+              </a:ext>
+            </a:extLst>
+          </p:cNvPr>
+          <p:cNvSpPr>
+            <a:spLocks noGrp="1" noRot="1" noChangeAspect="1" noMove="1" noResize="1" noEditPoints="1" noAdjustHandles="1" noChangeArrowheads="1" noChangeShapeType="1" noTextEdit="1"/>
+          </p:cNvSpPr>
+          <p:nvPr>
+            <p:extLst>
+              <p:ext uri="{386F3935-93C4-4BCD-93E2-E3B085C9AB24}">
+                <p16:designElem xmlns:p16="http://schemas.microsoft.com/office/powerpoint/2015/main" val="1"/>
+              </p:ext>
+            </p:extLst>
+          </p:nvPr>
+        </p:nvSpPr>
+        <p:spPr>
+          <a:xfrm>
+            <a:off x="0" y="0"/>
+            <a:ext cx="9139736" cy="6858000"/>
+          </a:xfrm>
+          <a:prstGeom prst="rect">
+            <a:avLst/>
+          </a:prstGeom>
+          <a:ln>
+            <a:noFill/>
+          </a:ln>
+        </p:spPr>
+        <p:style>
+          <a:lnRef idx="2">
+            <a:schemeClr val="accent6">
+              <a:shade val="50000"/>
+            </a:schemeClr>
+          </a:lnRef>
+          <a:fillRef idx="1001">
+            <a:schemeClr val="lt1"/>
+          </a:fillRef>
+          <a:effectRef idx="0">
+            <a:schemeClr val="accent6"/>
+          </a:effectRef>
+          <a:fontRef idx="minor">
+            <a:schemeClr val="lt1"/>
+          </a:fontRef>
+        </p:style>
+        <p:txBody>
+          <a:bodyPr rtlCol="0" anchor="ctr"/>
+          <a:lstStyle/>
+          <a:p>
+            <a:pPr algn="ctr"/>
+            <a:endParaRPr lang="en-US"/>
+          </a:p>
+        </p:txBody>
+      </p:sp>
+      <p:sp>
+        <p:nvSpPr>
+          <p:cNvPr id="10" name="Rectangle 9">
+            <a:extLst>
+              <a:ext uri="{FF2B5EF4-FFF2-40B4-BE49-F238E27FC236}">
+                <a16:creationId xmlns:a16="http://schemas.microsoft.com/office/drawing/2014/main" id="{7AAC67C3-831B-4AB1-A259-DFB839CAFAFC}"/>
+              </a:ext>
+              <a:ext uri="{C183D7F6-B498-43B3-948B-1728B52AA6E4}">
+                <adec:decorative xmlns:adec="http://schemas.microsoft.com/office/drawing/2017/decorative" val="1"/>
+              </a:ext>
+            </a:extLst>
+          </p:cNvPr>
+          <p:cNvSpPr>
+            <a:spLocks noGrp="1" noRot="1" noChangeAspect="1" noMove="1" noResize="1" noEditPoints="1" noAdjustHandles="1" noChangeArrowheads="1" noChangeShapeType="1" noTextEdit="1"/>
+          </p:cNvSpPr>
+          <p:nvPr>
+            <p:extLst>
+              <p:ext uri="{386F3935-93C4-4BCD-93E2-E3B085C9AB24}">
+                <p16:designElem xmlns:p16="http://schemas.microsoft.com/office/powerpoint/2015/main" val="1"/>
+              </p:ext>
+            </p:extLst>
+          </p:nvPr>
+        </p:nvSpPr>
+        <p:spPr>
+          <a:xfrm>
+            <a:off x="12" y="0"/>
+            <a:ext cx="3038093" cy="6858000"/>
+          </a:xfrm>
+          <a:prstGeom prst="rect">
+            <a:avLst/>
+          </a:prstGeom>
+          <a:solidFill>
+            <a:schemeClr val="accent2"/>
+          </a:solidFill>
+          <a:ln>
+            <a:noFill/>
+          </a:ln>
+        </p:spPr>
+        <p:style>
+          <a:lnRef idx="2">
+            <a:schemeClr val="accent1">
+              <a:shade val="50000"/>
+            </a:schemeClr>
+          </a:lnRef>
+          <a:fillRef idx="1">
+            <a:schemeClr val="accent1"/>
+          </a:fillRef>
+          <a:effectRef idx="0">
+            <a:schemeClr val="accent1"/>
+          </a:effectRef>
+          <a:fontRef idx="minor">
+            <a:schemeClr val="lt1"/>
+          </a:fontRef>
+        </p:style>
+        <p:txBody>
+          <a:bodyPr/>
+          <a:lstStyle/>
+          <a:p>
+            <a:endParaRPr lang="en-US"/>
+          </a:p>
+        </p:txBody>
+      </p:sp>
+      <p:sp>
+        <p:nvSpPr>
+          <p:cNvPr id="2" name="Title 1"/>
+          <p:cNvSpPr>
+            <a:spLocks noGrp="1"/>
+          </p:cNvSpPr>
+          <p:nvPr>
+            <p:ph type="title"/>
+          </p:nvPr>
+        </p:nvSpPr>
+        <p:spPr>
+          <a:xfrm>
+            <a:off x="369277" y="605896"/>
+            <a:ext cx="2313633" cy="5646208"/>
+          </a:xfrm>
+        </p:spPr>
+        <p:txBody>
+          <a:bodyPr anchor="ctr">
+            <a:normAutofit/>
+          </a:bodyPr>
+          <a:lstStyle/>
+          <a:p>
+            <a:r>
+              <a:rPr lang="pt-BR" sz="3100">
+                <a:solidFill>
+                  <a:srgbClr val="FFFFFF"/>
+                </a:solidFill>
+              </a:rPr>
               <a:t>Exemplos Práticos de Alocação de Recursos</a:t>
             </a:r>
           </a:p>
@@ -20851,7 +23274,7 @@
 </p:sld>
 </file>
 
-<file path=ppt/slides/slide21.xml><?xml version="1.0" encoding="utf-8"?>
+<file path=ppt/slides/slide22.xml><?xml version="1.0" encoding="utf-8"?>
 <p:sld xmlns:a="http://schemas.openxmlformats.org/drawingml/2006/main" xmlns:r="http://schemas.openxmlformats.org/officeDocument/2006/relationships" xmlns:p="http://schemas.openxmlformats.org/presentationml/2006/main">
   <p:cSld>
     <p:spTree>
@@ -20916,7 +23339,7 @@
 </p:sld>
 </file>
 
-<file path=ppt/slides/slide22.xml><?xml version="1.0" encoding="utf-8"?>
+<file path=ppt/slides/slide23.xml><?xml version="1.0" encoding="utf-8"?>
 <p:sld xmlns:a="http://schemas.openxmlformats.org/drawingml/2006/main" xmlns:r="http://schemas.openxmlformats.org/officeDocument/2006/relationships" xmlns:p="http://schemas.openxmlformats.org/presentationml/2006/main">
   <p:cSld>
     <p:bg>
@@ -21252,7 +23675,7 @@
 </p:sld>
 </file>
 
-<file path=ppt/slides/slide23.xml><?xml version="1.0" encoding="utf-8"?>
+<file path=ppt/slides/slide24.xml><?xml version="1.0" encoding="utf-8"?>
 <p:sld xmlns:a="http://schemas.openxmlformats.org/drawingml/2006/main" xmlns:r="http://schemas.openxmlformats.org/officeDocument/2006/relationships" xmlns:p="http://schemas.openxmlformats.org/presentationml/2006/main">
   <p:cSld>
     <p:bg>
@@ -21611,7 +24034,7 @@
 </p:sld>
 </file>
 
-<file path=ppt/slides/slide24.xml><?xml version="1.0" encoding="utf-8"?>
+<file path=ppt/slides/slide25.xml><?xml version="1.0" encoding="utf-8"?>
 <p:sld xmlns:a="http://schemas.openxmlformats.org/drawingml/2006/main" xmlns:r="http://schemas.openxmlformats.org/officeDocument/2006/relationships" xmlns:p="http://schemas.openxmlformats.org/presentationml/2006/main">
   <p:cSld>
     <p:bg>
@@ -21887,7 +24310,7 @@
           <a:lstStyle/>
           <a:p>
             <a:r>
-              <a:rPr lang="pt-BR" sz="1700" dirty="0">
+              <a:rPr lang="pt-BR" dirty="0">
                 <a:solidFill>
                   <a:schemeClr val="tx1">
                     <a:lumMod val="85000"/>
@@ -21901,7 +24324,7 @@
           <a:p>
             <a:pPr lvl="1"/>
             <a:r>
-              <a:rPr lang="pt-BR" sz="1500" dirty="0">
+              <a:rPr lang="pt-BR" dirty="0">
                 <a:solidFill>
                   <a:schemeClr val="tx1">
                     <a:lumMod val="85000"/>
@@ -21915,7 +24338,7 @@
           <a:p>
             <a:pPr lvl="1"/>
             <a:r>
-              <a:rPr lang="pt-BR" sz="1500" dirty="0">
+              <a:rPr lang="pt-BR" dirty="0">
                 <a:solidFill>
                   <a:schemeClr val="tx1">
                     <a:lumMod val="85000"/>
@@ -21929,7 +24352,7 @@
           <a:p>
             <a:pPr lvl="1"/>
             <a:r>
-              <a:rPr lang="pt-BR" sz="1500" dirty="0">
+              <a:rPr lang="pt-BR" dirty="0">
                 <a:solidFill>
                   <a:schemeClr val="tx1">
                     <a:lumMod val="85000"/>
@@ -21942,7 +24365,7 @@
           </a:p>
           <a:p>
             <a:r>
-              <a:rPr lang="pt-BR" sz="1700" dirty="0">
+              <a:rPr lang="pt-BR" dirty="0">
                 <a:solidFill>
                   <a:schemeClr val="tx1">
                     <a:lumMod val="85000"/>
@@ -21955,7 +24378,7 @@
           </a:p>
           <a:p>
             <a:r>
-              <a:rPr lang="pt-BR" sz="1700" dirty="0">
+              <a:rPr lang="pt-BR" dirty="0">
                 <a:solidFill>
                   <a:schemeClr val="tx1">
                     <a:lumMod val="85000"/>
@@ -21968,7 +24391,7 @@
           </a:p>
           <a:p>
             <a:r>
-              <a:rPr lang="pt-BR" sz="1700" dirty="0">
+              <a:rPr lang="pt-BR" dirty="0">
                 <a:solidFill>
                   <a:schemeClr val="tx1">
                     <a:lumMod val="85000"/>
@@ -21977,340 +24400,6 @@
                 </a:solidFill>
               </a:rPr>
               <a:t>4. Ao final, comparem suas escolhas com as de outros grupos e discutam as diferentes estratégias adotadas.</a:t>
-            </a:r>
-          </a:p>
-        </p:txBody>
-      </p:sp>
-    </p:spTree>
-  </p:cSld>
-  <p:clrMapOvr>
-    <a:masterClrMapping/>
-  </p:clrMapOvr>
-</p:sld>
-</file>
-
-<file path=ppt/slides/slide25.xml><?xml version="1.0" encoding="utf-8"?>
-<p:sld xmlns:a="http://schemas.openxmlformats.org/drawingml/2006/main" xmlns:r="http://schemas.openxmlformats.org/officeDocument/2006/relationships" xmlns:p="http://schemas.openxmlformats.org/presentationml/2006/main">
-  <p:cSld>
-    <p:spTree>
-      <p:nvGrpSpPr>
-        <p:cNvPr id="1" name=""/>
-        <p:cNvGrpSpPr/>
-        <p:nvPr/>
-      </p:nvGrpSpPr>
-      <p:grpSpPr>
-        <a:xfrm>
-          <a:off x="0" y="0"/>
-          <a:ext cx="0" cy="0"/>
-          <a:chOff x="0" y="0"/>
-          <a:chExt cx="0" cy="0"/>
-        </a:xfrm>
-      </p:grpSpPr>
-      <p:sp>
-        <p:nvSpPr>
-          <p:cNvPr id="2" name="Title 1"/>
-          <p:cNvSpPr>
-            <a:spLocks noGrp="1"/>
-          </p:cNvSpPr>
-          <p:nvPr>
-            <p:ph type="title"/>
-          </p:nvPr>
-        </p:nvSpPr>
-        <p:spPr/>
-        <p:txBody>
-          <a:bodyPr/>
-          <a:lstStyle/>
-          <a:p>
-            <a:r>
-              <a:t>Cenário A – Pouco orçamento</a:t>
-            </a:r>
-          </a:p>
-        </p:txBody>
-      </p:sp>
-      <p:sp>
-        <p:nvSpPr>
-          <p:cNvPr id="3" name="Content Placeholder 2"/>
-          <p:cNvSpPr>
-            <a:spLocks noGrp="1"/>
-          </p:cNvSpPr>
-          <p:nvPr>
-            <p:ph idx="1"/>
-          </p:nvPr>
-        </p:nvSpPr>
-        <p:spPr/>
-        <p:txBody>
-          <a:bodyPr/>
-          <a:lstStyle/>
-          <a:p>
-            <a:r>
-              <a:rPr dirty="0"/>
-              <a:t>A </a:t>
-            </a:r>
-            <a:r>
-              <a:rPr dirty="0" err="1"/>
-              <a:t>empresa</a:t>
-            </a:r>
-            <a:r>
-              <a:rPr dirty="0"/>
-              <a:t> </a:t>
-            </a:r>
-            <a:r>
-              <a:rPr dirty="0" err="1"/>
-              <a:t>está</a:t>
-            </a:r>
-            <a:r>
-              <a:rPr dirty="0"/>
-              <a:t> </a:t>
-            </a:r>
-            <a:r>
-              <a:rPr dirty="0" err="1"/>
-              <a:t>em</a:t>
-            </a:r>
-            <a:r>
-              <a:rPr dirty="0"/>
-              <a:t> </a:t>
-            </a:r>
-            <a:r>
-              <a:rPr dirty="0" err="1"/>
-              <a:t>fase</a:t>
-            </a:r>
-            <a:r>
-              <a:rPr dirty="0"/>
-              <a:t> </a:t>
-            </a:r>
-            <a:r>
-              <a:rPr dirty="0" err="1"/>
-              <a:t>inicial</a:t>
-            </a:r>
-            <a:r>
-              <a:rPr dirty="0"/>
-              <a:t> e </a:t>
-            </a:r>
-            <a:r>
-              <a:rPr dirty="0" err="1"/>
-              <a:t>não</a:t>
-            </a:r>
-            <a:r>
-              <a:rPr dirty="0"/>
-              <a:t> </a:t>
-            </a:r>
-            <a:r>
-              <a:rPr dirty="0" err="1"/>
-              <a:t>possui</a:t>
-            </a:r>
-            <a:r>
-              <a:rPr dirty="0"/>
-              <a:t> verba </a:t>
-            </a:r>
-            <a:r>
-              <a:rPr dirty="0" err="1"/>
-              <a:t>suficiente</a:t>
-            </a:r>
-            <a:r>
-              <a:rPr dirty="0"/>
-              <a:t> para </a:t>
-            </a:r>
-            <a:r>
-              <a:rPr dirty="0" err="1"/>
-              <a:t>adquirir</a:t>
-            </a:r>
-            <a:r>
-              <a:rPr dirty="0"/>
-              <a:t> </a:t>
-            </a:r>
-            <a:r>
-              <a:rPr dirty="0" err="1"/>
-              <a:t>novas</a:t>
-            </a:r>
-            <a:r>
-              <a:rPr dirty="0"/>
-              <a:t> ferramentas </a:t>
-            </a:r>
-            <a:r>
-              <a:rPr dirty="0" err="1"/>
-              <a:t>tecnológicas</a:t>
-            </a:r>
-            <a:r>
-              <a:rPr dirty="0"/>
-              <a:t>. </a:t>
-            </a:r>
-            <a:r>
-              <a:rPr dirty="0" err="1"/>
-              <a:t>Quase</a:t>
-            </a:r>
-            <a:r>
-              <a:rPr dirty="0"/>
-              <a:t> </a:t>
-            </a:r>
-            <a:r>
-              <a:rPr dirty="0" err="1"/>
-              <a:t>todo</a:t>
-            </a:r>
-            <a:r>
-              <a:rPr dirty="0"/>
-              <a:t> o </a:t>
-            </a:r>
-            <a:r>
-              <a:rPr dirty="0" err="1"/>
-              <a:t>orçamento</a:t>
-            </a:r>
-            <a:r>
-              <a:rPr dirty="0"/>
-              <a:t> </a:t>
-            </a:r>
-            <a:r>
-              <a:rPr dirty="0" err="1"/>
-              <a:t>disponível</a:t>
-            </a:r>
-            <a:r>
-              <a:rPr dirty="0"/>
-              <a:t> </a:t>
-            </a:r>
-            <a:r>
-              <a:rPr dirty="0" err="1"/>
-              <a:t>já</a:t>
-            </a:r>
-            <a:r>
-              <a:rPr dirty="0"/>
-              <a:t> </a:t>
-            </a:r>
-            <a:r>
-              <a:rPr dirty="0" err="1"/>
-              <a:t>está</a:t>
-            </a:r>
-            <a:r>
-              <a:rPr dirty="0"/>
-              <a:t> </a:t>
-            </a:r>
-            <a:r>
-              <a:rPr dirty="0" err="1"/>
-              <a:t>comprometido</a:t>
-            </a:r>
-            <a:r>
-              <a:rPr dirty="0"/>
-              <a:t> com </a:t>
-            </a:r>
-            <a:r>
-              <a:rPr dirty="0" err="1"/>
-              <a:t>despesas</a:t>
-            </a:r>
-            <a:r>
-              <a:rPr dirty="0"/>
-              <a:t> </a:t>
-            </a:r>
-            <a:r>
-              <a:rPr dirty="0" err="1"/>
-              <a:t>operacionais</a:t>
-            </a:r>
-            <a:r>
-              <a:rPr dirty="0"/>
-              <a:t>.</a:t>
-            </a:r>
-          </a:p>
-          <a:p>
-            <a:r>
-              <a:rPr dirty="0" err="1"/>
-              <a:t>Desafio</a:t>
-            </a:r>
-            <a:r>
-              <a:rPr dirty="0"/>
-              <a:t>: </a:t>
-            </a:r>
-            <a:r>
-              <a:rPr dirty="0" err="1"/>
-              <a:t>como</a:t>
-            </a:r>
-            <a:r>
-              <a:rPr dirty="0"/>
-              <a:t> </a:t>
-            </a:r>
-            <a:r>
-              <a:rPr dirty="0" err="1"/>
-              <a:t>manter</a:t>
-            </a:r>
-            <a:r>
-              <a:rPr dirty="0"/>
-              <a:t> um SGSI </a:t>
-            </a:r>
-            <a:r>
-              <a:rPr dirty="0" err="1"/>
-              <a:t>mínimo</a:t>
-            </a:r>
-            <a:r>
-              <a:rPr dirty="0"/>
-              <a:t> </a:t>
-            </a:r>
-            <a:r>
-              <a:rPr dirty="0" err="1"/>
-              <a:t>sem</a:t>
-            </a:r>
-            <a:r>
-              <a:rPr dirty="0"/>
-              <a:t> </a:t>
-            </a:r>
-            <a:r>
-              <a:rPr dirty="0" err="1"/>
-              <a:t>gastar</a:t>
-            </a:r>
-            <a:r>
-              <a:rPr dirty="0"/>
-              <a:t> </a:t>
-            </a:r>
-            <a:r>
-              <a:rPr dirty="0" err="1"/>
-              <a:t>muito</a:t>
-            </a:r>
-            <a:r>
-              <a:rPr dirty="0"/>
-              <a:t>? Quais </a:t>
-            </a:r>
-            <a:r>
-              <a:rPr dirty="0" err="1"/>
-              <a:t>controles</a:t>
-            </a:r>
-            <a:r>
-              <a:rPr dirty="0"/>
-              <a:t> </a:t>
-            </a:r>
-            <a:r>
-              <a:rPr dirty="0" err="1"/>
-              <a:t>administrativos</a:t>
-            </a:r>
-            <a:r>
-              <a:rPr dirty="0"/>
-              <a:t> </a:t>
-            </a:r>
-            <a:r>
-              <a:rPr dirty="0" err="1"/>
-              <a:t>ou</a:t>
-            </a:r>
-            <a:r>
-              <a:rPr dirty="0"/>
-              <a:t> </a:t>
-            </a:r>
-            <a:r>
-              <a:rPr dirty="0" err="1"/>
-              <a:t>organizacionais</a:t>
-            </a:r>
-            <a:r>
-              <a:rPr dirty="0"/>
-              <a:t> </a:t>
-            </a:r>
-            <a:r>
-              <a:rPr dirty="0" err="1"/>
-              <a:t>podem</a:t>
-            </a:r>
-            <a:r>
-              <a:rPr dirty="0"/>
-              <a:t> ser </a:t>
-            </a:r>
-            <a:r>
-              <a:rPr dirty="0" err="1"/>
-              <a:t>priorizados</a:t>
-            </a:r>
-            <a:r>
-              <a:rPr dirty="0"/>
-              <a:t>?</a:t>
             </a:r>
           </a:p>
         </p:txBody>
@@ -22342,22 +24431,219 @@
       </p:grpSpPr>
       <p:sp>
         <p:nvSpPr>
+          <p:cNvPr id="12" name="Rectangle: Rounded Corners 11">
+            <a:extLst>
+              <a:ext uri="{FF2B5EF4-FFF2-40B4-BE49-F238E27FC236}">
+                <a16:creationId xmlns:a16="http://schemas.microsoft.com/office/drawing/2014/main" id="{00BE69FA-149E-C412-5712-3EEF555C41B5}"/>
+              </a:ext>
+            </a:extLst>
+          </p:cNvPr>
+          <p:cNvSpPr/>
+          <p:nvPr/>
+        </p:nvSpPr>
+        <p:spPr>
+          <a:xfrm>
+            <a:off x="457200" y="92772"/>
+            <a:ext cx="3813048" cy="2926080"/>
+          </a:xfrm>
+          <a:prstGeom prst="roundRect">
+            <a:avLst>
+              <a:gd name="adj" fmla="val 8553"/>
+            </a:avLst>
+          </a:prstGeom>
+        </p:spPr>
+        <p:style>
+          <a:lnRef idx="1">
+            <a:schemeClr val="accent1"/>
+          </a:lnRef>
+          <a:fillRef idx="2">
+            <a:schemeClr val="accent1"/>
+          </a:fillRef>
+          <a:effectRef idx="1">
+            <a:schemeClr val="accent1"/>
+          </a:effectRef>
+          <a:fontRef idx="minor">
+            <a:schemeClr val="dk1"/>
+          </a:fontRef>
+        </p:style>
+        <p:txBody>
+          <a:bodyPr rtlCol="0" anchor="ctr"/>
+          <a:lstStyle/>
+          <a:p>
+            <a:pPr algn="ctr"/>
+            <a:endParaRPr lang="en-US"/>
+          </a:p>
+        </p:txBody>
+      </p:sp>
+      <p:sp>
+        <p:nvSpPr>
+          <p:cNvPr id="13" name="Rectangle: Rounded Corners 12">
+            <a:extLst>
+              <a:ext uri="{FF2B5EF4-FFF2-40B4-BE49-F238E27FC236}">
+                <a16:creationId xmlns:a16="http://schemas.microsoft.com/office/drawing/2014/main" id="{DFAEF97C-B2BE-3190-5C8F-6EB3F261672F}"/>
+              </a:ext>
+            </a:extLst>
+          </p:cNvPr>
+          <p:cNvSpPr/>
+          <p:nvPr/>
+        </p:nvSpPr>
+        <p:spPr>
+          <a:xfrm>
+            <a:off x="457200" y="3318191"/>
+            <a:ext cx="3813048" cy="2926080"/>
+          </a:xfrm>
+          <a:prstGeom prst="roundRect">
+            <a:avLst>
+              <a:gd name="adj" fmla="val 8553"/>
+            </a:avLst>
+          </a:prstGeom>
+        </p:spPr>
+        <p:style>
+          <a:lnRef idx="1">
+            <a:schemeClr val="accent1"/>
+          </a:lnRef>
+          <a:fillRef idx="2">
+            <a:schemeClr val="accent1"/>
+          </a:fillRef>
+          <a:effectRef idx="1">
+            <a:schemeClr val="accent1"/>
+          </a:effectRef>
+          <a:fontRef idx="minor">
+            <a:schemeClr val="dk1"/>
+          </a:fontRef>
+        </p:style>
+        <p:txBody>
+          <a:bodyPr rtlCol="0" anchor="ctr"/>
+          <a:lstStyle/>
+          <a:p>
+            <a:pPr algn="ctr"/>
+            <a:endParaRPr lang="en-US"/>
+          </a:p>
+        </p:txBody>
+      </p:sp>
+      <p:sp>
+        <p:nvSpPr>
+          <p:cNvPr id="14" name="Rectangle: Rounded Corners 13">
+            <a:extLst>
+              <a:ext uri="{FF2B5EF4-FFF2-40B4-BE49-F238E27FC236}">
+                <a16:creationId xmlns:a16="http://schemas.microsoft.com/office/drawing/2014/main" id="{F8EF25B8-7FE1-D4D0-5933-A6A02EFB5B0E}"/>
+              </a:ext>
+            </a:extLst>
+          </p:cNvPr>
+          <p:cNvSpPr/>
+          <p:nvPr/>
+        </p:nvSpPr>
+        <p:spPr>
+          <a:xfrm>
+            <a:off x="4654296" y="3318191"/>
+            <a:ext cx="3813048" cy="2926080"/>
+          </a:xfrm>
+          <a:prstGeom prst="roundRect">
+            <a:avLst>
+              <a:gd name="adj" fmla="val 8553"/>
+            </a:avLst>
+          </a:prstGeom>
+        </p:spPr>
+        <p:style>
+          <a:lnRef idx="1">
+            <a:schemeClr val="accent1"/>
+          </a:lnRef>
+          <a:fillRef idx="2">
+            <a:schemeClr val="accent1"/>
+          </a:fillRef>
+          <a:effectRef idx="1">
+            <a:schemeClr val="accent1"/>
+          </a:effectRef>
+          <a:fontRef idx="minor">
+            <a:schemeClr val="dk1"/>
+          </a:fontRef>
+        </p:style>
+        <p:txBody>
+          <a:bodyPr rtlCol="0" anchor="ctr"/>
+          <a:lstStyle/>
+          <a:p>
+            <a:pPr algn="ctr"/>
+            <a:endParaRPr lang="en-US"/>
+          </a:p>
+        </p:txBody>
+      </p:sp>
+      <p:sp>
+        <p:nvSpPr>
+          <p:cNvPr id="11" name="Rectangle: Rounded Corners 10">
+            <a:extLst>
+              <a:ext uri="{FF2B5EF4-FFF2-40B4-BE49-F238E27FC236}">
+                <a16:creationId xmlns:a16="http://schemas.microsoft.com/office/drawing/2014/main" id="{B6837595-984E-FFE0-C5B4-241C0FE5DFAB}"/>
+              </a:ext>
+            </a:extLst>
+          </p:cNvPr>
+          <p:cNvSpPr/>
+          <p:nvPr/>
+        </p:nvSpPr>
+        <p:spPr>
+          <a:xfrm>
+            <a:off x="4654296" y="95820"/>
+            <a:ext cx="3813048" cy="2926080"/>
+          </a:xfrm>
+          <a:prstGeom prst="roundRect">
+            <a:avLst>
+              <a:gd name="adj" fmla="val 8553"/>
+            </a:avLst>
+          </a:prstGeom>
+        </p:spPr>
+        <p:style>
+          <a:lnRef idx="1">
+            <a:schemeClr val="accent1"/>
+          </a:lnRef>
+          <a:fillRef idx="2">
+            <a:schemeClr val="accent1"/>
+          </a:fillRef>
+          <a:effectRef idx="1">
+            <a:schemeClr val="accent1"/>
+          </a:effectRef>
+          <a:fontRef idx="minor">
+            <a:schemeClr val="dk1"/>
+          </a:fontRef>
+        </p:style>
+        <p:txBody>
+          <a:bodyPr rtlCol="0" anchor="ctr"/>
+          <a:lstStyle/>
+          <a:p>
+            <a:pPr algn="ctr"/>
+            <a:endParaRPr lang="en-US"/>
+          </a:p>
+        </p:txBody>
+      </p:sp>
+      <p:sp>
+        <p:nvSpPr>
           <p:cNvPr id="2" name="Title 1"/>
           <p:cNvSpPr>
             <a:spLocks noGrp="1"/>
           </p:cNvSpPr>
           <p:nvPr>
-            <p:ph type="title"/>
+            <p:ph type="title" idx="4294967295"/>
           </p:nvPr>
         </p:nvSpPr>
-        <p:spPr/>
+        <p:spPr>
+          <a:xfrm>
+            <a:off x="457200" y="-80264"/>
+            <a:ext cx="3575304" cy="701675"/>
+          </a:xfrm>
+        </p:spPr>
         <p:txBody>
-          <a:bodyPr/>
+          <a:bodyPr>
+            <a:noAutofit/>
+          </a:bodyPr>
           <a:lstStyle/>
           <a:p>
             <a:r>
-              <a:t>Cenário B – Falta de pessoal treinado</a:t>
-            </a:r>
+              <a:rPr sz="2400" dirty="0"/>
+              <a:t>A – Pouco </a:t>
+            </a:r>
+            <a:r>
+              <a:rPr sz="2400" dirty="0" err="1"/>
+              <a:t>orçamento</a:t>
+            </a:r>
+            <a:endParaRPr sz="2400" dirty="0"/>
           </a:p>
         </p:txBody>
       </p:sp>
@@ -22368,12 +24654,19 @@
             <a:spLocks noGrp="1"/>
           </p:cNvSpPr>
           <p:nvPr>
-            <p:ph idx="1"/>
+            <p:ph idx="4294967295"/>
           </p:nvPr>
         </p:nvSpPr>
-        <p:spPr/>
+        <p:spPr>
+          <a:xfrm>
+            <a:off x="457200" y="613729"/>
+            <a:ext cx="3575304" cy="2584830"/>
+          </a:xfrm>
+        </p:spPr>
         <p:txBody>
-          <a:bodyPr/>
+          <a:bodyPr>
+            <a:normAutofit fontScale="85000" lnSpcReduction="10000"/>
+          </a:bodyPr>
           <a:lstStyle/>
           <a:p>
             <a:r>
@@ -22382,7 +24675,47 @@
             </a:r>
             <a:r>
               <a:rPr dirty="0" err="1"/>
-              <a:t>organização</a:t>
+              <a:t>empresa</a:t>
+            </a:r>
+            <a:r>
+              <a:rPr dirty="0"/>
+              <a:t> </a:t>
+            </a:r>
+            <a:r>
+              <a:rPr dirty="0" err="1"/>
+              <a:t>está</a:t>
+            </a:r>
+            <a:r>
+              <a:rPr dirty="0"/>
+              <a:t> </a:t>
+            </a:r>
+            <a:r>
+              <a:rPr dirty="0" err="1"/>
+              <a:t>em</a:t>
+            </a:r>
+            <a:r>
+              <a:rPr dirty="0"/>
+              <a:t> </a:t>
+            </a:r>
+            <a:r>
+              <a:rPr dirty="0" err="1"/>
+              <a:t>fase</a:t>
+            </a:r>
+            <a:r>
+              <a:rPr dirty="0"/>
+              <a:t> </a:t>
+            </a:r>
+            <a:r>
+              <a:rPr dirty="0" err="1"/>
+              <a:t>inicial</a:t>
+            </a:r>
+            <a:r>
+              <a:rPr dirty="0"/>
+              <a:t> e </a:t>
+            </a:r>
+            <a:r>
+              <a:rPr dirty="0" err="1"/>
+              <a:t>não</a:t>
             </a:r>
             <a:r>
               <a:rPr dirty="0"/>
@@ -22394,67 +24727,35 @@
             </a:r>
             <a:r>
               <a:rPr dirty="0"/>
-              <a:t> </a:t>
-            </a:r>
-            <a:r>
-              <a:rPr dirty="0" err="1"/>
-              <a:t>infraestrutura</a:t>
-            </a:r>
-            <a:r>
-              <a:rPr dirty="0"/>
-              <a:t> </a:t>
-            </a:r>
-            <a:r>
-              <a:rPr dirty="0" err="1"/>
-              <a:t>razoável</a:t>
-            </a:r>
-            <a:r>
-              <a:rPr dirty="0"/>
-              <a:t>, mas a equipe </a:t>
-            </a:r>
-            <a:r>
-              <a:rPr dirty="0" err="1"/>
-              <a:t>não</a:t>
-            </a:r>
-            <a:r>
-              <a:rPr dirty="0"/>
-              <a:t> </a:t>
-            </a:r>
-            <a:r>
-              <a:rPr dirty="0" err="1"/>
-              <a:t>tem</a:t>
-            </a:r>
-            <a:r>
-              <a:rPr dirty="0"/>
-              <a:t> </a:t>
-            </a:r>
-            <a:r>
-              <a:rPr dirty="0" err="1"/>
-              <a:t>experiência</a:t>
-            </a:r>
-            <a:r>
-              <a:rPr dirty="0"/>
-              <a:t> </a:t>
-            </a:r>
-            <a:r>
-              <a:rPr dirty="0" err="1"/>
-              <a:t>em</a:t>
-            </a:r>
-            <a:r>
-              <a:rPr dirty="0"/>
-              <a:t> </a:t>
-            </a:r>
-            <a:r>
-              <a:rPr dirty="0" err="1"/>
-              <a:t>segurança</a:t>
-            </a:r>
-            <a:r>
-              <a:rPr dirty="0"/>
-              <a:t> da </a:t>
-            </a:r>
-            <a:r>
-              <a:rPr dirty="0" err="1"/>
-              <a:t>informação</a:t>
+              <a:t> verba </a:t>
+            </a:r>
+            <a:r>
+              <a:rPr dirty="0" err="1"/>
+              <a:t>suficiente</a:t>
+            </a:r>
+            <a:r>
+              <a:rPr dirty="0"/>
+              <a:t> para </a:t>
+            </a:r>
+            <a:r>
+              <a:rPr dirty="0" err="1"/>
+              <a:t>adquirir</a:t>
+            </a:r>
+            <a:r>
+              <a:rPr dirty="0"/>
+              <a:t> </a:t>
+            </a:r>
+            <a:r>
+              <a:rPr dirty="0" err="1"/>
+              <a:t>novas</a:t>
+            </a:r>
+            <a:r>
+              <a:rPr dirty="0"/>
+              <a:t> ferramentas </a:t>
+            </a:r>
+            <a:r>
+              <a:rPr dirty="0" err="1"/>
+              <a:t>tecnológicas</a:t>
             </a:r>
             <a:r>
               <a:rPr dirty="0"/>
@@ -22462,79 +24763,71 @@
             </a:r>
             <a:r>
               <a:rPr dirty="0" err="1"/>
-              <a:t>Há</a:t>
-            </a:r>
-            <a:r>
-              <a:rPr dirty="0"/>
-              <a:t> </a:t>
-            </a:r>
-            <a:r>
-              <a:rPr dirty="0" err="1"/>
-              <a:t>poucos</a:t>
-            </a:r>
-            <a:r>
-              <a:rPr dirty="0"/>
-              <a:t> </a:t>
-            </a:r>
-            <a:r>
-              <a:rPr dirty="0" err="1"/>
-              <a:t>profissionais</a:t>
-            </a:r>
-            <a:r>
-              <a:rPr dirty="0"/>
-              <a:t> </a:t>
-            </a:r>
-            <a:r>
-              <a:rPr dirty="0" err="1"/>
-              <a:t>capacitados</a:t>
-            </a:r>
-            <a:r>
-              <a:rPr dirty="0"/>
-              <a:t> e </a:t>
-            </a:r>
-            <a:r>
-              <a:rPr dirty="0" err="1"/>
-              <a:t>não</a:t>
-            </a:r>
-            <a:r>
-              <a:rPr dirty="0"/>
-              <a:t> </a:t>
-            </a:r>
-            <a:r>
-              <a:rPr dirty="0" err="1"/>
-              <a:t>há</a:t>
-            </a:r>
-            <a:r>
-              <a:rPr dirty="0"/>
-              <a:t> </a:t>
-            </a:r>
-            <a:r>
-              <a:rPr dirty="0" err="1"/>
-              <a:t>programas</a:t>
-            </a:r>
-            <a:r>
-              <a:rPr dirty="0"/>
-              <a:t> de </a:t>
-            </a:r>
-            <a:r>
-              <a:rPr dirty="0" err="1"/>
-              <a:t>treinamento</a:t>
-            </a:r>
-            <a:r>
-              <a:rPr dirty="0"/>
-              <a:t> </a:t>
-            </a:r>
-            <a:r>
-              <a:rPr dirty="0" err="1"/>
-              <a:t>em</a:t>
-            </a:r>
-            <a:r>
-              <a:rPr dirty="0"/>
-              <a:t> </a:t>
-            </a:r>
-            <a:r>
-              <a:rPr dirty="0" err="1"/>
-              <a:t>andamento</a:t>
+              <a:t>Quase</a:t>
+            </a:r>
+            <a:r>
+              <a:rPr dirty="0"/>
+              <a:t> </a:t>
+            </a:r>
+            <a:r>
+              <a:rPr dirty="0" err="1"/>
+              <a:t>todo</a:t>
+            </a:r>
+            <a:r>
+              <a:rPr dirty="0"/>
+              <a:t> o </a:t>
+            </a:r>
+            <a:r>
+              <a:rPr dirty="0" err="1"/>
+              <a:t>orçamento</a:t>
+            </a:r>
+            <a:r>
+              <a:rPr dirty="0"/>
+              <a:t> </a:t>
+            </a:r>
+            <a:r>
+              <a:rPr dirty="0" err="1"/>
+              <a:t>disponível</a:t>
+            </a:r>
+            <a:r>
+              <a:rPr dirty="0"/>
+              <a:t> </a:t>
+            </a:r>
+            <a:r>
+              <a:rPr dirty="0" err="1"/>
+              <a:t>já</a:t>
+            </a:r>
+            <a:r>
+              <a:rPr dirty="0"/>
+              <a:t> </a:t>
+            </a:r>
+            <a:r>
+              <a:rPr dirty="0" err="1"/>
+              <a:t>está</a:t>
+            </a:r>
+            <a:r>
+              <a:rPr dirty="0"/>
+              <a:t> </a:t>
+            </a:r>
+            <a:r>
+              <a:rPr dirty="0" err="1"/>
+              <a:t>comprometido</a:t>
+            </a:r>
+            <a:r>
+              <a:rPr dirty="0"/>
+              <a:t> com </a:t>
+            </a:r>
+            <a:r>
+              <a:rPr dirty="0" err="1"/>
+              <a:t>despesas</a:t>
+            </a:r>
+            <a:r>
+              <a:rPr dirty="0"/>
+              <a:t> </a:t>
+            </a:r>
+            <a:r>
+              <a:rPr dirty="0" err="1"/>
+              <a:t>operacionais</a:t>
             </a:r>
             <a:r>
               <a:rPr dirty="0"/>
@@ -22560,59 +24853,1165 @@
             </a:r>
             <a:r>
               <a:rPr dirty="0" err="1"/>
-              <a:t>reduzir</a:t>
-            </a:r>
-            <a:r>
-              <a:rPr dirty="0"/>
-              <a:t> </a:t>
-            </a:r>
-            <a:r>
-              <a:rPr dirty="0" err="1"/>
-              <a:t>riscos</a:t>
-            </a:r>
-            <a:r>
-              <a:rPr dirty="0"/>
-              <a:t> com </a:t>
-            </a:r>
-            <a:r>
-              <a:rPr dirty="0" err="1"/>
-              <a:t>uma</a:t>
-            </a:r>
-            <a:r>
-              <a:rPr dirty="0"/>
-              <a:t> equipe que </a:t>
-            </a:r>
-            <a:r>
-              <a:rPr dirty="0" err="1"/>
-              <a:t>não</a:t>
-            </a:r>
-            <a:r>
-              <a:rPr dirty="0"/>
-              <a:t> </a:t>
-            </a:r>
-            <a:r>
-              <a:rPr dirty="0" err="1"/>
-              <a:t>domina</a:t>
-            </a:r>
-            <a:r>
-              <a:rPr dirty="0"/>
-              <a:t> boas </a:t>
-            </a:r>
-            <a:r>
-              <a:rPr dirty="0" err="1"/>
-              <a:t>práticas</a:t>
-            </a:r>
-            <a:r>
-              <a:rPr dirty="0"/>
+              <a:t>manter</a:t>
+            </a:r>
+            <a:r>
+              <a:rPr dirty="0"/>
+              <a:t> um SGSI </a:t>
+            </a:r>
+            <a:r>
+              <a:rPr dirty="0" err="1"/>
+              <a:t>mínimo</a:t>
+            </a:r>
+            <a:r>
+              <a:rPr dirty="0"/>
+              <a:t> </a:t>
+            </a:r>
+            <a:r>
+              <a:rPr dirty="0" err="1"/>
+              <a:t>sem</a:t>
+            </a:r>
+            <a:r>
+              <a:rPr dirty="0"/>
+              <a:t> </a:t>
+            </a:r>
+            <a:r>
+              <a:rPr dirty="0" err="1"/>
+              <a:t>gastar</a:t>
+            </a:r>
+            <a:r>
+              <a:rPr dirty="0"/>
+              <a:t> </a:t>
+            </a:r>
+            <a:r>
+              <a:rPr dirty="0" err="1"/>
+              <a:t>muito</a:t>
+            </a:r>
+            <a:r>
+              <a:rPr dirty="0"/>
+              <a:t>? Quais </a:t>
+            </a:r>
+            <a:r>
+              <a:rPr dirty="0" err="1"/>
+              <a:t>controles</a:t>
+            </a:r>
+            <a:r>
+              <a:rPr dirty="0"/>
+              <a:t> </a:t>
+            </a:r>
+            <a:r>
+              <a:rPr dirty="0" err="1"/>
+              <a:t>administrativos</a:t>
+            </a:r>
+            <a:r>
+              <a:rPr dirty="0"/>
+              <a:t> </a:t>
+            </a:r>
+            <a:r>
+              <a:rPr dirty="0" err="1"/>
+              <a:t>ou</a:t>
+            </a:r>
+            <a:r>
+              <a:rPr dirty="0"/>
+              <a:t> </a:t>
+            </a:r>
+            <a:r>
+              <a:rPr dirty="0" err="1"/>
+              <a:t>organizacionais</a:t>
+            </a:r>
+            <a:r>
+              <a:rPr dirty="0"/>
+              <a:t> </a:t>
+            </a:r>
+            <a:r>
+              <a:rPr dirty="0" err="1"/>
+              <a:t>podem</a:t>
+            </a:r>
+            <a:r>
+              <a:rPr dirty="0"/>
+              <a:t> ser </a:t>
+            </a:r>
+            <a:r>
+              <a:rPr dirty="0" err="1"/>
+              <a:t>priorizados</a:t>
+            </a:r>
+            <a:r>
+              <a:rPr dirty="0"/>
+              <a:t>?</a:t>
+            </a:r>
+          </a:p>
+        </p:txBody>
+      </p:sp>
+      <p:sp>
+        <p:nvSpPr>
+          <p:cNvPr id="4" name="Title 1">
+            <a:extLst>
+              <a:ext uri="{FF2B5EF4-FFF2-40B4-BE49-F238E27FC236}">
+                <a16:creationId xmlns:a16="http://schemas.microsoft.com/office/drawing/2014/main" id="{F5EAB9D4-6F1B-4B1A-9702-E2A2129B535A}"/>
+              </a:ext>
+            </a:extLst>
+          </p:cNvPr>
+          <p:cNvSpPr txBox="1">
+            <a:spLocks/>
+          </p:cNvSpPr>
+          <p:nvPr/>
+        </p:nvSpPr>
+        <p:spPr>
+          <a:xfrm>
+            <a:off x="4724400" y="-110619"/>
+            <a:ext cx="3575304" cy="701675"/>
+          </a:xfrm>
+          <a:prstGeom prst="rect">
+            <a:avLst/>
+          </a:prstGeom>
+        </p:spPr>
+        <p:txBody>
+          <a:bodyPr vert="horz" lIns="91440" tIns="45720" rIns="91440" bIns="45720" rtlCol="0" anchor="b">
+            <a:noAutofit/>
+          </a:bodyPr>
+          <a:lstStyle>
+            <a:lvl1pPr algn="l" defTabSz="914400" rtl="0" eaLnBrk="1" latinLnBrk="0" hangingPunct="1">
+              <a:lnSpc>
+                <a:spcPct val="85000"/>
+              </a:lnSpc>
+              <a:spcBef>
+                <a:spcPct val="0"/>
+              </a:spcBef>
+              <a:buNone/>
+              <a:defRPr sz="4800" kern="1200" spc="-50" baseline="0">
+                <a:solidFill>
+                  <a:schemeClr val="tx1">
+                    <a:lumMod val="75000"/>
+                    <a:lumOff val="25000"/>
+                  </a:schemeClr>
+                </a:solidFill>
+                <a:latin typeface="+mj-lt"/>
+                <a:ea typeface="+mj-ea"/>
+                <a:cs typeface="+mj-cs"/>
+              </a:defRPr>
+            </a:lvl1pPr>
+          </a:lstStyle>
+          <a:p>
+            <a:r>
+              <a:rPr lang="en-US" sz="2400" dirty="0"/>
+              <a:t>B – Falta de </a:t>
+            </a:r>
+            <a:r>
+              <a:rPr lang="en-US" sz="2400" dirty="0" err="1"/>
+              <a:t>pessoal</a:t>
+            </a:r>
+            <a:r>
+              <a:rPr lang="en-US" sz="2400" dirty="0"/>
+              <a:t> </a:t>
+            </a:r>
+            <a:r>
+              <a:rPr lang="en-US" sz="2400" dirty="0" err="1"/>
+              <a:t>treinado</a:t>
+            </a:r>
+            <a:endParaRPr lang="en-US" sz="2400" dirty="0"/>
+          </a:p>
+        </p:txBody>
+      </p:sp>
+      <p:sp>
+        <p:nvSpPr>
+          <p:cNvPr id="5" name="Content Placeholder 2">
+            <a:extLst>
+              <a:ext uri="{FF2B5EF4-FFF2-40B4-BE49-F238E27FC236}">
+                <a16:creationId xmlns:a16="http://schemas.microsoft.com/office/drawing/2014/main" id="{D72CF2D5-E3CF-6654-3D0B-1279CB97B74E}"/>
+              </a:ext>
+            </a:extLst>
+          </p:cNvPr>
+          <p:cNvSpPr txBox="1">
+            <a:spLocks/>
+          </p:cNvSpPr>
+          <p:nvPr/>
+        </p:nvSpPr>
+        <p:spPr>
+          <a:xfrm>
+            <a:off x="4724400" y="583374"/>
+            <a:ext cx="3575304" cy="2584830"/>
+          </a:xfrm>
+          <a:prstGeom prst="rect">
+            <a:avLst/>
+          </a:prstGeom>
+        </p:spPr>
+        <p:txBody>
+          <a:bodyPr vert="horz" lIns="0" tIns="45720" rIns="0" bIns="45720" rtlCol="0">
+            <a:normAutofit fontScale="92500" lnSpcReduction="20000"/>
+          </a:bodyPr>
+          <a:lstStyle>
+            <a:lvl1pPr marL="91440" indent="-91440" algn="l" defTabSz="914400" rtl="0" eaLnBrk="1" latinLnBrk="0" hangingPunct="1">
+              <a:lnSpc>
+                <a:spcPct val="90000"/>
+              </a:lnSpc>
+              <a:spcBef>
+                <a:spcPts val="1200"/>
+              </a:spcBef>
+              <a:spcAft>
+                <a:spcPts val="200"/>
+              </a:spcAft>
+              <a:buClr>
+                <a:schemeClr val="accent1"/>
+              </a:buClr>
+              <a:buSzPct val="100000"/>
+              <a:buFont typeface="Calibri" panose="020F0502020204030204" pitchFamily="34" charset="0"/>
+              <a:buChar char=" "/>
+              <a:defRPr sz="2000" kern="1200">
+                <a:solidFill>
+                  <a:schemeClr val="tx1">
+                    <a:lumMod val="75000"/>
+                    <a:lumOff val="25000"/>
+                  </a:schemeClr>
+                </a:solidFill>
+                <a:latin typeface="+mn-lt"/>
+                <a:ea typeface="+mn-ea"/>
+                <a:cs typeface="+mn-cs"/>
+              </a:defRPr>
+            </a:lvl1pPr>
+            <a:lvl2pPr marL="384048" indent="-182880" algn="l" defTabSz="914400" rtl="0" eaLnBrk="1" latinLnBrk="0" hangingPunct="1">
+              <a:lnSpc>
+                <a:spcPct val="90000"/>
+              </a:lnSpc>
+              <a:spcBef>
+                <a:spcPts val="200"/>
+              </a:spcBef>
+              <a:spcAft>
+                <a:spcPts val="400"/>
+              </a:spcAft>
+              <a:buClr>
+                <a:schemeClr val="accent1"/>
+              </a:buClr>
+              <a:buFont typeface="Calibri" pitchFamily="34" charset="0"/>
+              <a:buChar char="◦"/>
+              <a:defRPr sz="1800" kern="1200">
+                <a:solidFill>
+                  <a:schemeClr val="tx1">
+                    <a:lumMod val="75000"/>
+                    <a:lumOff val="25000"/>
+                  </a:schemeClr>
+                </a:solidFill>
+                <a:latin typeface="+mn-lt"/>
+                <a:ea typeface="+mn-ea"/>
+                <a:cs typeface="+mn-cs"/>
+              </a:defRPr>
+            </a:lvl2pPr>
+            <a:lvl3pPr marL="566928" indent="-182880" algn="l" defTabSz="914400" rtl="0" eaLnBrk="1" latinLnBrk="0" hangingPunct="1">
+              <a:lnSpc>
+                <a:spcPct val="90000"/>
+              </a:lnSpc>
+              <a:spcBef>
+                <a:spcPts val="200"/>
+              </a:spcBef>
+              <a:spcAft>
+                <a:spcPts val="400"/>
+              </a:spcAft>
+              <a:buClr>
+                <a:schemeClr val="accent1"/>
+              </a:buClr>
+              <a:buFont typeface="Calibri" pitchFamily="34" charset="0"/>
+              <a:buChar char="◦"/>
+              <a:defRPr sz="1400" kern="1200">
+                <a:solidFill>
+                  <a:schemeClr val="tx1">
+                    <a:lumMod val="75000"/>
+                    <a:lumOff val="25000"/>
+                  </a:schemeClr>
+                </a:solidFill>
+                <a:latin typeface="+mn-lt"/>
+                <a:ea typeface="+mn-ea"/>
+                <a:cs typeface="+mn-cs"/>
+              </a:defRPr>
+            </a:lvl3pPr>
+            <a:lvl4pPr marL="749808" indent="-182880" algn="l" defTabSz="914400" rtl="0" eaLnBrk="1" latinLnBrk="0" hangingPunct="1">
+              <a:lnSpc>
+                <a:spcPct val="90000"/>
+              </a:lnSpc>
+              <a:spcBef>
+                <a:spcPts val="200"/>
+              </a:spcBef>
+              <a:spcAft>
+                <a:spcPts val="400"/>
+              </a:spcAft>
+              <a:buClr>
+                <a:schemeClr val="accent1"/>
+              </a:buClr>
+              <a:buFont typeface="Calibri" pitchFamily="34" charset="0"/>
+              <a:buChar char="◦"/>
+              <a:defRPr sz="1400" kern="1200">
+                <a:solidFill>
+                  <a:schemeClr val="tx1">
+                    <a:lumMod val="75000"/>
+                    <a:lumOff val="25000"/>
+                  </a:schemeClr>
+                </a:solidFill>
+                <a:latin typeface="+mn-lt"/>
+                <a:ea typeface="+mn-ea"/>
+                <a:cs typeface="+mn-cs"/>
+              </a:defRPr>
+            </a:lvl4pPr>
+            <a:lvl5pPr marL="932688" indent="-182880" algn="l" defTabSz="914400" rtl="0" eaLnBrk="1" latinLnBrk="0" hangingPunct="1">
+              <a:lnSpc>
+                <a:spcPct val="90000"/>
+              </a:lnSpc>
+              <a:spcBef>
+                <a:spcPts val="200"/>
+              </a:spcBef>
+              <a:spcAft>
+                <a:spcPts val="400"/>
+              </a:spcAft>
+              <a:buClr>
+                <a:schemeClr val="accent1"/>
+              </a:buClr>
+              <a:buFont typeface="Calibri" pitchFamily="34" charset="0"/>
+              <a:buChar char="◦"/>
+              <a:defRPr sz="1400" kern="1200">
+                <a:solidFill>
+                  <a:schemeClr val="tx1">
+                    <a:lumMod val="75000"/>
+                    <a:lumOff val="25000"/>
+                  </a:schemeClr>
+                </a:solidFill>
+                <a:latin typeface="+mn-lt"/>
+                <a:ea typeface="+mn-ea"/>
+                <a:cs typeface="+mn-cs"/>
+              </a:defRPr>
+            </a:lvl5pPr>
+            <a:lvl6pPr marL="1100000" indent="-228600" algn="l" defTabSz="914400" rtl="0" eaLnBrk="1" latinLnBrk="0" hangingPunct="1">
+              <a:lnSpc>
+                <a:spcPct val="90000"/>
+              </a:lnSpc>
+              <a:spcBef>
+                <a:spcPts val="200"/>
+              </a:spcBef>
+              <a:spcAft>
+                <a:spcPts val="400"/>
+              </a:spcAft>
+              <a:buClr>
+                <a:schemeClr val="accent1"/>
+              </a:buClr>
+              <a:buFont typeface="Calibri" pitchFamily="34" charset="0"/>
+              <a:buChar char="◦"/>
+              <a:defRPr sz="1400" kern="1200">
+                <a:solidFill>
+                  <a:schemeClr val="tx1">
+                    <a:lumMod val="75000"/>
+                    <a:lumOff val="25000"/>
+                  </a:schemeClr>
+                </a:solidFill>
+                <a:latin typeface="+mn-lt"/>
+                <a:ea typeface="+mn-ea"/>
+                <a:cs typeface="+mn-cs"/>
+              </a:defRPr>
+            </a:lvl6pPr>
+            <a:lvl7pPr marL="1300000" indent="-228600" algn="l" defTabSz="914400" rtl="0" eaLnBrk="1" latinLnBrk="0" hangingPunct="1">
+              <a:lnSpc>
+                <a:spcPct val="90000"/>
+              </a:lnSpc>
+              <a:spcBef>
+                <a:spcPts val="200"/>
+              </a:spcBef>
+              <a:spcAft>
+                <a:spcPts val="400"/>
+              </a:spcAft>
+              <a:buClr>
+                <a:schemeClr val="accent1"/>
+              </a:buClr>
+              <a:buFont typeface="Calibri" pitchFamily="34" charset="0"/>
+              <a:buChar char="◦"/>
+              <a:defRPr sz="1400" kern="1200">
+                <a:solidFill>
+                  <a:schemeClr val="tx1">
+                    <a:lumMod val="75000"/>
+                    <a:lumOff val="25000"/>
+                  </a:schemeClr>
+                </a:solidFill>
+                <a:latin typeface="+mn-lt"/>
+                <a:ea typeface="+mn-ea"/>
+                <a:cs typeface="+mn-cs"/>
+              </a:defRPr>
+            </a:lvl7pPr>
+            <a:lvl8pPr marL="1500000" indent="-228600" algn="l" defTabSz="914400" rtl="0" eaLnBrk="1" latinLnBrk="0" hangingPunct="1">
+              <a:lnSpc>
+                <a:spcPct val="90000"/>
+              </a:lnSpc>
+              <a:spcBef>
+                <a:spcPts val="200"/>
+              </a:spcBef>
+              <a:spcAft>
+                <a:spcPts val="400"/>
+              </a:spcAft>
+              <a:buClr>
+                <a:schemeClr val="accent1"/>
+              </a:buClr>
+              <a:buFont typeface="Calibri" pitchFamily="34" charset="0"/>
+              <a:buChar char="◦"/>
+              <a:defRPr sz="1400" kern="1200">
+                <a:solidFill>
+                  <a:schemeClr val="tx1">
+                    <a:lumMod val="75000"/>
+                    <a:lumOff val="25000"/>
+                  </a:schemeClr>
+                </a:solidFill>
+                <a:latin typeface="+mn-lt"/>
+                <a:ea typeface="+mn-ea"/>
+                <a:cs typeface="+mn-cs"/>
+              </a:defRPr>
+            </a:lvl8pPr>
+            <a:lvl9pPr marL="1700000" indent="-228600" algn="l" defTabSz="914400" rtl="0" eaLnBrk="1" latinLnBrk="0" hangingPunct="1">
+              <a:lnSpc>
+                <a:spcPct val="90000"/>
+              </a:lnSpc>
+              <a:spcBef>
+                <a:spcPts val="200"/>
+              </a:spcBef>
+              <a:spcAft>
+                <a:spcPts val="400"/>
+              </a:spcAft>
+              <a:buClr>
+                <a:schemeClr val="accent1"/>
+              </a:buClr>
+              <a:buFont typeface="Calibri" pitchFamily="34" charset="0"/>
+              <a:buChar char="◦"/>
+              <a:defRPr sz="1400" kern="1200">
+                <a:solidFill>
+                  <a:schemeClr val="tx1">
+                    <a:lumMod val="75000"/>
+                    <a:lumOff val="25000"/>
+                  </a:schemeClr>
+                </a:solidFill>
+                <a:latin typeface="+mn-lt"/>
+                <a:ea typeface="+mn-ea"/>
+                <a:cs typeface="+mn-cs"/>
+              </a:defRPr>
+            </a:lvl9pPr>
+          </a:lstStyle>
+          <a:p>
+            <a:r>
+              <a:rPr lang="pt-BR" dirty="0"/>
+              <a:t>A organização possui infraestrutura razoável, mas a equipe não tem experiência em segurança da informação. Há poucos profissionais capacitados e não há programas de treinamento em andamento.</a:t>
+            </a:r>
+          </a:p>
+          <a:p>
+            <a:r>
+              <a:rPr lang="pt-BR" dirty="0"/>
+              <a:t>Desafio: como reduzir riscos com uma equipe que não domina boas práticas de segurança?</a:t>
+            </a:r>
+          </a:p>
+        </p:txBody>
+      </p:sp>
+      <p:sp>
+        <p:nvSpPr>
+          <p:cNvPr id="6" name="Title 1">
+            <a:extLst>
+              <a:ext uri="{FF2B5EF4-FFF2-40B4-BE49-F238E27FC236}">
+                <a16:creationId xmlns:a16="http://schemas.microsoft.com/office/drawing/2014/main" id="{6B6BA177-CBBE-E0B1-DC72-3D3CA5571B32}"/>
+              </a:ext>
+            </a:extLst>
+          </p:cNvPr>
+          <p:cNvSpPr txBox="1">
+            <a:spLocks/>
+          </p:cNvSpPr>
+          <p:nvPr/>
+        </p:nvSpPr>
+        <p:spPr>
+          <a:xfrm>
+            <a:off x="457200" y="3047619"/>
+            <a:ext cx="3575304" cy="701675"/>
+          </a:xfrm>
+          <a:prstGeom prst="rect">
+            <a:avLst/>
+          </a:prstGeom>
+        </p:spPr>
+        <p:txBody>
+          <a:bodyPr vert="horz" lIns="91440" tIns="45720" rIns="91440" bIns="45720" rtlCol="0" anchor="b">
+            <a:noAutofit/>
+          </a:bodyPr>
+          <a:lstStyle>
+            <a:lvl1pPr algn="l" defTabSz="914400" rtl="0" eaLnBrk="1" latinLnBrk="0" hangingPunct="1">
+              <a:lnSpc>
+                <a:spcPct val="85000"/>
+              </a:lnSpc>
+              <a:spcBef>
+                <a:spcPct val="0"/>
+              </a:spcBef>
+              <a:buNone/>
+              <a:defRPr sz="4800" kern="1200" spc="-50" baseline="0">
+                <a:solidFill>
+                  <a:schemeClr val="tx1">
+                    <a:lumMod val="75000"/>
+                    <a:lumOff val="25000"/>
+                  </a:schemeClr>
+                </a:solidFill>
+                <a:latin typeface="+mj-lt"/>
+                <a:ea typeface="+mj-ea"/>
+                <a:cs typeface="+mj-cs"/>
+              </a:defRPr>
+            </a:lvl1pPr>
+          </a:lstStyle>
+          <a:p>
+            <a:r>
+              <a:rPr lang="en-US" sz="2400" dirty="0"/>
+              <a:t>C – </a:t>
+            </a:r>
+            <a:r>
+              <a:rPr lang="en-US" sz="2400" dirty="0" err="1"/>
+              <a:t>Infraestrutura</a:t>
+            </a:r>
+            <a:r>
+              <a:rPr lang="en-US" sz="2400" dirty="0"/>
+              <a:t> </a:t>
+            </a:r>
+            <a:r>
+              <a:rPr lang="en-US" sz="2400" dirty="0" err="1"/>
+              <a:t>defasada</a:t>
+            </a:r>
+            <a:endParaRPr lang="en-US" sz="2400" dirty="0"/>
+          </a:p>
+        </p:txBody>
+      </p:sp>
+      <p:sp>
+        <p:nvSpPr>
+          <p:cNvPr id="7" name="Content Placeholder 2">
+            <a:extLst>
+              <a:ext uri="{FF2B5EF4-FFF2-40B4-BE49-F238E27FC236}">
+                <a16:creationId xmlns:a16="http://schemas.microsoft.com/office/drawing/2014/main" id="{9F89B0BC-5844-92B6-14CE-5DBB4C946647}"/>
+              </a:ext>
+            </a:extLst>
+          </p:cNvPr>
+          <p:cNvSpPr txBox="1">
+            <a:spLocks/>
+          </p:cNvSpPr>
+          <p:nvPr/>
+        </p:nvSpPr>
+        <p:spPr>
+          <a:xfrm>
+            <a:off x="457200" y="3741612"/>
+            <a:ext cx="3575304" cy="2584830"/>
+          </a:xfrm>
+          <a:prstGeom prst="rect">
+            <a:avLst/>
+          </a:prstGeom>
+        </p:spPr>
+        <p:txBody>
+          <a:bodyPr vert="horz" lIns="0" tIns="45720" rIns="0" bIns="45720" rtlCol="0">
+            <a:normAutofit fontScale="92500" lnSpcReduction="20000"/>
+          </a:bodyPr>
+          <a:lstStyle>
+            <a:lvl1pPr marL="91440" indent="-91440" algn="l" defTabSz="914400" rtl="0" eaLnBrk="1" latinLnBrk="0" hangingPunct="1">
+              <a:lnSpc>
+                <a:spcPct val="90000"/>
+              </a:lnSpc>
+              <a:spcBef>
+                <a:spcPts val="1200"/>
+              </a:spcBef>
+              <a:spcAft>
+                <a:spcPts val="200"/>
+              </a:spcAft>
+              <a:buClr>
+                <a:schemeClr val="accent1"/>
+              </a:buClr>
+              <a:buSzPct val="100000"/>
+              <a:buFont typeface="Calibri" panose="020F0502020204030204" pitchFamily="34" charset="0"/>
+              <a:buChar char=" "/>
+              <a:defRPr sz="2000" kern="1200">
+                <a:solidFill>
+                  <a:schemeClr val="tx1">
+                    <a:lumMod val="75000"/>
+                    <a:lumOff val="25000"/>
+                  </a:schemeClr>
+                </a:solidFill>
+                <a:latin typeface="+mn-lt"/>
+                <a:ea typeface="+mn-ea"/>
+                <a:cs typeface="+mn-cs"/>
+              </a:defRPr>
+            </a:lvl1pPr>
+            <a:lvl2pPr marL="384048" indent="-182880" algn="l" defTabSz="914400" rtl="0" eaLnBrk="1" latinLnBrk="0" hangingPunct="1">
+              <a:lnSpc>
+                <a:spcPct val="90000"/>
+              </a:lnSpc>
+              <a:spcBef>
+                <a:spcPts val="200"/>
+              </a:spcBef>
+              <a:spcAft>
+                <a:spcPts val="400"/>
+              </a:spcAft>
+              <a:buClr>
+                <a:schemeClr val="accent1"/>
+              </a:buClr>
+              <a:buFont typeface="Calibri" pitchFamily="34" charset="0"/>
+              <a:buChar char="◦"/>
+              <a:defRPr sz="1800" kern="1200">
+                <a:solidFill>
+                  <a:schemeClr val="tx1">
+                    <a:lumMod val="75000"/>
+                    <a:lumOff val="25000"/>
+                  </a:schemeClr>
+                </a:solidFill>
+                <a:latin typeface="+mn-lt"/>
+                <a:ea typeface="+mn-ea"/>
+                <a:cs typeface="+mn-cs"/>
+              </a:defRPr>
+            </a:lvl2pPr>
+            <a:lvl3pPr marL="566928" indent="-182880" algn="l" defTabSz="914400" rtl="0" eaLnBrk="1" latinLnBrk="0" hangingPunct="1">
+              <a:lnSpc>
+                <a:spcPct val="90000"/>
+              </a:lnSpc>
+              <a:spcBef>
+                <a:spcPts val="200"/>
+              </a:spcBef>
+              <a:spcAft>
+                <a:spcPts val="400"/>
+              </a:spcAft>
+              <a:buClr>
+                <a:schemeClr val="accent1"/>
+              </a:buClr>
+              <a:buFont typeface="Calibri" pitchFamily="34" charset="0"/>
+              <a:buChar char="◦"/>
+              <a:defRPr sz="1400" kern="1200">
+                <a:solidFill>
+                  <a:schemeClr val="tx1">
+                    <a:lumMod val="75000"/>
+                    <a:lumOff val="25000"/>
+                  </a:schemeClr>
+                </a:solidFill>
+                <a:latin typeface="+mn-lt"/>
+                <a:ea typeface="+mn-ea"/>
+                <a:cs typeface="+mn-cs"/>
+              </a:defRPr>
+            </a:lvl3pPr>
+            <a:lvl4pPr marL="749808" indent="-182880" algn="l" defTabSz="914400" rtl="0" eaLnBrk="1" latinLnBrk="0" hangingPunct="1">
+              <a:lnSpc>
+                <a:spcPct val="90000"/>
+              </a:lnSpc>
+              <a:spcBef>
+                <a:spcPts val="200"/>
+              </a:spcBef>
+              <a:spcAft>
+                <a:spcPts val="400"/>
+              </a:spcAft>
+              <a:buClr>
+                <a:schemeClr val="accent1"/>
+              </a:buClr>
+              <a:buFont typeface="Calibri" pitchFamily="34" charset="0"/>
+              <a:buChar char="◦"/>
+              <a:defRPr sz="1400" kern="1200">
+                <a:solidFill>
+                  <a:schemeClr val="tx1">
+                    <a:lumMod val="75000"/>
+                    <a:lumOff val="25000"/>
+                  </a:schemeClr>
+                </a:solidFill>
+                <a:latin typeface="+mn-lt"/>
+                <a:ea typeface="+mn-ea"/>
+                <a:cs typeface="+mn-cs"/>
+              </a:defRPr>
+            </a:lvl4pPr>
+            <a:lvl5pPr marL="932688" indent="-182880" algn="l" defTabSz="914400" rtl="0" eaLnBrk="1" latinLnBrk="0" hangingPunct="1">
+              <a:lnSpc>
+                <a:spcPct val="90000"/>
+              </a:lnSpc>
+              <a:spcBef>
+                <a:spcPts val="200"/>
+              </a:spcBef>
+              <a:spcAft>
+                <a:spcPts val="400"/>
+              </a:spcAft>
+              <a:buClr>
+                <a:schemeClr val="accent1"/>
+              </a:buClr>
+              <a:buFont typeface="Calibri" pitchFamily="34" charset="0"/>
+              <a:buChar char="◦"/>
+              <a:defRPr sz="1400" kern="1200">
+                <a:solidFill>
+                  <a:schemeClr val="tx1">
+                    <a:lumMod val="75000"/>
+                    <a:lumOff val="25000"/>
+                  </a:schemeClr>
+                </a:solidFill>
+                <a:latin typeface="+mn-lt"/>
+                <a:ea typeface="+mn-ea"/>
+                <a:cs typeface="+mn-cs"/>
+              </a:defRPr>
+            </a:lvl5pPr>
+            <a:lvl6pPr marL="1100000" indent="-228600" algn="l" defTabSz="914400" rtl="0" eaLnBrk="1" latinLnBrk="0" hangingPunct="1">
+              <a:lnSpc>
+                <a:spcPct val="90000"/>
+              </a:lnSpc>
+              <a:spcBef>
+                <a:spcPts val="200"/>
+              </a:spcBef>
+              <a:spcAft>
+                <a:spcPts val="400"/>
+              </a:spcAft>
+              <a:buClr>
+                <a:schemeClr val="accent1"/>
+              </a:buClr>
+              <a:buFont typeface="Calibri" pitchFamily="34" charset="0"/>
+              <a:buChar char="◦"/>
+              <a:defRPr sz="1400" kern="1200">
+                <a:solidFill>
+                  <a:schemeClr val="tx1">
+                    <a:lumMod val="75000"/>
+                    <a:lumOff val="25000"/>
+                  </a:schemeClr>
+                </a:solidFill>
+                <a:latin typeface="+mn-lt"/>
+                <a:ea typeface="+mn-ea"/>
+                <a:cs typeface="+mn-cs"/>
+              </a:defRPr>
+            </a:lvl6pPr>
+            <a:lvl7pPr marL="1300000" indent="-228600" algn="l" defTabSz="914400" rtl="0" eaLnBrk="1" latinLnBrk="0" hangingPunct="1">
+              <a:lnSpc>
+                <a:spcPct val="90000"/>
+              </a:lnSpc>
+              <a:spcBef>
+                <a:spcPts val="200"/>
+              </a:spcBef>
+              <a:spcAft>
+                <a:spcPts val="400"/>
+              </a:spcAft>
+              <a:buClr>
+                <a:schemeClr val="accent1"/>
+              </a:buClr>
+              <a:buFont typeface="Calibri" pitchFamily="34" charset="0"/>
+              <a:buChar char="◦"/>
+              <a:defRPr sz="1400" kern="1200">
+                <a:solidFill>
+                  <a:schemeClr val="tx1">
+                    <a:lumMod val="75000"/>
+                    <a:lumOff val="25000"/>
+                  </a:schemeClr>
+                </a:solidFill>
+                <a:latin typeface="+mn-lt"/>
+                <a:ea typeface="+mn-ea"/>
+                <a:cs typeface="+mn-cs"/>
+              </a:defRPr>
+            </a:lvl7pPr>
+            <a:lvl8pPr marL="1500000" indent="-228600" algn="l" defTabSz="914400" rtl="0" eaLnBrk="1" latinLnBrk="0" hangingPunct="1">
+              <a:lnSpc>
+                <a:spcPct val="90000"/>
+              </a:lnSpc>
+              <a:spcBef>
+                <a:spcPts val="200"/>
+              </a:spcBef>
+              <a:spcAft>
+                <a:spcPts val="400"/>
+              </a:spcAft>
+              <a:buClr>
+                <a:schemeClr val="accent1"/>
+              </a:buClr>
+              <a:buFont typeface="Calibri" pitchFamily="34" charset="0"/>
+              <a:buChar char="◦"/>
+              <a:defRPr sz="1400" kern="1200">
+                <a:solidFill>
+                  <a:schemeClr val="tx1">
+                    <a:lumMod val="75000"/>
+                    <a:lumOff val="25000"/>
+                  </a:schemeClr>
+                </a:solidFill>
+                <a:latin typeface="+mn-lt"/>
+                <a:ea typeface="+mn-ea"/>
+                <a:cs typeface="+mn-cs"/>
+              </a:defRPr>
+            </a:lvl8pPr>
+            <a:lvl9pPr marL="1700000" indent="-228600" algn="l" defTabSz="914400" rtl="0" eaLnBrk="1" latinLnBrk="0" hangingPunct="1">
+              <a:lnSpc>
+                <a:spcPct val="90000"/>
+              </a:lnSpc>
+              <a:spcBef>
+                <a:spcPts val="200"/>
+              </a:spcBef>
+              <a:spcAft>
+                <a:spcPts val="400"/>
+              </a:spcAft>
+              <a:buClr>
+                <a:schemeClr val="accent1"/>
+              </a:buClr>
+              <a:buFont typeface="Calibri" pitchFamily="34" charset="0"/>
+              <a:buChar char="◦"/>
+              <a:defRPr sz="1400" kern="1200">
+                <a:solidFill>
+                  <a:schemeClr val="tx1">
+                    <a:lumMod val="75000"/>
+                    <a:lumOff val="25000"/>
+                  </a:schemeClr>
+                </a:solidFill>
+                <a:latin typeface="+mn-lt"/>
+                <a:ea typeface="+mn-ea"/>
+                <a:cs typeface="+mn-cs"/>
+              </a:defRPr>
+            </a:lvl9pPr>
+          </a:lstStyle>
+          <a:p>
+            <a:r>
+              <a:rPr lang="pt-BR" dirty="0"/>
+              <a:t>Os sistemas e equipamentos são antigos, alguns softwares estão desatualizados e não há plano de substituição a curto prazo. Apesar disso, a empresa depende desses sistemas para continuar funcionando.</a:t>
+            </a:r>
+          </a:p>
+          <a:p>
+            <a:r>
+              <a:rPr lang="pt-BR" dirty="0"/>
+              <a:t>Desafio: como lidar com vulnerabilidades tecnológicas sem poder trocar toda a infraestrutura de imediato?</a:t>
+            </a:r>
+          </a:p>
+          <a:p>
+            <a:endParaRPr lang="pt-BR" dirty="0"/>
+          </a:p>
+        </p:txBody>
+      </p:sp>
+      <p:sp>
+        <p:nvSpPr>
+          <p:cNvPr id="8" name="Title 1">
+            <a:extLst>
+              <a:ext uri="{FF2B5EF4-FFF2-40B4-BE49-F238E27FC236}">
+                <a16:creationId xmlns:a16="http://schemas.microsoft.com/office/drawing/2014/main" id="{1D7B64BE-5791-F97A-4609-894A87B428DF}"/>
+              </a:ext>
+            </a:extLst>
+          </p:cNvPr>
+          <p:cNvSpPr txBox="1">
+            <a:spLocks/>
+          </p:cNvSpPr>
+          <p:nvPr/>
+        </p:nvSpPr>
+        <p:spPr>
+          <a:xfrm>
+            <a:off x="4736592" y="3055301"/>
+            <a:ext cx="4114800" cy="701675"/>
+          </a:xfrm>
+          <a:prstGeom prst="rect">
+            <a:avLst/>
+          </a:prstGeom>
+        </p:spPr>
+        <p:txBody>
+          <a:bodyPr vert="horz" lIns="91440" tIns="45720" rIns="91440" bIns="45720" rtlCol="0" anchor="b">
+            <a:noAutofit/>
+          </a:bodyPr>
+          <a:lstStyle>
+            <a:lvl1pPr algn="l" defTabSz="914400" rtl="0" eaLnBrk="1" latinLnBrk="0" hangingPunct="1">
+              <a:lnSpc>
+                <a:spcPct val="85000"/>
+              </a:lnSpc>
+              <a:spcBef>
+                <a:spcPct val="0"/>
+              </a:spcBef>
+              <a:buNone/>
+              <a:defRPr sz="4800" kern="1200" spc="-50" baseline="0">
+                <a:solidFill>
+                  <a:schemeClr val="tx1">
+                    <a:lumMod val="75000"/>
+                    <a:lumOff val="25000"/>
+                  </a:schemeClr>
+                </a:solidFill>
+                <a:latin typeface="+mj-lt"/>
+                <a:ea typeface="+mj-ea"/>
+                <a:cs typeface="+mj-cs"/>
+              </a:defRPr>
+            </a:lvl1pPr>
+          </a:lstStyle>
+          <a:p>
+            <a:r>
+              <a:rPr lang="en-US" sz="2000" dirty="0"/>
+              <a:t>E – Alta </a:t>
+            </a:r>
+            <a:r>
+              <a:rPr lang="en-US" sz="2000" dirty="0" err="1"/>
+              <a:t>dependência</a:t>
+            </a:r>
+            <a:r>
+              <a:rPr lang="en-US" sz="2000" dirty="0"/>
               <a:t> de </a:t>
             </a:r>
             <a:r>
-              <a:rPr dirty="0" err="1"/>
-              <a:t>segurança</a:t>
-            </a:r>
-            <a:r>
-              <a:rPr dirty="0"/>
-              <a:t>?</a:t>
+              <a:rPr lang="en-US" sz="2000" dirty="0" err="1"/>
+              <a:t>terceiros</a:t>
+            </a:r>
+            <a:endParaRPr lang="en-US" sz="2000" dirty="0"/>
+          </a:p>
+        </p:txBody>
+      </p:sp>
+      <p:sp>
+        <p:nvSpPr>
+          <p:cNvPr id="9" name="Content Placeholder 2">
+            <a:extLst>
+              <a:ext uri="{FF2B5EF4-FFF2-40B4-BE49-F238E27FC236}">
+                <a16:creationId xmlns:a16="http://schemas.microsoft.com/office/drawing/2014/main" id="{3B101411-FAA8-CDF4-7E92-C720C792D68E}"/>
+              </a:ext>
+            </a:extLst>
+          </p:cNvPr>
+          <p:cNvSpPr txBox="1">
+            <a:spLocks/>
+          </p:cNvSpPr>
+          <p:nvPr/>
+        </p:nvSpPr>
+        <p:spPr>
+          <a:xfrm>
+            <a:off x="4736592" y="3749294"/>
+            <a:ext cx="3575304" cy="2584830"/>
+          </a:xfrm>
+          <a:prstGeom prst="rect">
+            <a:avLst/>
+          </a:prstGeom>
+        </p:spPr>
+        <p:txBody>
+          <a:bodyPr vert="horz" lIns="0" tIns="45720" rIns="0" bIns="45720" rtlCol="0">
+            <a:normAutofit fontScale="92500" lnSpcReduction="20000"/>
+          </a:bodyPr>
+          <a:lstStyle>
+            <a:lvl1pPr marL="91440" indent="-91440" algn="l" defTabSz="914400" rtl="0" eaLnBrk="1" latinLnBrk="0" hangingPunct="1">
+              <a:lnSpc>
+                <a:spcPct val="90000"/>
+              </a:lnSpc>
+              <a:spcBef>
+                <a:spcPts val="1200"/>
+              </a:spcBef>
+              <a:spcAft>
+                <a:spcPts val="200"/>
+              </a:spcAft>
+              <a:buClr>
+                <a:schemeClr val="accent1"/>
+              </a:buClr>
+              <a:buSzPct val="100000"/>
+              <a:buFont typeface="Calibri" panose="020F0502020204030204" pitchFamily="34" charset="0"/>
+              <a:buChar char=" "/>
+              <a:defRPr sz="2000" kern="1200">
+                <a:solidFill>
+                  <a:schemeClr val="tx1">
+                    <a:lumMod val="75000"/>
+                    <a:lumOff val="25000"/>
+                  </a:schemeClr>
+                </a:solidFill>
+                <a:latin typeface="+mn-lt"/>
+                <a:ea typeface="+mn-ea"/>
+                <a:cs typeface="+mn-cs"/>
+              </a:defRPr>
+            </a:lvl1pPr>
+            <a:lvl2pPr marL="384048" indent="-182880" algn="l" defTabSz="914400" rtl="0" eaLnBrk="1" latinLnBrk="0" hangingPunct="1">
+              <a:lnSpc>
+                <a:spcPct val="90000"/>
+              </a:lnSpc>
+              <a:spcBef>
+                <a:spcPts val="200"/>
+              </a:spcBef>
+              <a:spcAft>
+                <a:spcPts val="400"/>
+              </a:spcAft>
+              <a:buClr>
+                <a:schemeClr val="accent1"/>
+              </a:buClr>
+              <a:buFont typeface="Calibri" pitchFamily="34" charset="0"/>
+              <a:buChar char="◦"/>
+              <a:defRPr sz="1800" kern="1200">
+                <a:solidFill>
+                  <a:schemeClr val="tx1">
+                    <a:lumMod val="75000"/>
+                    <a:lumOff val="25000"/>
+                  </a:schemeClr>
+                </a:solidFill>
+                <a:latin typeface="+mn-lt"/>
+                <a:ea typeface="+mn-ea"/>
+                <a:cs typeface="+mn-cs"/>
+              </a:defRPr>
+            </a:lvl2pPr>
+            <a:lvl3pPr marL="566928" indent="-182880" algn="l" defTabSz="914400" rtl="0" eaLnBrk="1" latinLnBrk="0" hangingPunct="1">
+              <a:lnSpc>
+                <a:spcPct val="90000"/>
+              </a:lnSpc>
+              <a:spcBef>
+                <a:spcPts val="200"/>
+              </a:spcBef>
+              <a:spcAft>
+                <a:spcPts val="400"/>
+              </a:spcAft>
+              <a:buClr>
+                <a:schemeClr val="accent1"/>
+              </a:buClr>
+              <a:buFont typeface="Calibri" pitchFamily="34" charset="0"/>
+              <a:buChar char="◦"/>
+              <a:defRPr sz="1400" kern="1200">
+                <a:solidFill>
+                  <a:schemeClr val="tx1">
+                    <a:lumMod val="75000"/>
+                    <a:lumOff val="25000"/>
+                  </a:schemeClr>
+                </a:solidFill>
+                <a:latin typeface="+mn-lt"/>
+                <a:ea typeface="+mn-ea"/>
+                <a:cs typeface="+mn-cs"/>
+              </a:defRPr>
+            </a:lvl3pPr>
+            <a:lvl4pPr marL="749808" indent="-182880" algn="l" defTabSz="914400" rtl="0" eaLnBrk="1" latinLnBrk="0" hangingPunct="1">
+              <a:lnSpc>
+                <a:spcPct val="90000"/>
+              </a:lnSpc>
+              <a:spcBef>
+                <a:spcPts val="200"/>
+              </a:spcBef>
+              <a:spcAft>
+                <a:spcPts val="400"/>
+              </a:spcAft>
+              <a:buClr>
+                <a:schemeClr val="accent1"/>
+              </a:buClr>
+              <a:buFont typeface="Calibri" pitchFamily="34" charset="0"/>
+              <a:buChar char="◦"/>
+              <a:defRPr sz="1400" kern="1200">
+                <a:solidFill>
+                  <a:schemeClr val="tx1">
+                    <a:lumMod val="75000"/>
+                    <a:lumOff val="25000"/>
+                  </a:schemeClr>
+                </a:solidFill>
+                <a:latin typeface="+mn-lt"/>
+                <a:ea typeface="+mn-ea"/>
+                <a:cs typeface="+mn-cs"/>
+              </a:defRPr>
+            </a:lvl4pPr>
+            <a:lvl5pPr marL="932688" indent="-182880" algn="l" defTabSz="914400" rtl="0" eaLnBrk="1" latinLnBrk="0" hangingPunct="1">
+              <a:lnSpc>
+                <a:spcPct val="90000"/>
+              </a:lnSpc>
+              <a:spcBef>
+                <a:spcPts val="200"/>
+              </a:spcBef>
+              <a:spcAft>
+                <a:spcPts val="400"/>
+              </a:spcAft>
+              <a:buClr>
+                <a:schemeClr val="accent1"/>
+              </a:buClr>
+              <a:buFont typeface="Calibri" pitchFamily="34" charset="0"/>
+              <a:buChar char="◦"/>
+              <a:defRPr sz="1400" kern="1200">
+                <a:solidFill>
+                  <a:schemeClr val="tx1">
+                    <a:lumMod val="75000"/>
+                    <a:lumOff val="25000"/>
+                  </a:schemeClr>
+                </a:solidFill>
+                <a:latin typeface="+mn-lt"/>
+                <a:ea typeface="+mn-ea"/>
+                <a:cs typeface="+mn-cs"/>
+              </a:defRPr>
+            </a:lvl5pPr>
+            <a:lvl6pPr marL="1100000" indent="-228600" algn="l" defTabSz="914400" rtl="0" eaLnBrk="1" latinLnBrk="0" hangingPunct="1">
+              <a:lnSpc>
+                <a:spcPct val="90000"/>
+              </a:lnSpc>
+              <a:spcBef>
+                <a:spcPts val="200"/>
+              </a:spcBef>
+              <a:spcAft>
+                <a:spcPts val="400"/>
+              </a:spcAft>
+              <a:buClr>
+                <a:schemeClr val="accent1"/>
+              </a:buClr>
+              <a:buFont typeface="Calibri" pitchFamily="34" charset="0"/>
+              <a:buChar char="◦"/>
+              <a:defRPr sz="1400" kern="1200">
+                <a:solidFill>
+                  <a:schemeClr val="tx1">
+                    <a:lumMod val="75000"/>
+                    <a:lumOff val="25000"/>
+                  </a:schemeClr>
+                </a:solidFill>
+                <a:latin typeface="+mn-lt"/>
+                <a:ea typeface="+mn-ea"/>
+                <a:cs typeface="+mn-cs"/>
+              </a:defRPr>
+            </a:lvl6pPr>
+            <a:lvl7pPr marL="1300000" indent="-228600" algn="l" defTabSz="914400" rtl="0" eaLnBrk="1" latinLnBrk="0" hangingPunct="1">
+              <a:lnSpc>
+                <a:spcPct val="90000"/>
+              </a:lnSpc>
+              <a:spcBef>
+                <a:spcPts val="200"/>
+              </a:spcBef>
+              <a:spcAft>
+                <a:spcPts val="400"/>
+              </a:spcAft>
+              <a:buClr>
+                <a:schemeClr val="accent1"/>
+              </a:buClr>
+              <a:buFont typeface="Calibri" pitchFamily="34" charset="0"/>
+              <a:buChar char="◦"/>
+              <a:defRPr sz="1400" kern="1200">
+                <a:solidFill>
+                  <a:schemeClr val="tx1">
+                    <a:lumMod val="75000"/>
+                    <a:lumOff val="25000"/>
+                  </a:schemeClr>
+                </a:solidFill>
+                <a:latin typeface="+mn-lt"/>
+                <a:ea typeface="+mn-ea"/>
+                <a:cs typeface="+mn-cs"/>
+              </a:defRPr>
+            </a:lvl7pPr>
+            <a:lvl8pPr marL="1500000" indent="-228600" algn="l" defTabSz="914400" rtl="0" eaLnBrk="1" latinLnBrk="0" hangingPunct="1">
+              <a:lnSpc>
+                <a:spcPct val="90000"/>
+              </a:lnSpc>
+              <a:spcBef>
+                <a:spcPts val="200"/>
+              </a:spcBef>
+              <a:spcAft>
+                <a:spcPts val="400"/>
+              </a:spcAft>
+              <a:buClr>
+                <a:schemeClr val="accent1"/>
+              </a:buClr>
+              <a:buFont typeface="Calibri" pitchFamily="34" charset="0"/>
+              <a:buChar char="◦"/>
+              <a:defRPr sz="1400" kern="1200">
+                <a:solidFill>
+                  <a:schemeClr val="tx1">
+                    <a:lumMod val="75000"/>
+                    <a:lumOff val="25000"/>
+                  </a:schemeClr>
+                </a:solidFill>
+                <a:latin typeface="+mn-lt"/>
+                <a:ea typeface="+mn-ea"/>
+                <a:cs typeface="+mn-cs"/>
+              </a:defRPr>
+            </a:lvl8pPr>
+            <a:lvl9pPr marL="1700000" indent="-228600" algn="l" defTabSz="914400" rtl="0" eaLnBrk="1" latinLnBrk="0" hangingPunct="1">
+              <a:lnSpc>
+                <a:spcPct val="90000"/>
+              </a:lnSpc>
+              <a:spcBef>
+                <a:spcPts val="200"/>
+              </a:spcBef>
+              <a:spcAft>
+                <a:spcPts val="400"/>
+              </a:spcAft>
+              <a:buClr>
+                <a:schemeClr val="accent1"/>
+              </a:buClr>
+              <a:buFont typeface="Calibri" pitchFamily="34" charset="0"/>
+              <a:buChar char="◦"/>
+              <a:defRPr sz="1400" kern="1200">
+                <a:solidFill>
+                  <a:schemeClr val="tx1">
+                    <a:lumMod val="75000"/>
+                    <a:lumOff val="25000"/>
+                  </a:schemeClr>
+                </a:solidFill>
+                <a:latin typeface="+mn-lt"/>
+                <a:ea typeface="+mn-ea"/>
+                <a:cs typeface="+mn-cs"/>
+              </a:defRPr>
+            </a:lvl9pPr>
+          </a:lstStyle>
+          <a:p>
+            <a:r>
+              <a:rPr lang="pt-BR" dirty="0"/>
+              <a:t>Grande parte dos serviços de TI é terceirizada, incluindo hospedagem de sistemas e manutenção de servidores. A empresa não tem controle total sobre os provedores contratados.</a:t>
+            </a:r>
+          </a:p>
+          <a:p>
+            <a:r>
+              <a:rPr lang="pt-BR" dirty="0"/>
+              <a:t>Desafio: como garantir a segurança da informação mesmo dependendo de fornecedores externos?</a:t>
             </a:r>
           </a:p>
         </p:txBody>
@@ -22630,7 +26029,13 @@
   <p:cSld>
     <p:spTree>
       <p:nvGrpSpPr>
-        <p:cNvPr id="1" name=""/>
+        <p:cNvPr id="1" name="">
+          <a:extLst>
+            <a:ext uri="{FF2B5EF4-FFF2-40B4-BE49-F238E27FC236}">
+              <a16:creationId xmlns:a16="http://schemas.microsoft.com/office/drawing/2014/main" id="{8DA48DC9-BD40-89E2-B92F-66757D1B6AAF}"/>
+            </a:ext>
+          </a:extLst>
+        </p:cNvPr>
         <p:cNvGrpSpPr/>
         <p:nvPr/>
       </p:nvGrpSpPr>
@@ -22644,7 +26049,13 @@
       </p:grpSpPr>
       <p:sp>
         <p:nvSpPr>
-          <p:cNvPr id="2" name="Title 1"/>
+          <p:cNvPr id="2" name="Title 1">
+            <a:extLst>
+              <a:ext uri="{FF2B5EF4-FFF2-40B4-BE49-F238E27FC236}">
+                <a16:creationId xmlns:a16="http://schemas.microsoft.com/office/drawing/2014/main" id="{6ED8272C-5D3B-D005-8079-2F6EA3480392}"/>
+              </a:ext>
+            </a:extLst>
+          </p:cNvPr>
           <p:cNvSpPr>
             <a:spLocks noGrp="1"/>
           </p:cNvSpPr>
@@ -22658,14 +26069,20 @@
           <a:lstStyle/>
           <a:p>
             <a:r>
-              <a:t>Cenário C – Infraestrutura defasada</a:t>
+              <a:t>Cenário A – Pouco orçamento</a:t>
             </a:r>
           </a:p>
         </p:txBody>
       </p:sp>
       <p:sp>
         <p:nvSpPr>
-          <p:cNvPr id="3" name="Content Placeholder 2"/>
+          <p:cNvPr id="3" name="Content Placeholder 2">
+            <a:extLst>
+              <a:ext uri="{FF2B5EF4-FFF2-40B4-BE49-F238E27FC236}">
+                <a16:creationId xmlns:a16="http://schemas.microsoft.com/office/drawing/2014/main" id="{898BE457-4B52-078D-F666-7C2BB5E82D9D}"/>
+              </a:ext>
+            </a:extLst>
+          </p:cNvPr>
           <p:cNvSpPr>
             <a:spLocks noGrp="1"/>
           </p:cNvSpPr>
@@ -22679,16 +26096,44 @@
           <a:lstStyle/>
           <a:p>
             <a:r>
-              <a:rPr dirty="0" err="1"/>
-              <a:t>Os</a:t>
-            </a:r>
-            <a:r>
-              <a:rPr dirty="0"/>
-              <a:t> </a:t>
-            </a:r>
-            <a:r>
-              <a:rPr dirty="0" err="1"/>
-              <a:t>sistemas</a:t>
+              <a:rPr dirty="0"/>
+              <a:t>A </a:t>
+            </a:r>
+            <a:r>
+              <a:rPr dirty="0" err="1"/>
+              <a:t>empresa</a:t>
+            </a:r>
+            <a:r>
+              <a:rPr dirty="0"/>
+              <a:t> </a:t>
+            </a:r>
+            <a:r>
+              <a:rPr dirty="0" err="1"/>
+              <a:t>está</a:t>
+            </a:r>
+            <a:r>
+              <a:rPr dirty="0"/>
+              <a:t> </a:t>
+            </a:r>
+            <a:r>
+              <a:rPr dirty="0" err="1"/>
+              <a:t>em</a:t>
+            </a:r>
+            <a:r>
+              <a:rPr dirty="0"/>
+              <a:t> </a:t>
+            </a:r>
+            <a:r>
+              <a:rPr dirty="0" err="1"/>
+              <a:t>fase</a:t>
+            </a:r>
+            <a:r>
+              <a:rPr dirty="0"/>
+              <a:t> </a:t>
+            </a:r>
+            <a:r>
+              <a:rPr dirty="0" err="1"/>
+              <a:t>inicial</a:t>
             </a:r>
             <a:r>
               <a:rPr dirty="0"/>
@@ -22696,62 +26141,6 @@
             </a:r>
             <a:r>
               <a:rPr dirty="0" err="1"/>
-              <a:t>equipamentos</a:t>
-            </a:r>
-            <a:r>
-              <a:rPr dirty="0"/>
-              <a:t> </a:t>
-            </a:r>
-            <a:r>
-              <a:rPr dirty="0" err="1"/>
-              <a:t>são</a:t>
-            </a:r>
-            <a:r>
-              <a:rPr dirty="0"/>
-              <a:t> </a:t>
-            </a:r>
-            <a:r>
-              <a:rPr dirty="0" err="1"/>
-              <a:t>antigos</a:t>
-            </a:r>
-            <a:r>
-              <a:rPr dirty="0"/>
-              <a:t>, </a:t>
-            </a:r>
-            <a:r>
-              <a:rPr dirty="0" err="1"/>
-              <a:t>alguns</a:t>
-            </a:r>
-            <a:r>
-              <a:rPr dirty="0"/>
-              <a:t> </a:t>
-            </a:r>
-            <a:r>
-              <a:rPr dirty="0" err="1"/>
-              <a:t>softwares</a:t>
-            </a:r>
-            <a:r>
-              <a:rPr dirty="0"/>
-              <a:t> </a:t>
-            </a:r>
-            <a:r>
-              <a:rPr dirty="0" err="1"/>
-              <a:t>estão</a:t>
-            </a:r>
-            <a:r>
-              <a:rPr dirty="0"/>
-              <a:t> </a:t>
-            </a:r>
-            <a:r>
-              <a:rPr dirty="0" err="1"/>
-              <a:t>desatualizados</a:t>
-            </a:r>
-            <a:r>
-              <a:rPr dirty="0"/>
-              <a:t> e </a:t>
-            </a:r>
-            <a:r>
-              <a:rPr dirty="0" err="1"/>
               <a:t>não</a:t>
             </a:r>
             <a:r>
@@ -22760,31 +26149,39 @@
             </a:r>
             <a:r>
               <a:rPr dirty="0" err="1"/>
-              <a:t>há</a:t>
-            </a:r>
-            <a:r>
-              <a:rPr dirty="0"/>
-              <a:t> plano de </a:t>
-            </a:r>
-            <a:r>
-              <a:rPr dirty="0" err="1"/>
-              <a:t>substituição</a:t>
-            </a:r>
-            <a:r>
-              <a:rPr dirty="0"/>
-              <a:t> a </a:t>
-            </a:r>
-            <a:r>
-              <a:rPr dirty="0" err="1"/>
-              <a:t>curto</a:t>
-            </a:r>
-            <a:r>
-              <a:rPr dirty="0"/>
-              <a:t> </a:t>
-            </a:r>
-            <a:r>
-              <a:rPr dirty="0" err="1"/>
-              <a:t>prazo</a:t>
+              <a:t>possui</a:t>
+            </a:r>
+            <a:r>
+              <a:rPr dirty="0"/>
+              <a:t> verba </a:t>
+            </a:r>
+            <a:r>
+              <a:rPr dirty="0" err="1"/>
+              <a:t>suficiente</a:t>
+            </a:r>
+            <a:r>
+              <a:rPr dirty="0"/>
+              <a:t> para </a:t>
+            </a:r>
+            <a:r>
+              <a:rPr dirty="0" err="1"/>
+              <a:t>adquirir</a:t>
+            </a:r>
+            <a:r>
+              <a:rPr dirty="0"/>
+              <a:t> </a:t>
+            </a:r>
+            <a:r>
+              <a:rPr dirty="0" err="1"/>
+              <a:t>novas</a:t>
+            </a:r>
+            <a:r>
+              <a:rPr dirty="0"/>
+              <a:t> ferramentas </a:t>
+            </a:r>
+            <a:r>
+              <a:rPr dirty="0" err="1"/>
+              <a:t>tecnológicas</a:t>
             </a:r>
             <a:r>
               <a:rPr dirty="0"/>
@@ -22792,63 +26189,71 @@
             </a:r>
             <a:r>
               <a:rPr dirty="0" err="1"/>
-              <a:t>Apesar</a:t>
-            </a:r>
-            <a:r>
-              <a:rPr dirty="0"/>
-              <a:t> </a:t>
-            </a:r>
-            <a:r>
-              <a:rPr dirty="0" err="1"/>
-              <a:t>disso</a:t>
-            </a:r>
-            <a:r>
-              <a:rPr dirty="0"/>
-              <a:t>, a </a:t>
-            </a:r>
-            <a:r>
-              <a:rPr dirty="0" err="1"/>
-              <a:t>empresa</a:t>
-            </a:r>
-            <a:r>
-              <a:rPr dirty="0"/>
-              <a:t> </a:t>
-            </a:r>
-            <a:r>
-              <a:rPr dirty="0" err="1"/>
-              <a:t>depende</a:t>
-            </a:r>
-            <a:r>
-              <a:rPr dirty="0"/>
-              <a:t> </a:t>
-            </a:r>
-            <a:r>
-              <a:rPr dirty="0" err="1"/>
-              <a:t>desses</a:t>
-            </a:r>
-            <a:r>
-              <a:rPr dirty="0"/>
-              <a:t> </a:t>
-            </a:r>
-            <a:r>
-              <a:rPr dirty="0" err="1"/>
-              <a:t>sistemas</a:t>
-            </a:r>
-            <a:r>
-              <a:rPr dirty="0"/>
-              <a:t> para </a:t>
-            </a:r>
-            <a:r>
-              <a:rPr dirty="0" err="1"/>
-              <a:t>continuar</a:t>
-            </a:r>
-            <a:r>
-              <a:rPr dirty="0"/>
-              <a:t> </a:t>
-            </a:r>
-            <a:r>
-              <a:rPr dirty="0" err="1"/>
-              <a:t>funcionando</a:t>
+              <a:t>Quase</a:t>
+            </a:r>
+            <a:r>
+              <a:rPr dirty="0"/>
+              <a:t> </a:t>
+            </a:r>
+            <a:r>
+              <a:rPr dirty="0" err="1"/>
+              <a:t>todo</a:t>
+            </a:r>
+            <a:r>
+              <a:rPr dirty="0"/>
+              <a:t> o </a:t>
+            </a:r>
+            <a:r>
+              <a:rPr dirty="0" err="1"/>
+              <a:t>orçamento</a:t>
+            </a:r>
+            <a:r>
+              <a:rPr dirty="0"/>
+              <a:t> </a:t>
+            </a:r>
+            <a:r>
+              <a:rPr dirty="0" err="1"/>
+              <a:t>disponível</a:t>
+            </a:r>
+            <a:r>
+              <a:rPr dirty="0"/>
+              <a:t> </a:t>
+            </a:r>
+            <a:r>
+              <a:rPr dirty="0" err="1"/>
+              <a:t>já</a:t>
+            </a:r>
+            <a:r>
+              <a:rPr dirty="0"/>
+              <a:t> </a:t>
+            </a:r>
+            <a:r>
+              <a:rPr dirty="0" err="1"/>
+              <a:t>está</a:t>
+            </a:r>
+            <a:r>
+              <a:rPr dirty="0"/>
+              <a:t> </a:t>
+            </a:r>
+            <a:r>
+              <a:rPr dirty="0" err="1"/>
+              <a:t>comprometido</a:t>
+            </a:r>
+            <a:r>
+              <a:rPr dirty="0"/>
+              <a:t> com </a:t>
+            </a:r>
+            <a:r>
+              <a:rPr dirty="0" err="1"/>
+              <a:t>despesas</a:t>
+            </a:r>
+            <a:r>
+              <a:rPr dirty="0"/>
+              <a:t> </a:t>
+            </a:r>
+            <a:r>
+              <a:rPr dirty="0" err="1"/>
+              <a:t>operacionais</a:t>
             </a:r>
             <a:r>
               <a:rPr dirty="0"/>
@@ -22870,19 +26275,19 @@
             </a:r>
             <a:r>
               <a:rPr dirty="0"/>
-              <a:t> lidar com </a:t>
-            </a:r>
-            <a:r>
-              <a:rPr dirty="0" err="1"/>
-              <a:t>vulnerabilidades</a:t>
-            </a:r>
-            <a:r>
-              <a:rPr dirty="0"/>
-              <a:t> </a:t>
-            </a:r>
-            <a:r>
-              <a:rPr dirty="0" err="1"/>
-              <a:t>tecnológicas</a:t>
+              <a:t> </a:t>
+            </a:r>
+            <a:r>
+              <a:rPr dirty="0" err="1"/>
+              <a:t>manter</a:t>
+            </a:r>
+            <a:r>
+              <a:rPr dirty="0"/>
+              <a:t> um SGSI </a:t>
+            </a:r>
+            <a:r>
+              <a:rPr dirty="0" err="1"/>
+              <a:t>mínimo</a:t>
             </a:r>
             <a:r>
               <a:rPr dirty="0"/>
@@ -22898,31 +26303,63 @@
             </a:r>
             <a:r>
               <a:rPr dirty="0" err="1"/>
-              <a:t>poder</a:t>
-            </a:r>
-            <a:r>
-              <a:rPr dirty="0"/>
-              <a:t> trocar </a:t>
-            </a:r>
-            <a:r>
-              <a:rPr dirty="0" err="1"/>
-              <a:t>toda</a:t>
-            </a:r>
-            <a:r>
-              <a:rPr dirty="0"/>
-              <a:t> a </a:t>
-            </a:r>
-            <a:r>
-              <a:rPr dirty="0" err="1"/>
-              <a:t>infraestrutura</a:t>
-            </a:r>
-            <a:r>
-              <a:rPr dirty="0"/>
-              <a:t> de </a:t>
-            </a:r>
-            <a:r>
-              <a:rPr dirty="0" err="1"/>
-              <a:t>imediato</a:t>
+              <a:t>gastar</a:t>
+            </a:r>
+            <a:r>
+              <a:rPr dirty="0"/>
+              <a:t> </a:t>
+            </a:r>
+            <a:r>
+              <a:rPr dirty="0" err="1"/>
+              <a:t>muito</a:t>
+            </a:r>
+            <a:r>
+              <a:rPr dirty="0"/>
+              <a:t>? Quais </a:t>
+            </a:r>
+            <a:r>
+              <a:rPr dirty="0" err="1"/>
+              <a:t>controles</a:t>
+            </a:r>
+            <a:r>
+              <a:rPr dirty="0"/>
+              <a:t> </a:t>
+            </a:r>
+            <a:r>
+              <a:rPr dirty="0" err="1"/>
+              <a:t>administrativos</a:t>
+            </a:r>
+            <a:r>
+              <a:rPr dirty="0"/>
+              <a:t> </a:t>
+            </a:r>
+            <a:r>
+              <a:rPr dirty="0" err="1"/>
+              <a:t>ou</a:t>
+            </a:r>
+            <a:r>
+              <a:rPr dirty="0"/>
+              <a:t> </a:t>
+            </a:r>
+            <a:r>
+              <a:rPr dirty="0" err="1"/>
+              <a:t>organizacionais</a:t>
+            </a:r>
+            <a:r>
+              <a:rPr dirty="0"/>
+              <a:t> </a:t>
+            </a:r>
+            <a:r>
+              <a:rPr dirty="0" err="1"/>
+              <a:t>podem</a:t>
+            </a:r>
+            <a:r>
+              <a:rPr dirty="0"/>
+              <a:t> ser </a:t>
+            </a:r>
+            <a:r>
+              <a:rPr dirty="0" err="1"/>
+              <a:t>priorizados</a:t>
             </a:r>
             <a:r>
               <a:rPr dirty="0"/>
@@ -22932,6 +26369,11 @@
         </p:txBody>
       </p:sp>
     </p:spTree>
+    <p:extLst>
+      <p:ext uri="{BB962C8B-B14F-4D97-AF65-F5344CB8AC3E}">
+        <p14:creationId xmlns:p14="http://schemas.microsoft.com/office/powerpoint/2010/main" val="742467640"/>
+      </p:ext>
+    </p:extLst>
   </p:cSld>
   <p:clrMapOvr>
     <a:masterClrMapping/>
@@ -22972,7 +26414,7 @@
           <a:lstStyle/>
           <a:p>
             <a:r>
-              <a:t>Cenário D – Crescimento acelerado</a:t>
+              <a:t>Cenário B – Falta de pessoal treinado</a:t>
             </a:r>
           </a:p>
         </p:txBody>
@@ -22998,55 +26440,111 @@
             </a:r>
             <a:r>
               <a:rPr dirty="0" err="1"/>
-              <a:t>empresa</a:t>
-            </a:r>
-            <a:r>
-              <a:rPr dirty="0"/>
-              <a:t> </a:t>
-            </a:r>
-            <a:r>
-              <a:rPr dirty="0" err="1"/>
-              <a:t>está</a:t>
-            </a:r>
-            <a:r>
-              <a:rPr dirty="0"/>
-              <a:t> </a:t>
-            </a:r>
-            <a:r>
-              <a:rPr dirty="0" err="1"/>
-              <a:t>expandindo</a:t>
-            </a:r>
-            <a:r>
-              <a:rPr dirty="0"/>
-              <a:t> </a:t>
-            </a:r>
-            <a:r>
-              <a:rPr dirty="0" err="1"/>
-              <a:t>rapidamente</a:t>
-            </a:r>
-            <a:r>
-              <a:rPr dirty="0"/>
-              <a:t>, </a:t>
-            </a:r>
-            <a:r>
-              <a:rPr dirty="0" err="1"/>
-              <a:t>contratando</a:t>
-            </a:r>
-            <a:r>
-              <a:rPr dirty="0"/>
-              <a:t> </a:t>
-            </a:r>
-            <a:r>
-              <a:rPr dirty="0" err="1"/>
-              <a:t>novos</a:t>
-            </a:r>
-            <a:r>
-              <a:rPr dirty="0"/>
-              <a:t> </a:t>
-            </a:r>
-            <a:r>
-              <a:rPr dirty="0" err="1"/>
-              <a:t>funcionários</a:t>
+              <a:t>organização</a:t>
+            </a:r>
+            <a:r>
+              <a:rPr dirty="0"/>
+              <a:t> </a:t>
+            </a:r>
+            <a:r>
+              <a:rPr dirty="0" err="1"/>
+              <a:t>possui</a:t>
+            </a:r>
+            <a:r>
+              <a:rPr dirty="0"/>
+              <a:t> </a:t>
+            </a:r>
+            <a:r>
+              <a:rPr dirty="0" err="1"/>
+              <a:t>infraestrutura</a:t>
+            </a:r>
+            <a:r>
+              <a:rPr dirty="0"/>
+              <a:t> </a:t>
+            </a:r>
+            <a:r>
+              <a:rPr dirty="0" err="1"/>
+              <a:t>razoável</a:t>
+            </a:r>
+            <a:r>
+              <a:rPr dirty="0"/>
+              <a:t>, mas a equipe </a:t>
+            </a:r>
+            <a:r>
+              <a:rPr dirty="0" err="1"/>
+              <a:t>não</a:t>
+            </a:r>
+            <a:r>
+              <a:rPr dirty="0"/>
+              <a:t> </a:t>
+            </a:r>
+            <a:r>
+              <a:rPr dirty="0" err="1"/>
+              <a:t>tem</a:t>
+            </a:r>
+            <a:r>
+              <a:rPr dirty="0"/>
+              <a:t> </a:t>
+            </a:r>
+            <a:r>
+              <a:rPr dirty="0" err="1"/>
+              <a:t>experiência</a:t>
+            </a:r>
+            <a:r>
+              <a:rPr dirty="0"/>
+              <a:t> </a:t>
+            </a:r>
+            <a:r>
+              <a:rPr dirty="0" err="1"/>
+              <a:t>em</a:t>
+            </a:r>
+            <a:r>
+              <a:rPr dirty="0"/>
+              <a:t> </a:t>
+            </a:r>
+            <a:r>
+              <a:rPr dirty="0" err="1"/>
+              <a:t>segurança</a:t>
+            </a:r>
+            <a:r>
+              <a:rPr dirty="0"/>
+              <a:t> da </a:t>
+            </a:r>
+            <a:r>
+              <a:rPr dirty="0" err="1"/>
+              <a:t>informação</a:t>
+            </a:r>
+            <a:r>
+              <a:rPr dirty="0"/>
+              <a:t>. </a:t>
+            </a:r>
+            <a:r>
+              <a:rPr dirty="0" err="1"/>
+              <a:t>Há</a:t>
+            </a:r>
+            <a:r>
+              <a:rPr dirty="0"/>
+              <a:t> </a:t>
+            </a:r>
+            <a:r>
+              <a:rPr dirty="0" err="1"/>
+              <a:t>poucos</a:t>
+            </a:r>
+            <a:r>
+              <a:rPr dirty="0"/>
+              <a:t> </a:t>
+            </a:r>
+            <a:r>
+              <a:rPr dirty="0" err="1"/>
+              <a:t>profissionais</a:t>
+            </a:r>
+            <a:r>
+              <a:rPr dirty="0"/>
+              <a:t> </a:t>
+            </a:r>
+            <a:r>
+              <a:rPr dirty="0" err="1"/>
+              <a:t>capacitados</a:t>
             </a:r>
             <a:r>
               <a:rPr dirty="0"/>
@@ -23054,38 +26552,6 @@
             </a:r>
             <a:r>
               <a:rPr dirty="0" err="1"/>
-              <a:t>abrindo</a:t>
-            </a:r>
-            <a:r>
-              <a:rPr dirty="0"/>
-              <a:t> </a:t>
-            </a:r>
-            <a:r>
-              <a:rPr dirty="0" err="1"/>
-              <a:t>novas</a:t>
-            </a:r>
-            <a:r>
-              <a:rPr dirty="0"/>
-              <a:t> </a:t>
-            </a:r>
-            <a:r>
-              <a:rPr dirty="0" err="1"/>
-              <a:t>unidades</a:t>
-            </a:r>
-            <a:r>
-              <a:rPr dirty="0"/>
-              <a:t>. </a:t>
-            </a:r>
-            <a:r>
-              <a:rPr dirty="0" err="1"/>
-              <a:t>Entretanto</a:t>
-            </a:r>
-            <a:r>
-              <a:rPr dirty="0"/>
-              <a:t>, o SGSI </a:t>
-            </a:r>
-            <a:r>
-              <a:rPr dirty="0" err="1"/>
               <a:t>não</a:t>
             </a:r>
             <a:r>
@@ -23094,38 +26560,6 @@
             </a:r>
             <a:r>
               <a:rPr dirty="0" err="1"/>
-              <a:t>acompanhou</a:t>
-            </a:r>
-            <a:r>
-              <a:rPr dirty="0"/>
-              <a:t> </a:t>
-            </a:r>
-            <a:r>
-              <a:rPr dirty="0" err="1"/>
-              <a:t>esse</a:t>
-            </a:r>
-            <a:r>
-              <a:rPr dirty="0"/>
-              <a:t> </a:t>
-            </a:r>
-            <a:r>
-              <a:rPr dirty="0" err="1"/>
-              <a:t>crescimento</a:t>
-            </a:r>
-            <a:r>
-              <a:rPr dirty="0"/>
-              <a:t> e </a:t>
-            </a:r>
-            <a:r>
-              <a:rPr dirty="0" err="1"/>
-              <a:t>não</a:t>
-            </a:r>
-            <a:r>
-              <a:rPr dirty="0"/>
-              <a:t> </a:t>
-            </a:r>
-            <a:r>
-              <a:rPr dirty="0" err="1"/>
               <a:t>há</a:t>
             </a:r>
             <a:r>
@@ -23134,15 +26568,7 @@
             </a:r>
             <a:r>
               <a:rPr dirty="0" err="1"/>
-              <a:t>padronização</a:t>
-            </a:r>
-            <a:r>
-              <a:rPr dirty="0"/>
-              <a:t> das </a:t>
-            </a:r>
-            <a:r>
-              <a:rPr dirty="0" err="1"/>
-              <a:t>práticas</a:t>
+              <a:t>programas</a:t>
             </a:r>
             <a:r>
               <a:rPr dirty="0"/>
@@ -23150,7 +26576,23 @@
             </a:r>
             <a:r>
               <a:rPr dirty="0" err="1"/>
-              <a:t>segurança</a:t>
+              <a:t>treinamento</a:t>
+            </a:r>
+            <a:r>
+              <a:rPr dirty="0"/>
+              <a:t> </a:t>
+            </a:r>
+            <a:r>
+              <a:rPr dirty="0" err="1"/>
+              <a:t>em</a:t>
+            </a:r>
+            <a:r>
+              <a:rPr dirty="0"/>
+              <a:t> </a:t>
+            </a:r>
+            <a:r>
+              <a:rPr dirty="0" err="1"/>
+              <a:t>andamento</a:t>
             </a:r>
             <a:r>
               <a:rPr dirty="0"/>
@@ -23176,15 +26618,47 @@
             </a:r>
             <a:r>
               <a:rPr dirty="0" err="1"/>
-              <a:t>estabelecer</a:t>
-            </a:r>
-            <a:r>
-              <a:rPr dirty="0"/>
-              <a:t> </a:t>
-            </a:r>
-            <a:r>
-              <a:rPr dirty="0" err="1"/>
-              <a:t>controles</a:t>
+              <a:t>reduzir</a:t>
+            </a:r>
+            <a:r>
+              <a:rPr dirty="0"/>
+              <a:t> </a:t>
+            </a:r>
+            <a:r>
+              <a:rPr dirty="0" err="1"/>
+              <a:t>riscos</a:t>
+            </a:r>
+            <a:r>
+              <a:rPr dirty="0"/>
+              <a:t> com </a:t>
+            </a:r>
+            <a:r>
+              <a:rPr dirty="0" err="1"/>
+              <a:t>uma</a:t>
+            </a:r>
+            <a:r>
+              <a:rPr dirty="0"/>
+              <a:t> equipe que </a:t>
+            </a:r>
+            <a:r>
+              <a:rPr dirty="0" err="1"/>
+              <a:t>não</a:t>
+            </a:r>
+            <a:r>
+              <a:rPr dirty="0"/>
+              <a:t> </a:t>
+            </a:r>
+            <a:r>
+              <a:rPr dirty="0" err="1"/>
+              <a:t>domina</a:t>
+            </a:r>
+            <a:r>
+              <a:rPr dirty="0"/>
+              <a:t> boas </a:t>
+            </a:r>
+            <a:r>
+              <a:rPr dirty="0" err="1"/>
+              <a:t>práticas</a:t>
             </a:r>
             <a:r>
               <a:rPr dirty="0"/>
@@ -23193,38 +26667,6 @@
             <a:r>
               <a:rPr dirty="0" err="1"/>
               <a:t>segurança</a:t>
-            </a:r>
-            <a:r>
-              <a:rPr dirty="0"/>
-              <a:t> </a:t>
-            </a:r>
-            <a:r>
-              <a:rPr dirty="0" err="1"/>
-              <a:t>enquanto</a:t>
-            </a:r>
-            <a:r>
-              <a:rPr dirty="0"/>
-              <a:t> a </a:t>
-            </a:r>
-            <a:r>
-              <a:rPr dirty="0" err="1"/>
-              <a:t>empresa</a:t>
-            </a:r>
-            <a:r>
-              <a:rPr dirty="0"/>
-              <a:t> </a:t>
-            </a:r>
-            <a:r>
-              <a:rPr dirty="0" err="1"/>
-              <a:t>cresce</a:t>
-            </a:r>
-            <a:r>
-              <a:rPr dirty="0"/>
-              <a:t> de forma </a:t>
-            </a:r>
-            <a:r>
-              <a:rPr dirty="0" err="1"/>
-              <a:t>desorganizada</a:t>
             </a:r>
             <a:r>
               <a:rPr dirty="0"/>
@@ -23274,7 +26716,7 @@
           <a:lstStyle/>
           <a:p>
             <a:r>
-              <a:t>Cenário E – Alta dependência de terceiros</a:t>
+              <a:t>Cenário C – Infraestrutura defasada</a:t>
             </a:r>
           </a:p>
         </p:txBody>
@@ -23295,28 +26737,40 @@
           <a:lstStyle/>
           <a:p>
             <a:r>
-              <a:rPr dirty="0"/>
-              <a:t>Grande </a:t>
-            </a:r>
-            <a:r>
-              <a:rPr dirty="0" err="1"/>
-              <a:t>parte</a:t>
-            </a:r>
-            <a:r>
-              <a:rPr dirty="0"/>
-              <a:t> dos </a:t>
-            </a:r>
-            <a:r>
-              <a:rPr dirty="0" err="1"/>
-              <a:t>serviços</a:t>
-            </a:r>
-            <a:r>
-              <a:rPr dirty="0"/>
-              <a:t> de TI é </a:t>
-            </a:r>
-            <a:r>
-              <a:rPr dirty="0" err="1"/>
-              <a:t>terceirizada</a:t>
+              <a:rPr dirty="0" err="1"/>
+              <a:t>Os</a:t>
+            </a:r>
+            <a:r>
+              <a:rPr dirty="0"/>
+              <a:t> </a:t>
+            </a:r>
+            <a:r>
+              <a:rPr dirty="0" err="1"/>
+              <a:t>sistemas</a:t>
+            </a:r>
+            <a:r>
+              <a:rPr dirty="0"/>
+              <a:t> e </a:t>
+            </a:r>
+            <a:r>
+              <a:rPr dirty="0" err="1"/>
+              <a:t>equipamentos</a:t>
+            </a:r>
+            <a:r>
+              <a:rPr dirty="0"/>
+              <a:t> </a:t>
+            </a:r>
+            <a:r>
+              <a:rPr dirty="0" err="1"/>
+              <a:t>são</a:t>
+            </a:r>
+            <a:r>
+              <a:rPr dirty="0"/>
+              <a:t> </a:t>
+            </a:r>
+            <a:r>
+              <a:rPr dirty="0" err="1"/>
+              <a:t>antigos</a:t>
             </a:r>
             <a:r>
               <a:rPr dirty="0"/>
@@ -23324,19 +26778,115 @@
             </a:r>
             <a:r>
               <a:rPr dirty="0" err="1"/>
-              <a:t>incluindo</a:t>
-            </a:r>
-            <a:r>
-              <a:rPr dirty="0"/>
-              <a:t> </a:t>
-            </a:r>
-            <a:r>
-              <a:rPr dirty="0" err="1"/>
-              <a:t>hospedagem</a:t>
-            </a:r>
-            <a:r>
-              <a:rPr dirty="0"/>
-              <a:t> de </a:t>
+              <a:t>alguns</a:t>
+            </a:r>
+            <a:r>
+              <a:rPr dirty="0"/>
+              <a:t> </a:t>
+            </a:r>
+            <a:r>
+              <a:rPr dirty="0" err="1"/>
+              <a:t>softwares</a:t>
+            </a:r>
+            <a:r>
+              <a:rPr dirty="0"/>
+              <a:t> </a:t>
+            </a:r>
+            <a:r>
+              <a:rPr dirty="0" err="1"/>
+              <a:t>estão</a:t>
+            </a:r>
+            <a:r>
+              <a:rPr dirty="0"/>
+              <a:t> </a:t>
+            </a:r>
+            <a:r>
+              <a:rPr dirty="0" err="1"/>
+              <a:t>desatualizados</a:t>
+            </a:r>
+            <a:r>
+              <a:rPr dirty="0"/>
+              <a:t> e </a:t>
+            </a:r>
+            <a:r>
+              <a:rPr dirty="0" err="1"/>
+              <a:t>não</a:t>
+            </a:r>
+            <a:r>
+              <a:rPr dirty="0"/>
+              <a:t> </a:t>
+            </a:r>
+            <a:r>
+              <a:rPr dirty="0" err="1"/>
+              <a:t>há</a:t>
+            </a:r>
+            <a:r>
+              <a:rPr dirty="0"/>
+              <a:t> plano de </a:t>
+            </a:r>
+            <a:r>
+              <a:rPr dirty="0" err="1"/>
+              <a:t>substituição</a:t>
+            </a:r>
+            <a:r>
+              <a:rPr dirty="0"/>
+              <a:t> a </a:t>
+            </a:r>
+            <a:r>
+              <a:rPr dirty="0" err="1"/>
+              <a:t>curto</a:t>
+            </a:r>
+            <a:r>
+              <a:rPr dirty="0"/>
+              <a:t> </a:t>
+            </a:r>
+            <a:r>
+              <a:rPr dirty="0" err="1"/>
+              <a:t>prazo</a:t>
+            </a:r>
+            <a:r>
+              <a:rPr dirty="0"/>
+              <a:t>. </a:t>
+            </a:r>
+            <a:r>
+              <a:rPr dirty="0" err="1"/>
+              <a:t>Apesar</a:t>
+            </a:r>
+            <a:r>
+              <a:rPr dirty="0"/>
+              <a:t> </a:t>
+            </a:r>
+            <a:r>
+              <a:rPr dirty="0" err="1"/>
+              <a:t>disso</a:t>
+            </a:r>
+            <a:r>
+              <a:rPr dirty="0"/>
+              <a:t>, a </a:t>
+            </a:r>
+            <a:r>
+              <a:rPr dirty="0" err="1"/>
+              <a:t>empresa</a:t>
+            </a:r>
+            <a:r>
+              <a:rPr dirty="0"/>
+              <a:t> </a:t>
+            </a:r>
+            <a:r>
+              <a:rPr dirty="0" err="1"/>
+              <a:t>depende</a:t>
+            </a:r>
+            <a:r>
+              <a:rPr dirty="0"/>
+              <a:t> </a:t>
+            </a:r>
+            <a:r>
+              <a:rPr dirty="0" err="1"/>
+              <a:t>desses</a:t>
+            </a:r>
+            <a:r>
+              <a:rPr dirty="0"/>
+              <a:t> </a:t>
             </a:r>
             <a:r>
               <a:rPr dirty="0" err="1"/>
@@ -23344,75 +26894,19 @@
             </a:r>
             <a:r>
               <a:rPr dirty="0"/>
-              <a:t> e </a:t>
-            </a:r>
-            <a:r>
-              <a:rPr dirty="0" err="1"/>
-              <a:t>manutenção</a:t>
-            </a:r>
-            <a:r>
-              <a:rPr dirty="0"/>
-              <a:t> de </a:t>
-            </a:r>
-            <a:r>
-              <a:rPr dirty="0" err="1"/>
-              <a:t>servidores</a:t>
-            </a:r>
-            <a:r>
-              <a:rPr dirty="0"/>
-              <a:t>. A </a:t>
-            </a:r>
-            <a:r>
-              <a:rPr dirty="0" err="1"/>
-              <a:t>empresa</a:t>
-            </a:r>
-            <a:r>
-              <a:rPr dirty="0"/>
-              <a:t> </a:t>
-            </a:r>
-            <a:r>
-              <a:rPr dirty="0" err="1"/>
-              <a:t>não</a:t>
-            </a:r>
-            <a:r>
-              <a:rPr dirty="0"/>
-              <a:t> </a:t>
-            </a:r>
-            <a:r>
-              <a:rPr dirty="0" err="1"/>
-              <a:t>tem</a:t>
-            </a:r>
-            <a:r>
-              <a:rPr dirty="0"/>
-              <a:t> </a:t>
-            </a:r>
-            <a:r>
-              <a:rPr dirty="0" err="1"/>
-              <a:t>controle</a:t>
-            </a:r>
-            <a:r>
-              <a:rPr dirty="0"/>
-              <a:t> total </a:t>
-            </a:r>
-            <a:r>
-              <a:rPr dirty="0" err="1"/>
-              <a:t>sobre</a:t>
-            </a:r>
-            <a:r>
-              <a:rPr dirty="0"/>
-              <a:t> </a:t>
-            </a:r>
-            <a:r>
-              <a:rPr dirty="0" err="1"/>
-              <a:t>os</a:t>
-            </a:r>
-            <a:r>
-              <a:rPr dirty="0"/>
-              <a:t> provedores </a:t>
-            </a:r>
-            <a:r>
-              <a:rPr dirty="0" err="1"/>
-              <a:t>contratados</a:t>
+              <a:t> para </a:t>
+            </a:r>
+            <a:r>
+              <a:rPr dirty="0" err="1"/>
+              <a:t>continuar</a:t>
+            </a:r>
+            <a:r>
+              <a:rPr dirty="0"/>
+              <a:t> </a:t>
+            </a:r>
+            <a:r>
+              <a:rPr dirty="0" err="1"/>
+              <a:t>funcionando</a:t>
             </a:r>
             <a:r>
               <a:rPr dirty="0"/>
@@ -23434,11 +26928,43 @@
             </a:r>
             <a:r>
               <a:rPr dirty="0"/>
-              <a:t> </a:t>
-            </a:r>
-            <a:r>
-              <a:rPr dirty="0" err="1"/>
-              <a:t>garantir</a:t>
+              <a:t> lidar com </a:t>
+            </a:r>
+            <a:r>
+              <a:rPr dirty="0" err="1"/>
+              <a:t>vulnerabilidades</a:t>
+            </a:r>
+            <a:r>
+              <a:rPr dirty="0"/>
+              <a:t> </a:t>
+            </a:r>
+            <a:r>
+              <a:rPr dirty="0" err="1"/>
+              <a:t>tecnológicas</a:t>
+            </a:r>
+            <a:r>
+              <a:rPr dirty="0"/>
+              <a:t> </a:t>
+            </a:r>
+            <a:r>
+              <a:rPr dirty="0" err="1"/>
+              <a:t>sem</a:t>
+            </a:r>
+            <a:r>
+              <a:rPr dirty="0"/>
+              <a:t> </a:t>
+            </a:r>
+            <a:r>
+              <a:rPr dirty="0" err="1"/>
+              <a:t>poder</a:t>
+            </a:r>
+            <a:r>
+              <a:rPr dirty="0"/>
+              <a:t> trocar </a:t>
+            </a:r>
+            <a:r>
+              <a:rPr dirty="0" err="1"/>
+              <a:t>toda</a:t>
             </a:r>
             <a:r>
               <a:rPr dirty="0"/>
@@ -23446,31 +26972,7 @@
             </a:r>
             <a:r>
               <a:rPr dirty="0" err="1"/>
-              <a:t>segurança</a:t>
-            </a:r>
-            <a:r>
-              <a:rPr dirty="0"/>
-              <a:t> da </a:t>
-            </a:r>
-            <a:r>
-              <a:rPr dirty="0" err="1"/>
-              <a:t>informação</a:t>
-            </a:r>
-            <a:r>
-              <a:rPr dirty="0"/>
-              <a:t> </a:t>
-            </a:r>
-            <a:r>
-              <a:rPr dirty="0" err="1"/>
-              <a:t>mesmo</a:t>
-            </a:r>
-            <a:r>
-              <a:rPr dirty="0"/>
-              <a:t> </a:t>
-            </a:r>
-            <a:r>
-              <a:rPr dirty="0" err="1"/>
-              <a:t>dependendo</a:t>
+              <a:t>infraestrutura</a:t>
             </a:r>
             <a:r>
               <a:rPr dirty="0"/>
@@ -23478,15 +26980,7 @@
             </a:r>
             <a:r>
               <a:rPr dirty="0" err="1"/>
-              <a:t>fornecedores</a:t>
-            </a:r>
-            <a:r>
-              <a:rPr dirty="0"/>
-              <a:t> </a:t>
-            </a:r>
-            <a:r>
-              <a:rPr dirty="0" err="1"/>
-              <a:t>externos</a:t>
+              <a:t>imediato</a:t>
             </a:r>
             <a:r>
               <a:rPr dirty="0"/>
@@ -23847,6 +27341,570 @@
 </file>
 
 <file path=ppt/slides/slide30.xml><?xml version="1.0" encoding="utf-8"?>
+<p:sld xmlns:a="http://schemas.openxmlformats.org/drawingml/2006/main" xmlns:r="http://schemas.openxmlformats.org/officeDocument/2006/relationships" xmlns:p="http://schemas.openxmlformats.org/presentationml/2006/main">
+  <p:cSld>
+    <p:spTree>
+      <p:nvGrpSpPr>
+        <p:cNvPr id="1" name=""/>
+        <p:cNvGrpSpPr/>
+        <p:nvPr/>
+      </p:nvGrpSpPr>
+      <p:grpSpPr>
+        <a:xfrm>
+          <a:off x="0" y="0"/>
+          <a:ext cx="0" cy="0"/>
+          <a:chOff x="0" y="0"/>
+          <a:chExt cx="0" cy="0"/>
+        </a:xfrm>
+      </p:grpSpPr>
+      <p:sp>
+        <p:nvSpPr>
+          <p:cNvPr id="2" name="Title 1"/>
+          <p:cNvSpPr>
+            <a:spLocks noGrp="1"/>
+          </p:cNvSpPr>
+          <p:nvPr>
+            <p:ph type="title"/>
+          </p:nvPr>
+        </p:nvSpPr>
+        <p:spPr/>
+        <p:txBody>
+          <a:bodyPr/>
+          <a:lstStyle/>
+          <a:p>
+            <a:r>
+              <a:t>Cenário D – Crescimento acelerado</a:t>
+            </a:r>
+          </a:p>
+        </p:txBody>
+      </p:sp>
+      <p:sp>
+        <p:nvSpPr>
+          <p:cNvPr id="3" name="Content Placeholder 2"/>
+          <p:cNvSpPr>
+            <a:spLocks noGrp="1"/>
+          </p:cNvSpPr>
+          <p:nvPr>
+            <p:ph idx="1"/>
+          </p:nvPr>
+        </p:nvSpPr>
+        <p:spPr/>
+        <p:txBody>
+          <a:bodyPr/>
+          <a:lstStyle/>
+          <a:p>
+            <a:r>
+              <a:rPr dirty="0"/>
+              <a:t>A </a:t>
+            </a:r>
+            <a:r>
+              <a:rPr dirty="0" err="1"/>
+              <a:t>empresa</a:t>
+            </a:r>
+            <a:r>
+              <a:rPr dirty="0"/>
+              <a:t> </a:t>
+            </a:r>
+            <a:r>
+              <a:rPr dirty="0" err="1"/>
+              <a:t>está</a:t>
+            </a:r>
+            <a:r>
+              <a:rPr dirty="0"/>
+              <a:t> </a:t>
+            </a:r>
+            <a:r>
+              <a:rPr dirty="0" err="1"/>
+              <a:t>expandindo</a:t>
+            </a:r>
+            <a:r>
+              <a:rPr dirty="0"/>
+              <a:t> </a:t>
+            </a:r>
+            <a:r>
+              <a:rPr dirty="0" err="1"/>
+              <a:t>rapidamente</a:t>
+            </a:r>
+            <a:r>
+              <a:rPr dirty="0"/>
+              <a:t>, </a:t>
+            </a:r>
+            <a:r>
+              <a:rPr dirty="0" err="1"/>
+              <a:t>contratando</a:t>
+            </a:r>
+            <a:r>
+              <a:rPr dirty="0"/>
+              <a:t> </a:t>
+            </a:r>
+            <a:r>
+              <a:rPr dirty="0" err="1"/>
+              <a:t>novos</a:t>
+            </a:r>
+            <a:r>
+              <a:rPr dirty="0"/>
+              <a:t> </a:t>
+            </a:r>
+            <a:r>
+              <a:rPr dirty="0" err="1"/>
+              <a:t>funcionários</a:t>
+            </a:r>
+            <a:r>
+              <a:rPr dirty="0"/>
+              <a:t> e </a:t>
+            </a:r>
+            <a:r>
+              <a:rPr dirty="0" err="1"/>
+              <a:t>abrindo</a:t>
+            </a:r>
+            <a:r>
+              <a:rPr dirty="0"/>
+              <a:t> </a:t>
+            </a:r>
+            <a:r>
+              <a:rPr dirty="0" err="1"/>
+              <a:t>novas</a:t>
+            </a:r>
+            <a:r>
+              <a:rPr dirty="0"/>
+              <a:t> </a:t>
+            </a:r>
+            <a:r>
+              <a:rPr dirty="0" err="1"/>
+              <a:t>unidades</a:t>
+            </a:r>
+            <a:r>
+              <a:rPr dirty="0"/>
+              <a:t>. </a:t>
+            </a:r>
+            <a:r>
+              <a:rPr dirty="0" err="1"/>
+              <a:t>Entretanto</a:t>
+            </a:r>
+            <a:r>
+              <a:rPr dirty="0"/>
+              <a:t>, o SGSI </a:t>
+            </a:r>
+            <a:r>
+              <a:rPr dirty="0" err="1"/>
+              <a:t>não</a:t>
+            </a:r>
+            <a:r>
+              <a:rPr dirty="0"/>
+              <a:t> </a:t>
+            </a:r>
+            <a:r>
+              <a:rPr dirty="0" err="1"/>
+              <a:t>acompanhou</a:t>
+            </a:r>
+            <a:r>
+              <a:rPr dirty="0"/>
+              <a:t> </a:t>
+            </a:r>
+            <a:r>
+              <a:rPr dirty="0" err="1"/>
+              <a:t>esse</a:t>
+            </a:r>
+            <a:r>
+              <a:rPr dirty="0"/>
+              <a:t> </a:t>
+            </a:r>
+            <a:r>
+              <a:rPr dirty="0" err="1"/>
+              <a:t>crescimento</a:t>
+            </a:r>
+            <a:r>
+              <a:rPr dirty="0"/>
+              <a:t> e </a:t>
+            </a:r>
+            <a:r>
+              <a:rPr dirty="0" err="1"/>
+              <a:t>não</a:t>
+            </a:r>
+            <a:r>
+              <a:rPr dirty="0"/>
+              <a:t> </a:t>
+            </a:r>
+            <a:r>
+              <a:rPr dirty="0" err="1"/>
+              <a:t>há</a:t>
+            </a:r>
+            <a:r>
+              <a:rPr dirty="0"/>
+              <a:t> </a:t>
+            </a:r>
+            <a:r>
+              <a:rPr dirty="0" err="1"/>
+              <a:t>padronização</a:t>
+            </a:r>
+            <a:r>
+              <a:rPr dirty="0"/>
+              <a:t> das </a:t>
+            </a:r>
+            <a:r>
+              <a:rPr dirty="0" err="1"/>
+              <a:t>práticas</a:t>
+            </a:r>
+            <a:r>
+              <a:rPr dirty="0"/>
+              <a:t> de </a:t>
+            </a:r>
+            <a:r>
+              <a:rPr dirty="0" err="1"/>
+              <a:t>segurança</a:t>
+            </a:r>
+            <a:r>
+              <a:rPr dirty="0"/>
+              <a:t>.</a:t>
+            </a:r>
+          </a:p>
+          <a:p>
+            <a:r>
+              <a:rPr dirty="0" err="1"/>
+              <a:t>Desafio</a:t>
+            </a:r>
+            <a:r>
+              <a:rPr dirty="0"/>
+              <a:t>: </a:t>
+            </a:r>
+            <a:r>
+              <a:rPr dirty="0" err="1"/>
+              <a:t>como</a:t>
+            </a:r>
+            <a:r>
+              <a:rPr dirty="0"/>
+              <a:t> </a:t>
+            </a:r>
+            <a:r>
+              <a:rPr dirty="0" err="1"/>
+              <a:t>estabelecer</a:t>
+            </a:r>
+            <a:r>
+              <a:rPr dirty="0"/>
+              <a:t> </a:t>
+            </a:r>
+            <a:r>
+              <a:rPr dirty="0" err="1"/>
+              <a:t>controles</a:t>
+            </a:r>
+            <a:r>
+              <a:rPr dirty="0"/>
+              <a:t> de </a:t>
+            </a:r>
+            <a:r>
+              <a:rPr dirty="0" err="1"/>
+              <a:t>segurança</a:t>
+            </a:r>
+            <a:r>
+              <a:rPr dirty="0"/>
+              <a:t> </a:t>
+            </a:r>
+            <a:r>
+              <a:rPr dirty="0" err="1"/>
+              <a:t>enquanto</a:t>
+            </a:r>
+            <a:r>
+              <a:rPr dirty="0"/>
+              <a:t> a </a:t>
+            </a:r>
+            <a:r>
+              <a:rPr dirty="0" err="1"/>
+              <a:t>empresa</a:t>
+            </a:r>
+            <a:r>
+              <a:rPr dirty="0"/>
+              <a:t> </a:t>
+            </a:r>
+            <a:r>
+              <a:rPr dirty="0" err="1"/>
+              <a:t>cresce</a:t>
+            </a:r>
+            <a:r>
+              <a:rPr dirty="0"/>
+              <a:t> de forma </a:t>
+            </a:r>
+            <a:r>
+              <a:rPr dirty="0" err="1"/>
+              <a:t>desorganizada</a:t>
+            </a:r>
+            <a:r>
+              <a:rPr dirty="0"/>
+              <a:t>?</a:t>
+            </a:r>
+          </a:p>
+        </p:txBody>
+      </p:sp>
+    </p:spTree>
+  </p:cSld>
+  <p:clrMapOvr>
+    <a:masterClrMapping/>
+  </p:clrMapOvr>
+</p:sld>
+</file>
+
+<file path=ppt/slides/slide31.xml><?xml version="1.0" encoding="utf-8"?>
+<p:sld xmlns:a="http://schemas.openxmlformats.org/drawingml/2006/main" xmlns:r="http://schemas.openxmlformats.org/officeDocument/2006/relationships" xmlns:p="http://schemas.openxmlformats.org/presentationml/2006/main">
+  <p:cSld>
+    <p:spTree>
+      <p:nvGrpSpPr>
+        <p:cNvPr id="1" name=""/>
+        <p:cNvGrpSpPr/>
+        <p:nvPr/>
+      </p:nvGrpSpPr>
+      <p:grpSpPr>
+        <a:xfrm>
+          <a:off x="0" y="0"/>
+          <a:ext cx="0" cy="0"/>
+          <a:chOff x="0" y="0"/>
+          <a:chExt cx="0" cy="0"/>
+        </a:xfrm>
+      </p:grpSpPr>
+      <p:sp>
+        <p:nvSpPr>
+          <p:cNvPr id="2" name="Title 1"/>
+          <p:cNvSpPr>
+            <a:spLocks noGrp="1"/>
+          </p:cNvSpPr>
+          <p:nvPr>
+            <p:ph type="title"/>
+          </p:nvPr>
+        </p:nvSpPr>
+        <p:spPr/>
+        <p:txBody>
+          <a:bodyPr/>
+          <a:lstStyle/>
+          <a:p>
+            <a:r>
+              <a:t>Cenário E – Alta dependência de terceiros</a:t>
+            </a:r>
+          </a:p>
+        </p:txBody>
+      </p:sp>
+      <p:sp>
+        <p:nvSpPr>
+          <p:cNvPr id="3" name="Content Placeholder 2"/>
+          <p:cNvSpPr>
+            <a:spLocks noGrp="1"/>
+          </p:cNvSpPr>
+          <p:nvPr>
+            <p:ph idx="1"/>
+          </p:nvPr>
+        </p:nvSpPr>
+        <p:spPr/>
+        <p:txBody>
+          <a:bodyPr/>
+          <a:lstStyle/>
+          <a:p>
+            <a:r>
+              <a:rPr dirty="0"/>
+              <a:t>Grande </a:t>
+            </a:r>
+            <a:r>
+              <a:rPr dirty="0" err="1"/>
+              <a:t>parte</a:t>
+            </a:r>
+            <a:r>
+              <a:rPr dirty="0"/>
+              <a:t> dos </a:t>
+            </a:r>
+            <a:r>
+              <a:rPr dirty="0" err="1"/>
+              <a:t>serviços</a:t>
+            </a:r>
+            <a:r>
+              <a:rPr dirty="0"/>
+              <a:t> de TI é </a:t>
+            </a:r>
+            <a:r>
+              <a:rPr dirty="0" err="1"/>
+              <a:t>terceirizada</a:t>
+            </a:r>
+            <a:r>
+              <a:rPr dirty="0"/>
+              <a:t>, </a:t>
+            </a:r>
+            <a:r>
+              <a:rPr dirty="0" err="1"/>
+              <a:t>incluindo</a:t>
+            </a:r>
+            <a:r>
+              <a:rPr dirty="0"/>
+              <a:t> </a:t>
+            </a:r>
+            <a:r>
+              <a:rPr dirty="0" err="1"/>
+              <a:t>hospedagem</a:t>
+            </a:r>
+            <a:r>
+              <a:rPr dirty="0"/>
+              <a:t> de </a:t>
+            </a:r>
+            <a:r>
+              <a:rPr dirty="0" err="1"/>
+              <a:t>sistemas</a:t>
+            </a:r>
+            <a:r>
+              <a:rPr dirty="0"/>
+              <a:t> e </a:t>
+            </a:r>
+            <a:r>
+              <a:rPr dirty="0" err="1"/>
+              <a:t>manutenção</a:t>
+            </a:r>
+            <a:r>
+              <a:rPr dirty="0"/>
+              <a:t> de </a:t>
+            </a:r>
+            <a:r>
+              <a:rPr dirty="0" err="1"/>
+              <a:t>servidores</a:t>
+            </a:r>
+            <a:r>
+              <a:rPr dirty="0"/>
+              <a:t>. A </a:t>
+            </a:r>
+            <a:r>
+              <a:rPr dirty="0" err="1"/>
+              <a:t>empresa</a:t>
+            </a:r>
+            <a:r>
+              <a:rPr dirty="0"/>
+              <a:t> </a:t>
+            </a:r>
+            <a:r>
+              <a:rPr dirty="0" err="1"/>
+              <a:t>não</a:t>
+            </a:r>
+            <a:r>
+              <a:rPr dirty="0"/>
+              <a:t> </a:t>
+            </a:r>
+            <a:r>
+              <a:rPr dirty="0" err="1"/>
+              <a:t>tem</a:t>
+            </a:r>
+            <a:r>
+              <a:rPr dirty="0"/>
+              <a:t> </a:t>
+            </a:r>
+            <a:r>
+              <a:rPr dirty="0" err="1"/>
+              <a:t>controle</a:t>
+            </a:r>
+            <a:r>
+              <a:rPr dirty="0"/>
+              <a:t> total </a:t>
+            </a:r>
+            <a:r>
+              <a:rPr dirty="0" err="1"/>
+              <a:t>sobre</a:t>
+            </a:r>
+            <a:r>
+              <a:rPr dirty="0"/>
+              <a:t> </a:t>
+            </a:r>
+            <a:r>
+              <a:rPr dirty="0" err="1"/>
+              <a:t>os</a:t>
+            </a:r>
+            <a:r>
+              <a:rPr dirty="0"/>
+              <a:t> provedores </a:t>
+            </a:r>
+            <a:r>
+              <a:rPr dirty="0" err="1"/>
+              <a:t>contratados</a:t>
+            </a:r>
+            <a:r>
+              <a:rPr dirty="0"/>
+              <a:t>.</a:t>
+            </a:r>
+          </a:p>
+          <a:p>
+            <a:r>
+              <a:rPr dirty="0" err="1"/>
+              <a:t>Desafio</a:t>
+            </a:r>
+            <a:r>
+              <a:rPr dirty="0"/>
+              <a:t>: </a:t>
+            </a:r>
+            <a:r>
+              <a:rPr dirty="0" err="1"/>
+              <a:t>como</a:t>
+            </a:r>
+            <a:r>
+              <a:rPr dirty="0"/>
+              <a:t> </a:t>
+            </a:r>
+            <a:r>
+              <a:rPr dirty="0" err="1"/>
+              <a:t>garantir</a:t>
+            </a:r>
+            <a:r>
+              <a:rPr dirty="0"/>
+              <a:t> a </a:t>
+            </a:r>
+            <a:r>
+              <a:rPr dirty="0" err="1"/>
+              <a:t>segurança</a:t>
+            </a:r>
+            <a:r>
+              <a:rPr dirty="0"/>
+              <a:t> da </a:t>
+            </a:r>
+            <a:r>
+              <a:rPr dirty="0" err="1"/>
+              <a:t>informação</a:t>
+            </a:r>
+            <a:r>
+              <a:rPr dirty="0"/>
+              <a:t> </a:t>
+            </a:r>
+            <a:r>
+              <a:rPr dirty="0" err="1"/>
+              <a:t>mesmo</a:t>
+            </a:r>
+            <a:r>
+              <a:rPr dirty="0"/>
+              <a:t> </a:t>
+            </a:r>
+            <a:r>
+              <a:rPr dirty="0" err="1"/>
+              <a:t>dependendo</a:t>
+            </a:r>
+            <a:r>
+              <a:rPr dirty="0"/>
+              <a:t> de </a:t>
+            </a:r>
+            <a:r>
+              <a:rPr dirty="0" err="1"/>
+              <a:t>fornecedores</a:t>
+            </a:r>
+            <a:r>
+              <a:rPr dirty="0"/>
+              <a:t> </a:t>
+            </a:r>
+            <a:r>
+              <a:rPr dirty="0" err="1"/>
+              <a:t>externos</a:t>
+            </a:r>
+            <a:r>
+              <a:rPr dirty="0"/>
+              <a:t>?</a:t>
+            </a:r>
+          </a:p>
+        </p:txBody>
+      </p:sp>
+    </p:spTree>
+  </p:cSld>
+  <p:clrMapOvr>
+    <a:masterClrMapping/>
+  </p:clrMapOvr>
+</p:sld>
+</file>
+
+<file path=ppt/slides/slide32.xml><?xml version="1.0" encoding="utf-8"?>
 <p:sld xmlns:a="http://schemas.openxmlformats.org/drawingml/2006/main" xmlns:r="http://schemas.openxmlformats.org/officeDocument/2006/relationships" xmlns:p="http://schemas.openxmlformats.org/presentationml/2006/main">
   <p:cSld>
     <p:spTree>
